--- a/ISS25_Cargoservice.pptx
+++ b/ISS25_Cargoservice.pptx
@@ -1,18 +1,37 @@
 
 <file path=ppt/presentation.xml><?xml version="1.0" encoding="utf-8"?>
-<p:presentation xmlns:a="http://schemas.openxmlformats.org/drawingml/2006/main" xmlns:r="http://schemas.openxmlformats.org/officeDocument/2006/relationships" xmlns:p="http://schemas.openxmlformats.org/presentationml/2006/main" saveSubsetFonts="1">
+<p:presentation xmlns:a="http://schemas.openxmlformats.org/drawingml/2006/main" xmlns:r="http://schemas.openxmlformats.org/officeDocument/2006/relationships" xmlns:p="http://schemas.openxmlformats.org/presentationml/2006/main" embedTrueTypeFonts="1" saveSubsetFonts="1">
   <p:sldMasterIdLst>
-    <p:sldMasterId id="2147483686" r:id="rId1"/>
+    <p:sldMasterId id="2147483648" r:id="rId1"/>
   </p:sldMasterIdLst>
   <p:sldIdLst>
     <p:sldId id="256" r:id="rId2"/>
     <p:sldId id="257" r:id="rId3"/>
+    <p:sldId id="258" r:id="rId4"/>
+    <p:sldId id="259" r:id="rId5"/>
+    <p:sldId id="260" r:id="rId6"/>
+    <p:sldId id="261" r:id="rId7"/>
+    <p:sldId id="262" r:id="rId8"/>
   </p:sldIdLst>
-  <p:sldSz cx="12192000" cy="6858000"/>
+  <p:sldSz cx="18288000" cy="10287000"/>
   <p:notesSz cx="6858000" cy="9144000"/>
+  <p:embeddedFontLst>
+    <p:embeddedFont>
+      <p:font typeface="Helvetica World" panose="020B0604020202020204" charset="-128"/>
+      <p:regular r:id="rId9"/>
+    </p:embeddedFont>
+    <p:embeddedFont>
+      <p:font typeface="Helvetica World Bold" panose="020B0604020202020204" charset="-128"/>
+      <p:regular r:id="rId10"/>
+    </p:embeddedFont>
+    <p:embeddedFont>
+      <p:font typeface="Georgia Pro Condensed" panose="020B0604020202020204" charset="0"/>
+      <p:regular r:id="rId11"/>
+    </p:embeddedFont>
+  </p:embeddedFontLst>
   <p:defaultTextStyle>
     <a:defPPr>
-      <a:defRPr lang="it-IT"/>
+      <a:defRPr lang="en-US"/>
     </a:defPPr>
     <a:lvl1pPr marL="0" algn="l" defTabSz="914400" rtl="0" eaLnBrk="1" latinLnBrk="0" hangingPunct="1">
       <a:defRPr sz="1800" kern="1200">
@@ -105,6 +124,22 @@
       </a:defRPr>
     </a:lvl9pPr>
   </p:defaultTextStyle>
+  <p:extLst>
+    <p:ext uri="{EFAFB233-063F-42B5-8137-9DF3F51BA10A}">
+      <p15:sldGuideLst xmlns:p15="http://schemas.microsoft.com/office/powerpoint/2012/main">
+        <p15:guide id="1" orient="horz" pos="2160">
+          <p15:clr>
+            <a:srgbClr val="A4A3A4"/>
+          </p15:clr>
+        </p15:guide>
+        <p15:guide id="2" pos="2880">
+          <p15:clr>
+            <a:srgbClr val="A4A3A4"/>
+          </p15:clr>
+        </p15:guide>
+      </p15:sldGuideLst>
+    </p:ext>
+  </p:extLst>
 </p:presentation>
 </file>
 
@@ -127,13 +162,7 @@
       </p:grpSpPr>
       <p:sp>
         <p:nvSpPr>
-          <p:cNvPr id="2" name="Title 1">
-            <a:extLst>
-              <a:ext uri="{FF2B5EF4-FFF2-40B4-BE49-F238E27FC236}">
-                <a16:creationId xmlns:a16="http://schemas.microsoft.com/office/drawing/2014/main" id="{898DE6C8-AB1D-4204-BC9C-3366B0BF0435}"/>
-              </a:ext>
-            </a:extLst>
-          </p:cNvPr>
+          <p:cNvPr id="2" name="Title 1"/>
           <p:cNvSpPr>
             <a:spLocks noGrp="1"/>
           </p:cNvSpPr>
@@ -143,37 +172,24 @@
         </p:nvSpPr>
         <p:spPr>
           <a:xfrm>
-            <a:off x="704088" y="889820"/>
-            <a:ext cx="9989574" cy="3598606"/>
+            <a:off x="685800" y="2130425"/>
+            <a:ext cx="7772400" cy="1470025"/>
           </a:xfrm>
         </p:spPr>
         <p:txBody>
-          <a:bodyPr anchor="t">
-            <a:normAutofit/>
-          </a:bodyPr>
-          <a:lstStyle>
-            <a:lvl1pPr algn="l">
-              <a:defRPr sz="5400"/>
-            </a:lvl1pPr>
-          </a:lstStyle>
+          <a:bodyPr/>
+          <a:lstStyle/>
           <a:p>
             <a:r>
               <a:rPr lang="en-US"/>
               <a:t>Click to edit Master title style</a:t>
             </a:r>
-            <a:endParaRPr lang="en-US" dirty="0"/>
-          </a:p>
-        </p:txBody>
-      </p:sp>
-      <p:sp>
-        <p:nvSpPr>
-          <p:cNvPr id="3" name="Subtitle 2">
-            <a:extLst>
-              <a:ext uri="{FF2B5EF4-FFF2-40B4-BE49-F238E27FC236}">
-                <a16:creationId xmlns:a16="http://schemas.microsoft.com/office/drawing/2014/main" id="{7A7B9009-EE50-4EE5-B6EB-CD6EC83D3FA3}"/>
-              </a:ext>
-            </a:extLst>
-          </p:cNvPr>
+          </a:p>
+        </p:txBody>
+      </p:sp>
+      <p:sp>
+        <p:nvSpPr>
+          <p:cNvPr id="3" name="Subtitle 2"/>
           <p:cNvSpPr>
             <a:spLocks noGrp="1"/>
           </p:cNvSpPr>
@@ -183,50 +199,102 @@
         </p:nvSpPr>
         <p:spPr>
           <a:xfrm>
-            <a:off x="704088" y="4488426"/>
-            <a:ext cx="6991776" cy="1302774"/>
+            <a:off x="1371600" y="3886200"/>
+            <a:ext cx="6400800" cy="1752600"/>
           </a:xfrm>
         </p:spPr>
         <p:txBody>
-          <a:bodyPr anchor="b">
-            <a:normAutofit/>
-          </a:bodyPr>
+          <a:bodyPr/>
           <a:lstStyle>
-            <a:lvl1pPr marL="0" indent="0" algn="l">
+            <a:lvl1pPr marL="0" indent="0" algn="ctr">
               <a:buNone/>
-              <a:defRPr sz="2000"/>
+              <a:defRPr>
+                <a:solidFill>
+                  <a:schemeClr val="tx1">
+                    <a:tint val="75000"/>
+                  </a:schemeClr>
+                </a:solidFill>
+              </a:defRPr>
             </a:lvl1pPr>
             <a:lvl2pPr marL="457200" indent="0" algn="ctr">
               <a:buNone/>
-              <a:defRPr sz="2000"/>
+              <a:defRPr>
+                <a:solidFill>
+                  <a:schemeClr val="tx1">
+                    <a:tint val="75000"/>
+                  </a:schemeClr>
+                </a:solidFill>
+              </a:defRPr>
             </a:lvl2pPr>
             <a:lvl3pPr marL="914400" indent="0" algn="ctr">
               <a:buNone/>
-              <a:defRPr sz="1800"/>
+              <a:defRPr>
+                <a:solidFill>
+                  <a:schemeClr val="tx1">
+                    <a:tint val="75000"/>
+                  </a:schemeClr>
+                </a:solidFill>
+              </a:defRPr>
             </a:lvl3pPr>
             <a:lvl4pPr marL="1371600" indent="0" algn="ctr">
               <a:buNone/>
-              <a:defRPr sz="1600"/>
+              <a:defRPr>
+                <a:solidFill>
+                  <a:schemeClr val="tx1">
+                    <a:tint val="75000"/>
+                  </a:schemeClr>
+                </a:solidFill>
+              </a:defRPr>
             </a:lvl4pPr>
             <a:lvl5pPr marL="1828800" indent="0" algn="ctr">
               <a:buNone/>
-              <a:defRPr sz="1600"/>
+              <a:defRPr>
+                <a:solidFill>
+                  <a:schemeClr val="tx1">
+                    <a:tint val="75000"/>
+                  </a:schemeClr>
+                </a:solidFill>
+              </a:defRPr>
             </a:lvl5pPr>
             <a:lvl6pPr marL="2286000" indent="0" algn="ctr">
               <a:buNone/>
-              <a:defRPr sz="1600"/>
+              <a:defRPr>
+                <a:solidFill>
+                  <a:schemeClr val="tx1">
+                    <a:tint val="75000"/>
+                  </a:schemeClr>
+                </a:solidFill>
+              </a:defRPr>
             </a:lvl6pPr>
             <a:lvl7pPr marL="2743200" indent="0" algn="ctr">
               <a:buNone/>
-              <a:defRPr sz="1600"/>
+              <a:defRPr>
+                <a:solidFill>
+                  <a:schemeClr val="tx1">
+                    <a:tint val="75000"/>
+                  </a:schemeClr>
+                </a:solidFill>
+              </a:defRPr>
             </a:lvl7pPr>
             <a:lvl8pPr marL="3200400" indent="0" algn="ctr">
               <a:buNone/>
-              <a:defRPr sz="1600"/>
+              <a:defRPr>
+                <a:solidFill>
+                  <a:schemeClr val="tx1">
+                    <a:tint val="75000"/>
+                  </a:schemeClr>
+                </a:solidFill>
+              </a:defRPr>
             </a:lvl8pPr>
             <a:lvl9pPr marL="3657600" indent="0" algn="ctr">
               <a:buNone/>
-              <a:defRPr sz="1600"/>
+              <a:defRPr>
+                <a:solidFill>
+                  <a:schemeClr val="tx1">
+                    <a:tint val="75000"/>
+                  </a:schemeClr>
+                </a:solidFill>
+              </a:defRPr>
             </a:lvl9pPr>
           </a:lstStyle>
           <a:p>
@@ -234,19 +302,12 @@
               <a:rPr lang="en-US"/>
               <a:t>Click to edit Master subtitle style</a:t>
             </a:r>
-            <a:endParaRPr lang="en-US" dirty="0"/>
-          </a:p>
-        </p:txBody>
-      </p:sp>
-      <p:sp>
-        <p:nvSpPr>
-          <p:cNvPr id="4" name="Date Placeholder 3">
-            <a:extLst>
-              <a:ext uri="{FF2B5EF4-FFF2-40B4-BE49-F238E27FC236}">
-                <a16:creationId xmlns:a16="http://schemas.microsoft.com/office/drawing/2014/main" id="{99C8667E-058A-436F-B8EA-5B3A99D43D09}"/>
-              </a:ext>
-            </a:extLst>
-          </p:cNvPr>
+          </a:p>
+        </p:txBody>
+      </p:sp>
+      <p:sp>
+        <p:nvSpPr>
+          <p:cNvPr id="4" name="Date Placeholder 3"/>
           <p:cNvSpPr>
             <a:spLocks noGrp="1"/>
           </p:cNvSpPr>
@@ -259,8 +320,9 @@
           <a:bodyPr/>
           <a:lstStyle/>
           <a:p>
-            <a:fld id="{D1D1EADE-8E88-4C7C-8AC5-FB148DE4940E}" type="datetime1">
+            <a:fld id="{1D8BD707-D9CF-40AE-B4C6-C98DA3205C09}" type="datetimeFigureOut">
               <a:rPr lang="en-US" smtClean="0"/>
+              <a:pPr/>
               <a:t>11/24/2025</a:t>
             </a:fld>
             <a:endParaRPr lang="en-US"/>
@@ -269,13 +331,7 @@
       </p:sp>
       <p:sp>
         <p:nvSpPr>
-          <p:cNvPr id="5" name="Footer Placeholder 4">
-            <a:extLst>
-              <a:ext uri="{FF2B5EF4-FFF2-40B4-BE49-F238E27FC236}">
-                <a16:creationId xmlns:a16="http://schemas.microsoft.com/office/drawing/2014/main" id="{52680305-1AD7-482D-BFFD-6CDB83AB39A4}"/>
-              </a:ext>
-            </a:extLst>
-          </p:cNvPr>
+          <p:cNvPr id="5" name="Footer Placeholder 4"/>
           <p:cNvSpPr>
             <a:spLocks noGrp="1"/>
           </p:cNvSpPr>
@@ -288,19 +344,13 @@
           <a:bodyPr/>
           <a:lstStyle/>
           <a:p>
-            <a:endParaRPr lang="en-US" dirty="0"/>
-          </a:p>
-        </p:txBody>
-      </p:sp>
-      <p:sp>
-        <p:nvSpPr>
-          <p:cNvPr id="6" name="Slide Number Placeholder 5">
-            <a:extLst>
-              <a:ext uri="{FF2B5EF4-FFF2-40B4-BE49-F238E27FC236}">
-                <a16:creationId xmlns:a16="http://schemas.microsoft.com/office/drawing/2014/main" id="{BE5762A1-52E9-402D-B65E-DF193E44CE83}"/>
-              </a:ext>
-            </a:extLst>
-          </p:cNvPr>
+            <a:endParaRPr lang="en-US"/>
+          </a:p>
+        </p:txBody>
+      </p:sp>
+      <p:sp>
+        <p:nvSpPr>
+          <p:cNvPr id="6" name="Slide Number Placeholder 5"/>
           <p:cNvSpPr>
             <a:spLocks noGrp="1"/>
           </p:cNvSpPr>
@@ -313,8 +363,9 @@
           <a:bodyPr/>
           <a:lstStyle/>
           <a:p>
-            <a:fld id="{87E7843D-FF13-4365-9478-9625B70A2705}" type="slidenum">
+            <a:fld id="{B6F15528-21DE-4FAA-801E-634DDDAF4B2B}" type="slidenum">
               <a:rPr lang="en-US" smtClean="0"/>
+              <a:pPr/>
               <a:t>‹N›</a:t>
             </a:fld>
             <a:endParaRPr lang="en-US"/>
@@ -322,11 +373,6 @@
         </p:txBody>
       </p:sp>
     </p:spTree>
-    <p:extLst>
-      <p:ext uri="{BB962C8B-B14F-4D97-AF65-F5344CB8AC3E}">
-        <p14:creationId xmlns:p14="http://schemas.microsoft.com/office/powerpoint/2010/main" val="2978753545"/>
-      </p:ext>
-    </p:extLst>
   </p:cSld>
   <p:clrMapOvr>
     <a:masterClrMapping/>
@@ -353,13 +399,7 @@
       </p:grpSpPr>
       <p:sp>
         <p:nvSpPr>
-          <p:cNvPr id="2" name="Title 1">
-            <a:extLst>
-              <a:ext uri="{FF2B5EF4-FFF2-40B4-BE49-F238E27FC236}">
-                <a16:creationId xmlns:a16="http://schemas.microsoft.com/office/drawing/2014/main" id="{7D6359C1-C098-4BF4-A55D-782F4E606B8A}"/>
-              </a:ext>
-            </a:extLst>
-          </p:cNvPr>
+          <p:cNvPr id="2" name="Title 1"/>
           <p:cNvSpPr>
             <a:spLocks noGrp="1"/>
           </p:cNvSpPr>
@@ -376,19 +416,12 @@
               <a:rPr lang="en-US"/>
               <a:t>Click to edit Master title style</a:t>
             </a:r>
-            <a:endParaRPr lang="en-US" dirty="0"/>
-          </a:p>
-        </p:txBody>
-      </p:sp>
-      <p:sp>
-        <p:nvSpPr>
-          <p:cNvPr id="3" name="Vertical Text Placeholder 2">
-            <a:extLst>
-              <a:ext uri="{FF2B5EF4-FFF2-40B4-BE49-F238E27FC236}">
-                <a16:creationId xmlns:a16="http://schemas.microsoft.com/office/drawing/2014/main" id="{3D343C7E-1E8B-4D38-9B81-1AA2A8978EDE}"/>
-              </a:ext>
-            </a:extLst>
-          </p:cNvPr>
+          </a:p>
+        </p:txBody>
+      </p:sp>
+      <p:sp>
+        <p:nvSpPr>
+          <p:cNvPr id="3" name="Vertical Text Placeholder 2"/>
           <p:cNvSpPr>
             <a:spLocks noGrp="1"/>
           </p:cNvSpPr>
@@ -434,19 +467,12 @@
               <a:rPr lang="en-US"/>
               <a:t>Fifth level</a:t>
             </a:r>
-            <a:endParaRPr lang="en-US" dirty="0"/>
-          </a:p>
-        </p:txBody>
-      </p:sp>
-      <p:sp>
-        <p:nvSpPr>
-          <p:cNvPr id="4" name="Date Placeholder 3">
-            <a:extLst>
-              <a:ext uri="{FF2B5EF4-FFF2-40B4-BE49-F238E27FC236}">
-                <a16:creationId xmlns:a16="http://schemas.microsoft.com/office/drawing/2014/main" id="{C8A70B00-53AE-4D3F-91BE-A8D789ED9864}"/>
-              </a:ext>
-            </a:extLst>
-          </p:cNvPr>
+          </a:p>
+        </p:txBody>
+      </p:sp>
+      <p:sp>
+        <p:nvSpPr>
+          <p:cNvPr id="4" name="Date Placeholder 3"/>
           <p:cNvSpPr>
             <a:spLocks noGrp="1"/>
           </p:cNvSpPr>
@@ -459,8 +485,9 @@
           <a:bodyPr/>
           <a:lstStyle/>
           <a:p>
-            <a:fld id="{EC3C8B9C-477D-492A-96AD-1FC2CC997A73}" type="datetime1">
+            <a:fld id="{1D8BD707-D9CF-40AE-B4C6-C98DA3205C09}" type="datetimeFigureOut">
               <a:rPr lang="en-US" smtClean="0"/>
+              <a:pPr/>
               <a:t>11/24/2025</a:t>
             </a:fld>
             <a:endParaRPr lang="en-US"/>
@@ -469,13 +496,7 @@
       </p:sp>
       <p:sp>
         <p:nvSpPr>
-          <p:cNvPr id="5" name="Footer Placeholder 4">
-            <a:extLst>
-              <a:ext uri="{FF2B5EF4-FFF2-40B4-BE49-F238E27FC236}">
-                <a16:creationId xmlns:a16="http://schemas.microsoft.com/office/drawing/2014/main" id="{06647FC7-8124-4F70-A849-B6BCC5189CC3}"/>
-              </a:ext>
-            </a:extLst>
-          </p:cNvPr>
+          <p:cNvPr id="5" name="Footer Placeholder 4"/>
           <p:cNvSpPr>
             <a:spLocks noGrp="1"/>
           </p:cNvSpPr>
@@ -488,19 +509,13 @@
           <a:bodyPr/>
           <a:lstStyle/>
           <a:p>
-            <a:endParaRPr lang="en-US" dirty="0"/>
-          </a:p>
-        </p:txBody>
-      </p:sp>
-      <p:sp>
-        <p:nvSpPr>
-          <p:cNvPr id="6" name="Slide Number Placeholder 5">
-            <a:extLst>
-              <a:ext uri="{FF2B5EF4-FFF2-40B4-BE49-F238E27FC236}">
-                <a16:creationId xmlns:a16="http://schemas.microsoft.com/office/drawing/2014/main" id="{B47CEBE4-50DC-47DB-B699-CCC024336C9F}"/>
-              </a:ext>
-            </a:extLst>
-          </p:cNvPr>
+            <a:endParaRPr lang="en-US"/>
+          </a:p>
+        </p:txBody>
+      </p:sp>
+      <p:sp>
+        <p:nvSpPr>
+          <p:cNvPr id="6" name="Slide Number Placeholder 5"/>
           <p:cNvSpPr>
             <a:spLocks noGrp="1"/>
           </p:cNvSpPr>
@@ -513,8 +528,9 @@
           <a:bodyPr/>
           <a:lstStyle/>
           <a:p>
-            <a:fld id="{87E7843D-FF13-4365-9478-9625B70A2705}" type="slidenum">
+            <a:fld id="{B6F15528-21DE-4FAA-801E-634DDDAF4B2B}" type="slidenum">
               <a:rPr lang="en-US" smtClean="0"/>
+              <a:pPr/>
               <a:t>‹N›</a:t>
             </a:fld>
             <a:endParaRPr lang="en-US"/>
@@ -522,11 +538,6 @@
         </p:txBody>
       </p:sp>
     </p:spTree>
-    <p:extLst>
-      <p:ext uri="{BB962C8B-B14F-4D97-AF65-F5344CB8AC3E}">
-        <p14:creationId xmlns:p14="http://schemas.microsoft.com/office/powerpoint/2010/main" val="4010085349"/>
-      </p:ext>
-    </p:extLst>
   </p:cSld>
   <p:clrMapOvr>
     <a:masterClrMapping/>
@@ -553,13 +564,7 @@
       </p:grpSpPr>
       <p:sp>
         <p:nvSpPr>
-          <p:cNvPr id="2" name="Vertical Title 1">
-            <a:extLst>
-              <a:ext uri="{FF2B5EF4-FFF2-40B4-BE49-F238E27FC236}">
-                <a16:creationId xmlns:a16="http://schemas.microsoft.com/office/drawing/2014/main" id="{4B418279-D3B8-4C6A-AB74-9DE377771270}"/>
-              </a:ext>
-            </a:extLst>
-          </p:cNvPr>
+          <p:cNvPr id="2" name="Vertical Title 1"/>
           <p:cNvSpPr>
             <a:spLocks noGrp="1"/>
           </p:cNvSpPr>
@@ -569,8 +574,8 @@
         </p:nvSpPr>
         <p:spPr>
           <a:xfrm>
-            <a:off x="9242322" y="997974"/>
-            <a:ext cx="2349043" cy="4984956"/>
+            <a:off x="6629400" y="274638"/>
+            <a:ext cx="2057400" cy="5851525"/>
           </a:xfrm>
         </p:spPr>
         <p:txBody>
@@ -581,19 +586,12 @@
               <a:rPr lang="en-US"/>
               <a:t>Click to edit Master title style</a:t>
             </a:r>
-            <a:endParaRPr lang="en-US" dirty="0"/>
-          </a:p>
-        </p:txBody>
-      </p:sp>
-      <p:sp>
-        <p:nvSpPr>
-          <p:cNvPr id="3" name="Vertical Text Placeholder 2">
-            <a:extLst>
-              <a:ext uri="{FF2B5EF4-FFF2-40B4-BE49-F238E27FC236}">
-                <a16:creationId xmlns:a16="http://schemas.microsoft.com/office/drawing/2014/main" id="{E28F733C-9309-4197-BACA-207CDC8935C9}"/>
-              </a:ext>
-            </a:extLst>
-          </p:cNvPr>
+          </a:p>
+        </p:txBody>
+      </p:sp>
+      <p:sp>
+        <p:nvSpPr>
+          <p:cNvPr id="3" name="Vertical Text Placeholder 2"/>
           <p:cNvSpPr>
             <a:spLocks noGrp="1"/>
           </p:cNvSpPr>
@@ -603,8 +601,8 @@
         </p:nvSpPr>
         <p:spPr>
           <a:xfrm>
-            <a:off x="768927" y="997973"/>
-            <a:ext cx="8473395" cy="4984956"/>
+            <a:off x="457200" y="274638"/>
+            <a:ext cx="6019800" cy="5851525"/>
           </a:xfrm>
         </p:spPr>
         <p:txBody>
@@ -644,19 +642,12 @@
               <a:rPr lang="en-US"/>
               <a:t>Fifth level</a:t>
             </a:r>
-            <a:endParaRPr lang="en-US" dirty="0"/>
-          </a:p>
-        </p:txBody>
-      </p:sp>
-      <p:sp>
-        <p:nvSpPr>
-          <p:cNvPr id="4" name="Date Placeholder 3">
-            <a:extLst>
-              <a:ext uri="{FF2B5EF4-FFF2-40B4-BE49-F238E27FC236}">
-                <a16:creationId xmlns:a16="http://schemas.microsoft.com/office/drawing/2014/main" id="{56ACD4D0-5BE6-412D-B08B-5DFFD593513E}"/>
-              </a:ext>
-            </a:extLst>
-          </p:cNvPr>
+          </a:p>
+        </p:txBody>
+      </p:sp>
+      <p:sp>
+        <p:nvSpPr>
+          <p:cNvPr id="4" name="Date Placeholder 3"/>
           <p:cNvSpPr>
             <a:spLocks noGrp="1"/>
           </p:cNvSpPr>
@@ -669,8 +660,9 @@
           <a:bodyPr/>
           <a:lstStyle/>
           <a:p>
-            <a:fld id="{42D3AED5-E26D-4E29-B1B3-7847B6779594}" type="datetime1">
+            <a:fld id="{1D8BD707-D9CF-40AE-B4C6-C98DA3205C09}" type="datetimeFigureOut">
               <a:rPr lang="en-US" smtClean="0"/>
+              <a:pPr/>
               <a:t>11/24/2025</a:t>
             </a:fld>
             <a:endParaRPr lang="en-US"/>
@@ -679,13 +671,7 @@
       </p:sp>
       <p:sp>
         <p:nvSpPr>
-          <p:cNvPr id="5" name="Footer Placeholder 4">
-            <a:extLst>
-              <a:ext uri="{FF2B5EF4-FFF2-40B4-BE49-F238E27FC236}">
-                <a16:creationId xmlns:a16="http://schemas.microsoft.com/office/drawing/2014/main" id="{55021651-B786-4A39-A10F-F5231D0A2C5E}"/>
-              </a:ext>
-            </a:extLst>
-          </p:cNvPr>
+          <p:cNvPr id="5" name="Footer Placeholder 4"/>
           <p:cNvSpPr>
             <a:spLocks noGrp="1"/>
           </p:cNvSpPr>
@@ -698,19 +684,13 @@
           <a:bodyPr/>
           <a:lstStyle/>
           <a:p>
-            <a:endParaRPr lang="en-US" dirty="0"/>
-          </a:p>
-        </p:txBody>
-      </p:sp>
-      <p:sp>
-        <p:nvSpPr>
-          <p:cNvPr id="6" name="Slide Number Placeholder 5">
-            <a:extLst>
-              <a:ext uri="{FF2B5EF4-FFF2-40B4-BE49-F238E27FC236}">
-                <a16:creationId xmlns:a16="http://schemas.microsoft.com/office/drawing/2014/main" id="{74504D2D-9379-40DE-9F45-3004BE54F16B}"/>
-              </a:ext>
-            </a:extLst>
-          </p:cNvPr>
+            <a:endParaRPr lang="en-US"/>
+          </a:p>
+        </p:txBody>
+      </p:sp>
+      <p:sp>
+        <p:nvSpPr>
+          <p:cNvPr id="6" name="Slide Number Placeholder 5"/>
           <p:cNvSpPr>
             <a:spLocks noGrp="1"/>
           </p:cNvSpPr>
@@ -723,8 +703,9 @@
           <a:bodyPr/>
           <a:lstStyle/>
           <a:p>
-            <a:fld id="{87E7843D-FF13-4365-9478-9625B70A2705}" type="slidenum">
+            <a:fld id="{B6F15528-21DE-4FAA-801E-634DDDAF4B2B}" type="slidenum">
               <a:rPr lang="en-US" smtClean="0"/>
+              <a:pPr/>
               <a:t>‹N›</a:t>
             </a:fld>
             <a:endParaRPr lang="en-US"/>
@@ -732,11 +713,6 @@
         </p:txBody>
       </p:sp>
     </p:spTree>
-    <p:extLst>
-      <p:ext uri="{BB962C8B-B14F-4D97-AF65-F5344CB8AC3E}">
-        <p14:creationId xmlns:p14="http://schemas.microsoft.com/office/powerpoint/2010/main" val="1700914065"/>
-      </p:ext>
-    </p:extLst>
   </p:cSld>
   <p:clrMapOvr>
     <a:masterClrMapping/>
@@ -763,13 +739,7 @@
       </p:grpSpPr>
       <p:sp>
         <p:nvSpPr>
-          <p:cNvPr id="2" name="Title 1">
-            <a:extLst>
-              <a:ext uri="{FF2B5EF4-FFF2-40B4-BE49-F238E27FC236}">
-                <a16:creationId xmlns:a16="http://schemas.microsoft.com/office/drawing/2014/main" id="{5A987CA6-BFD9-4CB1-8892-F6B062E82445}"/>
-              </a:ext>
-            </a:extLst>
-          </p:cNvPr>
+          <p:cNvPr id="2" name="Title 1"/>
           <p:cNvSpPr>
             <a:spLocks noGrp="1"/>
           </p:cNvSpPr>
@@ -786,19 +756,12 @@
               <a:rPr lang="en-US"/>
               <a:t>Click to edit Master title style</a:t>
             </a:r>
-            <a:endParaRPr lang="en-US" dirty="0"/>
-          </a:p>
-        </p:txBody>
-      </p:sp>
-      <p:sp>
-        <p:nvSpPr>
-          <p:cNvPr id="3" name="Content Placeholder 2">
-            <a:extLst>
-              <a:ext uri="{FF2B5EF4-FFF2-40B4-BE49-F238E27FC236}">
-                <a16:creationId xmlns:a16="http://schemas.microsoft.com/office/drawing/2014/main" id="{E0CDA8C3-9C0C-4E52-9A62-E4DB159E6B0E}"/>
-              </a:ext>
-            </a:extLst>
-          </p:cNvPr>
+          </a:p>
+        </p:txBody>
+      </p:sp>
+      <p:sp>
+        <p:nvSpPr>
+          <p:cNvPr id="3" name="Content Placeholder 2"/>
           <p:cNvSpPr>
             <a:spLocks noGrp="1"/>
           </p:cNvSpPr>
@@ -844,19 +807,12 @@
               <a:rPr lang="en-US"/>
               <a:t>Fifth level</a:t>
             </a:r>
-            <a:endParaRPr lang="en-US" dirty="0"/>
-          </a:p>
-        </p:txBody>
-      </p:sp>
-      <p:sp>
-        <p:nvSpPr>
-          <p:cNvPr id="4" name="Date Placeholder 3">
-            <a:extLst>
-              <a:ext uri="{FF2B5EF4-FFF2-40B4-BE49-F238E27FC236}">
-                <a16:creationId xmlns:a16="http://schemas.microsoft.com/office/drawing/2014/main" id="{7CC3EC35-E02F-41FF-9232-F90692A902FC}"/>
-              </a:ext>
-            </a:extLst>
-          </p:cNvPr>
+          </a:p>
+        </p:txBody>
+      </p:sp>
+      <p:sp>
+        <p:nvSpPr>
+          <p:cNvPr id="4" name="Date Placeholder 3"/>
           <p:cNvSpPr>
             <a:spLocks noGrp="1"/>
           </p:cNvSpPr>
@@ -869,8 +825,9 @@
           <a:bodyPr/>
           <a:lstStyle/>
           <a:p>
-            <a:fld id="{157B6794-849E-4626-908B-D15793550EFB}" type="datetime1">
+            <a:fld id="{1D8BD707-D9CF-40AE-B4C6-C98DA3205C09}" type="datetimeFigureOut">
               <a:rPr lang="en-US" smtClean="0"/>
+              <a:pPr/>
               <a:t>11/24/2025</a:t>
             </a:fld>
             <a:endParaRPr lang="en-US"/>
@@ -879,13 +836,7 @@
       </p:sp>
       <p:sp>
         <p:nvSpPr>
-          <p:cNvPr id="5" name="Footer Placeholder 4">
-            <a:extLst>
-              <a:ext uri="{FF2B5EF4-FFF2-40B4-BE49-F238E27FC236}">
-                <a16:creationId xmlns:a16="http://schemas.microsoft.com/office/drawing/2014/main" id="{39D13D38-5DF1-443B-8A12-71E834FDC6A1}"/>
-              </a:ext>
-            </a:extLst>
-          </p:cNvPr>
+          <p:cNvPr id="5" name="Footer Placeholder 4"/>
           <p:cNvSpPr>
             <a:spLocks noGrp="1"/>
           </p:cNvSpPr>
@@ -898,19 +849,13 @@
           <a:bodyPr/>
           <a:lstStyle/>
           <a:p>
-            <a:endParaRPr lang="en-US" dirty="0"/>
-          </a:p>
-        </p:txBody>
-      </p:sp>
-      <p:sp>
-        <p:nvSpPr>
-          <p:cNvPr id="6" name="Slide Number Placeholder 5">
-            <a:extLst>
-              <a:ext uri="{FF2B5EF4-FFF2-40B4-BE49-F238E27FC236}">
-                <a16:creationId xmlns:a16="http://schemas.microsoft.com/office/drawing/2014/main" id="{F25E644A-4A37-4757-9809-5B035E2874E6}"/>
-              </a:ext>
-            </a:extLst>
-          </p:cNvPr>
+            <a:endParaRPr lang="en-US"/>
+          </a:p>
+        </p:txBody>
+      </p:sp>
+      <p:sp>
+        <p:nvSpPr>
+          <p:cNvPr id="6" name="Slide Number Placeholder 5"/>
           <p:cNvSpPr>
             <a:spLocks noGrp="1"/>
           </p:cNvSpPr>
@@ -923,8 +868,9 @@
           <a:bodyPr/>
           <a:lstStyle/>
           <a:p>
-            <a:fld id="{87E7843D-FF13-4365-9478-9625B70A2705}" type="slidenum">
+            <a:fld id="{B6F15528-21DE-4FAA-801E-634DDDAF4B2B}" type="slidenum">
               <a:rPr lang="en-US" smtClean="0"/>
+              <a:pPr/>
               <a:t>‹N›</a:t>
             </a:fld>
             <a:endParaRPr lang="en-US"/>
@@ -932,11 +878,6 @@
         </p:txBody>
       </p:sp>
     </p:spTree>
-    <p:extLst>
-      <p:ext uri="{BB962C8B-B14F-4D97-AF65-F5344CB8AC3E}">
-        <p14:creationId xmlns:p14="http://schemas.microsoft.com/office/powerpoint/2010/main" val="2438662797"/>
-      </p:ext>
-    </p:extLst>
   </p:cSld>
   <p:clrMapOvr>
     <a:masterClrMapping/>
@@ -963,13 +904,7 @@
       </p:grpSpPr>
       <p:sp>
         <p:nvSpPr>
-          <p:cNvPr id="2" name="Title 1">
-            <a:extLst>
-              <a:ext uri="{FF2B5EF4-FFF2-40B4-BE49-F238E27FC236}">
-                <a16:creationId xmlns:a16="http://schemas.microsoft.com/office/drawing/2014/main" id="{70E6578B-CD85-4BF1-A729-E8E8079B595F}"/>
-              </a:ext>
-            </a:extLst>
-          </p:cNvPr>
+          <p:cNvPr id="2" name="Title 1"/>
           <p:cNvSpPr>
             <a:spLocks noGrp="1"/>
           </p:cNvSpPr>
@@ -979,15 +914,15 @@
         </p:nvSpPr>
         <p:spPr>
           <a:xfrm>
-            <a:off x="715383" y="1709738"/>
-            <a:ext cx="10632067" cy="2852737"/>
+            <a:off x="722313" y="4406900"/>
+            <a:ext cx="7772400" cy="1362075"/>
           </a:xfrm>
         </p:spPr>
         <p:txBody>
-          <a:bodyPr anchor="b"/>
+          <a:bodyPr anchor="t"/>
           <a:lstStyle>
-            <a:lvl1pPr>
-              <a:defRPr sz="6000"/>
+            <a:lvl1pPr algn="l">
+              <a:defRPr sz="4000" b="1" cap="all"/>
             </a:lvl1pPr>
           </a:lstStyle>
           <a:p>
@@ -995,19 +930,12 @@
               <a:rPr lang="en-US"/>
               <a:t>Click to edit Master title style</a:t>
             </a:r>
-            <a:endParaRPr lang="en-US" dirty="0"/>
-          </a:p>
-        </p:txBody>
-      </p:sp>
-      <p:sp>
-        <p:nvSpPr>
-          <p:cNvPr id="3" name="Text Placeholder 2">
-            <a:extLst>
-              <a:ext uri="{FF2B5EF4-FFF2-40B4-BE49-F238E27FC236}">
-                <a16:creationId xmlns:a16="http://schemas.microsoft.com/office/drawing/2014/main" id="{A58448C1-C13F-4826-8347-EEB00A6643D6}"/>
-              </a:ext>
-            </a:extLst>
-          </p:cNvPr>
+          </a:p>
+        </p:txBody>
+      </p:sp>
+      <p:sp>
+        <p:nvSpPr>
+          <p:cNvPr id="3" name="Text Placeholder 2"/>
           <p:cNvSpPr>
             <a:spLocks noGrp="1"/>
           </p:cNvSpPr>
@@ -1017,16 +945,16 @@
         </p:nvSpPr>
         <p:spPr>
           <a:xfrm>
-            <a:off x="715383" y="4589463"/>
-            <a:ext cx="10632067" cy="1500187"/>
+            <a:off x="722313" y="2906713"/>
+            <a:ext cx="7772400" cy="1500187"/>
           </a:xfrm>
         </p:spPr>
         <p:txBody>
-          <a:bodyPr/>
+          <a:bodyPr anchor="b"/>
           <a:lstStyle>
             <a:lvl1pPr marL="0" indent="0">
               <a:buNone/>
-              <a:defRPr sz="2400">
+              <a:defRPr sz="2000">
                 <a:solidFill>
                   <a:schemeClr val="tx1">
                     <a:tint val="75000"/>
@@ -1036,7 +964,7 @@
             </a:lvl1pPr>
             <a:lvl2pPr marL="457200" indent="0">
               <a:buNone/>
-              <a:defRPr sz="2000">
+              <a:defRPr sz="1800">
                 <a:solidFill>
                   <a:schemeClr val="tx1">
                     <a:tint val="75000"/>
@@ -1046,7 +974,7 @@
             </a:lvl2pPr>
             <a:lvl3pPr marL="914400" indent="0">
               <a:buNone/>
-              <a:defRPr sz="1800">
+              <a:defRPr sz="1600">
                 <a:solidFill>
                   <a:schemeClr val="tx1">
                     <a:tint val="75000"/>
@@ -1056,7 +984,7 @@
             </a:lvl3pPr>
             <a:lvl4pPr marL="1371600" indent="0">
               <a:buNone/>
-              <a:defRPr sz="1600">
+              <a:defRPr sz="1400">
                 <a:solidFill>
                   <a:schemeClr val="tx1">
                     <a:tint val="75000"/>
@@ -1066,7 +994,7 @@
             </a:lvl4pPr>
             <a:lvl5pPr marL="1828800" indent="0">
               <a:buNone/>
-              <a:defRPr sz="1600">
+              <a:defRPr sz="1400">
                 <a:solidFill>
                   <a:schemeClr val="tx1">
                     <a:tint val="75000"/>
@@ -1076,7 +1004,7 @@
             </a:lvl5pPr>
             <a:lvl6pPr marL="2286000" indent="0">
               <a:buNone/>
-              <a:defRPr sz="1600">
+              <a:defRPr sz="1400">
                 <a:solidFill>
                   <a:schemeClr val="tx1">
                     <a:tint val="75000"/>
@@ -1086,7 +1014,7 @@
             </a:lvl6pPr>
             <a:lvl7pPr marL="2743200" indent="0">
               <a:buNone/>
-              <a:defRPr sz="1600">
+              <a:defRPr sz="1400">
                 <a:solidFill>
                   <a:schemeClr val="tx1">
                     <a:tint val="75000"/>
@@ -1096,7 +1024,7 @@
             </a:lvl7pPr>
             <a:lvl8pPr marL="3200400" indent="0">
               <a:buNone/>
-              <a:defRPr sz="1600">
+              <a:defRPr sz="1400">
                 <a:solidFill>
                   <a:schemeClr val="tx1">
                     <a:tint val="75000"/>
@@ -1106,7 +1034,7 @@
             </a:lvl8pPr>
             <a:lvl9pPr marL="3657600" indent="0">
               <a:buNone/>
-              <a:defRPr sz="1600">
+              <a:defRPr sz="1400">
                 <a:solidFill>
                   <a:schemeClr val="tx1">
                     <a:tint val="75000"/>
@@ -1126,13 +1054,7 @@
       </p:sp>
       <p:sp>
         <p:nvSpPr>
-          <p:cNvPr id="4" name="Date Placeholder 3">
-            <a:extLst>
-              <a:ext uri="{FF2B5EF4-FFF2-40B4-BE49-F238E27FC236}">
-                <a16:creationId xmlns:a16="http://schemas.microsoft.com/office/drawing/2014/main" id="{5806546A-957F-4C4D-9744-1177AD258E10}"/>
-              </a:ext>
-            </a:extLst>
-          </p:cNvPr>
+          <p:cNvPr id="4" name="Date Placeholder 3"/>
           <p:cNvSpPr>
             <a:spLocks noGrp="1"/>
           </p:cNvSpPr>
@@ -1145,8 +1067,9 @@
           <a:bodyPr/>
           <a:lstStyle/>
           <a:p>
-            <a:fld id="{63DB64E7-5594-42A3-ADBF-E95A7ACEAD64}" type="datetime1">
+            <a:fld id="{1D8BD707-D9CF-40AE-B4C6-C98DA3205C09}" type="datetimeFigureOut">
               <a:rPr lang="en-US" smtClean="0"/>
+              <a:pPr/>
               <a:t>11/24/2025</a:t>
             </a:fld>
             <a:endParaRPr lang="en-US"/>
@@ -1155,13 +1078,7 @@
       </p:sp>
       <p:sp>
         <p:nvSpPr>
-          <p:cNvPr id="5" name="Footer Placeholder 4">
-            <a:extLst>
-              <a:ext uri="{FF2B5EF4-FFF2-40B4-BE49-F238E27FC236}">
-                <a16:creationId xmlns:a16="http://schemas.microsoft.com/office/drawing/2014/main" id="{B1DB149C-CC63-4E3A-A83D-EF637EB51979}"/>
-              </a:ext>
-            </a:extLst>
-          </p:cNvPr>
+          <p:cNvPr id="5" name="Footer Placeholder 4"/>
           <p:cNvSpPr>
             <a:spLocks noGrp="1"/>
           </p:cNvSpPr>
@@ -1174,19 +1091,13 @@
           <a:bodyPr/>
           <a:lstStyle/>
           <a:p>
-            <a:endParaRPr lang="en-US" dirty="0"/>
-          </a:p>
-        </p:txBody>
-      </p:sp>
-      <p:sp>
-        <p:nvSpPr>
-          <p:cNvPr id="6" name="Slide Number Placeholder 5">
-            <a:extLst>
-              <a:ext uri="{FF2B5EF4-FFF2-40B4-BE49-F238E27FC236}">
-                <a16:creationId xmlns:a16="http://schemas.microsoft.com/office/drawing/2014/main" id="{EDB94775-7982-41EC-B584-D51224D38F77}"/>
-              </a:ext>
-            </a:extLst>
-          </p:cNvPr>
+            <a:endParaRPr lang="en-US"/>
+          </a:p>
+        </p:txBody>
+      </p:sp>
+      <p:sp>
+        <p:nvSpPr>
+          <p:cNvPr id="6" name="Slide Number Placeholder 5"/>
           <p:cNvSpPr>
             <a:spLocks noGrp="1"/>
           </p:cNvSpPr>
@@ -1199,8 +1110,9 @@
           <a:bodyPr/>
           <a:lstStyle/>
           <a:p>
-            <a:fld id="{87E7843D-FF13-4365-9478-9625B70A2705}" type="slidenum">
+            <a:fld id="{B6F15528-21DE-4FAA-801E-634DDDAF4B2B}" type="slidenum">
               <a:rPr lang="en-US" smtClean="0"/>
+              <a:pPr/>
               <a:t>‹N›</a:t>
             </a:fld>
             <a:endParaRPr lang="en-US"/>
@@ -1208,11 +1120,6 @@
         </p:txBody>
       </p:sp>
     </p:spTree>
-    <p:extLst>
-      <p:ext uri="{BB962C8B-B14F-4D97-AF65-F5344CB8AC3E}">
-        <p14:creationId xmlns:p14="http://schemas.microsoft.com/office/powerpoint/2010/main" val="2188371800"/>
-      </p:ext>
-    </p:extLst>
   </p:cSld>
   <p:clrMapOvr>
     <a:masterClrMapping/>
@@ -1239,13 +1146,7 @@
       </p:grpSpPr>
       <p:sp>
         <p:nvSpPr>
-          <p:cNvPr id="2" name="Title 1">
-            <a:extLst>
-              <a:ext uri="{FF2B5EF4-FFF2-40B4-BE49-F238E27FC236}">
-                <a16:creationId xmlns:a16="http://schemas.microsoft.com/office/drawing/2014/main" id="{88CE4BD8-507D-48E4-A624-F16A741C3609}"/>
-              </a:ext>
-            </a:extLst>
-          </p:cNvPr>
+          <p:cNvPr id="2" name="Title 1"/>
           <p:cNvSpPr>
             <a:spLocks noGrp="1"/>
           </p:cNvSpPr>
@@ -1253,12 +1154,7 @@
             <p:ph type="title"/>
           </p:nvPr>
         </p:nvSpPr>
-        <p:spPr>
-          <a:xfrm>
-            <a:off x="700635" y="914400"/>
-            <a:ext cx="10691265" cy="1307592"/>
-          </a:xfrm>
-        </p:spPr>
+        <p:spPr/>
         <p:txBody>
           <a:bodyPr/>
           <a:lstStyle/>
@@ -1267,19 +1163,12 @@
               <a:rPr lang="en-US"/>
               <a:t>Click to edit Master title style</a:t>
             </a:r>
-            <a:endParaRPr lang="en-US" dirty="0"/>
-          </a:p>
-        </p:txBody>
-      </p:sp>
-      <p:sp>
-        <p:nvSpPr>
-          <p:cNvPr id="3" name="Content Placeholder 2">
-            <a:extLst>
-              <a:ext uri="{FF2B5EF4-FFF2-40B4-BE49-F238E27FC236}">
-                <a16:creationId xmlns:a16="http://schemas.microsoft.com/office/drawing/2014/main" id="{810A07E4-3A39-457C-A059-7DFB6039D947}"/>
-              </a:ext>
-            </a:extLst>
-          </p:cNvPr>
+          </a:p>
+        </p:txBody>
+      </p:sp>
+      <p:sp>
+        <p:nvSpPr>
+          <p:cNvPr id="3" name="Content Placeholder 2"/>
           <p:cNvSpPr>
             <a:spLocks noGrp="1"/>
           </p:cNvSpPr>
@@ -1289,13 +1178,41 @@
         </p:nvSpPr>
         <p:spPr>
           <a:xfrm>
-            <a:off x="704088" y="2221992"/>
-            <a:ext cx="5212080" cy="3739896"/>
+            <a:off x="457200" y="1600200"/>
+            <a:ext cx="4038600" cy="4525963"/>
           </a:xfrm>
         </p:spPr>
         <p:txBody>
           <a:bodyPr/>
-          <a:lstStyle/>
+          <a:lstStyle>
+            <a:lvl1pPr>
+              <a:defRPr sz="2800"/>
+            </a:lvl1pPr>
+            <a:lvl2pPr>
+              <a:defRPr sz="2400"/>
+            </a:lvl2pPr>
+            <a:lvl3pPr>
+              <a:defRPr sz="2000"/>
+            </a:lvl3pPr>
+            <a:lvl4pPr>
+              <a:defRPr sz="1800"/>
+            </a:lvl4pPr>
+            <a:lvl5pPr>
+              <a:defRPr sz="1800"/>
+            </a:lvl5pPr>
+            <a:lvl6pPr>
+              <a:defRPr sz="1800"/>
+            </a:lvl6pPr>
+            <a:lvl7pPr>
+              <a:defRPr sz="1800"/>
+            </a:lvl7pPr>
+            <a:lvl8pPr>
+              <a:defRPr sz="1800"/>
+            </a:lvl8pPr>
+            <a:lvl9pPr>
+              <a:defRPr sz="1800"/>
+            </a:lvl9pPr>
+          </a:lstStyle>
           <a:p>
             <a:pPr lvl="0"/>
             <a:r>
@@ -1330,19 +1247,12 @@
               <a:rPr lang="en-US"/>
               <a:t>Fifth level</a:t>
             </a:r>
-            <a:endParaRPr lang="en-US" dirty="0"/>
-          </a:p>
-        </p:txBody>
-      </p:sp>
-      <p:sp>
-        <p:nvSpPr>
-          <p:cNvPr id="4" name="Content Placeholder 3">
-            <a:extLst>
-              <a:ext uri="{FF2B5EF4-FFF2-40B4-BE49-F238E27FC236}">
-                <a16:creationId xmlns:a16="http://schemas.microsoft.com/office/drawing/2014/main" id="{7B141E17-47CE-4A78-B0FA-0E9786DA67C5}"/>
-              </a:ext>
-            </a:extLst>
-          </p:cNvPr>
+          </a:p>
+        </p:txBody>
+      </p:sp>
+      <p:sp>
+        <p:nvSpPr>
+          <p:cNvPr id="4" name="Content Placeholder 3"/>
           <p:cNvSpPr>
             <a:spLocks noGrp="1"/>
           </p:cNvSpPr>
@@ -1352,13 +1262,41 @@
         </p:nvSpPr>
         <p:spPr>
           <a:xfrm>
-            <a:off x="6181344" y="2221992"/>
-            <a:ext cx="5212080" cy="3739896"/>
+            <a:off x="4648200" y="1600200"/>
+            <a:ext cx="4038600" cy="4525963"/>
           </a:xfrm>
         </p:spPr>
         <p:txBody>
           <a:bodyPr/>
-          <a:lstStyle/>
+          <a:lstStyle>
+            <a:lvl1pPr>
+              <a:defRPr sz="2800"/>
+            </a:lvl1pPr>
+            <a:lvl2pPr>
+              <a:defRPr sz="2400"/>
+            </a:lvl2pPr>
+            <a:lvl3pPr>
+              <a:defRPr sz="2000"/>
+            </a:lvl3pPr>
+            <a:lvl4pPr>
+              <a:defRPr sz="1800"/>
+            </a:lvl4pPr>
+            <a:lvl5pPr>
+              <a:defRPr sz="1800"/>
+            </a:lvl5pPr>
+            <a:lvl6pPr>
+              <a:defRPr sz="1800"/>
+            </a:lvl6pPr>
+            <a:lvl7pPr>
+              <a:defRPr sz="1800"/>
+            </a:lvl7pPr>
+            <a:lvl8pPr>
+              <a:defRPr sz="1800"/>
+            </a:lvl8pPr>
+            <a:lvl9pPr>
+              <a:defRPr sz="1800"/>
+            </a:lvl9pPr>
+          </a:lstStyle>
           <a:p>
             <a:pPr lvl="0"/>
             <a:r>
@@ -1393,19 +1331,12 @@
               <a:rPr lang="en-US"/>
               <a:t>Fifth level</a:t>
             </a:r>
-            <a:endParaRPr lang="en-US" dirty="0"/>
-          </a:p>
-        </p:txBody>
-      </p:sp>
-      <p:sp>
-        <p:nvSpPr>
-          <p:cNvPr id="5" name="Date Placeholder 4">
-            <a:extLst>
-              <a:ext uri="{FF2B5EF4-FFF2-40B4-BE49-F238E27FC236}">
-                <a16:creationId xmlns:a16="http://schemas.microsoft.com/office/drawing/2014/main" id="{89F02C13-D3ED-4044-9716-F29D79A184C9}"/>
-              </a:ext>
-            </a:extLst>
-          </p:cNvPr>
+          </a:p>
+        </p:txBody>
+      </p:sp>
+      <p:sp>
+        <p:nvSpPr>
+          <p:cNvPr id="5" name="Date Placeholder 4"/>
           <p:cNvSpPr>
             <a:spLocks noGrp="1"/>
           </p:cNvSpPr>
@@ -1418,8 +1349,9 @@
           <a:bodyPr/>
           <a:lstStyle/>
           <a:p>
-            <a:fld id="{18462B0B-D248-4FFB-8695-AD7FA4B1284A}" type="datetime1">
+            <a:fld id="{1D8BD707-D9CF-40AE-B4C6-C98DA3205C09}" type="datetimeFigureOut">
               <a:rPr lang="en-US" smtClean="0"/>
+              <a:pPr/>
               <a:t>11/24/2025</a:t>
             </a:fld>
             <a:endParaRPr lang="en-US"/>
@@ -1428,13 +1360,7 @@
       </p:sp>
       <p:sp>
         <p:nvSpPr>
-          <p:cNvPr id="6" name="Footer Placeholder 5">
-            <a:extLst>
-              <a:ext uri="{FF2B5EF4-FFF2-40B4-BE49-F238E27FC236}">
-                <a16:creationId xmlns:a16="http://schemas.microsoft.com/office/drawing/2014/main" id="{8AF334AD-FB29-4355-B5CF-85E61B4F3409}"/>
-              </a:ext>
-            </a:extLst>
-          </p:cNvPr>
+          <p:cNvPr id="6" name="Footer Placeholder 5"/>
           <p:cNvSpPr>
             <a:spLocks noGrp="1"/>
           </p:cNvSpPr>
@@ -1447,19 +1373,13 @@
           <a:bodyPr/>
           <a:lstStyle/>
           <a:p>
-            <a:endParaRPr lang="en-US" dirty="0"/>
-          </a:p>
-        </p:txBody>
-      </p:sp>
-      <p:sp>
-        <p:nvSpPr>
-          <p:cNvPr id="7" name="Slide Number Placeholder 6">
-            <a:extLst>
-              <a:ext uri="{FF2B5EF4-FFF2-40B4-BE49-F238E27FC236}">
-                <a16:creationId xmlns:a16="http://schemas.microsoft.com/office/drawing/2014/main" id="{BA5AA154-790C-4774-9C21-8C543E733F26}"/>
-              </a:ext>
-            </a:extLst>
-          </p:cNvPr>
+            <a:endParaRPr lang="en-US"/>
+          </a:p>
+        </p:txBody>
+      </p:sp>
+      <p:sp>
+        <p:nvSpPr>
+          <p:cNvPr id="7" name="Slide Number Placeholder 6"/>
           <p:cNvSpPr>
             <a:spLocks noGrp="1"/>
           </p:cNvSpPr>
@@ -1472,8 +1392,9 @@
           <a:bodyPr/>
           <a:lstStyle/>
           <a:p>
-            <a:fld id="{87E7843D-FF13-4365-9478-9625B70A2705}" type="slidenum">
+            <a:fld id="{B6F15528-21DE-4FAA-801E-634DDDAF4B2B}" type="slidenum">
               <a:rPr lang="en-US" smtClean="0"/>
+              <a:pPr/>
               <a:t>‹N›</a:t>
             </a:fld>
             <a:endParaRPr lang="en-US"/>
@@ -1481,11 +1402,6 @@
         </p:txBody>
       </p:sp>
     </p:spTree>
-    <p:extLst>
-      <p:ext uri="{BB962C8B-B14F-4D97-AF65-F5344CB8AC3E}">
-        <p14:creationId xmlns:p14="http://schemas.microsoft.com/office/powerpoint/2010/main" val="3897807879"/>
-      </p:ext>
-    </p:extLst>
   </p:cSld>
   <p:clrMapOvr>
     <a:masterClrMapping/>
@@ -1512,13 +1428,7 @@
       </p:grpSpPr>
       <p:sp>
         <p:nvSpPr>
-          <p:cNvPr id="2" name="Title 1">
-            <a:extLst>
-              <a:ext uri="{FF2B5EF4-FFF2-40B4-BE49-F238E27FC236}">
-                <a16:creationId xmlns:a16="http://schemas.microsoft.com/office/drawing/2014/main" id="{9E07DD35-7673-4F88-86B0-634883B5E345}"/>
-              </a:ext>
-            </a:extLst>
-          </p:cNvPr>
+          <p:cNvPr id="2" name="Title 1"/>
           <p:cNvSpPr>
             <a:spLocks noGrp="1"/>
           </p:cNvSpPr>
@@ -1526,33 +1436,25 @@
             <p:ph type="title"/>
           </p:nvPr>
         </p:nvSpPr>
-        <p:spPr>
-          <a:xfrm>
-            <a:off x="704087" y="929147"/>
-            <a:ext cx="10689336" cy="798451"/>
-          </a:xfrm>
-        </p:spPr>
+        <p:spPr/>
         <p:txBody>
           <a:bodyPr/>
-          <a:lstStyle/>
+          <a:lstStyle>
+            <a:lvl1pPr>
+              <a:defRPr/>
+            </a:lvl1pPr>
+          </a:lstStyle>
           <a:p>
             <a:r>
               <a:rPr lang="en-US"/>
               <a:t>Click to edit Master title style</a:t>
             </a:r>
-            <a:endParaRPr lang="en-US" dirty="0"/>
-          </a:p>
-        </p:txBody>
-      </p:sp>
-      <p:sp>
-        <p:nvSpPr>
-          <p:cNvPr id="3" name="Text Placeholder 2">
-            <a:extLst>
-              <a:ext uri="{FF2B5EF4-FFF2-40B4-BE49-F238E27FC236}">
-                <a16:creationId xmlns:a16="http://schemas.microsoft.com/office/drawing/2014/main" id="{5EC820D7-3E0B-47C6-A583-C4C839C5AF03}"/>
-              </a:ext>
-            </a:extLst>
-          </p:cNvPr>
+          </a:p>
+        </p:txBody>
+      </p:sp>
+      <p:sp>
+        <p:nvSpPr>
+          <p:cNvPr id="3" name="Text Placeholder 2"/>
           <p:cNvSpPr>
             <a:spLocks noGrp="1"/>
           </p:cNvSpPr>
@@ -1562,20 +1464,16 @@
         </p:nvSpPr>
         <p:spPr>
           <a:xfrm>
-            <a:off x="704088" y="1756538"/>
-            <a:ext cx="5212080" cy="657225"/>
+            <a:off x="457200" y="1535113"/>
+            <a:ext cx="4040188" cy="639762"/>
           </a:xfrm>
         </p:spPr>
         <p:txBody>
-          <a:bodyPr anchor="b">
-            <a:normAutofit/>
-          </a:bodyPr>
+          <a:bodyPr anchor="b"/>
           <a:lstStyle>
             <a:lvl1pPr marL="0" indent="0">
               <a:buNone/>
-              <a:defRPr sz="1600" b="1">
-                <a:latin typeface="+mj-lt"/>
-              </a:defRPr>
+              <a:defRPr sz="2400" b="1"/>
             </a:lvl1pPr>
             <a:lvl2pPr marL="457200" indent="0">
               <a:buNone/>
@@ -1621,13 +1519,7 @@
       </p:sp>
       <p:sp>
         <p:nvSpPr>
-          <p:cNvPr id="4" name="Content Placeholder 3">
-            <a:extLst>
-              <a:ext uri="{FF2B5EF4-FFF2-40B4-BE49-F238E27FC236}">
-                <a16:creationId xmlns:a16="http://schemas.microsoft.com/office/drawing/2014/main" id="{6A839A7B-97D5-400F-B802-A0FF28FE9F15}"/>
-              </a:ext>
-            </a:extLst>
-          </p:cNvPr>
+          <p:cNvPr id="4" name="Content Placeholder 3"/>
           <p:cNvSpPr>
             <a:spLocks noGrp="1"/>
           </p:cNvSpPr>
@@ -1637,13 +1529,41 @@
         </p:nvSpPr>
         <p:spPr>
           <a:xfrm>
-            <a:off x="704088" y="2442702"/>
-            <a:ext cx="5212080" cy="3519185"/>
+            <a:off x="457200" y="2174875"/>
+            <a:ext cx="4040188" cy="3951288"/>
           </a:xfrm>
         </p:spPr>
         <p:txBody>
           <a:bodyPr/>
-          <a:lstStyle/>
+          <a:lstStyle>
+            <a:lvl1pPr>
+              <a:defRPr sz="2400"/>
+            </a:lvl1pPr>
+            <a:lvl2pPr>
+              <a:defRPr sz="2000"/>
+            </a:lvl2pPr>
+            <a:lvl3pPr>
+              <a:defRPr sz="1800"/>
+            </a:lvl3pPr>
+            <a:lvl4pPr>
+              <a:defRPr sz="1600"/>
+            </a:lvl4pPr>
+            <a:lvl5pPr>
+              <a:defRPr sz="1600"/>
+            </a:lvl5pPr>
+            <a:lvl6pPr>
+              <a:defRPr sz="1600"/>
+            </a:lvl6pPr>
+            <a:lvl7pPr>
+              <a:defRPr sz="1600"/>
+            </a:lvl7pPr>
+            <a:lvl8pPr>
+              <a:defRPr sz="1600"/>
+            </a:lvl8pPr>
+            <a:lvl9pPr>
+              <a:defRPr sz="1600"/>
+            </a:lvl9pPr>
+          </a:lstStyle>
           <a:p>
             <a:pPr lvl="0"/>
             <a:r>
@@ -1678,19 +1598,12 @@
               <a:rPr lang="en-US"/>
               <a:t>Fifth level</a:t>
             </a:r>
-            <a:endParaRPr lang="en-US" dirty="0"/>
-          </a:p>
-        </p:txBody>
-      </p:sp>
-      <p:sp>
-        <p:nvSpPr>
-          <p:cNvPr id="5" name="Text Placeholder 4">
-            <a:extLst>
-              <a:ext uri="{FF2B5EF4-FFF2-40B4-BE49-F238E27FC236}">
-                <a16:creationId xmlns:a16="http://schemas.microsoft.com/office/drawing/2014/main" id="{C2E0ECA2-DBF1-4681-9DFA-93AFD1B371DB}"/>
-              </a:ext>
-            </a:extLst>
-          </p:cNvPr>
+          </a:p>
+        </p:txBody>
+      </p:sp>
+      <p:sp>
+        <p:nvSpPr>
+          <p:cNvPr id="5" name="Text Placeholder 4"/>
           <p:cNvSpPr>
             <a:spLocks noGrp="1"/>
           </p:cNvSpPr>
@@ -1700,20 +1613,16 @@
         </p:nvSpPr>
         <p:spPr>
           <a:xfrm>
-            <a:off x="6181344" y="1756538"/>
-            <a:ext cx="5212080" cy="657225"/>
+            <a:off x="4645025" y="1535113"/>
+            <a:ext cx="4041775" cy="639762"/>
           </a:xfrm>
         </p:spPr>
         <p:txBody>
-          <a:bodyPr anchor="b">
-            <a:normAutofit/>
-          </a:bodyPr>
+          <a:bodyPr anchor="b"/>
           <a:lstStyle>
             <a:lvl1pPr marL="0" indent="0">
               <a:buNone/>
-              <a:defRPr sz="1600" b="1">
-                <a:latin typeface="+mj-lt"/>
-              </a:defRPr>
+              <a:defRPr sz="2400" b="1"/>
             </a:lvl1pPr>
             <a:lvl2pPr marL="457200" indent="0">
               <a:buNone/>
@@ -1759,13 +1668,7 @@
       </p:sp>
       <p:sp>
         <p:nvSpPr>
-          <p:cNvPr id="6" name="Content Placeholder 5">
-            <a:extLst>
-              <a:ext uri="{FF2B5EF4-FFF2-40B4-BE49-F238E27FC236}">
-                <a16:creationId xmlns:a16="http://schemas.microsoft.com/office/drawing/2014/main" id="{390EBBBB-517F-4ED7-9E51-CF0F7590B4D4}"/>
-              </a:ext>
-            </a:extLst>
-          </p:cNvPr>
+          <p:cNvPr id="6" name="Content Placeholder 5"/>
           <p:cNvSpPr>
             <a:spLocks noGrp="1"/>
           </p:cNvSpPr>
@@ -1775,13 +1678,41 @@
         </p:nvSpPr>
         <p:spPr>
           <a:xfrm>
-            <a:off x="6181344" y="2442702"/>
-            <a:ext cx="5212080" cy="3519185"/>
+            <a:off x="4645025" y="2174875"/>
+            <a:ext cx="4041775" cy="3951288"/>
           </a:xfrm>
         </p:spPr>
         <p:txBody>
           <a:bodyPr/>
-          <a:lstStyle/>
+          <a:lstStyle>
+            <a:lvl1pPr>
+              <a:defRPr sz="2400"/>
+            </a:lvl1pPr>
+            <a:lvl2pPr>
+              <a:defRPr sz="2000"/>
+            </a:lvl2pPr>
+            <a:lvl3pPr>
+              <a:defRPr sz="1800"/>
+            </a:lvl3pPr>
+            <a:lvl4pPr>
+              <a:defRPr sz="1600"/>
+            </a:lvl4pPr>
+            <a:lvl5pPr>
+              <a:defRPr sz="1600"/>
+            </a:lvl5pPr>
+            <a:lvl6pPr>
+              <a:defRPr sz="1600"/>
+            </a:lvl6pPr>
+            <a:lvl7pPr>
+              <a:defRPr sz="1600"/>
+            </a:lvl7pPr>
+            <a:lvl8pPr>
+              <a:defRPr sz="1600"/>
+            </a:lvl8pPr>
+            <a:lvl9pPr>
+              <a:defRPr sz="1600"/>
+            </a:lvl9pPr>
+          </a:lstStyle>
           <a:p>
             <a:pPr lvl="0"/>
             <a:r>
@@ -1816,19 +1747,12 @@
               <a:rPr lang="en-US"/>
               <a:t>Fifth level</a:t>
             </a:r>
-            <a:endParaRPr lang="en-US" dirty="0"/>
-          </a:p>
-        </p:txBody>
-      </p:sp>
-      <p:sp>
-        <p:nvSpPr>
-          <p:cNvPr id="7" name="Date Placeholder 6">
-            <a:extLst>
-              <a:ext uri="{FF2B5EF4-FFF2-40B4-BE49-F238E27FC236}">
-                <a16:creationId xmlns:a16="http://schemas.microsoft.com/office/drawing/2014/main" id="{2511B5C7-1E37-478F-B4B0-C7202FFE41B9}"/>
-              </a:ext>
-            </a:extLst>
-          </p:cNvPr>
+          </a:p>
+        </p:txBody>
+      </p:sp>
+      <p:sp>
+        <p:nvSpPr>
+          <p:cNvPr id="7" name="Date Placeholder 6"/>
           <p:cNvSpPr>
             <a:spLocks noGrp="1"/>
           </p:cNvSpPr>
@@ -1841,8 +1765,9 @@
           <a:bodyPr/>
           <a:lstStyle/>
           <a:p>
-            <a:fld id="{D0378EFB-9159-4510-B73F-4F0409ADE937}" type="datetime1">
+            <a:fld id="{1D8BD707-D9CF-40AE-B4C6-C98DA3205C09}" type="datetimeFigureOut">
               <a:rPr lang="en-US" smtClean="0"/>
+              <a:pPr/>
               <a:t>11/24/2025</a:t>
             </a:fld>
             <a:endParaRPr lang="en-US"/>
@@ -1851,13 +1776,7 @@
       </p:sp>
       <p:sp>
         <p:nvSpPr>
-          <p:cNvPr id="8" name="Footer Placeholder 7">
-            <a:extLst>
-              <a:ext uri="{FF2B5EF4-FFF2-40B4-BE49-F238E27FC236}">
-                <a16:creationId xmlns:a16="http://schemas.microsoft.com/office/drawing/2014/main" id="{9153F7EF-507C-4CB3-86C5-8B34FFFC1D86}"/>
-              </a:ext>
-            </a:extLst>
-          </p:cNvPr>
+          <p:cNvPr id="8" name="Footer Placeholder 7"/>
           <p:cNvSpPr>
             <a:spLocks noGrp="1"/>
           </p:cNvSpPr>
@@ -1870,19 +1789,13 @@
           <a:bodyPr/>
           <a:lstStyle/>
           <a:p>
-            <a:endParaRPr lang="en-US" dirty="0"/>
-          </a:p>
-        </p:txBody>
-      </p:sp>
-      <p:sp>
-        <p:nvSpPr>
-          <p:cNvPr id="9" name="Slide Number Placeholder 8">
-            <a:extLst>
-              <a:ext uri="{FF2B5EF4-FFF2-40B4-BE49-F238E27FC236}">
-                <a16:creationId xmlns:a16="http://schemas.microsoft.com/office/drawing/2014/main" id="{58E3DEA6-E4EB-4C2A-8B4F-55EC965B6219}"/>
-              </a:ext>
-            </a:extLst>
-          </p:cNvPr>
+            <a:endParaRPr lang="en-US"/>
+          </a:p>
+        </p:txBody>
+      </p:sp>
+      <p:sp>
+        <p:nvSpPr>
+          <p:cNvPr id="9" name="Slide Number Placeholder 8"/>
           <p:cNvSpPr>
             <a:spLocks noGrp="1"/>
           </p:cNvSpPr>
@@ -1895,8 +1808,9 @@
           <a:bodyPr/>
           <a:lstStyle/>
           <a:p>
-            <a:fld id="{87E7843D-FF13-4365-9478-9625B70A2705}" type="slidenum">
+            <a:fld id="{B6F15528-21DE-4FAA-801E-634DDDAF4B2B}" type="slidenum">
               <a:rPr lang="en-US" smtClean="0"/>
+              <a:pPr/>
               <a:t>‹N›</a:t>
             </a:fld>
             <a:endParaRPr lang="en-US"/>
@@ -1904,11 +1818,6 @@
         </p:txBody>
       </p:sp>
     </p:spTree>
-    <p:extLst>
-      <p:ext uri="{BB962C8B-B14F-4D97-AF65-F5344CB8AC3E}">
-        <p14:creationId xmlns:p14="http://schemas.microsoft.com/office/powerpoint/2010/main" val="3019510265"/>
-      </p:ext>
-    </p:extLst>
   </p:cSld>
   <p:clrMapOvr>
     <a:masterClrMapping/>
@@ -1935,13 +1844,7 @@
       </p:grpSpPr>
       <p:sp>
         <p:nvSpPr>
-          <p:cNvPr id="2" name="Title 1">
-            <a:extLst>
-              <a:ext uri="{FF2B5EF4-FFF2-40B4-BE49-F238E27FC236}">
-                <a16:creationId xmlns:a16="http://schemas.microsoft.com/office/drawing/2014/main" id="{38032964-A933-4B98-A141-A4B316DAFA9F}"/>
-              </a:ext>
-            </a:extLst>
-          </p:cNvPr>
+          <p:cNvPr id="2" name="Title 1"/>
           <p:cNvSpPr>
             <a:spLocks noGrp="1"/>
           </p:cNvSpPr>
@@ -1958,19 +1861,12 @@
               <a:rPr lang="en-US"/>
               <a:t>Click to edit Master title style</a:t>
             </a:r>
-            <a:endParaRPr lang="en-US" dirty="0"/>
-          </a:p>
-        </p:txBody>
-      </p:sp>
-      <p:sp>
-        <p:nvSpPr>
-          <p:cNvPr id="3" name="Date Placeholder 2">
-            <a:extLst>
-              <a:ext uri="{FF2B5EF4-FFF2-40B4-BE49-F238E27FC236}">
-                <a16:creationId xmlns:a16="http://schemas.microsoft.com/office/drawing/2014/main" id="{5D684C9D-23DA-42B0-9DD3-7592F72E8DC9}"/>
-              </a:ext>
-            </a:extLst>
-          </p:cNvPr>
+          </a:p>
+        </p:txBody>
+      </p:sp>
+      <p:sp>
+        <p:nvSpPr>
+          <p:cNvPr id="3" name="Date Placeholder 2"/>
           <p:cNvSpPr>
             <a:spLocks noGrp="1"/>
           </p:cNvSpPr>
@@ -1983,8 +1879,9 @@
           <a:bodyPr/>
           <a:lstStyle/>
           <a:p>
-            <a:fld id="{89BC9412-2452-4BED-A324-9D8C115361AD}" type="datetime1">
+            <a:fld id="{1D8BD707-D9CF-40AE-B4C6-C98DA3205C09}" type="datetimeFigureOut">
               <a:rPr lang="en-US" smtClean="0"/>
+              <a:pPr/>
               <a:t>11/24/2025</a:t>
             </a:fld>
             <a:endParaRPr lang="en-US"/>
@@ -1993,13 +1890,7 @@
       </p:sp>
       <p:sp>
         <p:nvSpPr>
-          <p:cNvPr id="4" name="Footer Placeholder 3">
-            <a:extLst>
-              <a:ext uri="{FF2B5EF4-FFF2-40B4-BE49-F238E27FC236}">
-                <a16:creationId xmlns:a16="http://schemas.microsoft.com/office/drawing/2014/main" id="{68BF8F05-876F-49D8-AE30-5BB2A91ECD59}"/>
-              </a:ext>
-            </a:extLst>
-          </p:cNvPr>
+          <p:cNvPr id="4" name="Footer Placeholder 3"/>
           <p:cNvSpPr>
             <a:spLocks noGrp="1"/>
           </p:cNvSpPr>
@@ -2012,19 +1903,13 @@
           <a:bodyPr/>
           <a:lstStyle/>
           <a:p>
-            <a:endParaRPr lang="en-US" dirty="0"/>
-          </a:p>
-        </p:txBody>
-      </p:sp>
-      <p:sp>
-        <p:nvSpPr>
-          <p:cNvPr id="5" name="Slide Number Placeholder 4">
-            <a:extLst>
-              <a:ext uri="{FF2B5EF4-FFF2-40B4-BE49-F238E27FC236}">
-                <a16:creationId xmlns:a16="http://schemas.microsoft.com/office/drawing/2014/main" id="{153D20DA-9260-4577-BB51-789570A243AF}"/>
-              </a:ext>
-            </a:extLst>
-          </p:cNvPr>
+            <a:endParaRPr lang="en-US"/>
+          </a:p>
+        </p:txBody>
+      </p:sp>
+      <p:sp>
+        <p:nvSpPr>
+          <p:cNvPr id="5" name="Slide Number Placeholder 4"/>
           <p:cNvSpPr>
             <a:spLocks noGrp="1"/>
           </p:cNvSpPr>
@@ -2037,8 +1922,9 @@
           <a:bodyPr/>
           <a:lstStyle/>
           <a:p>
-            <a:fld id="{87E7843D-FF13-4365-9478-9625B70A2705}" type="slidenum">
+            <a:fld id="{B6F15528-21DE-4FAA-801E-634DDDAF4B2B}" type="slidenum">
               <a:rPr lang="en-US" smtClean="0"/>
+              <a:pPr/>
               <a:t>‹N›</a:t>
             </a:fld>
             <a:endParaRPr lang="en-US"/>
@@ -2046,11 +1932,6 @@
         </p:txBody>
       </p:sp>
     </p:spTree>
-    <p:extLst>
-      <p:ext uri="{BB962C8B-B14F-4D97-AF65-F5344CB8AC3E}">
-        <p14:creationId xmlns:p14="http://schemas.microsoft.com/office/powerpoint/2010/main" val="3091254763"/>
-      </p:ext>
-    </p:extLst>
   </p:cSld>
   <p:clrMapOvr>
     <a:masterClrMapping/>
@@ -2077,13 +1958,7 @@
       </p:grpSpPr>
       <p:sp>
         <p:nvSpPr>
-          <p:cNvPr id="2" name="Date Placeholder 1">
-            <a:extLst>
-              <a:ext uri="{FF2B5EF4-FFF2-40B4-BE49-F238E27FC236}">
-                <a16:creationId xmlns:a16="http://schemas.microsoft.com/office/drawing/2014/main" id="{AD2C1F24-E0A1-45A7-8EF5-92CD9799341C}"/>
-              </a:ext>
-            </a:extLst>
-          </p:cNvPr>
+          <p:cNvPr id="2" name="Date Placeholder 1"/>
           <p:cNvSpPr>
             <a:spLocks noGrp="1"/>
           </p:cNvSpPr>
@@ -2096,8 +1971,9 @@
           <a:bodyPr/>
           <a:lstStyle/>
           <a:p>
-            <a:fld id="{F5318F62-D251-40E8-A23C-F4CFE9FEAB41}" type="datetime1">
+            <a:fld id="{1D8BD707-D9CF-40AE-B4C6-C98DA3205C09}" type="datetimeFigureOut">
               <a:rPr lang="en-US" smtClean="0"/>
+              <a:pPr/>
               <a:t>11/24/2025</a:t>
             </a:fld>
             <a:endParaRPr lang="en-US"/>
@@ -2106,13 +1982,7 @@
       </p:sp>
       <p:sp>
         <p:nvSpPr>
-          <p:cNvPr id="3" name="Footer Placeholder 2">
-            <a:extLst>
-              <a:ext uri="{FF2B5EF4-FFF2-40B4-BE49-F238E27FC236}">
-                <a16:creationId xmlns:a16="http://schemas.microsoft.com/office/drawing/2014/main" id="{3E021C19-210E-46B0-9036-5D8AECC9260C}"/>
-              </a:ext>
-            </a:extLst>
-          </p:cNvPr>
+          <p:cNvPr id="3" name="Footer Placeholder 2"/>
           <p:cNvSpPr>
             <a:spLocks noGrp="1"/>
           </p:cNvSpPr>
@@ -2125,19 +1995,13 @@
           <a:bodyPr/>
           <a:lstStyle/>
           <a:p>
-            <a:endParaRPr lang="en-US" dirty="0"/>
-          </a:p>
-        </p:txBody>
-      </p:sp>
-      <p:sp>
-        <p:nvSpPr>
-          <p:cNvPr id="4" name="Slide Number Placeholder 3">
-            <a:extLst>
-              <a:ext uri="{FF2B5EF4-FFF2-40B4-BE49-F238E27FC236}">
-                <a16:creationId xmlns:a16="http://schemas.microsoft.com/office/drawing/2014/main" id="{1A880FEF-487E-44DF-8615-DF2210419602}"/>
-              </a:ext>
-            </a:extLst>
-          </p:cNvPr>
+            <a:endParaRPr lang="en-US"/>
+          </a:p>
+        </p:txBody>
+      </p:sp>
+      <p:sp>
+        <p:nvSpPr>
+          <p:cNvPr id="4" name="Slide Number Placeholder 3"/>
           <p:cNvSpPr>
             <a:spLocks noGrp="1"/>
           </p:cNvSpPr>
@@ -2150,8 +2014,9 @@
           <a:bodyPr/>
           <a:lstStyle/>
           <a:p>
-            <a:fld id="{87E7843D-FF13-4365-9478-9625B70A2705}" type="slidenum">
+            <a:fld id="{B6F15528-21DE-4FAA-801E-634DDDAF4B2B}" type="slidenum">
               <a:rPr lang="en-US" smtClean="0"/>
+              <a:pPr/>
               <a:t>‹N›</a:t>
             </a:fld>
             <a:endParaRPr lang="en-US"/>
@@ -2159,11 +2024,6 @@
         </p:txBody>
       </p:sp>
     </p:spTree>
-    <p:extLst>
-      <p:ext uri="{BB962C8B-B14F-4D97-AF65-F5344CB8AC3E}">
-        <p14:creationId xmlns:p14="http://schemas.microsoft.com/office/powerpoint/2010/main" val="1028602654"/>
-      </p:ext>
-    </p:extLst>
   </p:cSld>
   <p:clrMapOvr>
     <a:masterClrMapping/>
@@ -2190,13 +2050,7 @@
       </p:grpSpPr>
       <p:sp>
         <p:nvSpPr>
-          <p:cNvPr id="2" name="Title 1">
-            <a:extLst>
-              <a:ext uri="{FF2B5EF4-FFF2-40B4-BE49-F238E27FC236}">
-                <a16:creationId xmlns:a16="http://schemas.microsoft.com/office/drawing/2014/main" id="{11A568EE-74C8-43A6-90BC-2DDD965CF64A}"/>
-              </a:ext>
-            </a:extLst>
-          </p:cNvPr>
+          <p:cNvPr id="2" name="Title 1"/>
           <p:cNvSpPr>
             <a:spLocks noGrp="1"/>
           </p:cNvSpPr>
@@ -2206,15 +2060,15 @@
         </p:nvSpPr>
         <p:spPr>
           <a:xfrm>
-            <a:off x="704088" y="1069848"/>
-            <a:ext cx="4093599" cy="1316736"/>
+            <a:off x="457200" y="273050"/>
+            <a:ext cx="3008313" cy="1162050"/>
           </a:xfrm>
         </p:spPr>
         <p:txBody>
           <a:bodyPr anchor="b"/>
           <a:lstStyle>
-            <a:lvl1pPr>
-              <a:defRPr sz="3200"/>
+            <a:lvl1pPr algn="l">
+              <a:defRPr sz="2000" b="1"/>
             </a:lvl1pPr>
           </a:lstStyle>
           <a:p>
@@ -2222,19 +2076,12 @@
               <a:rPr lang="en-US"/>
               <a:t>Click to edit Master title style</a:t>
             </a:r>
-            <a:endParaRPr lang="en-US" dirty="0"/>
-          </a:p>
-        </p:txBody>
-      </p:sp>
-      <p:sp>
-        <p:nvSpPr>
-          <p:cNvPr id="3" name="Content Placeholder 2">
-            <a:extLst>
-              <a:ext uri="{FF2B5EF4-FFF2-40B4-BE49-F238E27FC236}">
-                <a16:creationId xmlns:a16="http://schemas.microsoft.com/office/drawing/2014/main" id="{971C35AC-CAE3-48CF-A3E4-A075C9FDD71B}"/>
-              </a:ext>
-            </a:extLst>
-          </p:cNvPr>
+          </a:p>
+        </p:txBody>
+      </p:sp>
+      <p:sp>
+        <p:nvSpPr>
+          <p:cNvPr id="3" name="Content Placeholder 2"/>
           <p:cNvSpPr>
             <a:spLocks noGrp="1"/>
           </p:cNvSpPr>
@@ -2244,8 +2091,8 @@
         </p:nvSpPr>
         <p:spPr>
           <a:xfrm>
-            <a:off x="5183188" y="1069848"/>
-            <a:ext cx="6172200" cy="4791202"/>
+            <a:off x="3575050" y="273050"/>
+            <a:ext cx="5111750" cy="5853113"/>
           </a:xfrm>
         </p:spPr>
         <p:txBody>
@@ -2313,19 +2160,12 @@
               <a:rPr lang="en-US"/>
               <a:t>Fifth level</a:t>
             </a:r>
-            <a:endParaRPr lang="en-US" dirty="0"/>
-          </a:p>
-        </p:txBody>
-      </p:sp>
-      <p:sp>
-        <p:nvSpPr>
-          <p:cNvPr id="4" name="Text Placeholder 3">
-            <a:extLst>
-              <a:ext uri="{FF2B5EF4-FFF2-40B4-BE49-F238E27FC236}">
-                <a16:creationId xmlns:a16="http://schemas.microsoft.com/office/drawing/2014/main" id="{2D9D03EA-5FAD-4609-A2B8-624E426847E3}"/>
-              </a:ext>
-            </a:extLst>
-          </p:cNvPr>
+          </a:p>
+        </p:txBody>
+      </p:sp>
+      <p:sp>
+        <p:nvSpPr>
+          <p:cNvPr id="4" name="Text Placeholder 3"/>
           <p:cNvSpPr>
             <a:spLocks noGrp="1"/>
           </p:cNvSpPr>
@@ -2335,8 +2175,8 @@
         </p:nvSpPr>
         <p:spPr>
           <a:xfrm>
-            <a:off x="704088" y="2551176"/>
-            <a:ext cx="4093599" cy="3319272"/>
+            <a:off x="457200" y="1435100"/>
+            <a:ext cx="3008313" cy="4691063"/>
           </a:xfrm>
         </p:spPr>
         <p:txBody>
@@ -2344,39 +2184,39 @@
           <a:lstStyle>
             <a:lvl1pPr marL="0" indent="0">
               <a:buNone/>
-              <a:defRPr sz="1600"/>
+              <a:defRPr sz="1400"/>
             </a:lvl1pPr>
             <a:lvl2pPr marL="457200" indent="0">
               <a:buNone/>
-              <a:defRPr sz="1400"/>
+              <a:defRPr sz="1200"/>
             </a:lvl2pPr>
             <a:lvl3pPr marL="914400" indent="0">
               <a:buNone/>
-              <a:defRPr sz="1200"/>
+              <a:defRPr sz="1000"/>
             </a:lvl3pPr>
             <a:lvl4pPr marL="1371600" indent="0">
               <a:buNone/>
-              <a:defRPr sz="1000"/>
+              <a:defRPr sz="900"/>
             </a:lvl4pPr>
             <a:lvl5pPr marL="1828800" indent="0">
               <a:buNone/>
-              <a:defRPr sz="1000"/>
+              <a:defRPr sz="900"/>
             </a:lvl5pPr>
             <a:lvl6pPr marL="2286000" indent="0">
               <a:buNone/>
-              <a:defRPr sz="1000"/>
+              <a:defRPr sz="900"/>
             </a:lvl6pPr>
             <a:lvl7pPr marL="2743200" indent="0">
               <a:buNone/>
-              <a:defRPr sz="1000"/>
+              <a:defRPr sz="900"/>
             </a:lvl7pPr>
             <a:lvl8pPr marL="3200400" indent="0">
               <a:buNone/>
-              <a:defRPr sz="1000"/>
+              <a:defRPr sz="900"/>
             </a:lvl8pPr>
             <a:lvl9pPr marL="3657600" indent="0">
               <a:buNone/>
-              <a:defRPr sz="1000"/>
+              <a:defRPr sz="900"/>
             </a:lvl9pPr>
           </a:lstStyle>
           <a:p>
@@ -2390,13 +2230,7 @@
       </p:sp>
       <p:sp>
         <p:nvSpPr>
-          <p:cNvPr id="5" name="Date Placeholder 4">
-            <a:extLst>
-              <a:ext uri="{FF2B5EF4-FFF2-40B4-BE49-F238E27FC236}">
-                <a16:creationId xmlns:a16="http://schemas.microsoft.com/office/drawing/2014/main" id="{0B58D2EA-2191-4216-B64D-067BDFE12375}"/>
-              </a:ext>
-            </a:extLst>
-          </p:cNvPr>
+          <p:cNvPr id="5" name="Date Placeholder 4"/>
           <p:cNvSpPr>
             <a:spLocks noGrp="1"/>
           </p:cNvSpPr>
@@ -2409,8 +2243,9 @@
           <a:bodyPr/>
           <a:lstStyle/>
           <a:p>
-            <a:fld id="{44F76144-149E-4874-93A5-554A0357CF82}" type="datetime1">
+            <a:fld id="{1D8BD707-D9CF-40AE-B4C6-C98DA3205C09}" type="datetimeFigureOut">
               <a:rPr lang="en-US" smtClean="0"/>
+              <a:pPr/>
               <a:t>11/24/2025</a:t>
             </a:fld>
             <a:endParaRPr lang="en-US"/>
@@ -2419,13 +2254,7 @@
       </p:sp>
       <p:sp>
         <p:nvSpPr>
-          <p:cNvPr id="6" name="Footer Placeholder 5">
-            <a:extLst>
-              <a:ext uri="{FF2B5EF4-FFF2-40B4-BE49-F238E27FC236}">
-                <a16:creationId xmlns:a16="http://schemas.microsoft.com/office/drawing/2014/main" id="{78042128-DAB4-481C-BEE6-3523E8E88BAD}"/>
-              </a:ext>
-            </a:extLst>
-          </p:cNvPr>
+          <p:cNvPr id="6" name="Footer Placeholder 5"/>
           <p:cNvSpPr>
             <a:spLocks noGrp="1"/>
           </p:cNvSpPr>
@@ -2438,19 +2267,13 @@
           <a:bodyPr/>
           <a:lstStyle/>
           <a:p>
-            <a:endParaRPr lang="en-US" dirty="0"/>
-          </a:p>
-        </p:txBody>
-      </p:sp>
-      <p:sp>
-        <p:nvSpPr>
-          <p:cNvPr id="7" name="Slide Number Placeholder 6">
-            <a:extLst>
-              <a:ext uri="{FF2B5EF4-FFF2-40B4-BE49-F238E27FC236}">
-                <a16:creationId xmlns:a16="http://schemas.microsoft.com/office/drawing/2014/main" id="{AE50E382-C500-4A4C-A7C6-43860383AB91}"/>
-              </a:ext>
-            </a:extLst>
-          </p:cNvPr>
+            <a:endParaRPr lang="en-US"/>
+          </a:p>
+        </p:txBody>
+      </p:sp>
+      <p:sp>
+        <p:nvSpPr>
+          <p:cNvPr id="7" name="Slide Number Placeholder 6"/>
           <p:cNvSpPr>
             <a:spLocks noGrp="1"/>
           </p:cNvSpPr>
@@ -2463,8 +2286,9 @@
           <a:bodyPr/>
           <a:lstStyle/>
           <a:p>
-            <a:fld id="{87E7843D-FF13-4365-9478-9625B70A2705}" type="slidenum">
+            <a:fld id="{B6F15528-21DE-4FAA-801E-634DDDAF4B2B}" type="slidenum">
               <a:rPr lang="en-US" smtClean="0"/>
+              <a:pPr/>
               <a:t>‹N›</a:t>
             </a:fld>
             <a:endParaRPr lang="en-US"/>
@@ -2472,11 +2296,6 @@
         </p:txBody>
       </p:sp>
     </p:spTree>
-    <p:extLst>
-      <p:ext uri="{BB962C8B-B14F-4D97-AF65-F5344CB8AC3E}">
-        <p14:creationId xmlns:p14="http://schemas.microsoft.com/office/powerpoint/2010/main" val="1138777797"/>
-      </p:ext>
-    </p:extLst>
   </p:cSld>
   <p:clrMapOvr>
     <a:masterClrMapping/>
@@ -2503,13 +2322,7 @@
       </p:grpSpPr>
       <p:sp>
         <p:nvSpPr>
-          <p:cNvPr id="2" name="Title 1">
-            <a:extLst>
-              <a:ext uri="{FF2B5EF4-FFF2-40B4-BE49-F238E27FC236}">
-                <a16:creationId xmlns:a16="http://schemas.microsoft.com/office/drawing/2014/main" id="{139FE98B-EACF-4251-A8AF-0D9EDD17C664}"/>
-              </a:ext>
-            </a:extLst>
-          </p:cNvPr>
+          <p:cNvPr id="2" name="Title 1"/>
           <p:cNvSpPr>
             <a:spLocks noGrp="1"/>
           </p:cNvSpPr>
@@ -2519,15 +2332,15 @@
         </p:nvSpPr>
         <p:spPr>
           <a:xfrm>
-            <a:off x="704088" y="1066800"/>
-            <a:ext cx="4103431" cy="1317523"/>
+            <a:off x="1792288" y="4800600"/>
+            <a:ext cx="5486400" cy="566738"/>
           </a:xfrm>
         </p:spPr>
         <p:txBody>
           <a:bodyPr anchor="b"/>
           <a:lstStyle>
-            <a:lvl1pPr>
-              <a:defRPr sz="3200"/>
+            <a:lvl1pPr algn="l">
+              <a:defRPr sz="2000" b="1"/>
             </a:lvl1pPr>
           </a:lstStyle>
           <a:p>
@@ -2535,19 +2348,12 @@
               <a:rPr lang="en-US"/>
               <a:t>Click to edit Master title style</a:t>
             </a:r>
-            <a:endParaRPr lang="en-US" dirty="0"/>
-          </a:p>
-        </p:txBody>
-      </p:sp>
-      <p:sp>
-        <p:nvSpPr>
-          <p:cNvPr id="3" name="Picture Placeholder 2">
-            <a:extLst>
-              <a:ext uri="{FF2B5EF4-FFF2-40B4-BE49-F238E27FC236}">
-                <a16:creationId xmlns:a16="http://schemas.microsoft.com/office/drawing/2014/main" id="{3905F473-761A-4002-AF70-9FF878D0139E}"/>
-              </a:ext>
-            </a:extLst>
-          </p:cNvPr>
+          </a:p>
+        </p:txBody>
+      </p:sp>
+      <p:sp>
+        <p:nvSpPr>
+          <p:cNvPr id="3" name="Picture Placeholder 2"/>
           <p:cNvSpPr>
             <a:spLocks noGrp="1"/>
           </p:cNvSpPr>
@@ -2557,8 +2363,8 @@
         </p:nvSpPr>
         <p:spPr>
           <a:xfrm>
-            <a:off x="5183188" y="1066800"/>
-            <a:ext cx="6172200" cy="4794250"/>
+            <a:off x="1792288" y="612775"/>
+            <a:ext cx="5486400" cy="4114800"/>
           </a:xfrm>
         </p:spPr>
         <p:txBody>
@@ -2602,23 +2408,13 @@
             </a:lvl9pPr>
           </a:lstStyle>
           <a:p>
-            <a:r>
-              <a:rPr lang="en-US"/>
-              <a:t>Click icon to add picture</a:t>
-            </a:r>
-            <a:endParaRPr lang="en-US" dirty="0"/>
-          </a:p>
-        </p:txBody>
-      </p:sp>
-      <p:sp>
-        <p:nvSpPr>
-          <p:cNvPr id="4" name="Text Placeholder 3">
-            <a:extLst>
-              <a:ext uri="{FF2B5EF4-FFF2-40B4-BE49-F238E27FC236}">
-                <a16:creationId xmlns:a16="http://schemas.microsoft.com/office/drawing/2014/main" id="{FA0C2E6A-F834-4540-BB00-E13CB45DC362}"/>
-              </a:ext>
-            </a:extLst>
-          </p:cNvPr>
+            <a:endParaRPr lang="en-US"/>
+          </a:p>
+        </p:txBody>
+      </p:sp>
+      <p:sp>
+        <p:nvSpPr>
+          <p:cNvPr id="4" name="Text Placeholder 3"/>
           <p:cNvSpPr>
             <a:spLocks noGrp="1"/>
           </p:cNvSpPr>
@@ -2628,8 +2424,8 @@
         </p:nvSpPr>
         <p:spPr>
           <a:xfrm>
-            <a:off x="704088" y="2552700"/>
-            <a:ext cx="4103431" cy="3316288"/>
+            <a:off x="1792288" y="5367338"/>
+            <a:ext cx="5486400" cy="804862"/>
           </a:xfrm>
         </p:spPr>
         <p:txBody>
@@ -2637,39 +2433,39 @@
           <a:lstStyle>
             <a:lvl1pPr marL="0" indent="0">
               <a:buNone/>
-              <a:defRPr sz="1600"/>
+              <a:defRPr sz="1400"/>
             </a:lvl1pPr>
             <a:lvl2pPr marL="457200" indent="0">
               <a:buNone/>
-              <a:defRPr sz="1400"/>
+              <a:defRPr sz="1200"/>
             </a:lvl2pPr>
             <a:lvl3pPr marL="914400" indent="0">
               <a:buNone/>
-              <a:defRPr sz="1200"/>
+              <a:defRPr sz="1000"/>
             </a:lvl3pPr>
             <a:lvl4pPr marL="1371600" indent="0">
               <a:buNone/>
-              <a:defRPr sz="1000"/>
+              <a:defRPr sz="900"/>
             </a:lvl4pPr>
             <a:lvl5pPr marL="1828800" indent="0">
               <a:buNone/>
-              <a:defRPr sz="1000"/>
+              <a:defRPr sz="900"/>
             </a:lvl5pPr>
             <a:lvl6pPr marL="2286000" indent="0">
               <a:buNone/>
-              <a:defRPr sz="1000"/>
+              <a:defRPr sz="900"/>
             </a:lvl6pPr>
             <a:lvl7pPr marL="2743200" indent="0">
               <a:buNone/>
-              <a:defRPr sz="1000"/>
+              <a:defRPr sz="900"/>
             </a:lvl7pPr>
             <a:lvl8pPr marL="3200400" indent="0">
               <a:buNone/>
-              <a:defRPr sz="1000"/>
+              <a:defRPr sz="900"/>
             </a:lvl8pPr>
             <a:lvl9pPr marL="3657600" indent="0">
               <a:buNone/>
-              <a:defRPr sz="1000"/>
+              <a:defRPr sz="900"/>
             </a:lvl9pPr>
           </a:lstStyle>
           <a:p>
@@ -2683,13 +2479,7 @@
       </p:sp>
       <p:sp>
         <p:nvSpPr>
-          <p:cNvPr id="5" name="Date Placeholder 4">
-            <a:extLst>
-              <a:ext uri="{FF2B5EF4-FFF2-40B4-BE49-F238E27FC236}">
-                <a16:creationId xmlns:a16="http://schemas.microsoft.com/office/drawing/2014/main" id="{F0C38EAB-AD63-415C-B263-BA1D8FBE3CB0}"/>
-              </a:ext>
-            </a:extLst>
-          </p:cNvPr>
+          <p:cNvPr id="5" name="Date Placeholder 4"/>
           <p:cNvSpPr>
             <a:spLocks noGrp="1"/>
           </p:cNvSpPr>
@@ -2702,8 +2492,9 @@
           <a:bodyPr/>
           <a:lstStyle/>
           <a:p>
-            <a:fld id="{50BA65D8-0540-4835-AE5C-25D29DBA01BE}" type="datetime1">
+            <a:fld id="{1D8BD707-D9CF-40AE-B4C6-C98DA3205C09}" type="datetimeFigureOut">
               <a:rPr lang="en-US" smtClean="0"/>
+              <a:pPr/>
               <a:t>11/24/2025</a:t>
             </a:fld>
             <a:endParaRPr lang="en-US"/>
@@ -2712,13 +2503,7 @@
       </p:sp>
       <p:sp>
         <p:nvSpPr>
-          <p:cNvPr id="6" name="Footer Placeholder 5">
-            <a:extLst>
-              <a:ext uri="{FF2B5EF4-FFF2-40B4-BE49-F238E27FC236}">
-                <a16:creationId xmlns:a16="http://schemas.microsoft.com/office/drawing/2014/main" id="{422E5541-B6DE-45E8-BCFE-0DFC4F574079}"/>
-              </a:ext>
-            </a:extLst>
-          </p:cNvPr>
+          <p:cNvPr id="6" name="Footer Placeholder 5"/>
           <p:cNvSpPr>
             <a:spLocks noGrp="1"/>
           </p:cNvSpPr>
@@ -2731,19 +2516,13 @@
           <a:bodyPr/>
           <a:lstStyle/>
           <a:p>
-            <a:endParaRPr lang="en-US" dirty="0"/>
-          </a:p>
-        </p:txBody>
-      </p:sp>
-      <p:sp>
-        <p:nvSpPr>
-          <p:cNvPr id="7" name="Slide Number Placeholder 6">
-            <a:extLst>
-              <a:ext uri="{FF2B5EF4-FFF2-40B4-BE49-F238E27FC236}">
-                <a16:creationId xmlns:a16="http://schemas.microsoft.com/office/drawing/2014/main" id="{DBB78D45-289B-46AF-8CB9-E6150BEA17ED}"/>
-              </a:ext>
-            </a:extLst>
-          </p:cNvPr>
+            <a:endParaRPr lang="en-US"/>
+          </a:p>
+        </p:txBody>
+      </p:sp>
+      <p:sp>
+        <p:nvSpPr>
+          <p:cNvPr id="7" name="Slide Number Placeholder 6"/>
           <p:cNvSpPr>
             <a:spLocks noGrp="1"/>
           </p:cNvSpPr>
@@ -2756,8 +2535,9 @@
           <a:bodyPr/>
           <a:lstStyle/>
           <a:p>
-            <a:fld id="{87E7843D-FF13-4365-9478-9625B70A2705}" type="slidenum">
+            <a:fld id="{B6F15528-21DE-4FAA-801E-634DDDAF4B2B}" type="slidenum">
               <a:rPr lang="en-US" smtClean="0"/>
+              <a:pPr/>
               <a:t>‹N›</a:t>
             </a:fld>
             <a:endParaRPr lang="en-US"/>
@@ -2765,11 +2545,6 @@
         </p:txBody>
       </p:sp>
     </p:spTree>
-    <p:extLst>
-      <p:ext uri="{BB962C8B-B14F-4D97-AF65-F5344CB8AC3E}">
-        <p14:creationId xmlns:p14="http://schemas.microsoft.com/office/powerpoint/2010/main" val="747667434"/>
-      </p:ext>
-    </p:extLst>
   </p:cSld>
   <p:clrMapOvr>
     <a:masterClrMapping/>
@@ -2801,13 +2576,7 @@
       </p:grpSpPr>
       <p:sp>
         <p:nvSpPr>
-          <p:cNvPr id="2" name="Title Placeholder 1">
-            <a:extLst>
-              <a:ext uri="{FF2B5EF4-FFF2-40B4-BE49-F238E27FC236}">
-                <a16:creationId xmlns:a16="http://schemas.microsoft.com/office/drawing/2014/main" id="{47A362AC-B59F-4AC7-B279-57DDD5336BCA}"/>
-              </a:ext>
-            </a:extLst>
-          </p:cNvPr>
+          <p:cNvPr id="2" name="Title Placeholder 1"/>
           <p:cNvSpPr>
             <a:spLocks noGrp="1"/>
           </p:cNvSpPr>
@@ -2817,15 +2586,15 @@
         </p:nvSpPr>
         <p:spPr>
           <a:xfrm>
-            <a:off x="700635" y="914400"/>
-            <a:ext cx="10691265" cy="1307592"/>
+            <a:off x="457200" y="274638"/>
+            <a:ext cx="8229600" cy="1143000"/>
           </a:xfrm>
           <a:prstGeom prst="rect">
             <a:avLst/>
           </a:prstGeom>
         </p:spPr>
         <p:txBody>
-          <a:bodyPr vert="horz" lIns="91440" tIns="45720" rIns="91440" bIns="45720" rtlCol="0" anchor="t">
+          <a:bodyPr vert="horz" lIns="91440" tIns="45720" rIns="91440" bIns="45720" rtlCol="0" anchor="ctr">
             <a:normAutofit/>
           </a:bodyPr>
           <a:lstStyle/>
@@ -2834,19 +2603,12 @@
               <a:rPr lang="en-US"/>
               <a:t>Click to edit Master title style</a:t>
             </a:r>
-            <a:endParaRPr lang="en-US" dirty="0"/>
-          </a:p>
-        </p:txBody>
-      </p:sp>
-      <p:sp>
-        <p:nvSpPr>
-          <p:cNvPr id="3" name="Text Placeholder 2">
-            <a:extLst>
-              <a:ext uri="{FF2B5EF4-FFF2-40B4-BE49-F238E27FC236}">
-                <a16:creationId xmlns:a16="http://schemas.microsoft.com/office/drawing/2014/main" id="{0E6042DB-75BD-4EC1-B6D9-8A72EF940CAA}"/>
-              </a:ext>
-            </a:extLst>
-          </p:cNvPr>
+          </a:p>
+        </p:txBody>
+      </p:sp>
+      <p:sp>
+        <p:nvSpPr>
+          <p:cNvPr id="3" name="Text Placeholder 2"/>
           <p:cNvSpPr>
             <a:spLocks noGrp="1"/>
           </p:cNvSpPr>
@@ -2856,8 +2618,8 @@
         </p:nvSpPr>
         <p:spPr>
           <a:xfrm>
-            <a:off x="700635" y="2221992"/>
-            <a:ext cx="10691265" cy="3739896"/>
+            <a:off x="457200" y="1600200"/>
+            <a:ext cx="8229600" cy="4525963"/>
           </a:xfrm>
           <a:prstGeom prst="rect">
             <a:avLst/>
@@ -2902,19 +2664,12 @@
               <a:rPr lang="en-US"/>
               <a:t>Fifth level</a:t>
             </a:r>
-            <a:endParaRPr lang="en-US" dirty="0"/>
-          </a:p>
-        </p:txBody>
-      </p:sp>
-      <p:sp>
-        <p:nvSpPr>
-          <p:cNvPr id="4" name="Date Placeholder 3">
-            <a:extLst>
-              <a:ext uri="{FF2B5EF4-FFF2-40B4-BE49-F238E27FC236}">
-                <a16:creationId xmlns:a16="http://schemas.microsoft.com/office/drawing/2014/main" id="{21DD1378-7C96-4079-B44C-3D86B4657596}"/>
-              </a:ext>
-            </a:extLst>
-          </p:cNvPr>
+          </a:p>
+        </p:txBody>
+      </p:sp>
+      <p:sp>
+        <p:nvSpPr>
+          <p:cNvPr id="4" name="Date Placeholder 3"/>
           <p:cNvSpPr>
             <a:spLocks noGrp="1"/>
           </p:cNvSpPr>
@@ -2924,8 +2679,8 @@
         </p:nvSpPr>
         <p:spPr>
           <a:xfrm>
-            <a:off x="8369448" y="6356350"/>
-            <a:ext cx="2549564" cy="365125"/>
+            <a:off x="457200" y="6356350"/>
+            <a:ext cx="2133600" cy="365125"/>
           </a:xfrm>
           <a:prstGeom prst="rect">
             <a:avLst/>
@@ -2934,18 +2689,20 @@
         <p:txBody>
           <a:bodyPr vert="horz" lIns="91440" tIns="45720" rIns="91440" bIns="45720" rtlCol="0" anchor="ctr"/>
           <a:lstStyle>
-            <a:lvl1pPr algn="r">
-              <a:defRPr sz="1050">
-                <a:solidFill>
-                  <a:schemeClr val="tx1"/>
-                </a:solidFill>
-                <a:latin typeface="+mj-lt"/>
+            <a:lvl1pPr algn="l">
+              <a:defRPr sz="1200">
+                <a:solidFill>
+                  <a:schemeClr val="tx1">
+                    <a:tint val="75000"/>
+                  </a:schemeClr>
+                </a:solidFill>
               </a:defRPr>
             </a:lvl1pPr>
           </a:lstStyle>
           <a:p>
-            <a:fld id="{E31BA835-12AC-4E8F-955A-EA3F4DE2791F}" type="datetime1">
+            <a:fld id="{1D8BD707-D9CF-40AE-B4C6-C98DA3205C09}" type="datetimeFigureOut">
               <a:rPr lang="en-US" smtClean="0"/>
+              <a:pPr/>
               <a:t>11/24/2025</a:t>
             </a:fld>
             <a:endParaRPr lang="en-US"/>
@@ -2954,13 +2711,7 @@
       </p:sp>
       <p:sp>
         <p:nvSpPr>
-          <p:cNvPr id="5" name="Footer Placeholder 4">
-            <a:extLst>
-              <a:ext uri="{FF2B5EF4-FFF2-40B4-BE49-F238E27FC236}">
-                <a16:creationId xmlns:a16="http://schemas.microsoft.com/office/drawing/2014/main" id="{D19B6B78-577F-43F5-BAEE-BF72484C9850}"/>
-              </a:ext>
-            </a:extLst>
-          </p:cNvPr>
+          <p:cNvPr id="5" name="Footer Placeholder 4"/>
           <p:cNvSpPr>
             <a:spLocks noGrp="1"/>
           </p:cNvSpPr>
@@ -2970,8 +2721,8 @@
         </p:nvSpPr>
         <p:spPr>
           <a:xfrm>
-            <a:off x="704088" y="6356350"/>
-            <a:ext cx="4539727" cy="365125"/>
+            <a:off x="3124200" y="6356350"/>
+            <a:ext cx="2895600" cy="365125"/>
           </a:xfrm>
           <a:prstGeom prst="rect">
             <a:avLst/>
@@ -2980,29 +2731,24 @@
         <p:txBody>
           <a:bodyPr vert="horz" lIns="91440" tIns="45720" rIns="91440" bIns="45720" rtlCol="0" anchor="ctr"/>
           <a:lstStyle>
-            <a:lvl1pPr algn="l">
-              <a:defRPr sz="1050">
-                <a:solidFill>
-                  <a:schemeClr val="tx1"/>
-                </a:solidFill>
-                <a:latin typeface="+mj-lt"/>
+            <a:lvl1pPr algn="ctr">
+              <a:defRPr sz="1200">
+                <a:solidFill>
+                  <a:schemeClr val="tx1">
+                    <a:tint val="75000"/>
+                  </a:schemeClr>
+                </a:solidFill>
               </a:defRPr>
             </a:lvl1pPr>
           </a:lstStyle>
           <a:p>
-            <a:endParaRPr lang="en-US" dirty="0"/>
-          </a:p>
-        </p:txBody>
-      </p:sp>
-      <p:sp>
-        <p:nvSpPr>
-          <p:cNvPr id="6" name="Slide Number Placeholder 5">
-            <a:extLst>
-              <a:ext uri="{FF2B5EF4-FFF2-40B4-BE49-F238E27FC236}">
-                <a16:creationId xmlns:a16="http://schemas.microsoft.com/office/drawing/2014/main" id="{A8CC75B8-AF8F-4D8A-9B3D-D1951A64BADB}"/>
-              </a:ext>
-            </a:extLst>
-          </p:cNvPr>
+            <a:endParaRPr lang="en-US"/>
+          </a:p>
+        </p:txBody>
+      </p:sp>
+      <p:sp>
+        <p:nvSpPr>
+          <p:cNvPr id="6" name="Slide Number Placeholder 5"/>
           <p:cNvSpPr>
             <a:spLocks noGrp="1"/>
           </p:cNvSpPr>
@@ -3012,8 +2758,8 @@
         </p:nvSpPr>
         <p:spPr>
           <a:xfrm>
-            <a:off x="10919012" y="6356350"/>
-            <a:ext cx="672354" cy="365125"/>
+            <a:off x="6553200" y="6356350"/>
+            <a:ext cx="2133600" cy="365125"/>
           </a:xfrm>
           <a:prstGeom prst="rect">
             <a:avLst/>
@@ -3023,141 +2769,49 @@
           <a:bodyPr vert="horz" lIns="91440" tIns="45720" rIns="91440" bIns="45720" rtlCol="0" anchor="ctr"/>
           <a:lstStyle>
             <a:lvl1pPr algn="r">
-              <a:defRPr sz="1800">
-                <a:solidFill>
-                  <a:schemeClr val="tx1"/>
+              <a:defRPr sz="1200">
+                <a:solidFill>
+                  <a:schemeClr val="tx1">
+                    <a:tint val="75000"/>
+                  </a:schemeClr>
                 </a:solidFill>
               </a:defRPr>
             </a:lvl1pPr>
           </a:lstStyle>
           <a:p>
-            <a:fld id="{87E7843D-FF13-4365-9478-9625B70A2705}" type="slidenum">
+            <a:fld id="{B6F15528-21DE-4FAA-801E-634DDDAF4B2B}" type="slidenum">
               <a:rPr lang="en-US" smtClean="0"/>
+              <a:pPr/>
               <a:t>‹N›</a:t>
             </a:fld>
             <a:endParaRPr lang="en-US"/>
           </a:p>
         </p:txBody>
       </p:sp>
-      <p:cxnSp>
-        <p:nvCxnSpPr>
-          <p:cNvPr id="7" name="Straight Connector 6">
-            <a:extLst>
-              <a:ext uri="{FF2B5EF4-FFF2-40B4-BE49-F238E27FC236}">
-                <a16:creationId xmlns:a16="http://schemas.microsoft.com/office/drawing/2014/main" id="{F64F9B95-9045-48D2-B9F3-2927E98F54AA}"/>
-              </a:ext>
-            </a:extLst>
-          </p:cNvPr>
-          <p:cNvCxnSpPr>
-            <a:cxnSpLocks/>
-          </p:cNvCxnSpPr>
-          <p:nvPr/>
-        </p:nvCxnSpPr>
-        <p:spPr>
-          <a:xfrm>
-            <a:off x="800100" y="723900"/>
-            <a:ext cx="10591800" cy="0"/>
-          </a:xfrm>
-          <a:prstGeom prst="line">
-            <a:avLst/>
-          </a:prstGeom>
-          <a:ln w="44450">
-            <a:solidFill>
-              <a:schemeClr val="tx1"/>
-            </a:solidFill>
-          </a:ln>
-        </p:spPr>
-        <p:style>
-          <a:lnRef idx="1">
-            <a:schemeClr val="accent1"/>
-          </a:lnRef>
-          <a:fillRef idx="0">
-            <a:schemeClr val="accent1"/>
-          </a:fillRef>
-          <a:effectRef idx="0">
-            <a:schemeClr val="accent1"/>
-          </a:effectRef>
-          <a:fontRef idx="minor">
-            <a:schemeClr val="tx1"/>
-          </a:fontRef>
-        </p:style>
-      </p:cxnSp>
-      <p:cxnSp>
-        <p:nvCxnSpPr>
-          <p:cNvPr id="8" name="Straight Connector 7">
-            <a:extLst>
-              <a:ext uri="{FF2B5EF4-FFF2-40B4-BE49-F238E27FC236}">
-                <a16:creationId xmlns:a16="http://schemas.microsoft.com/office/drawing/2014/main" id="{085AA86F-6A4D-4BCB-A045-D992CDC2959B}"/>
-              </a:ext>
-            </a:extLst>
-          </p:cNvPr>
-          <p:cNvCxnSpPr>
-            <a:cxnSpLocks/>
-          </p:cNvCxnSpPr>
-          <p:nvPr/>
-        </p:nvCxnSpPr>
-        <p:spPr>
-          <a:xfrm>
-            <a:off x="800100" y="6142781"/>
-            <a:ext cx="10591800" cy="0"/>
-          </a:xfrm>
-          <a:prstGeom prst="line">
-            <a:avLst/>
-          </a:prstGeom>
-          <a:ln w="12700">
-            <a:solidFill>
-              <a:schemeClr val="tx1"/>
-            </a:solidFill>
-          </a:ln>
-        </p:spPr>
-        <p:style>
-          <a:lnRef idx="1">
-            <a:schemeClr val="accent1"/>
-          </a:lnRef>
-          <a:fillRef idx="0">
-            <a:schemeClr val="accent1"/>
-          </a:fillRef>
-          <a:effectRef idx="0">
-            <a:schemeClr val="accent1"/>
-          </a:effectRef>
-          <a:fontRef idx="minor">
-            <a:schemeClr val="tx1"/>
-          </a:fontRef>
-        </p:style>
-      </p:cxnSp>
     </p:spTree>
-    <p:extLst>
-      <p:ext uri="{BB962C8B-B14F-4D97-AF65-F5344CB8AC3E}">
-        <p14:creationId xmlns:p14="http://schemas.microsoft.com/office/powerpoint/2010/main" val="3888756642"/>
-      </p:ext>
-    </p:extLst>
   </p:cSld>
   <p:clrMap bg1="lt1" tx1="dk1" bg2="lt2" tx2="dk2" accent1="accent1" accent2="accent2" accent3="accent3" accent4="accent4" accent5="accent5" accent6="accent6" hlink="hlink" folHlink="folHlink"/>
   <p:sldLayoutIdLst>
-    <p:sldLayoutId id="2147483681" r:id="rId1"/>
-    <p:sldLayoutId id="2147483682" r:id="rId2"/>
-    <p:sldLayoutId id="2147483683" r:id="rId3"/>
-    <p:sldLayoutId id="2147483684" r:id="rId4"/>
-    <p:sldLayoutId id="2147483685" r:id="rId5"/>
-    <p:sldLayoutId id="2147483679" r:id="rId6"/>
-    <p:sldLayoutId id="2147483675" r:id="rId7"/>
-    <p:sldLayoutId id="2147483676" r:id="rId8"/>
-    <p:sldLayoutId id="2147483677" r:id="rId9"/>
-    <p:sldLayoutId id="2147483678" r:id="rId10"/>
-    <p:sldLayoutId id="2147483680" r:id="rId11"/>
+    <p:sldLayoutId id="2147483649" r:id="rId1"/>
+    <p:sldLayoutId id="2147483650" r:id="rId2"/>
+    <p:sldLayoutId id="2147483651" r:id="rId3"/>
+    <p:sldLayoutId id="2147483652" r:id="rId4"/>
+    <p:sldLayoutId id="2147483653" r:id="rId5"/>
+    <p:sldLayoutId id="2147483654" r:id="rId6"/>
+    <p:sldLayoutId id="2147483655" r:id="rId7"/>
+    <p:sldLayoutId id="2147483656" r:id="rId8"/>
+    <p:sldLayoutId id="2147483657" r:id="rId9"/>
+    <p:sldLayoutId id="2147483658" r:id="rId10"/>
+    <p:sldLayoutId id="2147483659" r:id="rId11"/>
   </p:sldLayoutIdLst>
-  <p:hf sldNum="0" hdr="0" ftr="0" dt="0"/>
   <p:txStyles>
     <p:titleStyle>
-      <a:lvl1pPr algn="l" defTabSz="914400" rtl="0" eaLnBrk="1" latinLnBrk="0" hangingPunct="1">
-        <a:lnSpc>
-          <a:spcPct val="100000"/>
-        </a:lnSpc>
+      <a:lvl1pPr algn="ctr" defTabSz="914400" rtl="0" eaLnBrk="1" latinLnBrk="0" hangingPunct="1">
         <a:spcBef>
           <a:spcPct val="0"/>
         </a:spcBef>
         <a:buNone/>
-        <a:defRPr sz="4000" kern="1200" cap="all" spc="30" baseline="0">
+        <a:defRPr sz="4400" kern="1200">
           <a:solidFill>
             <a:schemeClr val="tx1"/>
           </a:solidFill>
@@ -3168,14 +2822,86 @@
       </a:lvl1pPr>
     </p:titleStyle>
     <p:bodyStyle>
-      <a:lvl1pPr marL="228600" indent="-228600" algn="l" defTabSz="914400" rtl="0" eaLnBrk="1" latinLnBrk="0" hangingPunct="1">
-        <a:lnSpc>
-          <a:spcPct val="110000"/>
-        </a:lnSpc>
+      <a:lvl1pPr marL="342900" indent="-342900" algn="l" defTabSz="914400" rtl="0" eaLnBrk="1" latinLnBrk="0" hangingPunct="1">
         <a:spcBef>
-          <a:spcPts val="1000"/>
+          <a:spcPct val="20000"/>
         </a:spcBef>
-        <a:buFont typeface="Arial" panose="020B0604020202020204" pitchFamily="34" charset="0"/>
+        <a:buFont typeface="Arial" pitchFamily="34" charset="0"/>
+        <a:buChar char="•"/>
+        <a:defRPr sz="3200" kern="1200">
+          <a:solidFill>
+            <a:schemeClr val="tx1"/>
+          </a:solidFill>
+          <a:latin typeface="+mn-lt"/>
+          <a:ea typeface="+mn-ea"/>
+          <a:cs typeface="+mn-cs"/>
+        </a:defRPr>
+      </a:lvl1pPr>
+      <a:lvl2pPr marL="742950" indent="-285750" algn="l" defTabSz="914400" rtl="0" eaLnBrk="1" latinLnBrk="0" hangingPunct="1">
+        <a:spcBef>
+          <a:spcPct val="20000"/>
+        </a:spcBef>
+        <a:buFont typeface="Arial" pitchFamily="34" charset="0"/>
+        <a:buChar char="–"/>
+        <a:defRPr sz="2800" kern="1200">
+          <a:solidFill>
+            <a:schemeClr val="tx1"/>
+          </a:solidFill>
+          <a:latin typeface="+mn-lt"/>
+          <a:ea typeface="+mn-ea"/>
+          <a:cs typeface="+mn-cs"/>
+        </a:defRPr>
+      </a:lvl2pPr>
+      <a:lvl3pPr marL="1143000" indent="-228600" algn="l" defTabSz="914400" rtl="0" eaLnBrk="1" latinLnBrk="0" hangingPunct="1">
+        <a:spcBef>
+          <a:spcPct val="20000"/>
+        </a:spcBef>
+        <a:buFont typeface="Arial" pitchFamily="34" charset="0"/>
+        <a:buChar char="•"/>
+        <a:defRPr sz="2400" kern="1200">
+          <a:solidFill>
+            <a:schemeClr val="tx1"/>
+          </a:solidFill>
+          <a:latin typeface="+mn-lt"/>
+          <a:ea typeface="+mn-ea"/>
+          <a:cs typeface="+mn-cs"/>
+        </a:defRPr>
+      </a:lvl3pPr>
+      <a:lvl4pPr marL="1600200" indent="-228600" algn="l" defTabSz="914400" rtl="0" eaLnBrk="1" latinLnBrk="0" hangingPunct="1">
+        <a:spcBef>
+          <a:spcPct val="20000"/>
+        </a:spcBef>
+        <a:buFont typeface="Arial" pitchFamily="34" charset="0"/>
+        <a:buChar char="–"/>
+        <a:defRPr sz="2000" kern="1200">
+          <a:solidFill>
+            <a:schemeClr val="tx1"/>
+          </a:solidFill>
+          <a:latin typeface="+mn-lt"/>
+          <a:ea typeface="+mn-ea"/>
+          <a:cs typeface="+mn-cs"/>
+        </a:defRPr>
+      </a:lvl4pPr>
+      <a:lvl5pPr marL="2057400" indent="-228600" algn="l" defTabSz="914400" rtl="0" eaLnBrk="1" latinLnBrk="0" hangingPunct="1">
+        <a:spcBef>
+          <a:spcPct val="20000"/>
+        </a:spcBef>
+        <a:buFont typeface="Arial" pitchFamily="34" charset="0"/>
+        <a:buChar char="»"/>
+        <a:defRPr sz="2000" kern="1200">
+          <a:solidFill>
+            <a:schemeClr val="tx1"/>
+          </a:solidFill>
+          <a:latin typeface="+mn-lt"/>
+          <a:ea typeface="+mn-ea"/>
+          <a:cs typeface="+mn-cs"/>
+        </a:defRPr>
+      </a:lvl5pPr>
+      <a:lvl6pPr marL="2514600" indent="-228600" algn="l" defTabSz="914400" rtl="0" eaLnBrk="1" latinLnBrk="0" hangingPunct="1">
+        <a:spcBef>
+          <a:spcPct val="20000"/>
+        </a:spcBef>
+        <a:buFont typeface="Arial" pitchFamily="34" charset="0"/>
         <a:buChar char="•"/>
         <a:defRPr sz="2000" kern="1200">
           <a:solidFill>
@@ -3185,107 +2911,14 @@
           <a:ea typeface="+mn-ea"/>
           <a:cs typeface="+mn-cs"/>
         </a:defRPr>
-      </a:lvl1pPr>
-      <a:lvl2pPr marL="685800" indent="-228600" algn="l" defTabSz="914400" rtl="0" eaLnBrk="1" latinLnBrk="0" hangingPunct="1">
-        <a:lnSpc>
-          <a:spcPct val="110000"/>
-        </a:lnSpc>
-        <a:spcBef>
-          <a:spcPts val="500"/>
-        </a:spcBef>
-        <a:buFont typeface="Arial" panose="020B0604020202020204" pitchFamily="34" charset="0"/>
-        <a:buChar char="•"/>
-        <a:defRPr sz="1800" kern="1200">
-          <a:solidFill>
-            <a:schemeClr val="tx1"/>
-          </a:solidFill>
-          <a:latin typeface="+mn-lt"/>
-          <a:ea typeface="+mn-ea"/>
-          <a:cs typeface="+mn-cs"/>
-        </a:defRPr>
-      </a:lvl2pPr>
-      <a:lvl3pPr marL="1143000" indent="-228600" algn="l" defTabSz="914400" rtl="0" eaLnBrk="1" latinLnBrk="0" hangingPunct="1">
-        <a:lnSpc>
-          <a:spcPct val="110000"/>
-        </a:lnSpc>
-        <a:spcBef>
-          <a:spcPts val="500"/>
-        </a:spcBef>
-        <a:buFont typeface="Arial" panose="020B0604020202020204" pitchFamily="34" charset="0"/>
-        <a:buChar char="•"/>
-        <a:defRPr sz="1600" kern="1200">
-          <a:solidFill>
-            <a:schemeClr val="tx1"/>
-          </a:solidFill>
-          <a:latin typeface="+mn-lt"/>
-          <a:ea typeface="+mn-ea"/>
-          <a:cs typeface="+mn-cs"/>
-        </a:defRPr>
-      </a:lvl3pPr>
-      <a:lvl4pPr marL="1600200" indent="-228600" algn="l" defTabSz="914400" rtl="0" eaLnBrk="1" latinLnBrk="0" hangingPunct="1">
-        <a:lnSpc>
-          <a:spcPct val="110000"/>
-        </a:lnSpc>
-        <a:spcBef>
-          <a:spcPts val="500"/>
-        </a:spcBef>
-        <a:buFont typeface="Arial" panose="020B0604020202020204" pitchFamily="34" charset="0"/>
-        <a:buChar char="•"/>
-        <a:defRPr sz="1400" kern="1200">
-          <a:solidFill>
-            <a:schemeClr val="tx1"/>
-          </a:solidFill>
-          <a:latin typeface="+mn-lt"/>
-          <a:ea typeface="+mn-ea"/>
-          <a:cs typeface="+mn-cs"/>
-        </a:defRPr>
-      </a:lvl4pPr>
-      <a:lvl5pPr marL="2057400" indent="-228600" algn="l" defTabSz="914400" rtl="0" eaLnBrk="1" latinLnBrk="0" hangingPunct="1">
-        <a:lnSpc>
-          <a:spcPct val="110000"/>
-        </a:lnSpc>
-        <a:spcBef>
-          <a:spcPts val="500"/>
-        </a:spcBef>
-        <a:buFont typeface="Arial" panose="020B0604020202020204" pitchFamily="34" charset="0"/>
-        <a:buChar char="•"/>
-        <a:defRPr sz="1400" kern="1200">
-          <a:solidFill>
-            <a:schemeClr val="tx1"/>
-          </a:solidFill>
-          <a:latin typeface="+mn-lt"/>
-          <a:ea typeface="+mn-ea"/>
-          <a:cs typeface="+mn-cs"/>
-        </a:defRPr>
-      </a:lvl5pPr>
-      <a:lvl6pPr marL="2514600" indent="-228600" algn="l" defTabSz="914400" rtl="0" eaLnBrk="1" latinLnBrk="0" hangingPunct="1">
-        <a:lnSpc>
-          <a:spcPct val="90000"/>
-        </a:lnSpc>
-        <a:spcBef>
-          <a:spcPts val="500"/>
-        </a:spcBef>
-        <a:buFont typeface="Arial" panose="020B0604020202020204" pitchFamily="34" charset="0"/>
-        <a:buChar char="•"/>
-        <a:defRPr sz="1800" kern="1200">
-          <a:solidFill>
-            <a:schemeClr val="tx1"/>
-          </a:solidFill>
-          <a:latin typeface="+mn-lt"/>
-          <a:ea typeface="+mn-ea"/>
-          <a:cs typeface="+mn-cs"/>
-        </a:defRPr>
       </a:lvl6pPr>
       <a:lvl7pPr marL="2971800" indent="-228600" algn="l" defTabSz="914400" rtl="0" eaLnBrk="1" latinLnBrk="0" hangingPunct="1">
-        <a:lnSpc>
-          <a:spcPct val="90000"/>
-        </a:lnSpc>
         <a:spcBef>
-          <a:spcPts val="500"/>
+          <a:spcPct val="20000"/>
         </a:spcBef>
-        <a:buFont typeface="Arial" panose="020B0604020202020204" pitchFamily="34" charset="0"/>
+        <a:buFont typeface="Arial" pitchFamily="34" charset="0"/>
         <a:buChar char="•"/>
-        <a:defRPr sz="1800" kern="1200">
+        <a:defRPr sz="2000" kern="1200">
           <a:solidFill>
             <a:schemeClr val="tx1"/>
           </a:solidFill>
@@ -3295,15 +2928,12 @@
         </a:defRPr>
       </a:lvl7pPr>
       <a:lvl8pPr marL="3429000" indent="-228600" algn="l" defTabSz="914400" rtl="0" eaLnBrk="1" latinLnBrk="0" hangingPunct="1">
-        <a:lnSpc>
-          <a:spcPct val="90000"/>
-        </a:lnSpc>
         <a:spcBef>
-          <a:spcPts val="500"/>
+          <a:spcPct val="20000"/>
         </a:spcBef>
-        <a:buFont typeface="Arial" panose="020B0604020202020204" pitchFamily="34" charset="0"/>
+        <a:buFont typeface="Arial" pitchFamily="34" charset="0"/>
         <a:buChar char="•"/>
-        <a:defRPr sz="1800" kern="1200">
+        <a:defRPr sz="2000" kern="1200">
           <a:solidFill>
             <a:schemeClr val="tx1"/>
           </a:solidFill>
@@ -3313,15 +2943,12 @@
         </a:defRPr>
       </a:lvl8pPr>
       <a:lvl9pPr marL="3886200" indent="-228600" algn="l" defTabSz="914400" rtl="0" eaLnBrk="1" latinLnBrk="0" hangingPunct="1">
-        <a:lnSpc>
-          <a:spcPct val="90000"/>
-        </a:lnSpc>
         <a:spcBef>
-          <a:spcPts val="500"/>
+          <a:spcPct val="20000"/>
         </a:spcBef>
-        <a:buFont typeface="Arial" panose="020B0604020202020204" pitchFamily="34" charset="0"/>
+        <a:buFont typeface="Arial" pitchFamily="34" charset="0"/>
         <a:buChar char="•"/>
-        <a:defRPr sz="1800" kern="1200">
+        <a:defRPr sz="2000" kern="1200">
           <a:solidFill>
             <a:schemeClr val="tx1"/>
           </a:solidFill>
@@ -3436,7 +3063,7 @@
     <p:bg>
       <p:bgPr>
         <a:solidFill>
-          <a:schemeClr val="bg1"/>
+          <a:srgbClr val="1E2A38"/>
         </a:solidFill>
         <a:effectLst/>
       </p:bgPr>
@@ -3455,297 +3082,420 @@
           <a:chExt cx="0" cy="0"/>
         </a:xfrm>
       </p:grpSpPr>
-      <p:sp useBgFill="1">
-        <p:nvSpPr>
-          <p:cNvPr id="23" name="Rectangle 8">
-            <a:extLst>
-              <a:ext uri="{FF2B5EF4-FFF2-40B4-BE49-F238E27FC236}">
-                <a16:creationId xmlns:a16="http://schemas.microsoft.com/office/drawing/2014/main" id="{60E52DF2-6802-459B-AC2A-AF976DEB1DAB}"/>
-              </a:ext>
-              <a:ext uri="{C183D7F6-B498-43B3-948B-1728B52AA6E4}">
-                <adec:decorative xmlns:adec="http://schemas.microsoft.com/office/drawing/2017/decorative" val="1"/>
-              </a:ext>
-            </a:extLst>
-          </p:cNvPr>
-          <p:cNvSpPr>
-            <a:spLocks noGrp="1" noRot="1" noChangeAspect="1" noMove="1" noResize="1" noEditPoints="1" noAdjustHandles="1" noChangeArrowheads="1" noChangeShapeType="1" noTextEdit="1"/>
-          </p:cNvSpPr>
-          <p:nvPr>
-            <p:extLst>
-              <p:ext uri="{386F3935-93C4-4BCD-93E2-E3B085C9AB24}">
-                <p16:designElem xmlns:p16="http://schemas.microsoft.com/office/powerpoint/2015/main" val="1"/>
-              </p:ext>
-            </p:extLst>
-          </p:nvPr>
+      <p:grpSp>
+        <p:nvGrpSpPr>
+          <p:cNvPr id="2" name="Group 2"/>
+          <p:cNvGrpSpPr/>
+          <p:nvPr/>
+        </p:nvGrpSpPr>
+        <p:grpSpPr>
+          <a:xfrm>
+            <a:off x="0" y="-12700"/>
+            <a:ext cx="11201400" cy="10299700"/>
+            <a:chOff x="0" y="0"/>
+            <a:chExt cx="963348" cy="885799"/>
+          </a:xfrm>
+        </p:grpSpPr>
+        <p:sp>
+          <p:nvSpPr>
+            <p:cNvPr id="3" name="Freeform 3"/>
+            <p:cNvSpPr/>
+            <p:nvPr/>
+          </p:nvSpPr>
+          <p:spPr>
+            <a:xfrm>
+              <a:off x="0" y="0"/>
+              <a:ext cx="963348" cy="885799"/>
+            </a:xfrm>
+            <a:custGeom>
+              <a:avLst/>
+              <a:gdLst/>
+              <a:ahLst/>
+              <a:cxnLst/>
+              <a:rect l="l" t="t" r="r" b="b"/>
+              <a:pathLst>
+                <a:path w="963348" h="885799">
+                  <a:moveTo>
+                    <a:pt x="0" y="0"/>
+                  </a:moveTo>
+                  <a:lnTo>
+                    <a:pt x="963348" y="0"/>
+                  </a:lnTo>
+                  <a:lnTo>
+                    <a:pt x="963348" y="885799"/>
+                  </a:lnTo>
+                  <a:lnTo>
+                    <a:pt x="0" y="885799"/>
+                  </a:lnTo>
+                  <a:close/>
+                </a:path>
+              </a:pathLst>
+            </a:custGeom>
+            <a:solidFill>
+              <a:srgbClr val="3E5362"/>
+            </a:solidFill>
+            <a:ln w="12700">
+              <a:solidFill>
+                <a:srgbClr val="000000"/>
+              </a:solidFill>
+            </a:ln>
+          </p:spPr>
+          <p:txBody>
+            <a:bodyPr/>
+            <a:lstStyle/>
+            <a:p>
+              <a:endParaRPr lang="it-IT"/>
+            </a:p>
+          </p:txBody>
+        </p:sp>
+      </p:grpSp>
+      <p:grpSp>
+        <p:nvGrpSpPr>
+          <p:cNvPr id="4" name="Group 4"/>
+          <p:cNvGrpSpPr/>
+          <p:nvPr/>
+        </p:nvGrpSpPr>
+        <p:grpSpPr>
+          <a:xfrm>
+            <a:off x="11868150" y="666750"/>
+            <a:ext cx="5753100" cy="8953500"/>
+            <a:chOff x="0" y="0"/>
+            <a:chExt cx="814724" cy="1267949"/>
+          </a:xfrm>
+        </p:grpSpPr>
+        <p:sp>
+          <p:nvSpPr>
+            <p:cNvPr id="5" name="Freeform 5"/>
+            <p:cNvSpPr/>
+            <p:nvPr/>
+          </p:nvSpPr>
+          <p:spPr>
+            <a:xfrm>
+              <a:off x="0" y="0"/>
+              <a:ext cx="814724" cy="1267949"/>
+            </a:xfrm>
+            <a:custGeom>
+              <a:avLst/>
+              <a:gdLst/>
+              <a:ahLst/>
+              <a:cxnLst/>
+              <a:rect l="l" t="t" r="r" b="b"/>
+              <a:pathLst>
+                <a:path w="814724" h="1267949">
+                  <a:moveTo>
+                    <a:pt x="26914" y="0"/>
+                  </a:moveTo>
+                  <a:lnTo>
+                    <a:pt x="787810" y="0"/>
+                  </a:lnTo>
+                  <a:cubicBezTo>
+                    <a:pt x="802675" y="0"/>
+                    <a:pt x="814724" y="12050"/>
+                    <a:pt x="814724" y="26914"/>
+                  </a:cubicBezTo>
+                  <a:lnTo>
+                    <a:pt x="814724" y="1241035"/>
+                  </a:lnTo>
+                  <a:cubicBezTo>
+                    <a:pt x="814724" y="1255899"/>
+                    <a:pt x="802675" y="1267949"/>
+                    <a:pt x="787810" y="1267949"/>
+                  </a:cubicBezTo>
+                  <a:lnTo>
+                    <a:pt x="26914" y="1267949"/>
+                  </a:lnTo>
+                  <a:cubicBezTo>
+                    <a:pt x="12050" y="1267949"/>
+                    <a:pt x="0" y="1255899"/>
+                    <a:pt x="0" y="1241035"/>
+                  </a:cubicBezTo>
+                  <a:lnTo>
+                    <a:pt x="0" y="26914"/>
+                  </a:lnTo>
+                  <a:cubicBezTo>
+                    <a:pt x="0" y="12050"/>
+                    <a:pt x="12050" y="0"/>
+                    <a:pt x="26914" y="0"/>
+                  </a:cubicBezTo>
+                  <a:close/>
+                </a:path>
+              </a:pathLst>
+            </a:custGeom>
+            <a:blipFill>
+              <a:blip r:embed="rId2"/>
+              <a:stretch>
+                <a:fillRect t="-199" b="-199"/>
+              </a:stretch>
+            </a:blipFill>
+          </p:spPr>
+          <p:txBody>
+            <a:bodyPr/>
+            <a:lstStyle/>
+            <a:p>
+              <a:endParaRPr lang="it-IT"/>
+            </a:p>
+          </p:txBody>
+        </p:sp>
+      </p:grpSp>
+      <p:sp>
+        <p:nvSpPr>
+          <p:cNvPr id="6" name="Freeform 6"/>
+          <p:cNvSpPr/>
+          <p:nvPr/>
+        </p:nvSpPr>
+        <p:spPr>
+          <a:xfrm rot="-3117037">
+            <a:off x="8947742" y="7656091"/>
+            <a:ext cx="2112604" cy="1859092"/>
+          </a:xfrm>
+          <a:custGeom>
+            <a:avLst/>
+            <a:gdLst/>
+            <a:ahLst/>
+            <a:cxnLst/>
+            <a:rect l="l" t="t" r="r" b="b"/>
+            <a:pathLst>
+              <a:path w="2112604" h="1859092">
+                <a:moveTo>
+                  <a:pt x="0" y="0"/>
+                </a:moveTo>
+                <a:lnTo>
+                  <a:pt x="2112604" y="0"/>
+                </a:lnTo>
+                <a:lnTo>
+                  <a:pt x="2112604" y="1859091"/>
+                </a:lnTo>
+                <a:lnTo>
+                  <a:pt x="0" y="1859091"/>
+                </a:lnTo>
+                <a:lnTo>
+                  <a:pt x="0" y="0"/>
+                </a:lnTo>
+                <a:close/>
+              </a:path>
+            </a:pathLst>
+          </a:custGeom>
+          <a:blipFill>
+            <a:blip r:embed="rId3">
+              <a:extLst>
+                <a:ext uri="{96DAC541-7B7A-43D3-8B79-37D633B846F1}">
+                  <asvg:svgBlip xmlns:asvg="http://schemas.microsoft.com/office/drawing/2016/SVG/main" r:embed="rId4"/>
+                </a:ext>
+              </a:extLst>
+            </a:blip>
+            <a:stretch>
+              <a:fillRect/>
+            </a:stretch>
+          </a:blipFill>
+        </p:spPr>
+        <p:txBody>
+          <a:bodyPr/>
+          <a:lstStyle/>
+          <a:p>
+            <a:endParaRPr lang="it-IT"/>
+          </a:p>
+        </p:txBody>
+      </p:sp>
+      <p:sp>
+        <p:nvSpPr>
+          <p:cNvPr id="7" name="TextBox 7"/>
+          <p:cNvSpPr txBox="1"/>
+          <p:nvPr/>
         </p:nvSpPr>
         <p:spPr>
           <a:xfrm>
-            <a:off x="0" y="0"/>
-            <a:ext cx="12192000" cy="6858000"/>
-          </a:xfrm>
-          <a:prstGeom prst="rect">
-            <a:avLst/>
-          </a:prstGeom>
-          <a:ln w="12700" cap="flat" cmpd="sng" algn="ctr">
-            <a:noFill/>
-            <a:prstDash val="solid"/>
-            <a:miter lim="800000"/>
-          </a:ln>
-          <a:effectLst/>
-          <a:extLst>
-            <a:ext uri="{91240B29-F687-4F45-9708-019B960494DF}">
-              <a14:hiddenLine xmlns:a14="http://schemas.microsoft.com/office/drawing/2010/main" w="12700" cap="flat" cmpd="sng" algn="ctr">
-                <a:solidFill>
-                  <a:schemeClr val="accent1">
-                    <a:shade val="50000"/>
-                  </a:schemeClr>
-                </a:solidFill>
-                <a:prstDash val="solid"/>
-                <a:miter lim="800000"/>
-              </a14:hiddenLine>
-            </a:ext>
-          </a:extLst>
-        </p:spPr>
-        <p:style>
-          <a:lnRef idx="2">
-            <a:schemeClr val="accent1">
-              <a:shade val="50000"/>
-            </a:schemeClr>
-          </a:lnRef>
-          <a:fillRef idx="1">
-            <a:schemeClr val="accent1"/>
-          </a:fillRef>
-          <a:effectRef idx="0">
-            <a:schemeClr val="accent1"/>
-          </a:effectRef>
-          <a:fontRef idx="minor">
-            <a:schemeClr val="lt1"/>
-          </a:fontRef>
-        </p:style>
-        <p:txBody>
-          <a:bodyPr rtlCol="0" anchor="ctr"/>
-          <a:lstStyle/>
-          <a:p>
-            <a:pPr algn="ctr"/>
-            <a:endParaRPr lang="en-US"/>
-          </a:p>
-        </p:txBody>
-      </p:sp>
-      <p:sp>
-        <p:nvSpPr>
-          <p:cNvPr id="2" name="Titolo 1">
-            <a:extLst>
-              <a:ext uri="{FF2B5EF4-FFF2-40B4-BE49-F238E27FC236}">
-                <a16:creationId xmlns:a16="http://schemas.microsoft.com/office/drawing/2014/main" id="{9E31B7F4-C861-E669-4CDA-3612430816FB}"/>
-              </a:ext>
-            </a:extLst>
-          </p:cNvPr>
-          <p:cNvSpPr>
-            <a:spLocks noGrp="1"/>
-          </p:cNvSpPr>
-          <p:nvPr>
-            <p:ph type="ctrTitle"/>
-          </p:nvPr>
-        </p:nvSpPr>
-        <p:spPr>
-          <a:xfrm>
-            <a:off x="8115300" y="3158963"/>
-            <a:ext cx="3730839" cy="715987"/>
-          </a:xfrm>
-        </p:spPr>
-        <p:txBody>
-          <a:bodyPr anchor="b">
-            <a:normAutofit/>
-          </a:bodyPr>
-          <a:lstStyle/>
-          <a:p>
-            <a:r>
-              <a:rPr lang="it-IT" sz="4000" dirty="0" err="1"/>
-              <a:t>cargoservice</a:t>
-            </a:r>
-            <a:endParaRPr lang="it-IT" sz="4000" dirty="0"/>
-          </a:p>
-        </p:txBody>
-      </p:sp>
-      <p:sp>
-        <p:nvSpPr>
-          <p:cNvPr id="3" name="Sottotitolo 2">
-            <a:extLst>
-              <a:ext uri="{FF2B5EF4-FFF2-40B4-BE49-F238E27FC236}">
-                <a16:creationId xmlns:a16="http://schemas.microsoft.com/office/drawing/2014/main" id="{F26924BB-4CAC-CEA9-A0D5-214C9F17D072}"/>
-              </a:ext>
-            </a:extLst>
-          </p:cNvPr>
-          <p:cNvSpPr>
-            <a:spLocks noGrp="1"/>
-          </p:cNvSpPr>
-          <p:nvPr>
-            <p:ph type="subTitle" idx="1"/>
-          </p:nvPr>
-        </p:nvSpPr>
-        <p:spPr>
-          <a:xfrm>
-            <a:off x="8115300" y="902555"/>
-            <a:ext cx="3137031" cy="979680"/>
-          </a:xfrm>
-        </p:spPr>
-        <p:txBody>
-          <a:bodyPr anchor="t">
-            <a:noAutofit/>
-          </a:bodyPr>
-          <a:lstStyle/>
-          <a:p>
-            <a:r>
-              <a:rPr lang="it-IT" sz="1800" dirty="0">
-                <a:latin typeface="+mj-lt"/>
-              </a:rPr>
-              <a:t>Fasano Andrea</a:t>
-            </a:r>
-          </a:p>
-          <a:p>
-            <a:r>
-              <a:rPr lang="it-IT" sz="1800" dirty="0">
-                <a:latin typeface="+mj-lt"/>
-              </a:rPr>
-              <a:t>Florian Alberto</a:t>
-            </a:r>
-          </a:p>
-          <a:p>
-            <a:r>
-              <a:rPr lang="it-IT" sz="1800" dirty="0">
-                <a:latin typeface="+mj-lt"/>
-              </a:rPr>
-              <a:t>Sampaoli Giacomo</a:t>
-            </a:r>
-          </a:p>
-        </p:txBody>
-      </p:sp>
-      <p:pic>
-        <p:nvPicPr>
-          <p:cNvPr id="24" name="Picture 3" descr="Sfondo tecnologia di rete">
-            <a:extLst>
-              <a:ext uri="{FF2B5EF4-FFF2-40B4-BE49-F238E27FC236}">
-                <a16:creationId xmlns:a16="http://schemas.microsoft.com/office/drawing/2014/main" id="{0836DE40-78FC-2C50-7705-6B91EB05F53A}"/>
-              </a:ext>
-            </a:extLst>
-          </p:cNvPr>
-          <p:cNvPicPr>
-            <a:picLocks noChangeAspect="1"/>
-          </p:cNvPicPr>
-          <p:nvPr/>
-        </p:nvPicPr>
-        <p:blipFill>
-          <a:blip r:embed="rId2"/>
-          <a:srcRect l="36070" r="1749" b="-1"/>
-          <a:stretch>
-            <a:fillRect/>
-          </a:stretch>
-        </p:blipFill>
-        <p:spPr>
-          <a:xfrm>
-            <a:off x="20" y="10"/>
-            <a:ext cx="7320707" cy="6857985"/>
+            <a:off x="1028700" y="1304925"/>
+            <a:ext cx="9754495" cy="1999134"/>
           </a:xfrm>
           <a:prstGeom prst="rect">
             <a:avLst/>
           </a:prstGeom>
         </p:spPr>
-      </p:pic>
-      <p:cxnSp>
-        <p:nvCxnSpPr>
-          <p:cNvPr id="25" name="Straight Connector 10">
-            <a:extLst>
-              <a:ext uri="{FF2B5EF4-FFF2-40B4-BE49-F238E27FC236}">
-                <a16:creationId xmlns:a16="http://schemas.microsoft.com/office/drawing/2014/main" id="{EE2E603F-4A95-4FE8-BB06-211DFD75DBEF}"/>
-              </a:ext>
-              <a:ext uri="{C183D7F6-B498-43B3-948B-1728B52AA6E4}">
-                <adec:decorative xmlns:adec="http://schemas.microsoft.com/office/drawing/2017/decorative" val="1"/>
-              </a:ext>
-            </a:extLst>
-          </p:cNvPr>
-          <p:cNvCxnSpPr>
-            <a:cxnSpLocks noGrp="1" noRot="1" noChangeAspect="1" noMove="1" noResize="1" noEditPoints="1" noAdjustHandles="1" noChangeArrowheads="1" noChangeShapeType="1"/>
-          </p:cNvCxnSpPr>
-          <p:nvPr>
-            <p:extLst>
-              <p:ext uri="{386F3935-93C4-4BCD-93E2-E3B085C9AB24}">
-                <p16:designElem xmlns:p16="http://schemas.microsoft.com/office/powerpoint/2015/main" val="1"/>
-              </p:ext>
-            </p:extLst>
-          </p:nvPr>
-        </p:nvCxnSpPr>
+        <p:txBody>
+          <a:bodyPr lIns="0" tIns="0" rIns="0" bIns="0" rtlCol="0" anchor="t">
+            <a:spAutoFit/>
+          </a:bodyPr>
+          <a:lstStyle/>
+          <a:p>
+            <a:pPr marL="0" lvl="0" indent="0" algn="l">
+              <a:lnSpc>
+                <a:spcPts val="14956"/>
+              </a:lnSpc>
+            </a:pPr>
+            <a:r>
+              <a:rPr lang="en-US" sz="14956" spc="-523">
+                <a:solidFill>
+                  <a:srgbClr val="F5F3F3"/>
+                </a:solidFill>
+                <a:latin typeface="Georgia Pro Condensed"/>
+                <a:ea typeface="Georgia Pro Condensed"/>
+                <a:cs typeface="Georgia Pro Condensed"/>
+                <a:sym typeface="Georgia Pro Condensed"/>
+              </a:rPr>
+              <a:t>Cargoservice</a:t>
+            </a:r>
+          </a:p>
+        </p:txBody>
+      </p:sp>
+      <p:sp>
+        <p:nvSpPr>
+          <p:cNvPr id="8" name="TextBox 8"/>
+          <p:cNvSpPr txBox="1"/>
+          <p:nvPr/>
+        </p:nvSpPr>
         <p:spPr>
           <a:xfrm>
-            <a:off x="8115300" y="723900"/>
-            <a:ext cx="1638300" cy="0"/>
-          </a:xfrm>
-          <a:prstGeom prst="line">
-            <a:avLst/>
-          </a:prstGeom>
-          <a:ln w="44450">
-            <a:solidFill>
-              <a:schemeClr val="tx1"/>
-            </a:solidFill>
-          </a:ln>
-        </p:spPr>
-        <p:style>
-          <a:lnRef idx="1">
-            <a:schemeClr val="accent1"/>
-          </a:lnRef>
-          <a:fillRef idx="0">
-            <a:schemeClr val="accent1"/>
-          </a:fillRef>
-          <a:effectRef idx="0">
-            <a:schemeClr val="accent1"/>
-          </a:effectRef>
-          <a:fontRef idx="minor">
-            <a:schemeClr val="tx1"/>
-          </a:fontRef>
-        </p:style>
-      </p:cxnSp>
-      <p:sp>
-        <p:nvSpPr>
-          <p:cNvPr id="5" name="CasellaDiTesto 4">
-            <a:extLst>
-              <a:ext uri="{FF2B5EF4-FFF2-40B4-BE49-F238E27FC236}">
-                <a16:creationId xmlns:a16="http://schemas.microsoft.com/office/drawing/2014/main" id="{645A0BDB-3E6D-1135-BA46-B06627B3DEE7}"/>
-              </a:ext>
-            </a:extLst>
-          </p:cNvPr>
-          <p:cNvSpPr txBox="1"/>
-          <p:nvPr/>
-        </p:nvSpPr>
-        <p:spPr>
-          <a:xfrm>
-            <a:off x="8039323" y="5151679"/>
-            <a:ext cx="3434080" cy="646331"/>
+            <a:off x="1028700" y="4279821"/>
+            <a:ext cx="7845028" cy="1820545"/>
           </a:xfrm>
           <a:prstGeom prst="rect">
             <a:avLst/>
           </a:prstGeom>
-          <a:noFill/>
         </p:spPr>
         <p:txBody>
-          <a:bodyPr wrap="square" rtlCol="0">
+          <a:bodyPr lIns="0" tIns="0" rIns="0" bIns="0" rtlCol="0" anchor="t">
             <a:spAutoFit/>
           </a:bodyPr>
           <a:lstStyle/>
           <a:p>
-            <a:r>
-              <a:rPr lang="it-IT" dirty="0">
-                <a:latin typeface="+mj-lt"/>
+            <a:pPr algn="l">
+              <a:lnSpc>
+                <a:spcPts val="7279"/>
+              </a:lnSpc>
+            </a:pPr>
+            <a:r>
+              <a:rPr lang="en-US" sz="5199">
+                <a:solidFill>
+                  <a:srgbClr val="F5F3F3"/>
+                </a:solidFill>
+                <a:latin typeface="Georgia Pro Condensed"/>
+                <a:ea typeface="Georgia Pro Condensed"/>
+                <a:cs typeface="Georgia Pro Condensed"/>
+                <a:sym typeface="Georgia Pro Condensed"/>
               </a:rPr>
-              <a:t>INGEGNERIA DEI SISTEMI SOFTWARE 2024/2025</a:t>
+              <a:t>Ingneria dei sistemi software </a:t>
+            </a:r>
+          </a:p>
+          <a:p>
+            <a:pPr algn="l">
+              <a:lnSpc>
+                <a:spcPts val="7279"/>
+              </a:lnSpc>
+            </a:pPr>
+            <a:r>
+              <a:rPr lang="en-US" sz="5199">
+                <a:solidFill>
+                  <a:srgbClr val="F5F3F3"/>
+                </a:solidFill>
+                <a:latin typeface="Georgia Pro Condensed"/>
+                <a:ea typeface="Georgia Pro Condensed"/>
+                <a:cs typeface="Georgia Pro Condensed"/>
+                <a:sym typeface="Georgia Pro Condensed"/>
+              </a:rPr>
+              <a:t>2024/2025</a:t>
+            </a:r>
+          </a:p>
+        </p:txBody>
+      </p:sp>
+      <p:sp>
+        <p:nvSpPr>
+          <p:cNvPr id="9" name="TextBox 9"/>
+          <p:cNvSpPr txBox="1"/>
+          <p:nvPr/>
+        </p:nvSpPr>
+        <p:spPr>
+          <a:xfrm>
+            <a:off x="1028700" y="7104703"/>
+            <a:ext cx="2890123" cy="2133600"/>
+          </a:xfrm>
+          <a:prstGeom prst="rect">
+            <a:avLst/>
+          </a:prstGeom>
+        </p:spPr>
+        <p:txBody>
+          <a:bodyPr lIns="0" tIns="0" rIns="0" bIns="0" rtlCol="0" anchor="t">
+            <a:spAutoFit/>
+          </a:bodyPr>
+          <a:lstStyle/>
+          <a:p>
+            <a:pPr algn="l">
+              <a:lnSpc>
+                <a:spcPts val="4200"/>
+              </a:lnSpc>
+            </a:pPr>
+            <a:r>
+              <a:rPr lang="en-US" sz="3000">
+                <a:solidFill>
+                  <a:srgbClr val="F5F3F3"/>
+                </a:solidFill>
+                <a:latin typeface="Georgia Pro Condensed"/>
+                <a:ea typeface="Georgia Pro Condensed"/>
+                <a:cs typeface="Georgia Pro Condensed"/>
+                <a:sym typeface="Georgia Pro Condensed"/>
+              </a:rPr>
+              <a:t>Progetto a cura di:</a:t>
+            </a:r>
+          </a:p>
+          <a:p>
+            <a:pPr algn="l">
+              <a:lnSpc>
+                <a:spcPts val="4200"/>
+              </a:lnSpc>
+            </a:pPr>
+            <a:r>
+              <a:rPr lang="en-US" sz="3000">
+                <a:solidFill>
+                  <a:srgbClr val="F5F3F3"/>
+                </a:solidFill>
+                <a:latin typeface="Georgia Pro Condensed"/>
+                <a:ea typeface="Georgia Pro Condensed"/>
+                <a:cs typeface="Georgia Pro Condensed"/>
+                <a:sym typeface="Georgia Pro Condensed"/>
+              </a:rPr>
+              <a:t>Fasano Andrea</a:t>
+            </a:r>
+          </a:p>
+          <a:p>
+            <a:pPr algn="l">
+              <a:lnSpc>
+                <a:spcPts val="4200"/>
+              </a:lnSpc>
+            </a:pPr>
+            <a:r>
+              <a:rPr lang="en-US" sz="3000">
+                <a:solidFill>
+                  <a:srgbClr val="F5F3F3"/>
+                </a:solidFill>
+                <a:latin typeface="Georgia Pro Condensed"/>
+                <a:ea typeface="Georgia Pro Condensed"/>
+                <a:cs typeface="Georgia Pro Condensed"/>
+                <a:sym typeface="Georgia Pro Condensed"/>
+              </a:rPr>
+              <a:t>Florian Alberto</a:t>
+            </a:r>
+          </a:p>
+          <a:p>
+            <a:pPr algn="l">
+              <a:lnSpc>
+                <a:spcPts val="4200"/>
+              </a:lnSpc>
+            </a:pPr>
+            <a:r>
+              <a:rPr lang="en-US" sz="3000">
+                <a:solidFill>
+                  <a:srgbClr val="F5F3F3"/>
+                </a:solidFill>
+                <a:latin typeface="Georgia Pro Condensed"/>
+                <a:ea typeface="Georgia Pro Condensed"/>
+                <a:cs typeface="Georgia Pro Condensed"/>
+                <a:sym typeface="Georgia Pro Condensed"/>
+              </a:rPr>
+              <a:t>Sampaoli Giacomo</a:t>
             </a:r>
           </a:p>
         </p:txBody>
       </p:sp>
     </p:spTree>
-    <p:extLst>
-      <p:ext uri="{BB962C8B-B14F-4D97-AF65-F5344CB8AC3E}">
-        <p14:creationId xmlns:p14="http://schemas.microsoft.com/office/powerpoint/2010/main" val="971961384"/>
-      </p:ext>
-    </p:extLst>
   </p:cSld>
   <p:clrMapOvr>
     <a:masterClrMapping/>
@@ -3756,6 +3506,14 @@
 <file path=ppt/slides/slide2.xml><?xml version="1.0" encoding="utf-8"?>
 <p:sld xmlns:a="http://schemas.openxmlformats.org/drawingml/2006/main" xmlns:r="http://schemas.openxmlformats.org/officeDocument/2006/relationships" xmlns:p="http://schemas.openxmlformats.org/presentationml/2006/main">
   <p:cSld>
+    <p:bg>
+      <p:bgPr>
+        <a:solidFill>
+          <a:srgbClr val="273C4A"/>
+        </a:solidFill>
+        <a:effectLst/>
+      </p:bgPr>
+    </p:bg>
     <p:spTree>
       <p:nvGrpSpPr>
         <p:cNvPr id="1" name=""/>
@@ -3772,21 +3530,459 @@
       </p:grpSpPr>
       <p:sp>
         <p:nvSpPr>
-          <p:cNvPr id="2" name="Titolo 1">
-            <a:extLst>
-              <a:ext uri="{FF2B5EF4-FFF2-40B4-BE49-F238E27FC236}">
-                <a16:creationId xmlns:a16="http://schemas.microsoft.com/office/drawing/2014/main" id="{74E50879-2524-2686-F6BB-A037F0249C8A}"/>
-              </a:ext>
-            </a:extLst>
-          </p:cNvPr>
-          <p:cNvSpPr>
-            <a:spLocks noGrp="1"/>
-          </p:cNvSpPr>
-          <p:nvPr>
-            <p:ph type="title"/>
-          </p:nvPr>
-        </p:nvSpPr>
-        <p:spPr/>
+          <p:cNvPr id="2" name="TextBox 2"/>
+          <p:cNvSpPr txBox="1"/>
+          <p:nvPr/>
+        </p:nvSpPr>
+        <p:spPr>
+          <a:xfrm>
+            <a:off x="666750" y="3782219"/>
+            <a:ext cx="4007657" cy="512445"/>
+          </a:xfrm>
+          <a:prstGeom prst="rect">
+            <a:avLst/>
+          </a:prstGeom>
+        </p:spPr>
+        <p:txBody>
+          <a:bodyPr lIns="0" tIns="0" rIns="0" bIns="0" rtlCol="0" anchor="t">
+            <a:spAutoFit/>
+          </a:bodyPr>
+          <a:lstStyle/>
+          <a:p>
+            <a:pPr marL="0" lvl="0" indent="0" algn="l">
+              <a:lnSpc>
+                <a:spcPts val="3600"/>
+              </a:lnSpc>
+              <a:spcBef>
+                <a:spcPct val="0"/>
+              </a:spcBef>
+            </a:pPr>
+            <a:r>
+              <a:rPr lang="en-US" sz="3000" b="1" spc="-44">
+                <a:solidFill>
+                  <a:srgbClr val="F5F3F3"/>
+                </a:solidFill>
+                <a:latin typeface="Helvetica World Bold"/>
+                <a:ea typeface="Helvetica World Bold"/>
+                <a:cs typeface="Helvetica World Bold"/>
+                <a:sym typeface="Helvetica World Bold"/>
+              </a:rPr>
+              <a:t>Sprint0</a:t>
+            </a:r>
+          </a:p>
+        </p:txBody>
+      </p:sp>
+      <p:sp>
+        <p:nvSpPr>
+          <p:cNvPr id="3" name="TextBox 3"/>
+          <p:cNvSpPr txBox="1"/>
+          <p:nvPr/>
+        </p:nvSpPr>
+        <p:spPr>
+          <a:xfrm>
+            <a:off x="666750" y="5623401"/>
+            <a:ext cx="4007657" cy="1768475"/>
+          </a:xfrm>
+          <a:prstGeom prst="rect">
+            <a:avLst/>
+          </a:prstGeom>
+        </p:spPr>
+        <p:txBody>
+          <a:bodyPr lIns="0" tIns="0" rIns="0" bIns="0" rtlCol="0" anchor="t">
+            <a:spAutoFit/>
+          </a:bodyPr>
+          <a:lstStyle/>
+          <a:p>
+            <a:pPr marL="431801" lvl="1" indent="-215900" algn="l">
+              <a:lnSpc>
+                <a:spcPts val="2800"/>
+              </a:lnSpc>
+              <a:buFont typeface="Arial"/>
+              <a:buChar char="•"/>
+            </a:pPr>
+            <a:r>
+              <a:rPr lang="en-US" sz="2000" spc="-30">
+                <a:solidFill>
+                  <a:srgbClr val="F5F3F3"/>
+                </a:solidFill>
+                <a:latin typeface="Helvetica World"/>
+                <a:ea typeface="Helvetica World"/>
+                <a:cs typeface="Helvetica World"/>
+                <a:sym typeface="Helvetica World"/>
+              </a:rPr>
+              <a:t>Analisi dei requisiti forniti dal committente;</a:t>
+            </a:r>
+          </a:p>
+          <a:p>
+            <a:pPr marL="431801" lvl="1" indent="-215900" algn="l">
+              <a:lnSpc>
+                <a:spcPts val="2800"/>
+              </a:lnSpc>
+              <a:buFont typeface="Arial"/>
+              <a:buChar char="•"/>
+            </a:pPr>
+            <a:r>
+              <a:rPr lang="en-US" sz="2000" spc="-30">
+                <a:solidFill>
+                  <a:srgbClr val="F5F3F3"/>
+                </a:solidFill>
+                <a:latin typeface="Helvetica World"/>
+                <a:ea typeface="Helvetica World"/>
+                <a:cs typeface="Helvetica World"/>
+                <a:sym typeface="Helvetica World"/>
+              </a:rPr>
+              <a:t>Costruzione del modello di riferimento;</a:t>
+            </a:r>
+          </a:p>
+          <a:p>
+            <a:pPr marL="431801" lvl="1" indent="-215900" algn="l">
+              <a:lnSpc>
+                <a:spcPts val="2800"/>
+              </a:lnSpc>
+              <a:buFont typeface="Arial"/>
+              <a:buChar char="•"/>
+            </a:pPr>
+            <a:r>
+              <a:rPr lang="en-US" sz="2000" spc="-30">
+                <a:solidFill>
+                  <a:srgbClr val="F5F3F3"/>
+                </a:solidFill>
+                <a:latin typeface="Helvetica World"/>
+                <a:ea typeface="Helvetica World"/>
+                <a:cs typeface="Helvetica World"/>
+                <a:sym typeface="Helvetica World"/>
+              </a:rPr>
+              <a:t>Organizzazione Sprint futuri</a:t>
+            </a:r>
+          </a:p>
+        </p:txBody>
+      </p:sp>
+      <p:sp>
+        <p:nvSpPr>
+          <p:cNvPr id="4" name="TextBox 4"/>
+          <p:cNvSpPr txBox="1"/>
+          <p:nvPr/>
+        </p:nvSpPr>
+        <p:spPr>
+          <a:xfrm>
+            <a:off x="4979207" y="3782219"/>
+            <a:ext cx="4010025" cy="512445"/>
+          </a:xfrm>
+          <a:prstGeom prst="rect">
+            <a:avLst/>
+          </a:prstGeom>
+        </p:spPr>
+        <p:txBody>
+          <a:bodyPr lIns="0" tIns="0" rIns="0" bIns="0" rtlCol="0" anchor="t">
+            <a:spAutoFit/>
+          </a:bodyPr>
+          <a:lstStyle/>
+          <a:p>
+            <a:pPr marL="0" lvl="0" indent="0" algn="l">
+              <a:lnSpc>
+                <a:spcPts val="3600"/>
+              </a:lnSpc>
+              <a:spcBef>
+                <a:spcPct val="0"/>
+              </a:spcBef>
+            </a:pPr>
+            <a:r>
+              <a:rPr lang="en-US" sz="3000" b="1" spc="-44">
+                <a:solidFill>
+                  <a:srgbClr val="F5F3F3"/>
+                </a:solidFill>
+                <a:latin typeface="Helvetica World Bold"/>
+                <a:ea typeface="Helvetica World Bold"/>
+                <a:cs typeface="Helvetica World Bold"/>
+                <a:sym typeface="Helvetica World Bold"/>
+              </a:rPr>
+              <a:t>Sprint1</a:t>
+            </a:r>
+          </a:p>
+        </p:txBody>
+      </p:sp>
+      <p:sp>
+        <p:nvSpPr>
+          <p:cNvPr id="5" name="TextBox 5"/>
+          <p:cNvSpPr txBox="1"/>
+          <p:nvPr/>
+        </p:nvSpPr>
+        <p:spPr>
+          <a:xfrm>
+            <a:off x="13614065" y="3738563"/>
+            <a:ext cx="4003106" cy="512445"/>
+          </a:xfrm>
+          <a:prstGeom prst="rect">
+            <a:avLst/>
+          </a:prstGeom>
+        </p:spPr>
+        <p:txBody>
+          <a:bodyPr lIns="0" tIns="0" rIns="0" bIns="0" rtlCol="0" anchor="t">
+            <a:spAutoFit/>
+          </a:bodyPr>
+          <a:lstStyle/>
+          <a:p>
+            <a:pPr marL="0" lvl="0" indent="0" algn="l">
+              <a:lnSpc>
+                <a:spcPts val="3600"/>
+              </a:lnSpc>
+              <a:spcBef>
+                <a:spcPct val="0"/>
+              </a:spcBef>
+            </a:pPr>
+            <a:r>
+              <a:rPr lang="en-US" sz="3000" b="1" spc="-44">
+                <a:solidFill>
+                  <a:srgbClr val="F5F3F3"/>
+                </a:solidFill>
+                <a:latin typeface="Helvetica World Bold"/>
+                <a:ea typeface="Helvetica World Bold"/>
+                <a:cs typeface="Helvetica World Bold"/>
+                <a:sym typeface="Helvetica World Bold"/>
+              </a:rPr>
+              <a:t>Sprint3</a:t>
+            </a:r>
+          </a:p>
+        </p:txBody>
+      </p:sp>
+      <p:sp>
+        <p:nvSpPr>
+          <p:cNvPr id="6" name="TextBox 6"/>
+          <p:cNvSpPr txBox="1"/>
+          <p:nvPr/>
+        </p:nvSpPr>
+        <p:spPr>
+          <a:xfrm>
+            <a:off x="4979207" y="5623401"/>
+            <a:ext cx="4010025" cy="711200"/>
+          </a:xfrm>
+          <a:prstGeom prst="rect">
+            <a:avLst/>
+          </a:prstGeom>
+        </p:spPr>
+        <p:txBody>
+          <a:bodyPr lIns="0" tIns="0" rIns="0" bIns="0" rtlCol="0" anchor="t">
+            <a:spAutoFit/>
+          </a:bodyPr>
+          <a:lstStyle/>
+          <a:p>
+            <a:pPr marL="431801" lvl="1" indent="-215900" algn="l">
+              <a:lnSpc>
+                <a:spcPts val="2800"/>
+              </a:lnSpc>
+              <a:buFont typeface="Arial"/>
+              <a:buChar char="•"/>
+            </a:pPr>
+            <a:r>
+              <a:rPr lang="en-US" sz="2000" spc="-30">
+                <a:solidFill>
+                  <a:srgbClr val="F5F3F3"/>
+                </a:solidFill>
+                <a:latin typeface="Helvetica World"/>
+                <a:ea typeface="Helvetica World"/>
+                <a:cs typeface="Helvetica World"/>
+                <a:sym typeface="Helvetica World"/>
+              </a:rPr>
+              <a:t>Realizzazione del core business del sistema;</a:t>
+            </a:r>
+          </a:p>
+        </p:txBody>
+      </p:sp>
+      <p:sp>
+        <p:nvSpPr>
+          <p:cNvPr id="7" name="TextBox 7"/>
+          <p:cNvSpPr txBox="1"/>
+          <p:nvPr/>
+        </p:nvSpPr>
+        <p:spPr>
+          <a:xfrm>
+            <a:off x="13608857" y="5623401"/>
+            <a:ext cx="4003106" cy="711200"/>
+          </a:xfrm>
+          <a:prstGeom prst="rect">
+            <a:avLst/>
+          </a:prstGeom>
+        </p:spPr>
+        <p:txBody>
+          <a:bodyPr lIns="0" tIns="0" rIns="0" bIns="0" rtlCol="0" anchor="t">
+            <a:spAutoFit/>
+          </a:bodyPr>
+          <a:lstStyle/>
+          <a:p>
+            <a:pPr marL="431801" lvl="1" indent="-215900" algn="l">
+              <a:lnSpc>
+                <a:spcPts val="2800"/>
+              </a:lnSpc>
+              <a:buFont typeface="Arial"/>
+              <a:buChar char="•"/>
+            </a:pPr>
+            <a:r>
+              <a:rPr lang="en-US" sz="2000" spc="-30">
+                <a:solidFill>
+                  <a:srgbClr val="F5F3F3"/>
+                </a:solidFill>
+                <a:latin typeface="Helvetica World"/>
+                <a:ea typeface="Helvetica World"/>
+                <a:cs typeface="Helvetica World"/>
+                <a:sym typeface="Helvetica World"/>
+              </a:rPr>
+              <a:t>Realizzazione della GUI;</a:t>
+            </a:r>
+          </a:p>
+          <a:p>
+            <a:pPr marL="431801" lvl="1" indent="-215900" algn="l">
+              <a:lnSpc>
+                <a:spcPts val="2800"/>
+              </a:lnSpc>
+              <a:buFont typeface="Arial"/>
+              <a:buChar char="•"/>
+            </a:pPr>
+            <a:r>
+              <a:rPr lang="en-US" sz="2000" spc="-30">
+                <a:solidFill>
+                  <a:srgbClr val="F5F3F3"/>
+                </a:solidFill>
+                <a:latin typeface="Helvetica World"/>
+                <a:ea typeface="Helvetica World"/>
+                <a:cs typeface="Helvetica World"/>
+                <a:sym typeface="Helvetica World"/>
+              </a:rPr>
+              <a:t>Integrazione con il sistema;</a:t>
+            </a:r>
+          </a:p>
+        </p:txBody>
+      </p:sp>
+      <p:sp>
+        <p:nvSpPr>
+          <p:cNvPr id="8" name="TextBox 8"/>
+          <p:cNvSpPr txBox="1"/>
+          <p:nvPr/>
+        </p:nvSpPr>
+        <p:spPr>
+          <a:xfrm>
+            <a:off x="9294032" y="3782219"/>
+            <a:ext cx="3807849" cy="512445"/>
+          </a:xfrm>
+          <a:prstGeom prst="rect">
+            <a:avLst/>
+          </a:prstGeom>
+        </p:spPr>
+        <p:txBody>
+          <a:bodyPr lIns="0" tIns="0" rIns="0" bIns="0" rtlCol="0" anchor="t">
+            <a:spAutoFit/>
+          </a:bodyPr>
+          <a:lstStyle/>
+          <a:p>
+            <a:pPr marL="0" lvl="0" indent="0" algn="l">
+              <a:lnSpc>
+                <a:spcPts val="3600"/>
+              </a:lnSpc>
+              <a:spcBef>
+                <a:spcPct val="0"/>
+              </a:spcBef>
+            </a:pPr>
+            <a:r>
+              <a:rPr lang="en-US" sz="3000" b="1" spc="-44">
+                <a:solidFill>
+                  <a:srgbClr val="F5F3F3"/>
+                </a:solidFill>
+                <a:latin typeface="Helvetica World Bold"/>
+                <a:ea typeface="Helvetica World Bold"/>
+                <a:cs typeface="Helvetica World Bold"/>
+                <a:sym typeface="Helvetica World Bold"/>
+              </a:rPr>
+              <a:t>Sprint2</a:t>
+            </a:r>
+          </a:p>
+        </p:txBody>
+      </p:sp>
+      <p:sp>
+        <p:nvSpPr>
+          <p:cNvPr id="9" name="TextBox 9"/>
+          <p:cNvSpPr txBox="1"/>
+          <p:nvPr/>
+        </p:nvSpPr>
+        <p:spPr>
+          <a:xfrm>
+            <a:off x="9294821" y="5623401"/>
+            <a:ext cx="4009236" cy="1416050"/>
+          </a:xfrm>
+          <a:prstGeom prst="rect">
+            <a:avLst/>
+          </a:prstGeom>
+        </p:spPr>
+        <p:txBody>
+          <a:bodyPr lIns="0" tIns="0" rIns="0" bIns="0" rtlCol="0" anchor="t">
+            <a:spAutoFit/>
+          </a:bodyPr>
+          <a:lstStyle/>
+          <a:p>
+            <a:pPr marL="431801" lvl="1" indent="-215900" algn="l">
+              <a:lnSpc>
+                <a:spcPts val="2800"/>
+              </a:lnSpc>
+              <a:buFont typeface="Arial"/>
+              <a:buChar char="•"/>
+            </a:pPr>
+            <a:r>
+              <a:rPr lang="en-US" sz="2000" spc="-30">
+                <a:solidFill>
+                  <a:srgbClr val="F5F3F3"/>
+                </a:solidFill>
+                <a:latin typeface="Helvetica World"/>
+                <a:ea typeface="Helvetica World"/>
+                <a:cs typeface="Helvetica World"/>
+                <a:sym typeface="Helvetica World"/>
+              </a:rPr>
+              <a:t>Realizzazione del componente Sensor;</a:t>
+            </a:r>
+          </a:p>
+          <a:p>
+            <a:pPr marL="431801" lvl="1" indent="-215900" algn="l">
+              <a:lnSpc>
+                <a:spcPts val="2800"/>
+              </a:lnSpc>
+              <a:buFont typeface="Arial"/>
+              <a:buChar char="•"/>
+            </a:pPr>
+            <a:r>
+              <a:rPr lang="en-US" sz="2000" spc="-30">
+                <a:solidFill>
+                  <a:srgbClr val="F5F3F3"/>
+                </a:solidFill>
+                <a:latin typeface="Helvetica World"/>
+                <a:ea typeface="Helvetica World"/>
+                <a:cs typeface="Helvetica World"/>
+                <a:sym typeface="Helvetica World"/>
+              </a:rPr>
+              <a:t>Integrazione con il core business;</a:t>
+            </a:r>
+          </a:p>
+        </p:txBody>
+      </p:sp>
+      <p:sp>
+        <p:nvSpPr>
+          <p:cNvPr id="10" name="AutoShape 10"/>
+          <p:cNvSpPr/>
+          <p:nvPr/>
+        </p:nvSpPr>
+        <p:spPr>
+          <a:xfrm>
+            <a:off x="990600" y="4947126"/>
+            <a:ext cx="17607376" cy="0"/>
+          </a:xfrm>
+          <a:prstGeom prst="line">
+            <a:avLst/>
+          </a:prstGeom>
+          <a:ln w="19050" cap="flat">
+            <a:solidFill>
+              <a:srgbClr val="8AB6D6"/>
+            </a:solidFill>
+            <a:prstDash val="solid"/>
+            <a:headEnd type="none" w="sm" len="sm"/>
+            <a:tailEnd type="none" w="sm" len="sm"/>
+          </a:ln>
+        </p:spPr>
         <p:txBody>
           <a:bodyPr/>
           <a:lstStyle/>
@@ -3795,23 +3991,417 @@
           </a:p>
         </p:txBody>
       </p:sp>
-      <p:sp>
-        <p:nvSpPr>
-          <p:cNvPr id="3" name="Segnaposto contenuto 2">
-            <a:extLst>
-              <a:ext uri="{FF2B5EF4-FFF2-40B4-BE49-F238E27FC236}">
-                <a16:creationId xmlns:a16="http://schemas.microsoft.com/office/drawing/2014/main" id="{1FE938F9-5D16-A3DB-71B5-55C73184E844}"/>
-              </a:ext>
-            </a:extLst>
-          </p:cNvPr>
-          <p:cNvSpPr>
-            <a:spLocks noGrp="1"/>
-          </p:cNvSpPr>
-          <p:nvPr>
-            <p:ph idx="1"/>
-          </p:nvPr>
-        </p:nvSpPr>
-        <p:spPr/>
+      <p:grpSp>
+        <p:nvGrpSpPr>
+          <p:cNvPr id="11" name="Group 11"/>
+          <p:cNvGrpSpPr/>
+          <p:nvPr/>
+        </p:nvGrpSpPr>
+        <p:grpSpPr>
+          <a:xfrm>
+            <a:off x="666750" y="4785201"/>
+            <a:ext cx="323850" cy="323850"/>
+            <a:chOff x="0" y="0"/>
+            <a:chExt cx="6350000" cy="6350000"/>
+          </a:xfrm>
+        </p:grpSpPr>
+        <p:sp>
+          <p:nvSpPr>
+            <p:cNvPr id="12" name="Freeform 12"/>
+            <p:cNvSpPr/>
+            <p:nvPr/>
+          </p:nvSpPr>
+          <p:spPr>
+            <a:xfrm>
+              <a:off x="0" y="0"/>
+              <a:ext cx="6350000" cy="6350000"/>
+            </a:xfrm>
+            <a:custGeom>
+              <a:avLst/>
+              <a:gdLst/>
+              <a:ahLst/>
+              <a:cxnLst/>
+              <a:rect l="l" t="t" r="r" b="b"/>
+              <a:pathLst>
+                <a:path w="6350000" h="6350000">
+                  <a:moveTo>
+                    <a:pt x="3175000" y="0"/>
+                  </a:moveTo>
+                  <a:cubicBezTo>
+                    <a:pt x="1421496" y="0"/>
+                    <a:pt x="0" y="1421496"/>
+                    <a:pt x="0" y="3175000"/>
+                  </a:cubicBezTo>
+                  <a:cubicBezTo>
+                    <a:pt x="0" y="4928504"/>
+                    <a:pt x="1421496" y="6350000"/>
+                    <a:pt x="3175000" y="6350000"/>
+                  </a:cubicBezTo>
+                  <a:cubicBezTo>
+                    <a:pt x="4928504" y="6350000"/>
+                    <a:pt x="6350000" y="4928504"/>
+                    <a:pt x="6350000" y="3175000"/>
+                  </a:cubicBezTo>
+                  <a:cubicBezTo>
+                    <a:pt x="6350000" y="1421496"/>
+                    <a:pt x="4928504" y="0"/>
+                    <a:pt x="3175000" y="0"/>
+                  </a:cubicBezTo>
+                  <a:close/>
+                </a:path>
+              </a:pathLst>
+            </a:custGeom>
+            <a:solidFill>
+              <a:srgbClr val="8AB6D6"/>
+            </a:solidFill>
+          </p:spPr>
+          <p:txBody>
+            <a:bodyPr/>
+            <a:lstStyle/>
+            <a:p>
+              <a:endParaRPr lang="it-IT"/>
+            </a:p>
+          </p:txBody>
+        </p:sp>
+      </p:grpSp>
+      <p:grpSp>
+        <p:nvGrpSpPr>
+          <p:cNvPr id="13" name="Group 13"/>
+          <p:cNvGrpSpPr/>
+          <p:nvPr/>
+        </p:nvGrpSpPr>
+        <p:grpSpPr>
+          <a:xfrm>
+            <a:off x="4980786" y="4785201"/>
+            <a:ext cx="323850" cy="323850"/>
+            <a:chOff x="0" y="0"/>
+            <a:chExt cx="6350000" cy="6350000"/>
+          </a:xfrm>
+        </p:grpSpPr>
+        <p:sp>
+          <p:nvSpPr>
+            <p:cNvPr id="14" name="Freeform 14"/>
+            <p:cNvSpPr/>
+            <p:nvPr/>
+          </p:nvSpPr>
+          <p:spPr>
+            <a:xfrm>
+              <a:off x="0" y="0"/>
+              <a:ext cx="6350000" cy="6350000"/>
+            </a:xfrm>
+            <a:custGeom>
+              <a:avLst/>
+              <a:gdLst/>
+              <a:ahLst/>
+              <a:cxnLst/>
+              <a:rect l="l" t="t" r="r" b="b"/>
+              <a:pathLst>
+                <a:path w="6350000" h="6350000">
+                  <a:moveTo>
+                    <a:pt x="3175000" y="0"/>
+                  </a:moveTo>
+                  <a:cubicBezTo>
+                    <a:pt x="1421496" y="0"/>
+                    <a:pt x="0" y="1421496"/>
+                    <a:pt x="0" y="3175000"/>
+                  </a:cubicBezTo>
+                  <a:cubicBezTo>
+                    <a:pt x="0" y="4928504"/>
+                    <a:pt x="1421496" y="6350000"/>
+                    <a:pt x="3175000" y="6350000"/>
+                  </a:cubicBezTo>
+                  <a:cubicBezTo>
+                    <a:pt x="4928504" y="6350000"/>
+                    <a:pt x="6350000" y="4928504"/>
+                    <a:pt x="6350000" y="3175000"/>
+                  </a:cubicBezTo>
+                  <a:cubicBezTo>
+                    <a:pt x="6350000" y="1421496"/>
+                    <a:pt x="4928504" y="0"/>
+                    <a:pt x="3175000" y="0"/>
+                  </a:cubicBezTo>
+                  <a:close/>
+                </a:path>
+              </a:pathLst>
+            </a:custGeom>
+            <a:solidFill>
+              <a:srgbClr val="8AB6D6"/>
+            </a:solidFill>
+          </p:spPr>
+          <p:txBody>
+            <a:bodyPr/>
+            <a:lstStyle/>
+            <a:p>
+              <a:endParaRPr lang="it-IT"/>
+            </a:p>
+          </p:txBody>
+        </p:sp>
+      </p:grpSp>
+      <p:grpSp>
+        <p:nvGrpSpPr>
+          <p:cNvPr id="15" name="Group 15"/>
+          <p:cNvGrpSpPr/>
+          <p:nvPr/>
+        </p:nvGrpSpPr>
+        <p:grpSpPr>
+          <a:xfrm>
+            <a:off x="9294821" y="4785201"/>
+            <a:ext cx="323850" cy="323850"/>
+            <a:chOff x="0" y="0"/>
+            <a:chExt cx="6350000" cy="6350000"/>
+          </a:xfrm>
+        </p:grpSpPr>
+        <p:sp>
+          <p:nvSpPr>
+            <p:cNvPr id="16" name="Freeform 16"/>
+            <p:cNvSpPr/>
+            <p:nvPr/>
+          </p:nvSpPr>
+          <p:spPr>
+            <a:xfrm>
+              <a:off x="0" y="0"/>
+              <a:ext cx="6350000" cy="6350000"/>
+            </a:xfrm>
+            <a:custGeom>
+              <a:avLst/>
+              <a:gdLst/>
+              <a:ahLst/>
+              <a:cxnLst/>
+              <a:rect l="l" t="t" r="r" b="b"/>
+              <a:pathLst>
+                <a:path w="6350000" h="6350000">
+                  <a:moveTo>
+                    <a:pt x="3175000" y="0"/>
+                  </a:moveTo>
+                  <a:cubicBezTo>
+                    <a:pt x="1421496" y="0"/>
+                    <a:pt x="0" y="1421496"/>
+                    <a:pt x="0" y="3175000"/>
+                  </a:cubicBezTo>
+                  <a:cubicBezTo>
+                    <a:pt x="0" y="4928504"/>
+                    <a:pt x="1421496" y="6350000"/>
+                    <a:pt x="3175000" y="6350000"/>
+                  </a:cubicBezTo>
+                  <a:cubicBezTo>
+                    <a:pt x="4928504" y="6350000"/>
+                    <a:pt x="6350000" y="4928504"/>
+                    <a:pt x="6350000" y="3175000"/>
+                  </a:cubicBezTo>
+                  <a:cubicBezTo>
+                    <a:pt x="6350000" y="1421496"/>
+                    <a:pt x="4928504" y="0"/>
+                    <a:pt x="3175000" y="0"/>
+                  </a:cubicBezTo>
+                  <a:close/>
+                </a:path>
+              </a:pathLst>
+            </a:custGeom>
+            <a:solidFill>
+              <a:srgbClr val="8AB6D6"/>
+            </a:solidFill>
+          </p:spPr>
+          <p:txBody>
+            <a:bodyPr/>
+            <a:lstStyle/>
+            <a:p>
+              <a:endParaRPr lang="it-IT"/>
+            </a:p>
+          </p:txBody>
+        </p:sp>
+      </p:grpSp>
+      <p:grpSp>
+        <p:nvGrpSpPr>
+          <p:cNvPr id="17" name="Group 17"/>
+          <p:cNvGrpSpPr/>
+          <p:nvPr/>
+        </p:nvGrpSpPr>
+        <p:grpSpPr>
+          <a:xfrm>
+            <a:off x="13608857" y="4785201"/>
+            <a:ext cx="323850" cy="323850"/>
+            <a:chOff x="0" y="0"/>
+            <a:chExt cx="6350000" cy="6350000"/>
+          </a:xfrm>
+        </p:grpSpPr>
+        <p:sp>
+          <p:nvSpPr>
+            <p:cNvPr id="18" name="Freeform 18"/>
+            <p:cNvSpPr/>
+            <p:nvPr/>
+          </p:nvSpPr>
+          <p:spPr>
+            <a:xfrm>
+              <a:off x="0" y="0"/>
+              <a:ext cx="6350000" cy="6350000"/>
+            </a:xfrm>
+            <a:custGeom>
+              <a:avLst/>
+              <a:gdLst/>
+              <a:ahLst/>
+              <a:cxnLst/>
+              <a:rect l="l" t="t" r="r" b="b"/>
+              <a:pathLst>
+                <a:path w="6350000" h="6350000">
+                  <a:moveTo>
+                    <a:pt x="3175000" y="0"/>
+                  </a:moveTo>
+                  <a:cubicBezTo>
+                    <a:pt x="1421496" y="0"/>
+                    <a:pt x="0" y="1421496"/>
+                    <a:pt x="0" y="3175000"/>
+                  </a:cubicBezTo>
+                  <a:cubicBezTo>
+                    <a:pt x="0" y="4928504"/>
+                    <a:pt x="1421496" y="6350000"/>
+                    <a:pt x="3175000" y="6350000"/>
+                  </a:cubicBezTo>
+                  <a:cubicBezTo>
+                    <a:pt x="4928504" y="6350000"/>
+                    <a:pt x="6350000" y="4928504"/>
+                    <a:pt x="6350000" y="3175000"/>
+                  </a:cubicBezTo>
+                  <a:cubicBezTo>
+                    <a:pt x="6350000" y="1421496"/>
+                    <a:pt x="4928504" y="0"/>
+                    <a:pt x="3175000" y="0"/>
+                  </a:cubicBezTo>
+                  <a:close/>
+                </a:path>
+              </a:pathLst>
+            </a:custGeom>
+            <a:solidFill>
+              <a:srgbClr val="8AB6D6"/>
+            </a:solidFill>
+          </p:spPr>
+          <p:txBody>
+            <a:bodyPr/>
+            <a:lstStyle/>
+            <a:p>
+              <a:endParaRPr lang="it-IT"/>
+            </a:p>
+          </p:txBody>
+        </p:sp>
+      </p:grpSp>
+      <p:sp>
+        <p:nvSpPr>
+          <p:cNvPr id="19" name="TextBox 19"/>
+          <p:cNvSpPr txBox="1"/>
+          <p:nvPr/>
+        </p:nvSpPr>
+        <p:spPr>
+          <a:xfrm>
+            <a:off x="666750" y="809625"/>
+            <a:ext cx="16954500" cy="1069976"/>
+          </a:xfrm>
+          <a:prstGeom prst="rect">
+            <a:avLst/>
+          </a:prstGeom>
+        </p:spPr>
+        <p:txBody>
+          <a:bodyPr lIns="0" tIns="0" rIns="0" bIns="0" rtlCol="0" anchor="t">
+            <a:spAutoFit/>
+          </a:bodyPr>
+          <a:lstStyle/>
+          <a:p>
+            <a:pPr marL="0" lvl="0" indent="0" algn="l">
+              <a:lnSpc>
+                <a:spcPts val="8000"/>
+              </a:lnSpc>
+            </a:pPr>
+            <a:r>
+              <a:rPr lang="en-US" sz="8000">
+                <a:solidFill>
+                  <a:srgbClr val="F5F3F3"/>
+                </a:solidFill>
+                <a:latin typeface="Georgia Pro Condensed"/>
+                <a:ea typeface="Georgia Pro Condensed"/>
+                <a:cs typeface="Georgia Pro Condensed"/>
+                <a:sym typeface="Georgia Pro Condensed"/>
+              </a:rPr>
+              <a:t>Organizzazione del progetto</a:t>
+            </a:r>
+          </a:p>
+        </p:txBody>
+      </p:sp>
+    </p:spTree>
+  </p:cSld>
+  <p:clrMapOvr>
+    <a:masterClrMapping/>
+  </p:clrMapOvr>
+</p:sld>
+</file>
+
+<file path=ppt/slides/slide3.xml><?xml version="1.0" encoding="utf-8"?>
+<p:sld xmlns:a="http://schemas.openxmlformats.org/drawingml/2006/main" xmlns:r="http://schemas.openxmlformats.org/officeDocument/2006/relationships" xmlns:p="http://schemas.openxmlformats.org/presentationml/2006/main">
+  <p:cSld>
+    <p:bg>
+      <p:bgPr>
+        <a:solidFill>
+          <a:srgbClr val="273C4A"/>
+        </a:solidFill>
+        <a:effectLst/>
+      </p:bgPr>
+    </p:bg>
+    <p:spTree>
+      <p:nvGrpSpPr>
+        <p:cNvPr id="1" name=""/>
+        <p:cNvGrpSpPr/>
+        <p:nvPr/>
+      </p:nvGrpSpPr>
+      <p:grpSpPr>
+        <a:xfrm>
+          <a:off x="0" y="0"/>
+          <a:ext cx="0" cy="0"/>
+          <a:chOff x="0" y="0"/>
+          <a:chExt cx="0" cy="0"/>
+        </a:xfrm>
+      </p:grpSpPr>
+      <p:sp>
+        <p:nvSpPr>
+          <p:cNvPr id="2" name="Freeform 2"/>
+          <p:cNvSpPr/>
+          <p:nvPr/>
+        </p:nvSpPr>
+        <p:spPr>
+          <a:xfrm>
+            <a:off x="11305699" y="0"/>
+            <a:ext cx="6982301" cy="10287000"/>
+          </a:xfrm>
+          <a:custGeom>
+            <a:avLst/>
+            <a:gdLst/>
+            <a:ahLst/>
+            <a:cxnLst/>
+            <a:rect l="l" t="t" r="r" b="b"/>
+            <a:pathLst>
+              <a:path w="6982301" h="10287000">
+                <a:moveTo>
+                  <a:pt x="0" y="0"/>
+                </a:moveTo>
+                <a:lnTo>
+                  <a:pt x="6982301" y="0"/>
+                </a:lnTo>
+                <a:lnTo>
+                  <a:pt x="6982301" y="10287000"/>
+                </a:lnTo>
+                <a:lnTo>
+                  <a:pt x="0" y="10287000"/>
+                </a:lnTo>
+                <a:lnTo>
+                  <a:pt x="0" y="0"/>
+                </a:lnTo>
+                <a:close/>
+              </a:path>
+            </a:pathLst>
+          </a:custGeom>
+          <a:blipFill>
+            <a:blip r:embed="rId2"/>
+            <a:stretch>
+              <a:fillRect/>
+            </a:stretch>
+          </a:blipFill>
+        </p:spPr>
         <p:txBody>
           <a:bodyPr/>
           <a:lstStyle/>
@@ -3820,12 +4410,2102 @@
           </a:p>
         </p:txBody>
       </p:sp>
+      <p:grpSp>
+        <p:nvGrpSpPr>
+          <p:cNvPr id="3" name="Group 3"/>
+          <p:cNvGrpSpPr/>
+          <p:nvPr/>
+        </p:nvGrpSpPr>
+        <p:grpSpPr>
+          <a:xfrm>
+            <a:off x="356774" y="7508916"/>
+            <a:ext cx="8951921" cy="323850"/>
+            <a:chOff x="0" y="0"/>
+            <a:chExt cx="11935895" cy="431800"/>
+          </a:xfrm>
+        </p:grpSpPr>
+        <p:sp>
+          <p:nvSpPr>
+            <p:cNvPr id="4" name="AutoShape 4"/>
+            <p:cNvSpPr/>
+            <p:nvPr/>
+          </p:nvSpPr>
+          <p:spPr>
+            <a:xfrm>
+              <a:off x="431800" y="215900"/>
+              <a:ext cx="11411610" cy="0"/>
+            </a:xfrm>
+            <a:prstGeom prst="line">
+              <a:avLst/>
+            </a:prstGeom>
+            <a:ln w="25400" cap="flat">
+              <a:solidFill>
+                <a:srgbClr val="8AB6D6"/>
+              </a:solidFill>
+              <a:prstDash val="solid"/>
+              <a:headEnd type="none" w="sm" len="sm"/>
+              <a:tailEnd type="none" w="sm" len="sm"/>
+            </a:ln>
+          </p:spPr>
+          <p:txBody>
+            <a:bodyPr/>
+            <a:lstStyle/>
+            <a:p>
+              <a:endParaRPr lang="it-IT"/>
+            </a:p>
+          </p:txBody>
+        </p:sp>
+        <p:grpSp>
+          <p:nvGrpSpPr>
+            <p:cNvPr id="5" name="Group 5"/>
+            <p:cNvGrpSpPr/>
+            <p:nvPr/>
+          </p:nvGrpSpPr>
+          <p:grpSpPr>
+            <a:xfrm>
+              <a:off x="0" y="0"/>
+              <a:ext cx="431800" cy="431800"/>
+              <a:chOff x="0" y="0"/>
+              <a:chExt cx="6350000" cy="6350000"/>
+            </a:xfrm>
+          </p:grpSpPr>
+          <p:sp>
+            <p:nvSpPr>
+              <p:cNvPr id="6" name="Freeform 6"/>
+              <p:cNvSpPr/>
+              <p:nvPr/>
+            </p:nvSpPr>
+            <p:spPr>
+              <a:xfrm>
+                <a:off x="0" y="0"/>
+                <a:ext cx="6350000" cy="6350000"/>
+              </a:xfrm>
+              <a:custGeom>
+                <a:avLst/>
+                <a:gdLst/>
+                <a:ahLst/>
+                <a:cxnLst/>
+                <a:rect l="l" t="t" r="r" b="b"/>
+                <a:pathLst>
+                  <a:path w="6350000" h="6350000">
+                    <a:moveTo>
+                      <a:pt x="3175000" y="0"/>
+                    </a:moveTo>
+                    <a:cubicBezTo>
+                      <a:pt x="1421496" y="0"/>
+                      <a:pt x="0" y="1421496"/>
+                      <a:pt x="0" y="3175000"/>
+                    </a:cubicBezTo>
+                    <a:cubicBezTo>
+                      <a:pt x="0" y="4928504"/>
+                      <a:pt x="1421496" y="6350000"/>
+                      <a:pt x="3175000" y="6350000"/>
+                    </a:cubicBezTo>
+                    <a:cubicBezTo>
+                      <a:pt x="4928504" y="6350000"/>
+                      <a:pt x="6350000" y="4928504"/>
+                      <a:pt x="6350000" y="3175000"/>
+                    </a:cubicBezTo>
+                    <a:cubicBezTo>
+                      <a:pt x="6350000" y="1421496"/>
+                      <a:pt x="4928504" y="0"/>
+                      <a:pt x="3175000" y="0"/>
+                    </a:cubicBezTo>
+                    <a:close/>
+                  </a:path>
+                </a:pathLst>
+              </a:custGeom>
+              <a:solidFill>
+                <a:srgbClr val="8AB6D6"/>
+              </a:solidFill>
+            </p:spPr>
+            <p:txBody>
+              <a:bodyPr/>
+              <a:lstStyle/>
+              <a:p>
+                <a:endParaRPr lang="it-IT"/>
+              </a:p>
+            </p:txBody>
+          </p:sp>
+        </p:grpSp>
+        <p:grpSp>
+          <p:nvGrpSpPr>
+            <p:cNvPr id="7" name="Group 7"/>
+            <p:cNvGrpSpPr/>
+            <p:nvPr/>
+          </p:nvGrpSpPr>
+          <p:grpSpPr>
+            <a:xfrm>
+              <a:off x="5752047" y="0"/>
+              <a:ext cx="431800" cy="431800"/>
+              <a:chOff x="0" y="0"/>
+              <a:chExt cx="6350000" cy="6350000"/>
+            </a:xfrm>
+          </p:grpSpPr>
+          <p:sp>
+            <p:nvSpPr>
+              <p:cNvPr id="8" name="Freeform 8"/>
+              <p:cNvSpPr/>
+              <p:nvPr/>
+            </p:nvSpPr>
+            <p:spPr>
+              <a:xfrm>
+                <a:off x="0" y="0"/>
+                <a:ext cx="6350000" cy="6350000"/>
+              </a:xfrm>
+              <a:custGeom>
+                <a:avLst/>
+                <a:gdLst/>
+                <a:ahLst/>
+                <a:cxnLst/>
+                <a:rect l="l" t="t" r="r" b="b"/>
+                <a:pathLst>
+                  <a:path w="6350000" h="6350000">
+                    <a:moveTo>
+                      <a:pt x="3175000" y="0"/>
+                    </a:moveTo>
+                    <a:cubicBezTo>
+                      <a:pt x="1421496" y="0"/>
+                      <a:pt x="0" y="1421496"/>
+                      <a:pt x="0" y="3175000"/>
+                    </a:cubicBezTo>
+                    <a:cubicBezTo>
+                      <a:pt x="0" y="4928504"/>
+                      <a:pt x="1421496" y="6350000"/>
+                      <a:pt x="3175000" y="6350000"/>
+                    </a:cubicBezTo>
+                    <a:cubicBezTo>
+                      <a:pt x="4928504" y="6350000"/>
+                      <a:pt x="6350000" y="4928504"/>
+                      <a:pt x="6350000" y="3175000"/>
+                    </a:cubicBezTo>
+                    <a:cubicBezTo>
+                      <a:pt x="6350000" y="1421496"/>
+                      <a:pt x="4928504" y="0"/>
+                      <a:pt x="3175000" y="0"/>
+                    </a:cubicBezTo>
+                    <a:close/>
+                  </a:path>
+                </a:pathLst>
+              </a:custGeom>
+              <a:solidFill>
+                <a:srgbClr val="8AB6D6"/>
+              </a:solidFill>
+            </p:spPr>
+            <p:txBody>
+              <a:bodyPr/>
+              <a:lstStyle/>
+              <a:p>
+                <a:endParaRPr lang="it-IT"/>
+              </a:p>
+            </p:txBody>
+          </p:sp>
+        </p:grpSp>
+        <p:grpSp>
+          <p:nvGrpSpPr>
+            <p:cNvPr id="9" name="Group 9"/>
+            <p:cNvGrpSpPr/>
+            <p:nvPr/>
+          </p:nvGrpSpPr>
+          <p:grpSpPr>
+            <a:xfrm>
+              <a:off x="11504095" y="0"/>
+              <a:ext cx="431800" cy="431800"/>
+              <a:chOff x="0" y="0"/>
+              <a:chExt cx="6350000" cy="6350000"/>
+            </a:xfrm>
+          </p:grpSpPr>
+          <p:sp>
+            <p:nvSpPr>
+              <p:cNvPr id="10" name="Freeform 10"/>
+              <p:cNvSpPr/>
+              <p:nvPr/>
+            </p:nvSpPr>
+            <p:spPr>
+              <a:xfrm>
+                <a:off x="0" y="0"/>
+                <a:ext cx="6350000" cy="6350000"/>
+              </a:xfrm>
+              <a:custGeom>
+                <a:avLst/>
+                <a:gdLst/>
+                <a:ahLst/>
+                <a:cxnLst/>
+                <a:rect l="l" t="t" r="r" b="b"/>
+                <a:pathLst>
+                  <a:path w="6350000" h="6350000">
+                    <a:moveTo>
+                      <a:pt x="3175000" y="0"/>
+                    </a:moveTo>
+                    <a:cubicBezTo>
+                      <a:pt x="1421496" y="0"/>
+                      <a:pt x="0" y="1421496"/>
+                      <a:pt x="0" y="3175000"/>
+                    </a:cubicBezTo>
+                    <a:cubicBezTo>
+                      <a:pt x="0" y="4928504"/>
+                      <a:pt x="1421496" y="6350000"/>
+                      <a:pt x="3175000" y="6350000"/>
+                    </a:cubicBezTo>
+                    <a:cubicBezTo>
+                      <a:pt x="4928504" y="6350000"/>
+                      <a:pt x="6350000" y="4928504"/>
+                      <a:pt x="6350000" y="3175000"/>
+                    </a:cubicBezTo>
+                    <a:cubicBezTo>
+                      <a:pt x="6350000" y="1421496"/>
+                      <a:pt x="4928504" y="0"/>
+                      <a:pt x="3175000" y="0"/>
+                    </a:cubicBezTo>
+                    <a:close/>
+                  </a:path>
+                </a:pathLst>
+              </a:custGeom>
+              <a:solidFill>
+                <a:srgbClr val="8AB6D6"/>
+              </a:solidFill>
+            </p:spPr>
+            <p:txBody>
+              <a:bodyPr/>
+              <a:lstStyle/>
+              <a:p>
+                <a:endParaRPr lang="it-IT"/>
+              </a:p>
+            </p:txBody>
+          </p:sp>
+        </p:grpSp>
+      </p:grpSp>
+      <p:sp>
+        <p:nvSpPr>
+          <p:cNvPr id="11" name="TextBox 11"/>
+          <p:cNvSpPr txBox="1"/>
+          <p:nvPr/>
+        </p:nvSpPr>
+        <p:spPr>
+          <a:xfrm>
+            <a:off x="666750" y="809625"/>
+            <a:ext cx="16954500" cy="1069976"/>
+          </a:xfrm>
+          <a:prstGeom prst="rect">
+            <a:avLst/>
+          </a:prstGeom>
+        </p:spPr>
+        <p:txBody>
+          <a:bodyPr lIns="0" tIns="0" rIns="0" bIns="0" rtlCol="0" anchor="t">
+            <a:spAutoFit/>
+          </a:bodyPr>
+          <a:lstStyle/>
+          <a:p>
+            <a:pPr marL="0" lvl="0" indent="0" algn="just">
+              <a:lnSpc>
+                <a:spcPts val="8000"/>
+              </a:lnSpc>
+            </a:pPr>
+            <a:r>
+              <a:rPr lang="en-US" sz="8000">
+                <a:solidFill>
+                  <a:srgbClr val="F5F3F3"/>
+                </a:solidFill>
+                <a:latin typeface="Georgia Pro Condensed"/>
+                <a:ea typeface="Georgia Pro Condensed"/>
+                <a:cs typeface="Georgia Pro Condensed"/>
+                <a:sym typeface="Georgia Pro Condensed"/>
+              </a:rPr>
+              <a:t>Sprint 0</a:t>
+            </a:r>
+          </a:p>
+        </p:txBody>
+      </p:sp>
+      <p:sp>
+        <p:nvSpPr>
+          <p:cNvPr id="12" name="TextBox 12"/>
+          <p:cNvSpPr txBox="1"/>
+          <p:nvPr/>
+        </p:nvSpPr>
+        <p:spPr>
+          <a:xfrm>
+            <a:off x="616684" y="2297289"/>
+            <a:ext cx="6068854" cy="1590675"/>
+          </a:xfrm>
+          <a:prstGeom prst="rect">
+            <a:avLst/>
+          </a:prstGeom>
+        </p:spPr>
+        <p:txBody>
+          <a:bodyPr lIns="0" tIns="0" rIns="0" bIns="0" rtlCol="0" anchor="t">
+            <a:spAutoFit/>
+          </a:bodyPr>
+          <a:lstStyle/>
+          <a:p>
+            <a:pPr algn="just">
+              <a:lnSpc>
+                <a:spcPts val="4200"/>
+              </a:lnSpc>
+            </a:pPr>
+            <a:r>
+              <a:rPr lang="en-US" sz="3000" spc="-44">
+                <a:solidFill>
+                  <a:srgbClr val="FFFFFF"/>
+                </a:solidFill>
+                <a:latin typeface="Helvetica World"/>
+                <a:ea typeface="Helvetica World"/>
+                <a:cs typeface="Helvetica World"/>
+                <a:sym typeface="Helvetica World"/>
+              </a:rPr>
+              <a:t>Analisi dei requisiti:</a:t>
+            </a:r>
+          </a:p>
+          <a:p>
+            <a:pPr marL="647700" lvl="1" indent="-323850" algn="just">
+              <a:lnSpc>
+                <a:spcPts val="4200"/>
+              </a:lnSpc>
+              <a:buFont typeface="Arial"/>
+              <a:buChar char="•"/>
+            </a:pPr>
+            <a:r>
+              <a:rPr lang="en-US" sz="3000" spc="-44">
+                <a:solidFill>
+                  <a:srgbClr val="FFFFFF"/>
+                </a:solidFill>
+                <a:latin typeface="Helvetica World"/>
+                <a:ea typeface="Helvetica World"/>
+                <a:cs typeface="Helvetica World"/>
+                <a:sym typeface="Helvetica World"/>
+              </a:rPr>
+              <a:t>Cosa si capisce sul sistema dalla sola analisi dei requisiti? </a:t>
+            </a:r>
+          </a:p>
+        </p:txBody>
+      </p:sp>
+      <p:sp>
+        <p:nvSpPr>
+          <p:cNvPr id="13" name="TextBox 13"/>
+          <p:cNvSpPr txBox="1"/>
+          <p:nvPr/>
+        </p:nvSpPr>
+        <p:spPr>
+          <a:xfrm>
+            <a:off x="356774" y="5403165"/>
+            <a:ext cx="3500795" cy="523875"/>
+          </a:xfrm>
+          <a:prstGeom prst="rect">
+            <a:avLst/>
+          </a:prstGeom>
+        </p:spPr>
+        <p:txBody>
+          <a:bodyPr lIns="0" tIns="0" rIns="0" bIns="0" rtlCol="0" anchor="t">
+            <a:spAutoFit/>
+          </a:bodyPr>
+          <a:lstStyle/>
+          <a:p>
+            <a:pPr algn="just">
+              <a:lnSpc>
+                <a:spcPts val="4200"/>
+              </a:lnSpc>
+              <a:spcBef>
+                <a:spcPct val="0"/>
+              </a:spcBef>
+            </a:pPr>
+            <a:r>
+              <a:rPr lang="en-US" sz="3000" spc="-44">
+                <a:solidFill>
+                  <a:srgbClr val="F5F3F3"/>
+                </a:solidFill>
+                <a:latin typeface="Helvetica World"/>
+                <a:ea typeface="Helvetica World"/>
+                <a:cs typeface="Helvetica World"/>
+                <a:sym typeface="Helvetica World"/>
+              </a:rPr>
+              <a:t>Divisione degli Sprint:</a:t>
+            </a:r>
+          </a:p>
+        </p:txBody>
+      </p:sp>
+      <p:sp>
+        <p:nvSpPr>
+          <p:cNvPr id="14" name="TextBox 14"/>
+          <p:cNvSpPr txBox="1"/>
+          <p:nvPr/>
+        </p:nvSpPr>
+        <p:spPr>
+          <a:xfrm>
+            <a:off x="356774" y="7083466"/>
+            <a:ext cx="775335" cy="358775"/>
+          </a:xfrm>
+          <a:prstGeom prst="rect">
+            <a:avLst/>
+          </a:prstGeom>
+        </p:spPr>
+        <p:txBody>
+          <a:bodyPr lIns="0" tIns="0" rIns="0" bIns="0" rtlCol="0" anchor="t">
+            <a:spAutoFit/>
+          </a:bodyPr>
+          <a:lstStyle/>
+          <a:p>
+            <a:pPr algn="ctr">
+              <a:lnSpc>
+                <a:spcPts val="2800"/>
+              </a:lnSpc>
+              <a:spcBef>
+                <a:spcPct val="0"/>
+              </a:spcBef>
+            </a:pPr>
+            <a:r>
+              <a:rPr lang="en-US" sz="2000" spc="-30">
+                <a:solidFill>
+                  <a:srgbClr val="F5F3F3"/>
+                </a:solidFill>
+                <a:latin typeface="Helvetica World"/>
+                <a:ea typeface="Helvetica World"/>
+                <a:cs typeface="Helvetica World"/>
+                <a:sym typeface="Helvetica World"/>
+              </a:rPr>
+              <a:t>Sprint1</a:t>
+            </a:r>
+          </a:p>
+        </p:txBody>
+      </p:sp>
+      <p:sp>
+        <p:nvSpPr>
+          <p:cNvPr id="15" name="TextBox 15"/>
+          <p:cNvSpPr txBox="1"/>
+          <p:nvPr/>
+        </p:nvSpPr>
+        <p:spPr>
+          <a:xfrm>
+            <a:off x="356774" y="7842250"/>
+            <a:ext cx="2951480" cy="2120900"/>
+          </a:xfrm>
+          <a:prstGeom prst="rect">
+            <a:avLst/>
+          </a:prstGeom>
+        </p:spPr>
+        <p:txBody>
+          <a:bodyPr lIns="0" tIns="0" rIns="0" bIns="0" rtlCol="0" anchor="t">
+            <a:spAutoFit/>
+          </a:bodyPr>
+          <a:lstStyle/>
+          <a:p>
+            <a:pPr algn="just">
+              <a:lnSpc>
+                <a:spcPts val="2800"/>
+              </a:lnSpc>
+            </a:pPr>
+            <a:r>
+              <a:rPr lang="en-US" sz="2000" spc="-30">
+                <a:solidFill>
+                  <a:srgbClr val="F5F3F3"/>
+                </a:solidFill>
+                <a:latin typeface="Helvetica World"/>
+                <a:ea typeface="Helvetica World"/>
+                <a:cs typeface="Helvetica World"/>
+                <a:sym typeface="Helvetica World"/>
+              </a:rPr>
+              <a:t>Core Business:</a:t>
+            </a:r>
+          </a:p>
+          <a:p>
+            <a:pPr marL="431801" lvl="1" indent="-215900" algn="just">
+              <a:lnSpc>
+                <a:spcPts val="2800"/>
+              </a:lnSpc>
+              <a:buFont typeface="Arial"/>
+              <a:buChar char="•"/>
+            </a:pPr>
+            <a:r>
+              <a:rPr lang="en-US" sz="2000" spc="-30">
+                <a:solidFill>
+                  <a:srgbClr val="F5F3F3"/>
+                </a:solidFill>
+                <a:latin typeface="Helvetica World"/>
+                <a:ea typeface="Helvetica World"/>
+                <a:cs typeface="Helvetica World"/>
+                <a:sym typeface="Helvetica World"/>
+              </a:rPr>
+              <a:t>rappresentazione della hold;</a:t>
+            </a:r>
+          </a:p>
+          <a:p>
+            <a:pPr marL="431801" lvl="1" indent="-215900" algn="just">
+              <a:lnSpc>
+                <a:spcPts val="2800"/>
+              </a:lnSpc>
+              <a:buFont typeface="Arial"/>
+              <a:buChar char="•"/>
+            </a:pPr>
+            <a:r>
+              <a:rPr lang="en-US" sz="2000" spc="-30">
+                <a:solidFill>
+                  <a:srgbClr val="F5F3F3"/>
+                </a:solidFill>
+                <a:latin typeface="Helvetica World"/>
+                <a:ea typeface="Helvetica World"/>
+                <a:cs typeface="Helvetica World"/>
+                <a:sym typeface="Helvetica World"/>
+              </a:rPr>
+              <a:t>basicrobot, cargorobot;</a:t>
+            </a:r>
+          </a:p>
+          <a:p>
+            <a:pPr marL="431801" lvl="1" indent="-215900" algn="just">
+              <a:lnSpc>
+                <a:spcPts val="2800"/>
+              </a:lnSpc>
+              <a:buFont typeface="Arial"/>
+              <a:buChar char="•"/>
+            </a:pPr>
+            <a:r>
+              <a:rPr lang="en-US" sz="2000" spc="-30">
+                <a:solidFill>
+                  <a:srgbClr val="F5F3F3"/>
+                </a:solidFill>
+                <a:latin typeface="Helvetica World"/>
+                <a:ea typeface="Helvetica World"/>
+                <a:cs typeface="Helvetica World"/>
+                <a:sym typeface="Helvetica World"/>
+              </a:rPr>
+              <a:t>productservice;</a:t>
+            </a:r>
+          </a:p>
+          <a:p>
+            <a:pPr marL="431801" lvl="1" indent="-215900" algn="just">
+              <a:lnSpc>
+                <a:spcPts val="2800"/>
+              </a:lnSpc>
+              <a:buFont typeface="Arial"/>
+              <a:buChar char="•"/>
+            </a:pPr>
+            <a:r>
+              <a:rPr lang="en-US" sz="2000" spc="-30">
+                <a:solidFill>
+                  <a:srgbClr val="F5F3F3"/>
+                </a:solidFill>
+                <a:latin typeface="Helvetica World"/>
+                <a:ea typeface="Helvetica World"/>
+                <a:cs typeface="Helvetica World"/>
+                <a:sym typeface="Helvetica World"/>
+              </a:rPr>
+              <a:t>cargoservice;</a:t>
+            </a:r>
+          </a:p>
+        </p:txBody>
+      </p:sp>
+      <p:sp>
+        <p:nvSpPr>
+          <p:cNvPr id="16" name="TextBox 16"/>
+          <p:cNvSpPr txBox="1"/>
+          <p:nvPr/>
+        </p:nvSpPr>
+        <p:spPr>
+          <a:xfrm>
+            <a:off x="4445067" y="7842250"/>
+            <a:ext cx="775335" cy="358775"/>
+          </a:xfrm>
+          <a:prstGeom prst="rect">
+            <a:avLst/>
+          </a:prstGeom>
+        </p:spPr>
+        <p:txBody>
+          <a:bodyPr lIns="0" tIns="0" rIns="0" bIns="0" rtlCol="0" anchor="t">
+            <a:spAutoFit/>
+          </a:bodyPr>
+          <a:lstStyle/>
+          <a:p>
+            <a:pPr algn="ctr">
+              <a:lnSpc>
+                <a:spcPts val="2800"/>
+              </a:lnSpc>
+              <a:spcBef>
+                <a:spcPct val="0"/>
+              </a:spcBef>
+            </a:pPr>
+            <a:r>
+              <a:rPr lang="en-US" sz="2000" spc="-30">
+                <a:solidFill>
+                  <a:srgbClr val="F5F3F3"/>
+                </a:solidFill>
+                <a:latin typeface="Helvetica World"/>
+                <a:ea typeface="Helvetica World"/>
+                <a:cs typeface="Helvetica World"/>
+                <a:sym typeface="Helvetica World"/>
+              </a:rPr>
+              <a:t>Sprint2</a:t>
+            </a:r>
+          </a:p>
+        </p:txBody>
+      </p:sp>
+      <p:sp>
+        <p:nvSpPr>
+          <p:cNvPr id="17" name="TextBox 17"/>
+          <p:cNvSpPr txBox="1"/>
+          <p:nvPr/>
+        </p:nvSpPr>
+        <p:spPr>
+          <a:xfrm>
+            <a:off x="4445067" y="6378616"/>
+            <a:ext cx="1159550" cy="1063625"/>
+          </a:xfrm>
+          <a:prstGeom prst="rect">
+            <a:avLst/>
+          </a:prstGeom>
+        </p:spPr>
+        <p:txBody>
+          <a:bodyPr lIns="0" tIns="0" rIns="0" bIns="0" rtlCol="0" anchor="t">
+            <a:spAutoFit/>
+          </a:bodyPr>
+          <a:lstStyle/>
+          <a:p>
+            <a:pPr algn="l">
+              <a:lnSpc>
+                <a:spcPts val="2800"/>
+              </a:lnSpc>
+            </a:pPr>
+            <a:r>
+              <a:rPr lang="en-US" sz="2000" spc="-30">
+                <a:solidFill>
+                  <a:srgbClr val="F5F3F3"/>
+                </a:solidFill>
+                <a:latin typeface="Helvetica World"/>
+                <a:ea typeface="Helvetica World"/>
+                <a:cs typeface="Helvetica World"/>
+                <a:sym typeface="Helvetica World"/>
+              </a:rPr>
+              <a:t>Sensor:</a:t>
+            </a:r>
+          </a:p>
+          <a:p>
+            <a:pPr marL="431801" lvl="1" indent="-215900" algn="l">
+              <a:lnSpc>
+                <a:spcPts val="2800"/>
+              </a:lnSpc>
+              <a:buFont typeface="Arial"/>
+              <a:buChar char="•"/>
+            </a:pPr>
+            <a:r>
+              <a:rPr lang="en-US" sz="2000" spc="-30">
+                <a:solidFill>
+                  <a:srgbClr val="F5F3F3"/>
+                </a:solidFill>
+                <a:latin typeface="Helvetica World"/>
+                <a:ea typeface="Helvetica World"/>
+                <a:cs typeface="Helvetica World"/>
+                <a:sym typeface="Helvetica World"/>
+              </a:rPr>
+              <a:t>Sonar;</a:t>
+            </a:r>
+          </a:p>
+          <a:p>
+            <a:pPr marL="431801" lvl="1" indent="-215900" algn="l">
+              <a:lnSpc>
+                <a:spcPts val="2800"/>
+              </a:lnSpc>
+              <a:buFont typeface="Arial"/>
+              <a:buChar char="•"/>
+            </a:pPr>
+            <a:r>
+              <a:rPr lang="en-US" sz="2000" spc="-30">
+                <a:solidFill>
+                  <a:srgbClr val="F5F3F3"/>
+                </a:solidFill>
+                <a:latin typeface="Helvetica World"/>
+                <a:ea typeface="Helvetica World"/>
+                <a:cs typeface="Helvetica World"/>
+                <a:sym typeface="Helvetica World"/>
+              </a:rPr>
+              <a:t>Led;</a:t>
+            </a:r>
+          </a:p>
+        </p:txBody>
+      </p:sp>
+      <p:sp>
+        <p:nvSpPr>
+          <p:cNvPr id="18" name="TextBox 18"/>
+          <p:cNvSpPr txBox="1"/>
+          <p:nvPr/>
+        </p:nvSpPr>
+        <p:spPr>
+          <a:xfrm>
+            <a:off x="8756332" y="7083466"/>
+            <a:ext cx="775335" cy="358775"/>
+          </a:xfrm>
+          <a:prstGeom prst="rect">
+            <a:avLst/>
+          </a:prstGeom>
+        </p:spPr>
+        <p:txBody>
+          <a:bodyPr lIns="0" tIns="0" rIns="0" bIns="0" rtlCol="0" anchor="t">
+            <a:spAutoFit/>
+          </a:bodyPr>
+          <a:lstStyle/>
+          <a:p>
+            <a:pPr algn="r">
+              <a:lnSpc>
+                <a:spcPts val="2800"/>
+              </a:lnSpc>
+            </a:pPr>
+            <a:r>
+              <a:rPr lang="en-US" sz="2000" spc="-30">
+                <a:solidFill>
+                  <a:srgbClr val="F5F3F3"/>
+                </a:solidFill>
+                <a:latin typeface="Helvetica World"/>
+                <a:ea typeface="Helvetica World"/>
+                <a:cs typeface="Helvetica World"/>
+                <a:sym typeface="Helvetica World"/>
+              </a:rPr>
+              <a:t>Sprint3</a:t>
+            </a:r>
+          </a:p>
+        </p:txBody>
+      </p:sp>
+      <p:sp>
+        <p:nvSpPr>
+          <p:cNvPr id="19" name="TextBox 19"/>
+          <p:cNvSpPr txBox="1"/>
+          <p:nvPr/>
+        </p:nvSpPr>
+        <p:spPr>
+          <a:xfrm>
+            <a:off x="8928140" y="7842291"/>
+            <a:ext cx="431721" cy="358775"/>
+          </a:xfrm>
+          <a:prstGeom prst="rect">
+            <a:avLst/>
+          </a:prstGeom>
+        </p:spPr>
+        <p:txBody>
+          <a:bodyPr lIns="0" tIns="0" rIns="0" bIns="0" rtlCol="0" anchor="t">
+            <a:spAutoFit/>
+          </a:bodyPr>
+          <a:lstStyle/>
+          <a:p>
+            <a:pPr algn="ctr">
+              <a:lnSpc>
+                <a:spcPts val="2800"/>
+              </a:lnSpc>
+              <a:spcBef>
+                <a:spcPct val="0"/>
+              </a:spcBef>
+            </a:pPr>
+            <a:r>
+              <a:rPr lang="en-US" sz="2000" spc="-30">
+                <a:solidFill>
+                  <a:srgbClr val="F5F3F3"/>
+                </a:solidFill>
+                <a:latin typeface="Helvetica World"/>
+                <a:ea typeface="Helvetica World"/>
+                <a:cs typeface="Helvetica World"/>
+                <a:sym typeface="Helvetica World"/>
+              </a:rPr>
+              <a:t>GUI</a:t>
+            </a:r>
+          </a:p>
+        </p:txBody>
+      </p:sp>
     </p:spTree>
-    <p:extLst>
-      <p:ext uri="{BB962C8B-B14F-4D97-AF65-F5344CB8AC3E}">
-        <p14:creationId xmlns:p14="http://schemas.microsoft.com/office/powerpoint/2010/main" val="1816651589"/>
-      </p:ext>
-    </p:extLst>
+  </p:cSld>
+  <p:clrMapOvr>
+    <a:masterClrMapping/>
+  </p:clrMapOvr>
+</p:sld>
+</file>
+
+<file path=ppt/slides/slide4.xml><?xml version="1.0" encoding="utf-8"?>
+<p:sld xmlns:a="http://schemas.openxmlformats.org/drawingml/2006/main" xmlns:r="http://schemas.openxmlformats.org/officeDocument/2006/relationships" xmlns:p="http://schemas.openxmlformats.org/presentationml/2006/main">
+  <p:cSld>
+    <p:bg>
+      <p:bgPr>
+        <a:solidFill>
+          <a:srgbClr val="273C4A"/>
+        </a:solidFill>
+        <a:effectLst/>
+      </p:bgPr>
+    </p:bg>
+    <p:spTree>
+      <p:nvGrpSpPr>
+        <p:cNvPr id="1" name=""/>
+        <p:cNvGrpSpPr/>
+        <p:nvPr/>
+      </p:nvGrpSpPr>
+      <p:grpSpPr>
+        <a:xfrm>
+          <a:off x="0" y="0"/>
+          <a:ext cx="0" cy="0"/>
+          <a:chOff x="0" y="0"/>
+          <a:chExt cx="0" cy="0"/>
+        </a:xfrm>
+      </p:grpSpPr>
+      <p:sp>
+        <p:nvSpPr>
+          <p:cNvPr id="2" name="Freeform 2"/>
+          <p:cNvSpPr/>
+          <p:nvPr/>
+        </p:nvSpPr>
+        <p:spPr>
+          <a:xfrm>
+            <a:off x="6715677" y="2445489"/>
+            <a:ext cx="11301259" cy="6130933"/>
+          </a:xfrm>
+          <a:custGeom>
+            <a:avLst/>
+            <a:gdLst/>
+            <a:ahLst/>
+            <a:cxnLst/>
+            <a:rect l="l" t="t" r="r" b="b"/>
+            <a:pathLst>
+              <a:path w="11301259" h="6130933">
+                <a:moveTo>
+                  <a:pt x="0" y="0"/>
+                </a:moveTo>
+                <a:lnTo>
+                  <a:pt x="11301259" y="0"/>
+                </a:lnTo>
+                <a:lnTo>
+                  <a:pt x="11301259" y="6130933"/>
+                </a:lnTo>
+                <a:lnTo>
+                  <a:pt x="0" y="6130933"/>
+                </a:lnTo>
+                <a:lnTo>
+                  <a:pt x="0" y="0"/>
+                </a:lnTo>
+                <a:close/>
+              </a:path>
+            </a:pathLst>
+          </a:custGeom>
+          <a:blipFill>
+            <a:blip r:embed="rId2"/>
+            <a:stretch>
+              <a:fillRect/>
+            </a:stretch>
+          </a:blipFill>
+        </p:spPr>
+        <p:txBody>
+          <a:bodyPr/>
+          <a:lstStyle/>
+          <a:p>
+            <a:endParaRPr lang="it-IT"/>
+          </a:p>
+        </p:txBody>
+      </p:sp>
+      <p:sp>
+        <p:nvSpPr>
+          <p:cNvPr id="3" name="TextBox 3"/>
+          <p:cNvSpPr txBox="1"/>
+          <p:nvPr/>
+        </p:nvSpPr>
+        <p:spPr>
+          <a:xfrm>
+            <a:off x="666750" y="809625"/>
+            <a:ext cx="6886575" cy="1069976"/>
+          </a:xfrm>
+          <a:prstGeom prst="rect">
+            <a:avLst/>
+          </a:prstGeom>
+        </p:spPr>
+        <p:txBody>
+          <a:bodyPr lIns="0" tIns="0" rIns="0" bIns="0" rtlCol="0" anchor="t">
+            <a:spAutoFit/>
+          </a:bodyPr>
+          <a:lstStyle/>
+          <a:p>
+            <a:pPr marL="0" lvl="0" indent="0" algn="l">
+              <a:lnSpc>
+                <a:spcPts val="8000"/>
+              </a:lnSpc>
+              <a:spcBef>
+                <a:spcPct val="0"/>
+              </a:spcBef>
+            </a:pPr>
+            <a:r>
+              <a:rPr lang="en-US" sz="8000" u="none" strike="noStrike">
+                <a:solidFill>
+                  <a:srgbClr val="F5F3F3"/>
+                </a:solidFill>
+                <a:latin typeface="Georgia Pro Condensed"/>
+                <a:ea typeface="Georgia Pro Condensed"/>
+                <a:cs typeface="Georgia Pro Condensed"/>
+                <a:sym typeface="Georgia Pro Condensed"/>
+              </a:rPr>
+              <a:t>Sprint 1</a:t>
+            </a:r>
+          </a:p>
+        </p:txBody>
+      </p:sp>
+      <p:sp>
+        <p:nvSpPr>
+          <p:cNvPr id="4" name="TextBox 4"/>
+          <p:cNvSpPr txBox="1"/>
+          <p:nvPr/>
+        </p:nvSpPr>
+        <p:spPr>
+          <a:xfrm>
+            <a:off x="666750" y="2331189"/>
+            <a:ext cx="6048927" cy="6524625"/>
+          </a:xfrm>
+          <a:prstGeom prst="rect">
+            <a:avLst/>
+          </a:prstGeom>
+        </p:spPr>
+        <p:txBody>
+          <a:bodyPr lIns="0" tIns="0" rIns="0" bIns="0" rtlCol="0" anchor="t">
+            <a:spAutoFit/>
+          </a:bodyPr>
+          <a:lstStyle/>
+          <a:p>
+            <a:pPr algn="l">
+              <a:lnSpc>
+                <a:spcPts val="7000"/>
+              </a:lnSpc>
+            </a:pPr>
+            <a:r>
+              <a:rPr lang="en-US" sz="5000" spc="-75">
+                <a:solidFill>
+                  <a:srgbClr val="F5F3F3"/>
+                </a:solidFill>
+                <a:latin typeface="Georgia Pro Condensed"/>
+                <a:ea typeface="Georgia Pro Condensed"/>
+                <a:cs typeface="Georgia Pro Condensed"/>
+                <a:sym typeface="Georgia Pro Condensed"/>
+              </a:rPr>
+              <a:t>Punti chiave:</a:t>
+            </a:r>
+          </a:p>
+          <a:p>
+            <a:pPr marL="863599" lvl="1" indent="-431800" algn="l">
+              <a:lnSpc>
+                <a:spcPts val="5599"/>
+              </a:lnSpc>
+              <a:buFont typeface="Arial"/>
+              <a:buChar char="•"/>
+            </a:pPr>
+            <a:r>
+              <a:rPr lang="en-US" sz="3999" spc="-59">
+                <a:solidFill>
+                  <a:srgbClr val="F5F3F3"/>
+                </a:solidFill>
+                <a:latin typeface="Georgia Pro Condensed"/>
+                <a:ea typeface="Georgia Pro Condensed"/>
+                <a:cs typeface="Georgia Pro Condensed"/>
+                <a:sym typeface="Georgia Pro Condensed"/>
+              </a:rPr>
+              <a:t>Rappresentazione della hold;</a:t>
+            </a:r>
+          </a:p>
+          <a:p>
+            <a:pPr marL="863599" lvl="1" indent="-431800" algn="l">
+              <a:lnSpc>
+                <a:spcPts val="5599"/>
+              </a:lnSpc>
+              <a:buFont typeface="Arial"/>
+              <a:buChar char="•"/>
+            </a:pPr>
+            <a:r>
+              <a:rPr lang="en-US" sz="3999" spc="-59">
+                <a:solidFill>
+                  <a:srgbClr val="F5F3F3"/>
+                </a:solidFill>
+                <a:latin typeface="Georgia Pro Condensed"/>
+                <a:ea typeface="Georgia Pro Condensed"/>
+                <a:cs typeface="Georgia Pro Condensed"/>
+                <a:sym typeface="Georgia Pro Condensed"/>
+              </a:rPr>
+              <a:t>Movimento basicrobot;</a:t>
+            </a:r>
+          </a:p>
+          <a:p>
+            <a:pPr marL="863599" lvl="1" indent="-431800" algn="l">
+              <a:lnSpc>
+                <a:spcPts val="5599"/>
+              </a:lnSpc>
+              <a:buFont typeface="Arial"/>
+              <a:buChar char="•"/>
+            </a:pPr>
+            <a:r>
+              <a:rPr lang="en-US" sz="3999" spc="-59">
+                <a:solidFill>
+                  <a:srgbClr val="F5F3F3"/>
+                </a:solidFill>
+                <a:latin typeface="Georgia Pro Condensed"/>
+                <a:ea typeface="Georgia Pro Condensed"/>
+                <a:cs typeface="Georgia Pro Condensed"/>
+                <a:sym typeface="Georgia Pro Condensed"/>
+              </a:rPr>
+              <a:t>Posizioni rilevanti;</a:t>
+            </a:r>
+          </a:p>
+          <a:p>
+            <a:pPr marL="863599" lvl="1" indent="-431800" algn="l">
+              <a:lnSpc>
+                <a:spcPts val="5599"/>
+              </a:lnSpc>
+              <a:buFont typeface="Arial"/>
+              <a:buChar char="•"/>
+            </a:pPr>
+            <a:r>
+              <a:rPr lang="en-US" sz="3999" spc="-59">
+                <a:solidFill>
+                  <a:srgbClr val="F5F3F3"/>
+                </a:solidFill>
+                <a:latin typeface="Georgia Pro Condensed"/>
+                <a:ea typeface="Georgia Pro Condensed"/>
+                <a:cs typeface="Georgia Pro Condensed"/>
+                <a:sym typeface="Georgia Pro Condensed"/>
+              </a:rPr>
+              <a:t>Productservice e gestione hold;</a:t>
+            </a:r>
+          </a:p>
+          <a:p>
+            <a:pPr marL="863599" lvl="1" indent="-431800" algn="l">
+              <a:lnSpc>
+                <a:spcPts val="5599"/>
+              </a:lnSpc>
+              <a:buFont typeface="Arial"/>
+              <a:buChar char="•"/>
+            </a:pPr>
+            <a:r>
+              <a:rPr lang="en-US" sz="3999" spc="-59">
+                <a:solidFill>
+                  <a:srgbClr val="F5F3F3"/>
+                </a:solidFill>
+                <a:latin typeface="Georgia Pro Condensed"/>
+                <a:ea typeface="Georgia Pro Condensed"/>
+                <a:cs typeface="Georgia Pro Condensed"/>
+                <a:sym typeface="Georgia Pro Condensed"/>
+              </a:rPr>
+              <a:t>Test;</a:t>
+            </a:r>
+          </a:p>
+          <a:p>
+            <a:pPr marL="0" lvl="0" indent="0" algn="l">
+              <a:lnSpc>
+                <a:spcPts val="5599"/>
+              </a:lnSpc>
+            </a:pPr>
+            <a:endParaRPr lang="en-US" sz="3999" spc="-59">
+              <a:solidFill>
+                <a:srgbClr val="F5F3F3"/>
+              </a:solidFill>
+              <a:latin typeface="Georgia Pro Condensed"/>
+              <a:ea typeface="Georgia Pro Condensed"/>
+              <a:cs typeface="Georgia Pro Condensed"/>
+              <a:sym typeface="Georgia Pro Condensed"/>
+            </a:endParaRPr>
+          </a:p>
+        </p:txBody>
+      </p:sp>
+    </p:spTree>
+  </p:cSld>
+  <p:clrMapOvr>
+    <a:masterClrMapping/>
+  </p:clrMapOvr>
+</p:sld>
+</file>
+
+<file path=ppt/slides/slide5.xml><?xml version="1.0" encoding="utf-8"?>
+<p:sld xmlns:a="http://schemas.openxmlformats.org/drawingml/2006/main" xmlns:r="http://schemas.openxmlformats.org/officeDocument/2006/relationships" xmlns:p="http://schemas.openxmlformats.org/presentationml/2006/main">
+  <p:cSld>
+    <p:bg>
+      <p:bgPr>
+        <a:solidFill>
+          <a:srgbClr val="273C4A"/>
+        </a:solidFill>
+        <a:effectLst/>
+      </p:bgPr>
+    </p:bg>
+    <p:spTree>
+      <p:nvGrpSpPr>
+        <p:cNvPr id="1" name=""/>
+        <p:cNvGrpSpPr/>
+        <p:nvPr/>
+      </p:nvGrpSpPr>
+      <p:grpSpPr>
+        <a:xfrm>
+          <a:off x="0" y="0"/>
+          <a:ext cx="0" cy="0"/>
+          <a:chOff x="0" y="0"/>
+          <a:chExt cx="0" cy="0"/>
+        </a:xfrm>
+      </p:grpSpPr>
+      <p:sp>
+        <p:nvSpPr>
+          <p:cNvPr id="2" name="Freeform 2"/>
+          <p:cNvSpPr/>
+          <p:nvPr/>
+        </p:nvSpPr>
+        <p:spPr>
+          <a:xfrm>
+            <a:off x="6326275" y="1676400"/>
+            <a:ext cx="11670949" cy="7381875"/>
+          </a:xfrm>
+          <a:custGeom>
+            <a:avLst/>
+            <a:gdLst/>
+            <a:ahLst/>
+            <a:cxnLst/>
+            <a:rect l="l" t="t" r="r" b="b"/>
+            <a:pathLst>
+              <a:path w="11670949" h="7381875">
+                <a:moveTo>
+                  <a:pt x="0" y="0"/>
+                </a:moveTo>
+                <a:lnTo>
+                  <a:pt x="11670949" y="0"/>
+                </a:lnTo>
+                <a:lnTo>
+                  <a:pt x="11670949" y="7381875"/>
+                </a:lnTo>
+                <a:lnTo>
+                  <a:pt x="0" y="7381875"/>
+                </a:lnTo>
+                <a:lnTo>
+                  <a:pt x="0" y="0"/>
+                </a:lnTo>
+                <a:close/>
+              </a:path>
+            </a:pathLst>
+          </a:custGeom>
+          <a:blipFill>
+            <a:blip r:embed="rId2"/>
+            <a:stretch>
+              <a:fillRect/>
+            </a:stretch>
+          </a:blipFill>
+        </p:spPr>
+        <p:txBody>
+          <a:bodyPr/>
+          <a:lstStyle/>
+          <a:p>
+            <a:endParaRPr lang="it-IT"/>
+          </a:p>
+        </p:txBody>
+      </p:sp>
+      <p:sp>
+        <p:nvSpPr>
+          <p:cNvPr id="3" name="TextBox 3"/>
+          <p:cNvSpPr txBox="1"/>
+          <p:nvPr/>
+        </p:nvSpPr>
+        <p:spPr>
+          <a:xfrm>
+            <a:off x="666750" y="809625"/>
+            <a:ext cx="6886575" cy="1069976"/>
+          </a:xfrm>
+          <a:prstGeom prst="rect">
+            <a:avLst/>
+          </a:prstGeom>
+        </p:spPr>
+        <p:txBody>
+          <a:bodyPr lIns="0" tIns="0" rIns="0" bIns="0" rtlCol="0" anchor="t">
+            <a:spAutoFit/>
+          </a:bodyPr>
+          <a:lstStyle/>
+          <a:p>
+            <a:pPr marL="0" lvl="0" indent="0" algn="l">
+              <a:lnSpc>
+                <a:spcPts val="8000"/>
+              </a:lnSpc>
+              <a:spcBef>
+                <a:spcPct val="0"/>
+              </a:spcBef>
+            </a:pPr>
+            <a:r>
+              <a:rPr lang="en-US" sz="8000" u="none" strike="noStrike">
+                <a:solidFill>
+                  <a:srgbClr val="F5F3F3"/>
+                </a:solidFill>
+                <a:latin typeface="Georgia Pro Condensed"/>
+                <a:ea typeface="Georgia Pro Condensed"/>
+                <a:cs typeface="Georgia Pro Condensed"/>
+                <a:sym typeface="Georgia Pro Condensed"/>
+              </a:rPr>
+              <a:t>Sprint 2</a:t>
+            </a:r>
+          </a:p>
+        </p:txBody>
+      </p:sp>
+      <p:sp>
+        <p:nvSpPr>
+          <p:cNvPr id="4" name="TextBox 4"/>
+          <p:cNvSpPr txBox="1"/>
+          <p:nvPr/>
+        </p:nvSpPr>
+        <p:spPr>
+          <a:xfrm>
+            <a:off x="666749" y="2476500"/>
+            <a:ext cx="6886575" cy="5114925"/>
+          </a:xfrm>
+          <a:prstGeom prst="rect">
+            <a:avLst/>
+          </a:prstGeom>
+        </p:spPr>
+        <p:txBody>
+          <a:bodyPr lIns="0" tIns="0" rIns="0" bIns="0" rtlCol="0" anchor="t">
+            <a:spAutoFit/>
+          </a:bodyPr>
+          <a:lstStyle/>
+          <a:p>
+            <a:pPr algn="l">
+              <a:lnSpc>
+                <a:spcPts val="7000"/>
+              </a:lnSpc>
+            </a:pPr>
+            <a:r>
+              <a:rPr lang="en-US" sz="5000" spc="-75" dirty="0" err="1">
+                <a:solidFill>
+                  <a:srgbClr val="F5F3F3"/>
+                </a:solidFill>
+                <a:latin typeface="Georgia Pro Condensed"/>
+                <a:ea typeface="Georgia Pro Condensed"/>
+                <a:cs typeface="Georgia Pro Condensed"/>
+                <a:sym typeface="Georgia Pro Condensed"/>
+              </a:rPr>
+              <a:t>Punti</a:t>
+            </a:r>
+            <a:r>
+              <a:rPr lang="en-US" sz="5000" spc="-75" dirty="0">
+                <a:solidFill>
+                  <a:srgbClr val="F5F3F3"/>
+                </a:solidFill>
+                <a:latin typeface="Georgia Pro Condensed"/>
+                <a:ea typeface="Georgia Pro Condensed"/>
+                <a:cs typeface="Georgia Pro Condensed"/>
+                <a:sym typeface="Georgia Pro Condensed"/>
+              </a:rPr>
+              <a:t> </a:t>
+            </a:r>
+            <a:r>
+              <a:rPr lang="en-US" sz="5000" spc="-75" dirty="0" err="1">
+                <a:solidFill>
+                  <a:srgbClr val="F5F3F3"/>
+                </a:solidFill>
+                <a:latin typeface="Georgia Pro Condensed"/>
+                <a:ea typeface="Georgia Pro Condensed"/>
+                <a:cs typeface="Georgia Pro Condensed"/>
+                <a:sym typeface="Georgia Pro Condensed"/>
+              </a:rPr>
+              <a:t>chiave</a:t>
+            </a:r>
+            <a:r>
+              <a:rPr lang="en-US" sz="5000" spc="-75" dirty="0">
+                <a:solidFill>
+                  <a:srgbClr val="F5F3F3"/>
+                </a:solidFill>
+                <a:latin typeface="Georgia Pro Condensed"/>
+                <a:ea typeface="Georgia Pro Condensed"/>
+                <a:cs typeface="Georgia Pro Condensed"/>
+                <a:sym typeface="Georgia Pro Condensed"/>
+              </a:rPr>
+              <a:t>:</a:t>
+            </a:r>
+          </a:p>
+          <a:p>
+            <a:pPr marL="863599" lvl="1" indent="-431800" algn="l">
+              <a:lnSpc>
+                <a:spcPts val="5599"/>
+              </a:lnSpc>
+              <a:buFont typeface="Arial"/>
+              <a:buChar char="•"/>
+            </a:pPr>
+            <a:r>
+              <a:rPr lang="en-US" sz="3999" spc="-59" dirty="0" err="1">
+                <a:solidFill>
+                  <a:srgbClr val="F5F3F3"/>
+                </a:solidFill>
+                <a:latin typeface="Georgia Pro Condensed"/>
+                <a:ea typeface="Georgia Pro Condensed"/>
+                <a:cs typeface="Georgia Pro Condensed"/>
+                <a:sym typeface="Georgia Pro Condensed"/>
+              </a:rPr>
+              <a:t>Modellazione</a:t>
+            </a:r>
+            <a:r>
+              <a:rPr lang="en-US" sz="3999" spc="-59" dirty="0">
+                <a:solidFill>
+                  <a:srgbClr val="F5F3F3"/>
+                </a:solidFill>
+                <a:latin typeface="Georgia Pro Condensed"/>
+                <a:ea typeface="Georgia Pro Condensed"/>
+                <a:cs typeface="Georgia Pro Condensed"/>
+                <a:sym typeface="Georgia Pro Condensed"/>
+              </a:rPr>
+              <a:t> Sensor;</a:t>
+            </a:r>
+          </a:p>
+          <a:p>
+            <a:pPr marL="863599" lvl="1" indent="-431800" algn="l">
+              <a:lnSpc>
+                <a:spcPts val="5599"/>
+              </a:lnSpc>
+              <a:buFont typeface="Arial"/>
+              <a:buChar char="•"/>
+            </a:pPr>
+            <a:r>
+              <a:rPr lang="en-US" sz="3999" spc="-59" dirty="0">
+                <a:solidFill>
+                  <a:srgbClr val="F5F3F3"/>
+                </a:solidFill>
+                <a:latin typeface="Georgia Pro Condensed"/>
+                <a:ea typeface="Georgia Pro Condensed"/>
+                <a:cs typeface="Georgia Pro Condensed"/>
+                <a:sym typeface="Georgia Pro Condensed"/>
+              </a:rPr>
+              <a:t>Sonar;</a:t>
+            </a:r>
+          </a:p>
+          <a:p>
+            <a:pPr marL="863599" lvl="1" indent="-431800" algn="l">
+              <a:lnSpc>
+                <a:spcPts val="5599"/>
+              </a:lnSpc>
+              <a:buFont typeface="Arial"/>
+              <a:buChar char="•"/>
+            </a:pPr>
+            <a:r>
+              <a:rPr lang="en-US" sz="3999" spc="-59" dirty="0">
+                <a:solidFill>
+                  <a:srgbClr val="F5F3F3"/>
+                </a:solidFill>
+                <a:latin typeface="Georgia Pro Condensed"/>
+                <a:ea typeface="Georgia Pro Condensed"/>
+                <a:cs typeface="Georgia Pro Condensed"/>
+                <a:sym typeface="Georgia Pro Condensed"/>
+              </a:rPr>
+              <a:t>Led;</a:t>
+            </a:r>
+          </a:p>
+          <a:p>
+            <a:pPr marL="863599" lvl="1" indent="-431800" algn="l">
+              <a:lnSpc>
+                <a:spcPts val="5599"/>
+              </a:lnSpc>
+              <a:buFont typeface="Arial"/>
+              <a:buChar char="•"/>
+            </a:pPr>
+            <a:r>
+              <a:rPr lang="en-US" sz="3999" spc="-59" dirty="0">
+                <a:solidFill>
+                  <a:srgbClr val="F5F3F3"/>
+                </a:solidFill>
+                <a:latin typeface="Georgia Pro Condensed"/>
+                <a:ea typeface="Georgia Pro Condensed"/>
+                <a:cs typeface="Georgia Pro Condensed"/>
+                <a:sym typeface="Georgia Pro Condensed"/>
+              </a:rPr>
+              <a:t>Test;</a:t>
+            </a:r>
+          </a:p>
+          <a:p>
+            <a:pPr marL="863599" lvl="1" indent="-431800" algn="l">
+              <a:lnSpc>
+                <a:spcPts val="5599"/>
+              </a:lnSpc>
+              <a:buFont typeface="Arial"/>
+              <a:buChar char="•"/>
+            </a:pPr>
+            <a:r>
+              <a:rPr lang="en-US" sz="3999" spc="-59" dirty="0">
+                <a:solidFill>
+                  <a:srgbClr val="F5F3F3"/>
+                </a:solidFill>
+                <a:latin typeface="Georgia Pro Condensed"/>
+                <a:ea typeface="Georgia Pro Condensed"/>
+                <a:cs typeface="Georgia Pro Condensed"/>
+                <a:sym typeface="Georgia Pro Condensed"/>
+              </a:rPr>
+              <a:t>Deployment;</a:t>
+            </a:r>
+          </a:p>
+          <a:p>
+            <a:pPr marL="0" lvl="0" indent="0" algn="l">
+              <a:lnSpc>
+                <a:spcPts val="5599"/>
+              </a:lnSpc>
+            </a:pPr>
+            <a:endParaRPr lang="en-US" sz="3999" spc="-59" dirty="0">
+              <a:solidFill>
+                <a:srgbClr val="F5F3F3"/>
+              </a:solidFill>
+              <a:latin typeface="Georgia Pro Condensed"/>
+              <a:ea typeface="Georgia Pro Condensed"/>
+              <a:cs typeface="Georgia Pro Condensed"/>
+              <a:sym typeface="Georgia Pro Condensed"/>
+            </a:endParaRPr>
+          </a:p>
+        </p:txBody>
+      </p:sp>
+    </p:spTree>
+  </p:cSld>
+  <p:clrMapOvr>
+    <a:masterClrMapping/>
+  </p:clrMapOvr>
+</p:sld>
+</file>
+
+<file path=ppt/slides/slide6.xml><?xml version="1.0" encoding="utf-8"?>
+<p:sld xmlns:a="http://schemas.openxmlformats.org/drawingml/2006/main" xmlns:r="http://schemas.openxmlformats.org/officeDocument/2006/relationships" xmlns:p="http://schemas.openxmlformats.org/presentationml/2006/main">
+  <p:cSld>
+    <p:bg>
+      <p:bgPr>
+        <a:solidFill>
+          <a:srgbClr val="273C4A"/>
+        </a:solidFill>
+        <a:effectLst/>
+      </p:bgPr>
+    </p:bg>
+    <p:spTree>
+      <p:nvGrpSpPr>
+        <p:cNvPr id="1" name=""/>
+        <p:cNvGrpSpPr/>
+        <p:nvPr/>
+      </p:nvGrpSpPr>
+      <p:grpSpPr>
+        <a:xfrm>
+          <a:off x="0" y="0"/>
+          <a:ext cx="0" cy="0"/>
+          <a:chOff x="0" y="0"/>
+          <a:chExt cx="0" cy="0"/>
+        </a:xfrm>
+      </p:grpSpPr>
+      <p:grpSp>
+        <p:nvGrpSpPr>
+          <p:cNvPr id="2" name="Group 2"/>
+          <p:cNvGrpSpPr/>
+          <p:nvPr/>
+        </p:nvGrpSpPr>
+        <p:grpSpPr>
+          <a:xfrm>
+            <a:off x="9296400" y="0"/>
+            <a:ext cx="8991600" cy="3352800"/>
+            <a:chOff x="0" y="0"/>
+            <a:chExt cx="2368158" cy="883042"/>
+          </a:xfrm>
+        </p:grpSpPr>
+        <p:sp>
+          <p:nvSpPr>
+            <p:cNvPr id="3" name="Freeform 3"/>
+            <p:cNvSpPr/>
+            <p:nvPr/>
+          </p:nvSpPr>
+          <p:spPr>
+            <a:xfrm>
+              <a:off x="0" y="0"/>
+              <a:ext cx="2368158" cy="883042"/>
+            </a:xfrm>
+            <a:custGeom>
+              <a:avLst/>
+              <a:gdLst/>
+              <a:ahLst/>
+              <a:cxnLst/>
+              <a:rect l="l" t="t" r="r" b="b"/>
+              <a:pathLst>
+                <a:path w="2368158" h="883042">
+                  <a:moveTo>
+                    <a:pt x="0" y="0"/>
+                  </a:moveTo>
+                  <a:lnTo>
+                    <a:pt x="2368158" y="0"/>
+                  </a:lnTo>
+                  <a:lnTo>
+                    <a:pt x="2368158" y="883042"/>
+                  </a:lnTo>
+                  <a:lnTo>
+                    <a:pt x="0" y="883042"/>
+                  </a:lnTo>
+                  <a:close/>
+                </a:path>
+              </a:pathLst>
+            </a:custGeom>
+            <a:solidFill>
+              <a:srgbClr val="273C4A"/>
+            </a:solidFill>
+          </p:spPr>
+          <p:txBody>
+            <a:bodyPr/>
+            <a:lstStyle/>
+            <a:p>
+              <a:endParaRPr lang="it-IT"/>
+            </a:p>
+          </p:txBody>
+        </p:sp>
+        <p:sp>
+          <p:nvSpPr>
+            <p:cNvPr id="4" name="TextBox 4"/>
+            <p:cNvSpPr txBox="1"/>
+            <p:nvPr/>
+          </p:nvSpPr>
+          <p:spPr>
+            <a:xfrm>
+              <a:off x="0" y="-57150"/>
+              <a:ext cx="2368158" cy="940192"/>
+            </a:xfrm>
+            <a:prstGeom prst="rect">
+              <a:avLst/>
+            </a:prstGeom>
+          </p:spPr>
+          <p:txBody>
+            <a:bodyPr lIns="50800" tIns="50800" rIns="50800" bIns="50800" rtlCol="0" anchor="ctr"/>
+            <a:lstStyle/>
+            <a:p>
+              <a:pPr algn="ctr">
+                <a:lnSpc>
+                  <a:spcPts val="2800"/>
+                </a:lnSpc>
+              </a:pPr>
+              <a:endParaRPr/>
+            </a:p>
+          </p:txBody>
+        </p:sp>
+      </p:grpSp>
+      <p:sp>
+        <p:nvSpPr>
+          <p:cNvPr id="5" name="Freeform 5"/>
+          <p:cNvSpPr/>
+          <p:nvPr/>
+        </p:nvSpPr>
+        <p:spPr>
+          <a:xfrm>
+            <a:off x="6067662" y="690455"/>
+            <a:ext cx="11273532" cy="8906091"/>
+          </a:xfrm>
+          <a:custGeom>
+            <a:avLst/>
+            <a:gdLst/>
+            <a:ahLst/>
+            <a:cxnLst/>
+            <a:rect l="l" t="t" r="r" b="b"/>
+            <a:pathLst>
+              <a:path w="11273532" h="8906091">
+                <a:moveTo>
+                  <a:pt x="0" y="0"/>
+                </a:moveTo>
+                <a:lnTo>
+                  <a:pt x="11273533" y="0"/>
+                </a:lnTo>
+                <a:lnTo>
+                  <a:pt x="11273533" y="8906090"/>
+                </a:lnTo>
+                <a:lnTo>
+                  <a:pt x="0" y="8906090"/>
+                </a:lnTo>
+                <a:lnTo>
+                  <a:pt x="0" y="0"/>
+                </a:lnTo>
+                <a:close/>
+              </a:path>
+            </a:pathLst>
+          </a:custGeom>
+          <a:blipFill>
+            <a:blip r:embed="rId2"/>
+            <a:stretch>
+              <a:fillRect/>
+            </a:stretch>
+          </a:blipFill>
+        </p:spPr>
+        <p:txBody>
+          <a:bodyPr/>
+          <a:lstStyle/>
+          <a:p>
+            <a:endParaRPr lang="it-IT"/>
+          </a:p>
+        </p:txBody>
+      </p:sp>
+      <p:sp>
+        <p:nvSpPr>
+          <p:cNvPr id="6" name="TextBox 6"/>
+          <p:cNvSpPr txBox="1"/>
+          <p:nvPr/>
+        </p:nvSpPr>
+        <p:spPr>
+          <a:xfrm>
+            <a:off x="666750" y="809625"/>
+            <a:ext cx="6886575" cy="1069976"/>
+          </a:xfrm>
+          <a:prstGeom prst="rect">
+            <a:avLst/>
+          </a:prstGeom>
+        </p:spPr>
+        <p:txBody>
+          <a:bodyPr lIns="0" tIns="0" rIns="0" bIns="0" rtlCol="0" anchor="t">
+            <a:spAutoFit/>
+          </a:bodyPr>
+          <a:lstStyle/>
+          <a:p>
+            <a:pPr marL="0" lvl="0" indent="0" algn="l">
+              <a:lnSpc>
+                <a:spcPts val="8000"/>
+              </a:lnSpc>
+              <a:spcBef>
+                <a:spcPct val="0"/>
+              </a:spcBef>
+            </a:pPr>
+            <a:r>
+              <a:rPr lang="en-US" sz="8000" u="none" strike="noStrike">
+                <a:solidFill>
+                  <a:srgbClr val="F5F3F3"/>
+                </a:solidFill>
+                <a:latin typeface="Georgia Pro Condensed"/>
+                <a:ea typeface="Georgia Pro Condensed"/>
+                <a:cs typeface="Georgia Pro Condensed"/>
+                <a:sym typeface="Georgia Pro Condensed"/>
+              </a:rPr>
+              <a:t>Sprint 3</a:t>
+            </a:r>
+          </a:p>
+        </p:txBody>
+      </p:sp>
+      <p:sp>
+        <p:nvSpPr>
+          <p:cNvPr id="7" name="TextBox 7"/>
+          <p:cNvSpPr txBox="1"/>
+          <p:nvPr/>
+        </p:nvSpPr>
+        <p:spPr>
+          <a:xfrm>
+            <a:off x="666750" y="2533650"/>
+            <a:ext cx="5400912" cy="5819775"/>
+          </a:xfrm>
+          <a:prstGeom prst="rect">
+            <a:avLst/>
+          </a:prstGeom>
+        </p:spPr>
+        <p:txBody>
+          <a:bodyPr lIns="0" tIns="0" rIns="0" bIns="0" rtlCol="0" anchor="t">
+            <a:spAutoFit/>
+          </a:bodyPr>
+          <a:lstStyle/>
+          <a:p>
+            <a:pPr algn="l">
+              <a:lnSpc>
+                <a:spcPts val="7000"/>
+              </a:lnSpc>
+            </a:pPr>
+            <a:r>
+              <a:rPr lang="en-US" sz="5000" spc="-75">
+                <a:solidFill>
+                  <a:srgbClr val="F5F3F3"/>
+                </a:solidFill>
+                <a:latin typeface="Georgia Pro Condensed"/>
+                <a:ea typeface="Georgia Pro Condensed"/>
+                <a:cs typeface="Georgia Pro Condensed"/>
+                <a:sym typeface="Georgia Pro Condensed"/>
+              </a:rPr>
+              <a:t>Punti chiave:</a:t>
+            </a:r>
+          </a:p>
+          <a:p>
+            <a:pPr marL="863599" lvl="1" indent="-431800" algn="l">
+              <a:lnSpc>
+                <a:spcPts val="5599"/>
+              </a:lnSpc>
+              <a:buFont typeface="Arial"/>
+              <a:buChar char="•"/>
+            </a:pPr>
+            <a:r>
+              <a:rPr lang="en-US" sz="3999" spc="-59">
+                <a:solidFill>
+                  <a:srgbClr val="F5F3F3"/>
+                </a:solidFill>
+                <a:latin typeface="Georgia Pro Condensed"/>
+                <a:ea typeface="Georgia Pro Condensed"/>
+                <a:cs typeface="Georgia Pro Condensed"/>
+                <a:sym typeface="Georgia Pro Condensed"/>
+              </a:rPr>
+              <a:t>Modellazione GUI;</a:t>
+            </a:r>
+          </a:p>
+          <a:p>
+            <a:pPr marL="863599" lvl="1" indent="-431800" algn="l">
+              <a:lnSpc>
+                <a:spcPts val="5599"/>
+              </a:lnSpc>
+              <a:buFont typeface="Arial"/>
+              <a:buChar char="•"/>
+            </a:pPr>
+            <a:r>
+              <a:rPr lang="en-US" sz="3999" spc="-59">
+                <a:solidFill>
+                  <a:srgbClr val="F5F3F3"/>
+                </a:solidFill>
+                <a:latin typeface="Georgia Pro Condensed"/>
+                <a:ea typeface="Georgia Pro Condensed"/>
+                <a:cs typeface="Georgia Pro Condensed"/>
+                <a:sym typeface="Georgia Pro Condensed"/>
+              </a:rPr>
+              <a:t>Estrazione stato hold;</a:t>
+            </a:r>
+          </a:p>
+          <a:p>
+            <a:pPr marL="863599" lvl="1" indent="-431800" algn="l">
+              <a:lnSpc>
+                <a:spcPts val="5599"/>
+              </a:lnSpc>
+              <a:buFont typeface="Arial"/>
+              <a:buChar char="•"/>
+            </a:pPr>
+            <a:r>
+              <a:rPr lang="en-US" sz="3999" spc="-59">
+                <a:solidFill>
+                  <a:srgbClr val="F5F3F3"/>
+                </a:solidFill>
+                <a:latin typeface="Georgia Pro Condensed"/>
+                <a:ea typeface="Georgia Pro Condensed"/>
+                <a:cs typeface="Georgia Pro Condensed"/>
+                <a:sym typeface="Georgia Pro Condensed"/>
+              </a:rPr>
+              <a:t>Visualizzazione stato hold;</a:t>
+            </a:r>
+          </a:p>
+          <a:p>
+            <a:pPr marL="863599" lvl="1" indent="-431800" algn="l">
+              <a:lnSpc>
+                <a:spcPts val="5599"/>
+              </a:lnSpc>
+              <a:buFont typeface="Arial"/>
+              <a:buChar char="•"/>
+            </a:pPr>
+            <a:r>
+              <a:rPr lang="en-US" sz="3999" spc="-59">
+                <a:solidFill>
+                  <a:srgbClr val="F5F3F3"/>
+                </a:solidFill>
+                <a:latin typeface="Georgia Pro Condensed"/>
+                <a:ea typeface="Georgia Pro Condensed"/>
+                <a:cs typeface="Georgia Pro Condensed"/>
+                <a:sym typeface="Georgia Pro Condensed"/>
+              </a:rPr>
+              <a:t>Test;</a:t>
+            </a:r>
+          </a:p>
+          <a:p>
+            <a:pPr marL="863599" lvl="1" indent="-431800" algn="l">
+              <a:lnSpc>
+                <a:spcPts val="5599"/>
+              </a:lnSpc>
+              <a:buFont typeface="Arial"/>
+              <a:buChar char="•"/>
+            </a:pPr>
+            <a:r>
+              <a:rPr lang="en-US" sz="3999" spc="-59">
+                <a:solidFill>
+                  <a:srgbClr val="F5F3F3"/>
+                </a:solidFill>
+                <a:latin typeface="Georgia Pro Condensed"/>
+                <a:ea typeface="Georgia Pro Condensed"/>
+                <a:cs typeface="Georgia Pro Condensed"/>
+                <a:sym typeface="Georgia Pro Condensed"/>
+              </a:rPr>
+              <a:t>Deployment;</a:t>
+            </a:r>
+          </a:p>
+          <a:p>
+            <a:pPr marL="0" lvl="0" indent="0" algn="l">
+              <a:lnSpc>
+                <a:spcPts val="5599"/>
+              </a:lnSpc>
+            </a:pPr>
+            <a:endParaRPr lang="en-US" sz="3999" spc="-59">
+              <a:solidFill>
+                <a:srgbClr val="F5F3F3"/>
+              </a:solidFill>
+              <a:latin typeface="Georgia Pro Condensed"/>
+              <a:ea typeface="Georgia Pro Condensed"/>
+              <a:cs typeface="Georgia Pro Condensed"/>
+              <a:sym typeface="Georgia Pro Condensed"/>
+            </a:endParaRPr>
+          </a:p>
+        </p:txBody>
+      </p:sp>
+    </p:spTree>
+  </p:cSld>
+  <p:clrMapOvr>
+    <a:masterClrMapping/>
+  </p:clrMapOvr>
+</p:sld>
+</file>
+
+<file path=ppt/slides/slide7.xml><?xml version="1.0" encoding="utf-8"?>
+<p:sld xmlns:a="http://schemas.openxmlformats.org/drawingml/2006/main" xmlns:r="http://schemas.openxmlformats.org/officeDocument/2006/relationships" xmlns:p="http://schemas.openxmlformats.org/presentationml/2006/main">
+  <p:cSld>
+    <p:bg>
+      <p:bgPr>
+        <a:solidFill>
+          <a:srgbClr val="1E2A38"/>
+        </a:solidFill>
+        <a:effectLst/>
+      </p:bgPr>
+    </p:bg>
+    <p:spTree>
+      <p:nvGrpSpPr>
+        <p:cNvPr id="1" name=""/>
+        <p:cNvGrpSpPr/>
+        <p:nvPr/>
+      </p:nvGrpSpPr>
+      <p:grpSpPr>
+        <a:xfrm>
+          <a:off x="0" y="0"/>
+          <a:ext cx="0" cy="0"/>
+          <a:chOff x="0" y="0"/>
+          <a:chExt cx="0" cy="0"/>
+        </a:xfrm>
+      </p:grpSpPr>
+      <p:grpSp>
+        <p:nvGrpSpPr>
+          <p:cNvPr id="2" name="Group 2"/>
+          <p:cNvGrpSpPr/>
+          <p:nvPr/>
+        </p:nvGrpSpPr>
+        <p:grpSpPr>
+          <a:xfrm>
+            <a:off x="0" y="0"/>
+            <a:ext cx="7858125" cy="10287000"/>
+            <a:chOff x="0" y="0"/>
+            <a:chExt cx="1031988" cy="1350966"/>
+          </a:xfrm>
+        </p:grpSpPr>
+        <p:sp>
+          <p:nvSpPr>
+            <p:cNvPr id="3" name="Freeform 3"/>
+            <p:cNvSpPr/>
+            <p:nvPr/>
+          </p:nvSpPr>
+          <p:spPr>
+            <a:xfrm>
+              <a:off x="0" y="0"/>
+              <a:ext cx="1031988" cy="1350966"/>
+            </a:xfrm>
+            <a:custGeom>
+              <a:avLst/>
+              <a:gdLst/>
+              <a:ahLst/>
+              <a:cxnLst/>
+              <a:rect l="l" t="t" r="r" b="b"/>
+              <a:pathLst>
+                <a:path w="1031988" h="1350966">
+                  <a:moveTo>
+                    <a:pt x="0" y="0"/>
+                  </a:moveTo>
+                  <a:lnTo>
+                    <a:pt x="1031988" y="0"/>
+                  </a:lnTo>
+                  <a:lnTo>
+                    <a:pt x="1031988" y="1350966"/>
+                  </a:lnTo>
+                  <a:lnTo>
+                    <a:pt x="0" y="1350966"/>
+                  </a:lnTo>
+                  <a:close/>
+                </a:path>
+              </a:pathLst>
+            </a:custGeom>
+            <a:solidFill>
+              <a:srgbClr val="4A90D9"/>
+            </a:solidFill>
+            <a:ln w="12700">
+              <a:solidFill>
+                <a:srgbClr val="000000"/>
+              </a:solidFill>
+            </a:ln>
+          </p:spPr>
+          <p:txBody>
+            <a:bodyPr/>
+            <a:lstStyle/>
+            <a:p>
+              <a:endParaRPr lang="it-IT"/>
+            </a:p>
+          </p:txBody>
+        </p:sp>
+      </p:grpSp>
+      <p:grpSp>
+        <p:nvGrpSpPr>
+          <p:cNvPr id="4" name="Group 4"/>
+          <p:cNvGrpSpPr/>
+          <p:nvPr/>
+        </p:nvGrpSpPr>
+        <p:grpSpPr>
+          <a:xfrm>
+            <a:off x="1052512" y="666750"/>
+            <a:ext cx="5753100" cy="8953500"/>
+            <a:chOff x="0" y="0"/>
+            <a:chExt cx="814724" cy="1267949"/>
+          </a:xfrm>
+        </p:grpSpPr>
+        <p:sp>
+          <p:nvSpPr>
+            <p:cNvPr id="5" name="Freeform 5"/>
+            <p:cNvSpPr/>
+            <p:nvPr/>
+          </p:nvSpPr>
+          <p:spPr>
+            <a:xfrm>
+              <a:off x="0" y="0"/>
+              <a:ext cx="814724" cy="1267949"/>
+            </a:xfrm>
+            <a:custGeom>
+              <a:avLst/>
+              <a:gdLst/>
+              <a:ahLst/>
+              <a:cxnLst/>
+              <a:rect l="l" t="t" r="r" b="b"/>
+              <a:pathLst>
+                <a:path w="814724" h="1267949">
+                  <a:moveTo>
+                    <a:pt x="26914" y="0"/>
+                  </a:moveTo>
+                  <a:lnTo>
+                    <a:pt x="787810" y="0"/>
+                  </a:lnTo>
+                  <a:cubicBezTo>
+                    <a:pt x="802675" y="0"/>
+                    <a:pt x="814724" y="12050"/>
+                    <a:pt x="814724" y="26914"/>
+                  </a:cubicBezTo>
+                  <a:lnTo>
+                    <a:pt x="814724" y="1241035"/>
+                  </a:lnTo>
+                  <a:cubicBezTo>
+                    <a:pt x="814724" y="1255899"/>
+                    <a:pt x="802675" y="1267949"/>
+                    <a:pt x="787810" y="1267949"/>
+                  </a:cubicBezTo>
+                  <a:lnTo>
+                    <a:pt x="26914" y="1267949"/>
+                  </a:lnTo>
+                  <a:cubicBezTo>
+                    <a:pt x="12050" y="1267949"/>
+                    <a:pt x="0" y="1255899"/>
+                    <a:pt x="0" y="1241035"/>
+                  </a:cubicBezTo>
+                  <a:lnTo>
+                    <a:pt x="0" y="26914"/>
+                  </a:lnTo>
+                  <a:cubicBezTo>
+                    <a:pt x="0" y="12050"/>
+                    <a:pt x="12050" y="0"/>
+                    <a:pt x="26914" y="0"/>
+                  </a:cubicBezTo>
+                  <a:close/>
+                </a:path>
+              </a:pathLst>
+            </a:custGeom>
+            <a:blipFill>
+              <a:blip r:embed="rId2"/>
+              <a:stretch>
+                <a:fillRect t="-199" b="-199"/>
+              </a:stretch>
+            </a:blipFill>
+          </p:spPr>
+          <p:txBody>
+            <a:bodyPr/>
+            <a:lstStyle/>
+            <a:p>
+              <a:endParaRPr lang="it-IT"/>
+            </a:p>
+          </p:txBody>
+        </p:sp>
+      </p:grpSp>
+      <p:sp>
+        <p:nvSpPr>
+          <p:cNvPr id="6" name="TextBox 6"/>
+          <p:cNvSpPr txBox="1"/>
+          <p:nvPr/>
+        </p:nvSpPr>
+        <p:spPr>
+          <a:xfrm>
+            <a:off x="9332024" y="4282046"/>
+            <a:ext cx="8317491" cy="1999134"/>
+          </a:xfrm>
+          <a:prstGeom prst="rect">
+            <a:avLst/>
+          </a:prstGeom>
+        </p:spPr>
+        <p:txBody>
+          <a:bodyPr lIns="0" tIns="0" rIns="0" bIns="0" rtlCol="0" anchor="t">
+            <a:spAutoFit/>
+          </a:bodyPr>
+          <a:lstStyle/>
+          <a:p>
+            <a:pPr marL="0" lvl="0" indent="0" algn="l">
+              <a:lnSpc>
+                <a:spcPts val="14956"/>
+              </a:lnSpc>
+            </a:pPr>
+            <a:r>
+              <a:rPr lang="en-US" sz="14956" spc="-523">
+                <a:solidFill>
+                  <a:srgbClr val="F5F3F3"/>
+                </a:solidFill>
+                <a:latin typeface="Georgia Pro Condensed"/>
+                <a:ea typeface="Georgia Pro Condensed"/>
+                <a:cs typeface="Georgia Pro Condensed"/>
+                <a:sym typeface="Georgia Pro Condensed"/>
+              </a:rPr>
+              <a:t>Grazie!</a:t>
+            </a:r>
+          </a:p>
+        </p:txBody>
+      </p:sp>
+      <p:sp>
+        <p:nvSpPr>
+          <p:cNvPr id="7" name="Freeform 7"/>
+          <p:cNvSpPr/>
+          <p:nvPr/>
+        </p:nvSpPr>
+        <p:spPr>
+          <a:xfrm rot="-3117037">
+            <a:off x="5418783" y="7952721"/>
+            <a:ext cx="2112604" cy="1859092"/>
+          </a:xfrm>
+          <a:custGeom>
+            <a:avLst/>
+            <a:gdLst/>
+            <a:ahLst/>
+            <a:cxnLst/>
+            <a:rect l="l" t="t" r="r" b="b"/>
+            <a:pathLst>
+              <a:path w="2112604" h="1859092">
+                <a:moveTo>
+                  <a:pt x="0" y="0"/>
+                </a:moveTo>
+                <a:lnTo>
+                  <a:pt x="2112604" y="0"/>
+                </a:lnTo>
+                <a:lnTo>
+                  <a:pt x="2112604" y="1859092"/>
+                </a:lnTo>
+                <a:lnTo>
+                  <a:pt x="0" y="1859092"/>
+                </a:lnTo>
+                <a:lnTo>
+                  <a:pt x="0" y="0"/>
+                </a:lnTo>
+                <a:close/>
+              </a:path>
+            </a:pathLst>
+          </a:custGeom>
+          <a:blipFill>
+            <a:blip r:embed="rId3">
+              <a:extLst>
+                <a:ext uri="{96DAC541-7B7A-43D3-8B79-37D633B846F1}">
+                  <asvg:svgBlip xmlns:asvg="http://schemas.microsoft.com/office/drawing/2016/SVG/main" r:embed="rId4"/>
+                </a:ext>
+              </a:extLst>
+            </a:blip>
+            <a:stretch>
+              <a:fillRect/>
+            </a:stretch>
+          </a:blipFill>
+        </p:spPr>
+        <p:txBody>
+          <a:bodyPr/>
+          <a:lstStyle/>
+          <a:p>
+            <a:endParaRPr lang="it-IT"/>
+          </a:p>
+        </p:txBody>
+      </p:sp>
+    </p:spTree>
   </p:cSld>
   <p:clrMapOvr>
     <a:masterClrMapping/>
@@ -3834,56 +6514,114 @@
 </file>
 
 <file path=ppt/theme/theme1.xml><?xml version="1.0" encoding="utf-8"?>
-<a:theme xmlns:a="http://schemas.openxmlformats.org/drawingml/2006/main" name="ChronicleVTI">
+<a:theme xmlns:a="http://schemas.openxmlformats.org/drawingml/2006/main" name="Office Theme">
   <a:themeElements>
-    <a:clrScheme name="Chronicle">
+    <a:clrScheme name="Office">
       <a:dk1>
-        <a:srgbClr val="000000"/>
+        <a:sysClr val="windowText" lastClr="000000"/>
       </a:dk1>
       <a:lt1>
-        <a:srgbClr val="FFFFFF"/>
+        <a:sysClr val="window" lastClr="FFFFFF"/>
       </a:lt1>
       <a:dk2>
-        <a:srgbClr val="1C1C32"/>
+        <a:srgbClr val="1F497D"/>
       </a:dk2>
       <a:lt2>
-        <a:srgbClr val="F8F4F1"/>
+        <a:srgbClr val="EEECE1"/>
       </a:lt2>
       <a:accent1>
-        <a:srgbClr val="734B67"/>
+        <a:srgbClr val="4F81BD"/>
       </a:accent1>
       <a:accent2>
-        <a:srgbClr val="959EBB"/>
+        <a:srgbClr val="C0504D"/>
       </a:accent2>
       <a:accent3>
-        <a:srgbClr val="596781"/>
+        <a:srgbClr val="9BBB59"/>
       </a:accent3>
       <a:accent4>
-        <a:srgbClr val="7F6E8C"/>
+        <a:srgbClr val="8064A2"/>
       </a:accent4>
       <a:accent5>
-        <a:srgbClr val="DB9A8F"/>
+        <a:srgbClr val="4BACC6"/>
       </a:accent5>
       <a:accent6>
-        <a:srgbClr val="C29AB1"/>
+        <a:srgbClr val="F79646"/>
       </a:accent6>
       <a:hlink>
-        <a:srgbClr val="778BA2"/>
+        <a:srgbClr val="0000FF"/>
       </a:hlink>
       <a:folHlink>
-        <a:srgbClr val="A27C99"/>
+        <a:srgbClr val="800080"/>
       </a:folHlink>
     </a:clrScheme>
-    <a:fontScheme name="Univers Calisto">
+    <a:fontScheme name="Office">
       <a:majorFont>
-        <a:latin typeface="Univers Condensed"/>
+        <a:latin typeface="Calibri"/>
         <a:ea typeface=""/>
         <a:cs typeface=""/>
+        <a:font script="Jpan" typeface="ＭＳ Ｐゴシック"/>
+        <a:font script="Hang" typeface="맑은 고딕"/>
+        <a:font script="Hans" typeface="宋体"/>
+        <a:font script="Hant" typeface="新細明體"/>
+        <a:font script="Arab" typeface="Times New Roman"/>
+        <a:font script="Hebr" typeface="Times New Roman"/>
+        <a:font script="Thai" typeface="Angsana New"/>
+        <a:font script="Ethi" typeface="Nyala"/>
+        <a:font script="Beng" typeface="Vrinda"/>
+        <a:font script="Gujr" typeface="Shruti"/>
+        <a:font script="Khmr" typeface="MoolBoran"/>
+        <a:font script="Knda" typeface="Tunga"/>
+        <a:font script="Guru" typeface="Raavi"/>
+        <a:font script="Cans" typeface="Euphemia"/>
+        <a:font script="Cher" typeface="Plantagenet Cherokee"/>
+        <a:font script="Yiii" typeface="Microsoft Yi Baiti"/>
+        <a:font script="Tibt" typeface="Microsoft Himalaya"/>
+        <a:font script="Thaa" typeface="MV Boli"/>
+        <a:font script="Deva" typeface="Mangal"/>
+        <a:font script="Telu" typeface="Gautami"/>
+        <a:font script="Taml" typeface="Latha"/>
+        <a:font script="Syrc" typeface="Estrangelo Edessa"/>
+        <a:font script="Orya" typeface="Kalinga"/>
+        <a:font script="Mlym" typeface="Kartika"/>
+        <a:font script="Laoo" typeface="DokChampa"/>
+        <a:font script="Sinh" typeface="Iskoola Pota"/>
+        <a:font script="Mong" typeface="Mongolian Baiti"/>
+        <a:font script="Viet" typeface="Times New Roman"/>
+        <a:font script="Uigh" typeface="Microsoft Uighur"/>
       </a:majorFont>
       <a:minorFont>
-        <a:latin typeface="Calisto MT"/>
+        <a:latin typeface="Calibri"/>
         <a:ea typeface=""/>
         <a:cs typeface=""/>
+        <a:font script="Jpan" typeface="ＭＳ Ｐゴシック"/>
+        <a:font script="Hang" typeface="맑은 고딕"/>
+        <a:font script="Hans" typeface="宋体"/>
+        <a:font script="Hant" typeface="新細明體"/>
+        <a:font script="Arab" typeface="Arial"/>
+        <a:font script="Hebr" typeface="Arial"/>
+        <a:font script="Thai" typeface="Cordia New"/>
+        <a:font script="Ethi" typeface="Nyala"/>
+        <a:font script="Beng" typeface="Vrinda"/>
+        <a:font script="Gujr" typeface="Shruti"/>
+        <a:font script="Khmr" typeface="DaunPenh"/>
+        <a:font script="Knda" typeface="Tunga"/>
+        <a:font script="Guru" typeface="Raavi"/>
+        <a:font script="Cans" typeface="Euphemia"/>
+        <a:font script="Cher" typeface="Plantagenet Cherokee"/>
+        <a:font script="Yiii" typeface="Microsoft Yi Baiti"/>
+        <a:font script="Tibt" typeface="Microsoft Himalaya"/>
+        <a:font script="Thaa" typeface="MV Boli"/>
+        <a:font script="Deva" typeface="Mangal"/>
+        <a:font script="Telu" typeface="Gautami"/>
+        <a:font script="Taml" typeface="Latha"/>
+        <a:font script="Syrc" typeface="Estrangelo Edessa"/>
+        <a:font script="Orya" typeface="Kalinga"/>
+        <a:font script="Mlym" typeface="Kartika"/>
+        <a:font script="Laoo" typeface="DokChampa"/>
+        <a:font script="Sinh" typeface="Iskoola Pota"/>
+        <a:font script="Mong" typeface="Mongolian Baiti"/>
+        <a:font script="Viet" typeface="Arial"/>
+        <a:font script="Uigh" typeface="Microsoft Uighur"/>
       </a:minorFont>
     </a:fontScheme>
     <a:fmtScheme name="Office">
@@ -3895,187 +6633,165 @@
           <a:gsLst>
             <a:gs pos="0">
               <a:schemeClr val="phClr">
-                <a:lumMod val="110000"/>
-                <a:satMod val="105000"/>
-                <a:tint val="67000"/>
+                <a:tint val="50000"/>
+                <a:satMod val="300000"/>
               </a:schemeClr>
             </a:gs>
-            <a:gs pos="50000">
+            <a:gs pos="35000">
               <a:schemeClr val="phClr">
-                <a:lumMod val="105000"/>
-                <a:satMod val="103000"/>
-                <a:tint val="73000"/>
+                <a:tint val="37000"/>
+                <a:satMod val="300000"/>
               </a:schemeClr>
             </a:gs>
             <a:gs pos="100000">
               <a:schemeClr val="phClr">
-                <a:lumMod val="105000"/>
-                <a:satMod val="109000"/>
-                <a:tint val="81000"/>
+                <a:tint val="15000"/>
+                <a:satMod val="350000"/>
               </a:schemeClr>
             </a:gs>
           </a:gsLst>
-          <a:lin ang="5400000" scaled="0"/>
+          <a:lin ang="16200000" scaled="1"/>
         </a:gradFill>
         <a:gradFill rotWithShape="1">
           <a:gsLst>
             <a:gs pos="0">
               <a:schemeClr val="phClr">
-                <a:satMod val="103000"/>
-                <a:lumMod val="102000"/>
-                <a:tint val="94000"/>
+                <a:shade val="51000"/>
+                <a:satMod val="130000"/>
               </a:schemeClr>
             </a:gs>
-            <a:gs pos="50000">
+            <a:gs pos="80000">
               <a:schemeClr val="phClr">
-                <a:satMod val="110000"/>
-                <a:lumMod val="100000"/>
-                <a:shade val="100000"/>
+                <a:shade val="93000"/>
+                <a:satMod val="130000"/>
               </a:schemeClr>
             </a:gs>
             <a:gs pos="100000">
               <a:schemeClr val="phClr">
-                <a:lumMod val="99000"/>
-                <a:satMod val="120000"/>
-                <a:shade val="78000"/>
+                <a:shade val="94000"/>
+                <a:satMod val="135000"/>
               </a:schemeClr>
             </a:gs>
           </a:gsLst>
-          <a:lin ang="5400000" scaled="0"/>
+          <a:lin ang="16200000" scaled="0"/>
         </a:gradFill>
       </a:fillStyleLst>
       <a:lnStyleLst>
-        <a:ln w="6350" cap="flat" cmpd="sng" algn="ctr">
+        <a:ln w="9525" cap="flat" cmpd="sng" algn="ctr">
+          <a:solidFill>
+            <a:schemeClr val="phClr">
+              <a:shade val="95000"/>
+              <a:satMod val="105000"/>
+            </a:schemeClr>
+          </a:solidFill>
+          <a:prstDash val="solid"/>
+        </a:ln>
+        <a:ln w="25400" cap="flat" cmpd="sng" algn="ctr">
           <a:solidFill>
             <a:schemeClr val="phClr"/>
           </a:solidFill>
           <a:prstDash val="solid"/>
-          <a:miter lim="800000"/>
         </a:ln>
-        <a:ln w="12700" cap="flat" cmpd="sng" algn="ctr">
+        <a:ln w="38100" cap="flat" cmpd="sng" algn="ctr">
           <a:solidFill>
             <a:schemeClr val="phClr"/>
           </a:solidFill>
           <a:prstDash val="solid"/>
-          <a:miter lim="800000"/>
-        </a:ln>
-        <a:ln w="19050" cap="flat" cmpd="sng" algn="ctr">
-          <a:solidFill>
-            <a:schemeClr val="phClr"/>
-          </a:solidFill>
-          <a:prstDash val="solid"/>
-          <a:miter lim="800000"/>
         </a:ln>
       </a:lnStyleLst>
       <a:effectStyleLst>
         <a:effectStyle>
-          <a:effectLst/>
-        </a:effectStyle>
-        <a:effectStyle>
-          <a:effectLst/>
+          <a:effectLst>
+            <a:outerShdw blurRad="40000" dist="20000" dir="5400000" rotWithShape="0">
+              <a:srgbClr val="000000">
+                <a:alpha val="38000"/>
+              </a:srgbClr>
+            </a:outerShdw>
+          </a:effectLst>
         </a:effectStyle>
         <a:effectStyle>
           <a:effectLst>
-            <a:outerShdw blurRad="57150" dist="19050" dir="5400000" algn="ctr" rotWithShape="0">
+            <a:outerShdw blurRad="40000" dist="23000" dir="5400000" rotWithShape="0">
               <a:srgbClr val="000000">
-                <a:alpha val="63000"/>
+                <a:alpha val="35000"/>
               </a:srgbClr>
             </a:outerShdw>
           </a:effectLst>
+        </a:effectStyle>
+        <a:effectStyle>
+          <a:effectLst>
+            <a:outerShdw blurRad="40000" dist="23000" dir="5400000" rotWithShape="0">
+              <a:srgbClr val="000000">
+                <a:alpha val="35000"/>
+              </a:srgbClr>
+            </a:outerShdw>
+          </a:effectLst>
+          <a:scene3d>
+            <a:camera prst="orthographicFront">
+              <a:rot lat="0" lon="0" rev="0"/>
+            </a:camera>
+            <a:lightRig rig="threePt" dir="t">
+              <a:rot lat="0" lon="0" rev="1200000"/>
+            </a:lightRig>
+          </a:scene3d>
+          <a:sp3d>
+            <a:bevelT w="63500" h="25400"/>
+          </a:sp3d>
         </a:effectStyle>
       </a:effectStyleLst>
       <a:bgFillStyleLst>
         <a:solidFill>
           <a:schemeClr val="phClr"/>
         </a:solidFill>
-        <a:solidFill>
-          <a:schemeClr val="phClr">
-            <a:tint val="95000"/>
-            <a:satMod val="170000"/>
-          </a:schemeClr>
-        </a:solidFill>
         <a:gradFill rotWithShape="1">
           <a:gsLst>
             <a:gs pos="0">
               <a:schemeClr val="phClr">
-                <a:tint val="93000"/>
-                <a:satMod val="150000"/>
-                <a:shade val="98000"/>
-                <a:lumMod val="102000"/>
+                <a:tint val="40000"/>
+                <a:satMod val="350000"/>
               </a:schemeClr>
             </a:gs>
-            <a:gs pos="50000">
+            <a:gs pos="40000">
               <a:schemeClr val="phClr">
-                <a:tint val="98000"/>
-                <a:satMod val="130000"/>
-                <a:shade val="90000"/>
-                <a:lumMod val="103000"/>
+                <a:tint val="45000"/>
+                <a:shade val="99000"/>
+                <a:satMod val="350000"/>
               </a:schemeClr>
             </a:gs>
             <a:gs pos="100000">
               <a:schemeClr val="phClr">
-                <a:shade val="63000"/>
-                <a:satMod val="120000"/>
+                <a:shade val="20000"/>
+                <a:satMod val="255000"/>
               </a:schemeClr>
             </a:gs>
           </a:gsLst>
-          <a:lin ang="5400000" scaled="0"/>
+          <a:path path="circle">
+            <a:fillToRect l="50000" t="-80000" r="50000" b="180000"/>
+          </a:path>
+        </a:gradFill>
+        <a:gradFill rotWithShape="1">
+          <a:gsLst>
+            <a:gs pos="0">
+              <a:schemeClr val="phClr">
+                <a:tint val="80000"/>
+                <a:satMod val="300000"/>
+              </a:schemeClr>
+            </a:gs>
+            <a:gs pos="100000">
+              <a:schemeClr val="phClr">
+                <a:shade val="30000"/>
+                <a:satMod val="200000"/>
+              </a:schemeClr>
+            </a:gs>
+          </a:gsLst>
+          <a:path path="circle">
+            <a:fillToRect l="50000" t="50000" r="50000" b="50000"/>
+          </a:path>
         </a:gradFill>
       </a:bgFillStyleLst>
     </a:fmtScheme>
   </a:themeElements>
-  <a:objectDefaults>
-    <a:spDef>
-      <a:spPr>
-        <a:ln w="12700" cap="flat" cmpd="sng" algn="ctr">
-          <a:noFill/>
-          <a:prstDash val="solid"/>
-          <a:miter lim="800000"/>
-        </a:ln>
-        <a:effectLst/>
-        <a:extLst>
-          <a:ext uri="{91240B29-F687-4F45-9708-019B960494DF}">
-            <a14:hiddenLine xmlns:a14="http://schemas.microsoft.com/office/drawing/2010/main" w="12700" cap="flat" cmpd="sng" algn="ctr">
-              <a:solidFill>
-                <a:schemeClr val="accent1">
-                  <a:shade val="50000"/>
-                </a:schemeClr>
-              </a:solidFill>
-              <a:prstDash val="solid"/>
-              <a:miter lim="800000"/>
-            </a14:hiddenLine>
-          </a:ext>
-        </a:extLst>
-      </a:spPr>
-      <a:bodyPr rtlCol="0" anchor="ctr"/>
-      <a:lstStyle>
-        <a:defPPr algn="ctr">
-          <a:defRPr/>
-        </a:defPPr>
-      </a:lstStyle>
-      <a:style>
-        <a:lnRef idx="2">
-          <a:schemeClr val="accent1">
-            <a:shade val="50000"/>
-          </a:schemeClr>
-        </a:lnRef>
-        <a:fillRef idx="1">
-          <a:schemeClr val="accent1"/>
-        </a:fillRef>
-        <a:effectRef idx="0">
-          <a:schemeClr val="accent1"/>
-        </a:effectRef>
-        <a:fontRef idx="minor">
-          <a:schemeClr val="lt1"/>
-        </a:fontRef>
-      </a:style>
-    </a:spDef>
-  </a:objectDefaults>
+  <a:objectDefaults/>
   <a:extraClrSchemeLst/>
-  <a:extLst>
-    <a:ext uri="{05A4C25C-085E-4340-85A3-A5531E510DB2}">
-      <thm15:themeFamily xmlns:thm15="http://schemas.microsoft.com/office/thememl/2012/main" name="ChronicleVTI" id="{508E4D90-5116-4BF0-876B-3F422DD1F65F}" vid="{AA21DC3D-92A8-43A4-8358-ED428371CD55}"/>
-    </a:ext>
-  </a:extLst>
 </a:theme>
 </file>
--- a/ISS25_Cargoservice.pptx
+++ b/ISS25_Cargoservice.pptx
@@ -17,16 +17,8 @@
   <p:notesSz cx="6858000" cy="9144000"/>
   <p:embeddedFontLst>
     <p:embeddedFont>
-      <p:font typeface="Helvetica World" panose="020B0604020202020204" charset="-128"/>
+      <p:font typeface="Georgia Pro Condensed" panose="020B0604020202020204" charset="0"/>
       <p:regular r:id="rId9"/>
-    </p:embeddedFont>
-    <p:embeddedFont>
-      <p:font typeface="Helvetica World Bold" panose="020B0604020202020204" charset="-128"/>
-      <p:regular r:id="rId10"/>
-    </p:embeddedFont>
-    <p:embeddedFont>
-      <p:font typeface="Georgia Pro Condensed" panose="020B0604020202020204" charset="0"/>
-      <p:regular r:id="rId11"/>
     </p:embeddedFont>
   </p:embeddedFontLst>
   <p:defaultTextStyle>
@@ -3144,7 +3136,9 @@
             <a:bodyPr/>
             <a:lstStyle/>
             <a:p>
-              <a:endParaRPr lang="it-IT"/>
+              <a:endParaRPr lang="it-IT">
+                <a:latin typeface="Georgia Pro Condensed" panose="020B0604020202020204" charset="0"/>
+              </a:endParaRPr>
             </a:p>
           </p:txBody>
         </p:sp>
@@ -3232,7 +3226,9 @@
             <a:bodyPr/>
             <a:lstStyle/>
             <a:p>
-              <a:endParaRPr lang="it-IT"/>
+              <a:endParaRPr lang="it-IT">
+                <a:latin typeface="Georgia Pro Condensed" panose="020B0604020202020204" charset="0"/>
+              </a:endParaRPr>
             </a:p>
           </p:txBody>
         </p:sp>
@@ -3292,7 +3288,9 @@
           <a:bodyPr/>
           <a:lstStyle/>
           <a:p>
-            <a:endParaRPr lang="it-IT"/>
+            <a:endParaRPr lang="it-IT">
+              <a:latin typeface="Georgia Pro Condensed" panose="020B0604020202020204" charset="0"/>
+            </a:endParaRPr>
           </a:p>
         </p:txBody>
       </p:sp>
@@ -3327,7 +3325,7 @@
                 <a:solidFill>
                   <a:srgbClr val="F5F3F3"/>
                 </a:solidFill>
-                <a:latin typeface="Georgia Pro Condensed"/>
+                <a:latin typeface="Georgia Pro Condensed" panose="020B0604020202020204" charset="0"/>
                 <a:ea typeface="Georgia Pro Condensed"/>
                 <a:cs typeface="Georgia Pro Condensed"/>
                 <a:sym typeface="Georgia Pro Condensed"/>
@@ -3364,16 +3362,76 @@
               </a:lnSpc>
             </a:pPr>
             <a:r>
-              <a:rPr lang="en-US" sz="5199">
-                <a:solidFill>
-                  <a:srgbClr val="F5F3F3"/>
-                </a:solidFill>
-                <a:latin typeface="Georgia Pro Condensed"/>
+              <a:rPr lang="en-US" sz="5199" dirty="0" err="1">
+                <a:solidFill>
+                  <a:srgbClr val="F5F3F3"/>
+                </a:solidFill>
+                <a:latin typeface="Georgia Pro Condensed" panose="020B0604020202020204" charset="0"/>
                 <a:ea typeface="Georgia Pro Condensed"/>
                 <a:cs typeface="Georgia Pro Condensed"/>
                 <a:sym typeface="Georgia Pro Condensed"/>
               </a:rPr>
-              <a:t>Ingneria dei sistemi software </a:t>
+              <a:t>Ingneria</a:t>
+            </a:r>
+            <a:r>
+              <a:rPr lang="en-US" sz="5199" dirty="0">
+                <a:solidFill>
+                  <a:srgbClr val="F5F3F3"/>
+                </a:solidFill>
+                <a:latin typeface="Georgia Pro Condensed" panose="020B0604020202020204" charset="0"/>
+                <a:ea typeface="Georgia Pro Condensed"/>
+                <a:cs typeface="Georgia Pro Condensed"/>
+                <a:sym typeface="Georgia Pro Condensed"/>
+              </a:rPr>
+              <a:t> </a:t>
+            </a:r>
+            <a:r>
+              <a:rPr lang="en-US" sz="5199" dirty="0" err="1">
+                <a:solidFill>
+                  <a:srgbClr val="F5F3F3"/>
+                </a:solidFill>
+                <a:latin typeface="Georgia Pro Condensed" panose="020B0604020202020204" charset="0"/>
+                <a:ea typeface="Georgia Pro Condensed"/>
+                <a:cs typeface="Georgia Pro Condensed"/>
+                <a:sym typeface="Georgia Pro Condensed"/>
+              </a:rPr>
+              <a:t>dei</a:t>
+            </a:r>
+            <a:r>
+              <a:rPr lang="en-US" sz="5199" dirty="0">
+                <a:solidFill>
+                  <a:srgbClr val="F5F3F3"/>
+                </a:solidFill>
+                <a:latin typeface="Georgia Pro Condensed" panose="020B0604020202020204" charset="0"/>
+                <a:ea typeface="Georgia Pro Condensed"/>
+                <a:cs typeface="Georgia Pro Condensed"/>
+                <a:sym typeface="Georgia Pro Condensed"/>
+              </a:rPr>
+              <a:t> </a:t>
+            </a:r>
+            <a:r>
+              <a:rPr lang="en-US" sz="5199" dirty="0" err="1">
+                <a:solidFill>
+                  <a:srgbClr val="F5F3F3"/>
+                </a:solidFill>
+                <a:latin typeface="Georgia Pro Condensed" panose="020B0604020202020204" charset="0"/>
+                <a:ea typeface="Georgia Pro Condensed"/>
+                <a:cs typeface="Georgia Pro Condensed"/>
+                <a:sym typeface="Georgia Pro Condensed"/>
+              </a:rPr>
+              <a:t>sistemi</a:t>
+            </a:r>
+            <a:r>
+              <a:rPr lang="en-US" sz="5199" dirty="0">
+                <a:solidFill>
+                  <a:srgbClr val="F5F3F3"/>
+                </a:solidFill>
+                <a:latin typeface="Georgia Pro Condensed" panose="020B0604020202020204" charset="0"/>
+                <a:ea typeface="Georgia Pro Condensed"/>
+                <a:cs typeface="Georgia Pro Condensed"/>
+                <a:sym typeface="Georgia Pro Condensed"/>
+              </a:rPr>
+              <a:t> software </a:t>
             </a:r>
           </a:p>
           <a:p>
@@ -3383,11 +3441,11 @@
               </a:lnSpc>
             </a:pPr>
             <a:r>
-              <a:rPr lang="en-US" sz="5199">
-                <a:solidFill>
-                  <a:srgbClr val="F5F3F3"/>
-                </a:solidFill>
-                <a:latin typeface="Georgia Pro Condensed"/>
+              <a:rPr lang="en-US" sz="5199" dirty="0">
+                <a:solidFill>
+                  <a:srgbClr val="F5F3F3"/>
+                </a:solidFill>
+                <a:latin typeface="Georgia Pro Condensed" panose="020B0604020202020204" charset="0"/>
                 <a:ea typeface="Georgia Pro Condensed"/>
                 <a:cs typeface="Georgia Pro Condensed"/>
                 <a:sym typeface="Georgia Pro Condensed"/>
@@ -3406,14 +3464,14 @@
         <p:spPr>
           <a:xfrm>
             <a:off x="1028700" y="7104703"/>
-            <a:ext cx="2890123" cy="2133600"/>
+            <a:ext cx="3314700" cy="2108847"/>
           </a:xfrm>
           <a:prstGeom prst="rect">
             <a:avLst/>
           </a:prstGeom>
         </p:spPr>
         <p:txBody>
-          <a:bodyPr lIns="0" tIns="0" rIns="0" bIns="0" rtlCol="0" anchor="t">
+          <a:bodyPr wrap="square" lIns="0" tIns="0" rIns="0" bIns="0" rtlCol="0" anchor="t">
             <a:spAutoFit/>
           </a:bodyPr>
           <a:lstStyle/>
@@ -3424,11 +3482,11 @@
               </a:lnSpc>
             </a:pPr>
             <a:r>
-              <a:rPr lang="en-US" sz="3000">
-                <a:solidFill>
-                  <a:srgbClr val="F5F3F3"/>
-                </a:solidFill>
-                <a:latin typeface="Georgia Pro Condensed"/>
+              <a:rPr lang="en-US" sz="3000" dirty="0">
+                <a:solidFill>
+                  <a:srgbClr val="F5F3F3"/>
+                </a:solidFill>
+                <a:latin typeface="Georgia Pro Condensed" panose="020B0604020202020204" charset="0"/>
                 <a:ea typeface="Georgia Pro Condensed"/>
                 <a:cs typeface="Georgia Pro Condensed"/>
                 <a:sym typeface="Georgia Pro Condensed"/>
@@ -3443,11 +3501,11 @@
               </a:lnSpc>
             </a:pPr>
             <a:r>
-              <a:rPr lang="en-US" sz="3000">
-                <a:solidFill>
-                  <a:srgbClr val="F5F3F3"/>
-                </a:solidFill>
-                <a:latin typeface="Georgia Pro Condensed"/>
+              <a:rPr lang="en-US" sz="3000" dirty="0">
+                <a:solidFill>
+                  <a:srgbClr val="F5F3F3"/>
+                </a:solidFill>
+                <a:latin typeface="Georgia Pro Condensed" panose="020B0604020202020204" charset="0"/>
                 <a:ea typeface="Georgia Pro Condensed"/>
                 <a:cs typeface="Georgia Pro Condensed"/>
                 <a:sym typeface="Georgia Pro Condensed"/>
@@ -3462,11 +3520,11 @@
               </a:lnSpc>
             </a:pPr>
             <a:r>
-              <a:rPr lang="en-US" sz="3000">
-                <a:solidFill>
-                  <a:srgbClr val="F5F3F3"/>
-                </a:solidFill>
-                <a:latin typeface="Georgia Pro Condensed"/>
+              <a:rPr lang="en-US" sz="3000" dirty="0">
+                <a:solidFill>
+                  <a:srgbClr val="F5F3F3"/>
+                </a:solidFill>
+                <a:latin typeface="Georgia Pro Condensed" panose="020B0604020202020204" charset="0"/>
                 <a:ea typeface="Georgia Pro Condensed"/>
                 <a:cs typeface="Georgia Pro Condensed"/>
                 <a:sym typeface="Georgia Pro Condensed"/>
@@ -3481,16 +3539,28 @@
               </a:lnSpc>
             </a:pPr>
             <a:r>
-              <a:rPr lang="en-US" sz="3000">
-                <a:solidFill>
-                  <a:srgbClr val="F5F3F3"/>
-                </a:solidFill>
-                <a:latin typeface="Georgia Pro Condensed"/>
+              <a:rPr lang="en-US" sz="3000" dirty="0" err="1">
+                <a:solidFill>
+                  <a:srgbClr val="F5F3F3"/>
+                </a:solidFill>
+                <a:latin typeface="Georgia Pro Condensed" panose="020B0604020202020204" charset="0"/>
                 <a:ea typeface="Georgia Pro Condensed"/>
                 <a:cs typeface="Georgia Pro Condensed"/>
                 <a:sym typeface="Georgia Pro Condensed"/>
               </a:rPr>
-              <a:t>Sampaoli Giacomo</a:t>
+              <a:t>Sampaoli</a:t>
+            </a:r>
+            <a:r>
+              <a:rPr lang="en-US" sz="3000" dirty="0">
+                <a:solidFill>
+                  <a:srgbClr val="F5F3F3"/>
+                </a:solidFill>
+                <a:latin typeface="Georgia Pro Condensed" panose="020B0604020202020204" charset="0"/>
+                <a:ea typeface="Georgia Pro Condensed"/>
+                <a:cs typeface="Georgia Pro Condensed"/>
+                <a:sym typeface="Georgia Pro Condensed"/>
+              </a:rPr>
+              <a:t> Giacomo</a:t>
             </a:r>
           </a:p>
         </p:txBody>
@@ -3537,7 +3607,7 @@
         <p:spPr>
           <a:xfrm>
             <a:off x="666750" y="3782219"/>
-            <a:ext cx="4007657" cy="512445"/>
+            <a:ext cx="4007657" cy="461665"/>
           </a:xfrm>
           <a:prstGeom prst="rect">
             <a:avLst/>
@@ -3562,7 +3632,7 @@
                 <a:solidFill>
                   <a:srgbClr val="F5F3F3"/>
                 </a:solidFill>
-                <a:latin typeface="Helvetica World Bold"/>
+                <a:latin typeface="Georgia Pro Condensed" panose="020B0604020202020204" charset="0"/>
                 <a:ea typeface="Helvetica World Bold"/>
                 <a:cs typeface="Helvetica World Bold"/>
                 <a:sym typeface="Helvetica World Bold"/>
@@ -3601,16 +3671,124 @@
               <a:buChar char="•"/>
             </a:pPr>
             <a:r>
-              <a:rPr lang="en-US" sz="2000" spc="-30">
-                <a:solidFill>
-                  <a:srgbClr val="F5F3F3"/>
-                </a:solidFill>
-                <a:latin typeface="Helvetica World"/>
+              <a:rPr lang="en-US" sz="2000" spc="-30" dirty="0" err="1">
+                <a:solidFill>
+                  <a:srgbClr val="F5F3F3"/>
+                </a:solidFill>
+                <a:latin typeface="Georgia Pro Condensed" panose="020B0604020202020204" charset="0"/>
                 <a:ea typeface="Helvetica World"/>
                 <a:cs typeface="Helvetica World"/>
                 <a:sym typeface="Helvetica World"/>
               </a:rPr>
-              <a:t>Analisi dei requisiti forniti dal committente;</a:t>
+              <a:t>analisi</a:t>
+            </a:r>
+            <a:r>
+              <a:rPr lang="en-US" sz="2000" spc="-30" dirty="0">
+                <a:solidFill>
+                  <a:srgbClr val="F5F3F3"/>
+                </a:solidFill>
+                <a:latin typeface="Georgia Pro Condensed" panose="020B0604020202020204" charset="0"/>
+                <a:ea typeface="Helvetica World"/>
+                <a:cs typeface="Helvetica World"/>
+                <a:sym typeface="Helvetica World"/>
+              </a:rPr>
+              <a:t> </a:t>
+            </a:r>
+            <a:r>
+              <a:rPr lang="en-US" sz="2000" spc="-30" dirty="0" err="1">
+                <a:solidFill>
+                  <a:srgbClr val="F5F3F3"/>
+                </a:solidFill>
+                <a:latin typeface="Georgia Pro Condensed" panose="020B0604020202020204" charset="0"/>
+                <a:ea typeface="Helvetica World"/>
+                <a:cs typeface="Helvetica World"/>
+                <a:sym typeface="Helvetica World"/>
+              </a:rPr>
+              <a:t>dei</a:t>
+            </a:r>
+            <a:r>
+              <a:rPr lang="en-US" sz="2000" spc="-30" dirty="0">
+                <a:solidFill>
+                  <a:srgbClr val="F5F3F3"/>
+                </a:solidFill>
+                <a:latin typeface="Georgia Pro Condensed" panose="020B0604020202020204" charset="0"/>
+                <a:ea typeface="Helvetica World"/>
+                <a:cs typeface="Helvetica World"/>
+                <a:sym typeface="Helvetica World"/>
+              </a:rPr>
+              <a:t> </a:t>
+            </a:r>
+            <a:r>
+              <a:rPr lang="en-US" sz="2000" spc="-30" dirty="0" err="1">
+                <a:solidFill>
+                  <a:srgbClr val="F5F3F3"/>
+                </a:solidFill>
+                <a:latin typeface="Georgia Pro Condensed" panose="020B0604020202020204" charset="0"/>
+                <a:ea typeface="Helvetica World"/>
+                <a:cs typeface="Helvetica World"/>
+                <a:sym typeface="Helvetica World"/>
+              </a:rPr>
+              <a:t>requisiti</a:t>
+            </a:r>
+            <a:r>
+              <a:rPr lang="en-US" sz="2000" spc="-30" dirty="0">
+                <a:solidFill>
+                  <a:srgbClr val="F5F3F3"/>
+                </a:solidFill>
+                <a:latin typeface="Georgia Pro Condensed" panose="020B0604020202020204" charset="0"/>
+                <a:ea typeface="Helvetica World"/>
+                <a:cs typeface="Helvetica World"/>
+                <a:sym typeface="Helvetica World"/>
+              </a:rPr>
+              <a:t> </a:t>
+            </a:r>
+            <a:r>
+              <a:rPr lang="en-US" sz="2000" spc="-30" dirty="0" err="1">
+                <a:solidFill>
+                  <a:srgbClr val="F5F3F3"/>
+                </a:solidFill>
+                <a:latin typeface="Georgia Pro Condensed" panose="020B0604020202020204" charset="0"/>
+                <a:ea typeface="Helvetica World"/>
+                <a:cs typeface="Helvetica World"/>
+                <a:sym typeface="Helvetica World"/>
+              </a:rPr>
+              <a:t>forniti</a:t>
+            </a:r>
+            <a:r>
+              <a:rPr lang="en-US" sz="2000" spc="-30" dirty="0">
+                <a:solidFill>
+                  <a:srgbClr val="F5F3F3"/>
+                </a:solidFill>
+                <a:latin typeface="Georgia Pro Condensed" panose="020B0604020202020204" charset="0"/>
+                <a:ea typeface="Helvetica World"/>
+                <a:cs typeface="Helvetica World"/>
+                <a:sym typeface="Helvetica World"/>
+              </a:rPr>
+              <a:t> dal </a:t>
+            </a:r>
+            <a:r>
+              <a:rPr lang="en-US" sz="2000" spc="-30" dirty="0" err="1">
+                <a:solidFill>
+                  <a:srgbClr val="F5F3F3"/>
+                </a:solidFill>
+                <a:latin typeface="Georgia Pro Condensed" panose="020B0604020202020204" charset="0"/>
+                <a:ea typeface="Helvetica World"/>
+                <a:cs typeface="Helvetica World"/>
+                <a:sym typeface="Helvetica World"/>
+              </a:rPr>
+              <a:t>committente</a:t>
+            </a:r>
+            <a:r>
+              <a:rPr lang="en-US" sz="2000" spc="-30" dirty="0">
+                <a:solidFill>
+                  <a:srgbClr val="F5F3F3"/>
+                </a:solidFill>
+                <a:latin typeface="Georgia Pro Condensed" panose="020B0604020202020204" charset="0"/>
+                <a:ea typeface="Helvetica World"/>
+                <a:cs typeface="Helvetica World"/>
+                <a:sym typeface="Helvetica World"/>
+              </a:rPr>
+              <a:t>,</a:t>
             </a:r>
           </a:p>
           <a:p>
@@ -3622,16 +3800,76 @@
               <a:buChar char="•"/>
             </a:pPr>
             <a:r>
-              <a:rPr lang="en-US" sz="2000" spc="-30">
-                <a:solidFill>
-                  <a:srgbClr val="F5F3F3"/>
-                </a:solidFill>
-                <a:latin typeface="Helvetica World"/>
+              <a:rPr lang="en-US" sz="2000" spc="-30" dirty="0" err="1">
+                <a:solidFill>
+                  <a:srgbClr val="F5F3F3"/>
+                </a:solidFill>
+                <a:latin typeface="Georgia Pro Condensed" panose="020B0604020202020204" charset="0"/>
                 <a:ea typeface="Helvetica World"/>
                 <a:cs typeface="Helvetica World"/>
                 <a:sym typeface="Helvetica World"/>
               </a:rPr>
-              <a:t>Costruzione del modello di riferimento;</a:t>
+              <a:t>costruzione</a:t>
+            </a:r>
+            <a:r>
+              <a:rPr lang="en-US" sz="2000" spc="-30" dirty="0">
+                <a:solidFill>
+                  <a:srgbClr val="F5F3F3"/>
+                </a:solidFill>
+                <a:latin typeface="Georgia Pro Condensed" panose="020B0604020202020204" charset="0"/>
+                <a:ea typeface="Helvetica World"/>
+                <a:cs typeface="Helvetica World"/>
+                <a:sym typeface="Helvetica World"/>
+              </a:rPr>
+              <a:t> del </a:t>
+            </a:r>
+            <a:r>
+              <a:rPr lang="en-US" sz="2000" spc="-30" dirty="0" err="1">
+                <a:solidFill>
+                  <a:srgbClr val="F5F3F3"/>
+                </a:solidFill>
+                <a:latin typeface="Georgia Pro Condensed" panose="020B0604020202020204" charset="0"/>
+                <a:ea typeface="Helvetica World"/>
+                <a:cs typeface="Helvetica World"/>
+                <a:sym typeface="Helvetica World"/>
+              </a:rPr>
+              <a:t>modello</a:t>
+            </a:r>
+            <a:r>
+              <a:rPr lang="en-US" sz="2000" spc="-30" dirty="0">
+                <a:solidFill>
+                  <a:srgbClr val="F5F3F3"/>
+                </a:solidFill>
+                <a:latin typeface="Georgia Pro Condensed" panose="020B0604020202020204" charset="0"/>
+                <a:ea typeface="Helvetica World"/>
+                <a:cs typeface="Helvetica World"/>
+                <a:sym typeface="Helvetica World"/>
+              </a:rPr>
+              <a:t> di </a:t>
+            </a:r>
+            <a:r>
+              <a:rPr lang="en-US" sz="2000" spc="-30" dirty="0" err="1">
+                <a:solidFill>
+                  <a:srgbClr val="F5F3F3"/>
+                </a:solidFill>
+                <a:latin typeface="Georgia Pro Condensed" panose="020B0604020202020204" charset="0"/>
+                <a:ea typeface="Helvetica World"/>
+                <a:cs typeface="Helvetica World"/>
+                <a:sym typeface="Helvetica World"/>
+              </a:rPr>
+              <a:t>riferimento</a:t>
+            </a:r>
+            <a:r>
+              <a:rPr lang="en-US" sz="2000" spc="-30" dirty="0">
+                <a:solidFill>
+                  <a:srgbClr val="F5F3F3"/>
+                </a:solidFill>
+                <a:latin typeface="Georgia Pro Condensed" panose="020B0604020202020204" charset="0"/>
+                <a:ea typeface="Helvetica World"/>
+                <a:cs typeface="Helvetica World"/>
+                <a:sym typeface="Helvetica World"/>
+              </a:rPr>
+              <a:t>,</a:t>
             </a:r>
           </a:p>
           <a:p>
@@ -3643,16 +3881,52 @@
               <a:buChar char="•"/>
             </a:pPr>
             <a:r>
-              <a:rPr lang="en-US" sz="2000" spc="-30">
-                <a:solidFill>
-                  <a:srgbClr val="F5F3F3"/>
-                </a:solidFill>
-                <a:latin typeface="Helvetica World"/>
+              <a:rPr lang="en-US" sz="2000" spc="-30" dirty="0" err="1">
+                <a:solidFill>
+                  <a:srgbClr val="F5F3F3"/>
+                </a:solidFill>
+                <a:latin typeface="Georgia Pro Condensed" panose="020B0604020202020204" charset="0"/>
                 <a:ea typeface="Helvetica World"/>
                 <a:cs typeface="Helvetica World"/>
                 <a:sym typeface="Helvetica World"/>
               </a:rPr>
-              <a:t>Organizzazione Sprint futuri</a:t>
+              <a:t>organizzazione</a:t>
+            </a:r>
+            <a:r>
+              <a:rPr lang="en-US" sz="2000" spc="-30" dirty="0">
+                <a:solidFill>
+                  <a:srgbClr val="F5F3F3"/>
+                </a:solidFill>
+                <a:latin typeface="Georgia Pro Condensed" panose="020B0604020202020204" charset="0"/>
+                <a:ea typeface="Helvetica World"/>
+                <a:cs typeface="Helvetica World"/>
+                <a:sym typeface="Helvetica World"/>
+              </a:rPr>
+              <a:t> Sprint </a:t>
+            </a:r>
+            <a:r>
+              <a:rPr lang="en-US" sz="2000" spc="-30" dirty="0" err="1">
+                <a:solidFill>
+                  <a:srgbClr val="F5F3F3"/>
+                </a:solidFill>
+                <a:latin typeface="Georgia Pro Condensed" panose="020B0604020202020204" charset="0"/>
+                <a:ea typeface="Helvetica World"/>
+                <a:cs typeface="Helvetica World"/>
+                <a:sym typeface="Helvetica World"/>
+              </a:rPr>
+              <a:t>futuri</a:t>
+            </a:r>
+            <a:r>
+              <a:rPr lang="en-US" sz="2000" spc="-30" dirty="0">
+                <a:solidFill>
+                  <a:srgbClr val="F5F3F3"/>
+                </a:solidFill>
+                <a:latin typeface="Georgia Pro Condensed" panose="020B0604020202020204" charset="0"/>
+                <a:ea typeface="Helvetica World"/>
+                <a:cs typeface="Helvetica World"/>
+                <a:sym typeface="Helvetica World"/>
+              </a:rPr>
+              <a:t>.</a:t>
             </a:r>
           </a:p>
         </p:txBody>
@@ -3666,7 +3940,7 @@
         <p:spPr>
           <a:xfrm>
             <a:off x="4979207" y="3782219"/>
-            <a:ext cx="4010025" cy="512445"/>
+            <a:ext cx="4010025" cy="461665"/>
           </a:xfrm>
           <a:prstGeom prst="rect">
             <a:avLst/>
@@ -3691,7 +3965,7 @@
                 <a:solidFill>
                   <a:srgbClr val="F5F3F3"/>
                 </a:solidFill>
-                <a:latin typeface="Helvetica World Bold"/>
+                <a:latin typeface="Georgia Pro Condensed" panose="020B0604020202020204" charset="0"/>
                 <a:ea typeface="Helvetica World Bold"/>
                 <a:cs typeface="Helvetica World Bold"/>
                 <a:sym typeface="Helvetica World Bold"/>
@@ -3710,7 +3984,7 @@
         <p:spPr>
           <a:xfrm>
             <a:off x="13614065" y="3738563"/>
-            <a:ext cx="4003106" cy="512445"/>
+            <a:ext cx="4003106" cy="461665"/>
           </a:xfrm>
           <a:prstGeom prst="rect">
             <a:avLst/>
@@ -3735,7 +4009,7 @@
                 <a:solidFill>
                   <a:srgbClr val="F5F3F3"/>
                 </a:solidFill>
-                <a:latin typeface="Helvetica World Bold"/>
+                <a:latin typeface="Georgia Pro Condensed" panose="020B0604020202020204" charset="0"/>
                 <a:ea typeface="Helvetica World Bold"/>
                 <a:cs typeface="Helvetica World Bold"/>
                 <a:sym typeface="Helvetica World Bold"/>
@@ -3774,16 +4048,52 @@
               <a:buChar char="•"/>
             </a:pPr>
             <a:r>
-              <a:rPr lang="en-US" sz="2000" spc="-30">
-                <a:solidFill>
-                  <a:srgbClr val="F5F3F3"/>
-                </a:solidFill>
-                <a:latin typeface="Helvetica World"/>
+              <a:rPr lang="en-US" sz="2000" spc="-30" dirty="0" err="1">
+                <a:solidFill>
+                  <a:srgbClr val="F5F3F3"/>
+                </a:solidFill>
+                <a:latin typeface="Georgia Pro Condensed" panose="020B0604020202020204" charset="0"/>
                 <a:ea typeface="Helvetica World"/>
                 <a:cs typeface="Helvetica World"/>
                 <a:sym typeface="Helvetica World"/>
               </a:rPr>
-              <a:t>Realizzazione del core business del sistema;</a:t>
+              <a:t>realizzazione</a:t>
+            </a:r>
+            <a:r>
+              <a:rPr lang="en-US" sz="2000" spc="-30" dirty="0">
+                <a:solidFill>
+                  <a:srgbClr val="F5F3F3"/>
+                </a:solidFill>
+                <a:latin typeface="Georgia Pro Condensed" panose="020B0604020202020204" charset="0"/>
+                <a:ea typeface="Helvetica World"/>
+                <a:cs typeface="Helvetica World"/>
+                <a:sym typeface="Helvetica World"/>
+              </a:rPr>
+              <a:t> del core business del </a:t>
+            </a:r>
+            <a:r>
+              <a:rPr lang="en-US" sz="2000" spc="-30" dirty="0" err="1">
+                <a:solidFill>
+                  <a:srgbClr val="F5F3F3"/>
+                </a:solidFill>
+                <a:latin typeface="Georgia Pro Condensed" panose="020B0604020202020204" charset="0"/>
+                <a:ea typeface="Helvetica World"/>
+                <a:cs typeface="Helvetica World"/>
+                <a:sym typeface="Helvetica World"/>
+              </a:rPr>
+              <a:t>sistema</a:t>
+            </a:r>
+            <a:r>
+              <a:rPr lang="en-US" sz="2000" spc="-30" dirty="0">
+                <a:solidFill>
+                  <a:srgbClr val="F5F3F3"/>
+                </a:solidFill>
+                <a:latin typeface="Georgia Pro Condensed" panose="020B0604020202020204" charset="0"/>
+                <a:ea typeface="Helvetica World"/>
+                <a:cs typeface="Helvetica World"/>
+                <a:sym typeface="Helvetica World"/>
+              </a:rPr>
+              <a:t>.</a:t>
             </a:r>
           </a:p>
         </p:txBody>
@@ -3817,16 +4127,28 @@
               <a:buChar char="•"/>
             </a:pPr>
             <a:r>
-              <a:rPr lang="en-US" sz="2000" spc="-30">
-                <a:solidFill>
-                  <a:srgbClr val="F5F3F3"/>
-                </a:solidFill>
-                <a:latin typeface="Helvetica World"/>
+              <a:rPr lang="en-US" sz="2000" spc="-30" dirty="0" err="1">
+                <a:solidFill>
+                  <a:srgbClr val="F5F3F3"/>
+                </a:solidFill>
+                <a:latin typeface="Georgia Pro Condensed" panose="020B0604020202020204" charset="0"/>
                 <a:ea typeface="Helvetica World"/>
                 <a:cs typeface="Helvetica World"/>
                 <a:sym typeface="Helvetica World"/>
               </a:rPr>
-              <a:t>Realizzazione della GUI;</a:t>
+              <a:t>realizzazione</a:t>
+            </a:r>
+            <a:r>
+              <a:rPr lang="en-US" sz="2000" spc="-30" dirty="0">
+                <a:solidFill>
+                  <a:srgbClr val="F5F3F3"/>
+                </a:solidFill>
+                <a:latin typeface="Georgia Pro Condensed" panose="020B0604020202020204" charset="0"/>
+                <a:ea typeface="Helvetica World"/>
+                <a:cs typeface="Helvetica World"/>
+                <a:sym typeface="Helvetica World"/>
+              </a:rPr>
+              <a:t> della GUI,</a:t>
             </a:r>
           </a:p>
           <a:p>
@@ -3838,16 +4160,52 @@
               <a:buChar char="•"/>
             </a:pPr>
             <a:r>
-              <a:rPr lang="en-US" sz="2000" spc="-30">
-                <a:solidFill>
-                  <a:srgbClr val="F5F3F3"/>
-                </a:solidFill>
-                <a:latin typeface="Helvetica World"/>
+              <a:rPr lang="en-US" sz="2000" spc="-30" dirty="0" err="1">
+                <a:solidFill>
+                  <a:srgbClr val="F5F3F3"/>
+                </a:solidFill>
+                <a:latin typeface="Georgia Pro Condensed" panose="020B0604020202020204" charset="0"/>
                 <a:ea typeface="Helvetica World"/>
                 <a:cs typeface="Helvetica World"/>
                 <a:sym typeface="Helvetica World"/>
               </a:rPr>
-              <a:t>Integrazione con il sistema;</a:t>
+              <a:t>integrazione</a:t>
+            </a:r>
+            <a:r>
+              <a:rPr lang="en-US" sz="2000" spc="-30" dirty="0">
+                <a:solidFill>
+                  <a:srgbClr val="F5F3F3"/>
+                </a:solidFill>
+                <a:latin typeface="Georgia Pro Condensed" panose="020B0604020202020204" charset="0"/>
+                <a:ea typeface="Helvetica World"/>
+                <a:cs typeface="Helvetica World"/>
+                <a:sym typeface="Helvetica World"/>
+              </a:rPr>
+              <a:t> con il </a:t>
+            </a:r>
+            <a:r>
+              <a:rPr lang="en-US" sz="2000" spc="-30" dirty="0" err="1">
+                <a:solidFill>
+                  <a:srgbClr val="F5F3F3"/>
+                </a:solidFill>
+                <a:latin typeface="Georgia Pro Condensed" panose="020B0604020202020204" charset="0"/>
+                <a:ea typeface="Helvetica World"/>
+                <a:cs typeface="Helvetica World"/>
+                <a:sym typeface="Helvetica World"/>
+              </a:rPr>
+              <a:t>sistema</a:t>
+            </a:r>
+            <a:r>
+              <a:rPr lang="en-US" sz="2000" spc="-30" dirty="0">
+                <a:solidFill>
+                  <a:srgbClr val="F5F3F3"/>
+                </a:solidFill>
+                <a:latin typeface="Georgia Pro Condensed" panose="020B0604020202020204" charset="0"/>
+                <a:ea typeface="Helvetica World"/>
+                <a:cs typeface="Helvetica World"/>
+                <a:sym typeface="Helvetica World"/>
+              </a:rPr>
+              <a:t>.</a:t>
             </a:r>
           </a:p>
         </p:txBody>
@@ -3861,7 +4219,7 @@
         <p:spPr>
           <a:xfrm>
             <a:off x="9294032" y="3782219"/>
-            <a:ext cx="3807849" cy="512445"/>
+            <a:ext cx="3807849" cy="461665"/>
           </a:xfrm>
           <a:prstGeom prst="rect">
             <a:avLst/>
@@ -3886,7 +4244,7 @@
                 <a:solidFill>
                   <a:srgbClr val="F5F3F3"/>
                 </a:solidFill>
-                <a:latin typeface="Helvetica World Bold"/>
+                <a:latin typeface="Georgia Pro Condensed" panose="020B0604020202020204" charset="0"/>
                 <a:ea typeface="Helvetica World Bold"/>
                 <a:cs typeface="Helvetica World Bold"/>
                 <a:sym typeface="Helvetica World Bold"/>
@@ -3905,7 +4263,7 @@
         <p:spPr>
           <a:xfrm>
             <a:off x="9294821" y="5623401"/>
-            <a:ext cx="4009236" cy="1416050"/>
+            <a:ext cx="4009236" cy="1046825"/>
           </a:xfrm>
           <a:prstGeom prst="rect">
             <a:avLst/>
@@ -3925,16 +4283,52 @@
               <a:buChar char="•"/>
             </a:pPr>
             <a:r>
-              <a:rPr lang="en-US" sz="2000" spc="-30">
-                <a:solidFill>
-                  <a:srgbClr val="F5F3F3"/>
-                </a:solidFill>
-                <a:latin typeface="Helvetica World"/>
+              <a:rPr lang="en-US" sz="2000" spc="-30" dirty="0" err="1">
+                <a:solidFill>
+                  <a:srgbClr val="F5F3F3"/>
+                </a:solidFill>
+                <a:latin typeface="Georgia Pro Condensed" panose="020B0604020202020204" charset="0"/>
                 <a:ea typeface="Helvetica World"/>
                 <a:cs typeface="Helvetica World"/>
                 <a:sym typeface="Helvetica World"/>
               </a:rPr>
-              <a:t>Realizzazione del componente Sensor;</a:t>
+              <a:t>realizzazione</a:t>
+            </a:r>
+            <a:r>
+              <a:rPr lang="en-US" sz="2000" spc="-30" dirty="0">
+                <a:solidFill>
+                  <a:srgbClr val="F5F3F3"/>
+                </a:solidFill>
+                <a:latin typeface="Georgia Pro Condensed" panose="020B0604020202020204" charset="0"/>
+                <a:ea typeface="Helvetica World"/>
+                <a:cs typeface="Helvetica World"/>
+                <a:sym typeface="Helvetica World"/>
+              </a:rPr>
+              <a:t> del </a:t>
+            </a:r>
+            <a:r>
+              <a:rPr lang="en-US" sz="2000" spc="-30" dirty="0" err="1">
+                <a:solidFill>
+                  <a:srgbClr val="F5F3F3"/>
+                </a:solidFill>
+                <a:latin typeface="Georgia Pro Condensed" panose="020B0604020202020204" charset="0"/>
+                <a:ea typeface="Helvetica World"/>
+                <a:cs typeface="Helvetica World"/>
+                <a:sym typeface="Helvetica World"/>
+              </a:rPr>
+              <a:t>componente</a:t>
+            </a:r>
+            <a:r>
+              <a:rPr lang="en-US" sz="2000" spc="-30" dirty="0">
+                <a:solidFill>
+                  <a:srgbClr val="F5F3F3"/>
+                </a:solidFill>
+                <a:latin typeface="Georgia Pro Condensed" panose="020B0604020202020204" charset="0"/>
+                <a:ea typeface="Helvetica World"/>
+                <a:cs typeface="Helvetica World"/>
+                <a:sym typeface="Helvetica World"/>
+              </a:rPr>
+              <a:t> Sensor,</a:t>
             </a:r>
           </a:p>
           <a:p>
@@ -3946,16 +4340,28 @@
               <a:buChar char="•"/>
             </a:pPr>
             <a:r>
-              <a:rPr lang="en-US" sz="2000" spc="-30">
-                <a:solidFill>
-                  <a:srgbClr val="F5F3F3"/>
-                </a:solidFill>
-                <a:latin typeface="Helvetica World"/>
+              <a:rPr lang="en-US" sz="2000" spc="-30" dirty="0" err="1">
+                <a:solidFill>
+                  <a:srgbClr val="F5F3F3"/>
+                </a:solidFill>
+                <a:latin typeface="Georgia Pro Condensed" panose="020B0604020202020204" charset="0"/>
                 <a:ea typeface="Helvetica World"/>
                 <a:cs typeface="Helvetica World"/>
                 <a:sym typeface="Helvetica World"/>
               </a:rPr>
-              <a:t>Integrazione con il core business;</a:t>
+              <a:t>integrazione</a:t>
+            </a:r>
+            <a:r>
+              <a:rPr lang="en-US" sz="2000" spc="-30" dirty="0">
+                <a:solidFill>
+                  <a:srgbClr val="F5F3F3"/>
+                </a:solidFill>
+                <a:latin typeface="Georgia Pro Condensed" panose="020B0604020202020204" charset="0"/>
+                <a:ea typeface="Helvetica World"/>
+                <a:cs typeface="Helvetica World"/>
+                <a:sym typeface="Helvetica World"/>
+              </a:rPr>
+              <a:t> con il core business.</a:t>
             </a:r>
           </a:p>
         </p:txBody>
@@ -3987,7 +4393,9 @@
           <a:bodyPr/>
           <a:lstStyle/>
           <a:p>
-            <a:endParaRPr lang="it-IT"/>
+            <a:endParaRPr lang="it-IT">
+              <a:latin typeface="Georgia Pro Condensed" panose="020B0604020202020204" charset="0"/>
+            </a:endParaRPr>
           </a:p>
         </p:txBody>
       </p:sp>
@@ -4059,7 +4467,9 @@
             <a:bodyPr/>
             <a:lstStyle/>
             <a:p>
-              <a:endParaRPr lang="it-IT"/>
+              <a:endParaRPr lang="it-IT">
+                <a:latin typeface="Georgia Pro Condensed" panose="020B0604020202020204" charset="0"/>
+              </a:endParaRPr>
             </a:p>
           </p:txBody>
         </p:sp>
@@ -4132,7 +4542,9 @@
             <a:bodyPr/>
             <a:lstStyle/>
             <a:p>
-              <a:endParaRPr lang="it-IT"/>
+              <a:endParaRPr lang="it-IT">
+                <a:latin typeface="Georgia Pro Condensed" panose="020B0604020202020204" charset="0"/>
+              </a:endParaRPr>
             </a:p>
           </p:txBody>
         </p:sp>
@@ -4205,7 +4617,9 @@
             <a:bodyPr/>
             <a:lstStyle/>
             <a:p>
-              <a:endParaRPr lang="it-IT"/>
+              <a:endParaRPr lang="it-IT">
+                <a:latin typeface="Georgia Pro Condensed" panose="020B0604020202020204" charset="0"/>
+              </a:endParaRPr>
             </a:p>
           </p:txBody>
         </p:sp>
@@ -4278,7 +4692,9 @@
             <a:bodyPr/>
             <a:lstStyle/>
             <a:p>
-              <a:endParaRPr lang="it-IT"/>
+              <a:endParaRPr lang="it-IT">
+                <a:latin typeface="Georgia Pro Condensed" panose="020B0604020202020204" charset="0"/>
+              </a:endParaRPr>
             </a:p>
           </p:txBody>
         </p:sp>
@@ -4292,7 +4708,7 @@
         <p:spPr>
           <a:xfrm>
             <a:off x="666750" y="809625"/>
-            <a:ext cx="16954500" cy="1069976"/>
+            <a:ext cx="16954500" cy="1025922"/>
           </a:xfrm>
           <a:prstGeom prst="rect">
             <a:avLst/>
@@ -4310,17 +4726,50 @@
               </a:lnSpc>
             </a:pPr>
             <a:r>
-              <a:rPr lang="en-US" sz="8000">
-                <a:solidFill>
-                  <a:srgbClr val="F5F3F3"/>
-                </a:solidFill>
-                <a:latin typeface="Georgia Pro Condensed"/>
+              <a:rPr lang="en-US" sz="8000" dirty="0" err="1">
+                <a:solidFill>
+                  <a:srgbClr val="F5F3F3"/>
+                </a:solidFill>
+                <a:latin typeface="Georgia Pro Condensed" panose="020B0604020202020204" charset="0"/>
                 <a:ea typeface="Georgia Pro Condensed"/>
                 <a:cs typeface="Georgia Pro Condensed"/>
                 <a:sym typeface="Georgia Pro Condensed"/>
               </a:rPr>
-              <a:t>Organizzazione del progetto</a:t>
-            </a:r>
+              <a:t>Organizzazione</a:t>
+            </a:r>
+            <a:r>
+              <a:rPr lang="en-US" sz="8000" dirty="0">
+                <a:solidFill>
+                  <a:srgbClr val="F5F3F3"/>
+                </a:solidFill>
+                <a:latin typeface="Georgia Pro Condensed" panose="020B0604020202020204" charset="0"/>
+                <a:ea typeface="Georgia Pro Condensed"/>
+                <a:cs typeface="Georgia Pro Condensed"/>
+                <a:sym typeface="Georgia Pro Condensed"/>
+              </a:rPr>
+              <a:t> del </a:t>
+            </a:r>
+            <a:r>
+              <a:rPr lang="en-US" sz="8000" dirty="0" err="1">
+                <a:solidFill>
+                  <a:srgbClr val="F5F3F3"/>
+                </a:solidFill>
+                <a:latin typeface="Georgia Pro Condensed" panose="020B0604020202020204" charset="0"/>
+                <a:ea typeface="Georgia Pro Condensed"/>
+                <a:cs typeface="Georgia Pro Condensed"/>
+                <a:sym typeface="Georgia Pro Condensed"/>
+              </a:rPr>
+              <a:t>progetto</a:t>
+            </a:r>
+            <a:endParaRPr lang="en-US" sz="8000" dirty="0">
+              <a:solidFill>
+                <a:srgbClr val="F5F3F3"/>
+              </a:solidFill>
+              <a:latin typeface="Georgia Pro Condensed" panose="020B0604020202020204" charset="0"/>
+              <a:ea typeface="Georgia Pro Condensed"/>
+              <a:cs typeface="Georgia Pro Condensed"/>
+              <a:sym typeface="Georgia Pro Condensed"/>
+            </a:endParaRPr>
           </a:p>
         </p:txBody>
       </p:sp>
@@ -4406,7 +4855,9 @@
           <a:bodyPr/>
           <a:lstStyle/>
           <a:p>
-            <a:endParaRPr lang="it-IT"/>
+            <a:endParaRPr lang="it-IT">
+              <a:latin typeface="Georgia Pro Condensed" panose="020B0604020202020204" charset="0"/>
+            </a:endParaRPr>
           </a:p>
         </p:txBody>
       </p:sp>
@@ -4451,7 +4902,9 @@
             <a:bodyPr/>
             <a:lstStyle/>
             <a:p>
-              <a:endParaRPr lang="it-IT"/>
+              <a:endParaRPr lang="it-IT">
+                <a:latin typeface="Georgia Pro Condensed" panose="020B0604020202020204" charset="0"/>
+              </a:endParaRPr>
             </a:p>
           </p:txBody>
         </p:sp>
@@ -4523,7 +4976,9 @@
               <a:bodyPr/>
               <a:lstStyle/>
               <a:p>
-                <a:endParaRPr lang="it-IT"/>
+                <a:endParaRPr lang="it-IT">
+                  <a:latin typeface="Georgia Pro Condensed" panose="020B0604020202020204" charset="0"/>
+                </a:endParaRPr>
               </a:p>
             </p:txBody>
           </p:sp>
@@ -4596,7 +5051,9 @@
               <a:bodyPr/>
               <a:lstStyle/>
               <a:p>
-                <a:endParaRPr lang="it-IT"/>
+                <a:endParaRPr lang="it-IT">
+                  <a:latin typeface="Georgia Pro Condensed" panose="020B0604020202020204" charset="0"/>
+                </a:endParaRPr>
               </a:p>
             </p:txBody>
           </p:sp>
@@ -4669,7 +5126,9 @@
               <a:bodyPr/>
               <a:lstStyle/>
               <a:p>
-                <a:endParaRPr lang="it-IT"/>
+                <a:endParaRPr lang="it-IT">
+                  <a:latin typeface="Georgia Pro Condensed" panose="020B0604020202020204" charset="0"/>
+                </a:endParaRPr>
               </a:p>
             </p:txBody>
           </p:sp>
@@ -4684,7 +5143,7 @@
         <p:spPr>
           <a:xfrm>
             <a:off x="666750" y="809625"/>
-            <a:ext cx="16954500" cy="1069976"/>
+            <a:ext cx="16954500" cy="1025922"/>
           </a:xfrm>
           <a:prstGeom prst="rect">
             <a:avLst/>
@@ -4706,7 +5165,7 @@
                 <a:solidFill>
                   <a:srgbClr val="F5F3F3"/>
                 </a:solidFill>
-                <a:latin typeface="Georgia Pro Condensed"/>
+                <a:latin typeface="Georgia Pro Condensed" panose="020B0604020202020204" charset="0"/>
                 <a:ea typeface="Georgia Pro Condensed"/>
                 <a:cs typeface="Georgia Pro Condensed"/>
                 <a:sym typeface="Georgia Pro Condensed"/>
@@ -4743,16 +5202,76 @@
               </a:lnSpc>
             </a:pPr>
             <a:r>
-              <a:rPr lang="en-US" sz="3000" spc="-44">
+              <a:rPr lang="en-US" sz="3000" spc="-44" dirty="0" err="1">
                 <a:solidFill>
                   <a:srgbClr val="FFFFFF"/>
                 </a:solidFill>
-                <a:latin typeface="Helvetica World"/>
+                <a:latin typeface="Georgia Pro Condensed" panose="020B0604020202020204" charset="0"/>
                 <a:ea typeface="Helvetica World"/>
                 <a:cs typeface="Helvetica World"/>
                 <a:sym typeface="Helvetica World"/>
               </a:rPr>
-              <a:t>Analisi dei requisiti:</a:t>
+              <a:t>Analisi</a:t>
+            </a:r>
+            <a:r>
+              <a:rPr lang="en-US" sz="3000" spc="-44" dirty="0">
+                <a:solidFill>
+                  <a:srgbClr val="FFFFFF"/>
+                </a:solidFill>
+                <a:latin typeface="Georgia Pro Condensed" panose="020B0604020202020204" charset="0"/>
+                <a:ea typeface="Helvetica World"/>
+                <a:cs typeface="Helvetica World"/>
+                <a:sym typeface="Helvetica World"/>
+              </a:rPr>
+              <a:t> </a:t>
+            </a:r>
+            <a:r>
+              <a:rPr lang="en-US" sz="3000" spc="-44" dirty="0" err="1">
+                <a:solidFill>
+                  <a:srgbClr val="FFFFFF"/>
+                </a:solidFill>
+                <a:latin typeface="Georgia Pro Condensed" panose="020B0604020202020204" charset="0"/>
+                <a:ea typeface="Helvetica World"/>
+                <a:cs typeface="Helvetica World"/>
+                <a:sym typeface="Helvetica World"/>
+              </a:rPr>
+              <a:t>dei</a:t>
+            </a:r>
+            <a:r>
+              <a:rPr lang="en-US" sz="3000" spc="-44" dirty="0">
+                <a:solidFill>
+                  <a:srgbClr val="FFFFFF"/>
+                </a:solidFill>
+                <a:latin typeface="Georgia Pro Condensed" panose="020B0604020202020204" charset="0"/>
+                <a:ea typeface="Helvetica World"/>
+                <a:cs typeface="Helvetica World"/>
+                <a:sym typeface="Helvetica World"/>
+              </a:rPr>
+              <a:t> </a:t>
+            </a:r>
+            <a:r>
+              <a:rPr lang="en-US" sz="3000" spc="-44" dirty="0" err="1">
+                <a:solidFill>
+                  <a:srgbClr val="FFFFFF"/>
+                </a:solidFill>
+                <a:latin typeface="Georgia Pro Condensed" panose="020B0604020202020204" charset="0"/>
+                <a:ea typeface="Helvetica World"/>
+                <a:cs typeface="Helvetica World"/>
+                <a:sym typeface="Helvetica World"/>
+              </a:rPr>
+              <a:t>requisiti</a:t>
+            </a:r>
+            <a:r>
+              <a:rPr lang="en-US" sz="3000" spc="-44" dirty="0">
+                <a:solidFill>
+                  <a:srgbClr val="FFFFFF"/>
+                </a:solidFill>
+                <a:latin typeface="Georgia Pro Condensed" panose="020B0604020202020204" charset="0"/>
+                <a:ea typeface="Helvetica World"/>
+                <a:cs typeface="Helvetica World"/>
+                <a:sym typeface="Helvetica World"/>
+              </a:rPr>
+              <a:t>:</a:t>
             </a:r>
           </a:p>
           <a:p>
@@ -4764,16 +5283,196 @@
               <a:buChar char="•"/>
             </a:pPr>
             <a:r>
-              <a:rPr lang="en-US" sz="3000" spc="-44">
+              <a:rPr lang="en-US" sz="3000" spc="-44" dirty="0" err="1">
                 <a:solidFill>
                   <a:srgbClr val="FFFFFF"/>
                 </a:solidFill>
-                <a:latin typeface="Helvetica World"/>
+                <a:latin typeface="Georgia Pro Condensed" panose="020B0604020202020204" charset="0"/>
                 <a:ea typeface="Helvetica World"/>
                 <a:cs typeface="Helvetica World"/>
                 <a:sym typeface="Helvetica World"/>
               </a:rPr>
-              <a:t>Cosa si capisce sul sistema dalla sola analisi dei requisiti? </a:t>
+              <a:t>cosa</a:t>
+            </a:r>
+            <a:r>
+              <a:rPr lang="en-US" sz="3000" spc="-44" dirty="0">
+                <a:solidFill>
+                  <a:srgbClr val="FFFFFF"/>
+                </a:solidFill>
+                <a:latin typeface="Georgia Pro Condensed" panose="020B0604020202020204" charset="0"/>
+                <a:ea typeface="Helvetica World"/>
+                <a:cs typeface="Helvetica World"/>
+                <a:sym typeface="Helvetica World"/>
+              </a:rPr>
+              <a:t> </a:t>
+            </a:r>
+            <a:r>
+              <a:rPr lang="en-US" sz="3000" spc="-44" dirty="0" err="1">
+                <a:solidFill>
+                  <a:srgbClr val="FFFFFF"/>
+                </a:solidFill>
+                <a:latin typeface="Georgia Pro Condensed" panose="020B0604020202020204" charset="0"/>
+                <a:ea typeface="Helvetica World"/>
+                <a:cs typeface="Helvetica World"/>
+                <a:sym typeface="Helvetica World"/>
+              </a:rPr>
+              <a:t>si</a:t>
+            </a:r>
+            <a:r>
+              <a:rPr lang="en-US" sz="3000" spc="-44" dirty="0">
+                <a:solidFill>
+                  <a:srgbClr val="FFFFFF"/>
+                </a:solidFill>
+                <a:latin typeface="Georgia Pro Condensed" panose="020B0604020202020204" charset="0"/>
+                <a:ea typeface="Helvetica World"/>
+                <a:cs typeface="Helvetica World"/>
+                <a:sym typeface="Helvetica World"/>
+              </a:rPr>
+              <a:t> capisce </a:t>
+            </a:r>
+            <a:r>
+              <a:rPr lang="en-US" sz="3000" spc="-44" dirty="0" err="1">
+                <a:solidFill>
+                  <a:srgbClr val="FFFFFF"/>
+                </a:solidFill>
+                <a:latin typeface="Georgia Pro Condensed" panose="020B0604020202020204" charset="0"/>
+                <a:ea typeface="Helvetica World"/>
+                <a:cs typeface="Helvetica World"/>
+                <a:sym typeface="Helvetica World"/>
+              </a:rPr>
+              <a:t>sul</a:t>
+            </a:r>
+            <a:r>
+              <a:rPr lang="en-US" sz="3000" spc="-44" dirty="0">
+                <a:solidFill>
+                  <a:srgbClr val="FFFFFF"/>
+                </a:solidFill>
+                <a:latin typeface="Georgia Pro Condensed" panose="020B0604020202020204" charset="0"/>
+                <a:ea typeface="Helvetica World"/>
+                <a:cs typeface="Helvetica World"/>
+                <a:sym typeface="Helvetica World"/>
+              </a:rPr>
+              <a:t> </a:t>
+            </a:r>
+            <a:r>
+              <a:rPr lang="en-US" sz="3000" spc="-44" dirty="0" err="1">
+                <a:solidFill>
+                  <a:srgbClr val="FFFFFF"/>
+                </a:solidFill>
+                <a:latin typeface="Georgia Pro Condensed" panose="020B0604020202020204" charset="0"/>
+                <a:ea typeface="Helvetica World"/>
+                <a:cs typeface="Helvetica World"/>
+                <a:sym typeface="Helvetica World"/>
+              </a:rPr>
+              <a:t>sistema</a:t>
+            </a:r>
+            <a:r>
+              <a:rPr lang="en-US" sz="3000" spc="-44" dirty="0">
+                <a:solidFill>
+                  <a:srgbClr val="FFFFFF"/>
+                </a:solidFill>
+                <a:latin typeface="Georgia Pro Condensed" panose="020B0604020202020204" charset="0"/>
+                <a:ea typeface="Helvetica World"/>
+                <a:cs typeface="Helvetica World"/>
+                <a:sym typeface="Helvetica World"/>
+              </a:rPr>
+              <a:t> </a:t>
+            </a:r>
+            <a:r>
+              <a:rPr lang="en-US" sz="3000" spc="-44" dirty="0" err="1">
+                <a:solidFill>
+                  <a:srgbClr val="FFFFFF"/>
+                </a:solidFill>
+                <a:latin typeface="Georgia Pro Condensed" panose="020B0604020202020204" charset="0"/>
+                <a:ea typeface="Helvetica World"/>
+                <a:cs typeface="Helvetica World"/>
+                <a:sym typeface="Helvetica World"/>
+              </a:rPr>
+              <a:t>dalla</a:t>
+            </a:r>
+            <a:r>
+              <a:rPr lang="en-US" sz="3000" spc="-44" dirty="0">
+                <a:solidFill>
+                  <a:srgbClr val="FFFFFF"/>
+                </a:solidFill>
+                <a:latin typeface="Georgia Pro Condensed" panose="020B0604020202020204" charset="0"/>
+                <a:ea typeface="Helvetica World"/>
+                <a:cs typeface="Helvetica World"/>
+                <a:sym typeface="Helvetica World"/>
+              </a:rPr>
+              <a:t> sola </a:t>
+            </a:r>
+            <a:r>
+              <a:rPr lang="en-US" sz="3000" spc="-44" dirty="0" err="1">
+                <a:solidFill>
+                  <a:srgbClr val="FFFFFF"/>
+                </a:solidFill>
+                <a:latin typeface="Georgia Pro Condensed" panose="020B0604020202020204" charset="0"/>
+                <a:ea typeface="Helvetica World"/>
+                <a:cs typeface="Helvetica World"/>
+                <a:sym typeface="Helvetica World"/>
+              </a:rPr>
+              <a:t>analisi</a:t>
+            </a:r>
+            <a:r>
+              <a:rPr lang="en-US" sz="3000" spc="-44" dirty="0">
+                <a:solidFill>
+                  <a:srgbClr val="FFFFFF"/>
+                </a:solidFill>
+                <a:latin typeface="Georgia Pro Condensed" panose="020B0604020202020204" charset="0"/>
+                <a:ea typeface="Helvetica World"/>
+                <a:cs typeface="Helvetica World"/>
+                <a:sym typeface="Helvetica World"/>
+              </a:rPr>
+              <a:t> </a:t>
+            </a:r>
+            <a:r>
+              <a:rPr lang="en-US" sz="3000" spc="-44" dirty="0" err="1">
+                <a:solidFill>
+                  <a:srgbClr val="FFFFFF"/>
+                </a:solidFill>
+                <a:latin typeface="Georgia Pro Condensed" panose="020B0604020202020204" charset="0"/>
+                <a:ea typeface="Helvetica World"/>
+                <a:cs typeface="Helvetica World"/>
+                <a:sym typeface="Helvetica World"/>
+              </a:rPr>
+              <a:t>dei</a:t>
+            </a:r>
+            <a:r>
+              <a:rPr lang="en-US" sz="3000" spc="-44" dirty="0">
+                <a:solidFill>
+                  <a:srgbClr val="FFFFFF"/>
+                </a:solidFill>
+                <a:latin typeface="Georgia Pro Condensed" panose="020B0604020202020204" charset="0"/>
+                <a:ea typeface="Helvetica World"/>
+                <a:cs typeface="Helvetica World"/>
+                <a:sym typeface="Helvetica World"/>
+              </a:rPr>
+              <a:t> </a:t>
+            </a:r>
+            <a:r>
+              <a:rPr lang="en-US" sz="3000" spc="-44" dirty="0" err="1">
+                <a:solidFill>
+                  <a:srgbClr val="FFFFFF"/>
+                </a:solidFill>
+                <a:latin typeface="Georgia Pro Condensed" panose="020B0604020202020204" charset="0"/>
+                <a:ea typeface="Helvetica World"/>
+                <a:cs typeface="Helvetica World"/>
+                <a:sym typeface="Helvetica World"/>
+              </a:rPr>
+              <a:t>requisiti</a:t>
+            </a:r>
+            <a:r>
+              <a:rPr lang="en-US" sz="3000" spc="-44" dirty="0">
+                <a:solidFill>
+                  <a:srgbClr val="FFFFFF"/>
+                </a:solidFill>
+                <a:latin typeface="Georgia Pro Condensed" panose="020B0604020202020204" charset="0"/>
+                <a:ea typeface="Helvetica World"/>
+                <a:cs typeface="Helvetica World"/>
+                <a:sym typeface="Helvetica World"/>
+              </a:rPr>
+              <a:t> ?</a:t>
             </a:r>
           </a:p>
         </p:txBody>
@@ -4787,7 +5486,7 @@
         <p:spPr>
           <a:xfrm>
             <a:off x="356774" y="5403165"/>
-            <a:ext cx="3500795" cy="523875"/>
+            <a:ext cx="3500795" cy="493020"/>
           </a:xfrm>
           <a:prstGeom prst="rect">
             <a:avLst/>
@@ -4812,7 +5511,7 @@
                 <a:solidFill>
                   <a:srgbClr val="F5F3F3"/>
                 </a:solidFill>
-                <a:latin typeface="Helvetica World"/>
+                <a:latin typeface="Georgia Pro Condensed" panose="020B0604020202020204" charset="0"/>
                 <a:ea typeface="Helvetica World"/>
                 <a:cs typeface="Helvetica World"/>
                 <a:sym typeface="Helvetica World"/>
@@ -4831,7 +5530,7 @@
         <p:spPr>
           <a:xfrm>
             <a:off x="356774" y="7083466"/>
-            <a:ext cx="775335" cy="358775"/>
+            <a:ext cx="775335" cy="328680"/>
           </a:xfrm>
           <a:prstGeom prst="rect">
             <a:avLst/>
@@ -4856,7 +5555,7 @@
                 <a:solidFill>
                   <a:srgbClr val="F5F3F3"/>
                 </a:solidFill>
-                <a:latin typeface="Helvetica World"/>
+                <a:latin typeface="Georgia Pro Condensed" panose="020B0604020202020204" charset="0"/>
                 <a:ea typeface="Helvetica World"/>
                 <a:cs typeface="Helvetica World"/>
                 <a:sym typeface="Helvetica World"/>
@@ -4893,11 +5592,11 @@
               </a:lnSpc>
             </a:pPr>
             <a:r>
-              <a:rPr lang="en-US" sz="2000" spc="-30">
-                <a:solidFill>
-                  <a:srgbClr val="F5F3F3"/>
-                </a:solidFill>
-                <a:latin typeface="Helvetica World"/>
+              <a:rPr lang="en-US" sz="2000" spc="-30" dirty="0">
+                <a:solidFill>
+                  <a:srgbClr val="F5F3F3"/>
+                </a:solidFill>
+                <a:latin typeface="Georgia Pro Condensed" panose="020B0604020202020204" charset="0"/>
                 <a:ea typeface="Helvetica World"/>
                 <a:cs typeface="Helvetica World"/>
                 <a:sym typeface="Helvetica World"/>
@@ -4914,16 +5613,28 @@
               <a:buChar char="•"/>
             </a:pPr>
             <a:r>
-              <a:rPr lang="en-US" sz="2000" spc="-30">
-                <a:solidFill>
-                  <a:srgbClr val="F5F3F3"/>
-                </a:solidFill>
-                <a:latin typeface="Helvetica World"/>
+              <a:rPr lang="en-US" sz="2000" spc="-30" dirty="0" err="1">
+                <a:solidFill>
+                  <a:srgbClr val="F5F3F3"/>
+                </a:solidFill>
+                <a:latin typeface="Georgia Pro Condensed" panose="020B0604020202020204" charset="0"/>
                 <a:ea typeface="Helvetica World"/>
                 <a:cs typeface="Helvetica World"/>
                 <a:sym typeface="Helvetica World"/>
               </a:rPr>
-              <a:t>rappresentazione della hold;</a:t>
+              <a:t>rappresentazione</a:t>
+            </a:r>
+            <a:r>
+              <a:rPr lang="en-US" sz="2000" spc="-30" dirty="0">
+                <a:solidFill>
+                  <a:srgbClr val="F5F3F3"/>
+                </a:solidFill>
+                <a:latin typeface="Georgia Pro Condensed" panose="020B0604020202020204" charset="0"/>
+                <a:ea typeface="Helvetica World"/>
+                <a:cs typeface="Helvetica World"/>
+                <a:sym typeface="Helvetica World"/>
+              </a:rPr>
+              <a:t> della hold,</a:t>
             </a:r>
           </a:p>
           <a:p>
@@ -4935,16 +5646,52 @@
               <a:buChar char="•"/>
             </a:pPr>
             <a:r>
-              <a:rPr lang="en-US" sz="2000" spc="-30">
-                <a:solidFill>
-                  <a:srgbClr val="F5F3F3"/>
-                </a:solidFill>
-                <a:latin typeface="Helvetica World"/>
+              <a:rPr lang="en-US" sz="2000" spc="-30" dirty="0" err="1">
+                <a:solidFill>
+                  <a:srgbClr val="F5F3F3"/>
+                </a:solidFill>
+                <a:latin typeface="Georgia Pro Condensed" panose="020B0604020202020204" charset="0"/>
                 <a:ea typeface="Helvetica World"/>
                 <a:cs typeface="Helvetica World"/>
                 <a:sym typeface="Helvetica World"/>
               </a:rPr>
-              <a:t>basicrobot, cargorobot;</a:t>
+              <a:t>basicrobot</a:t>
+            </a:r>
+            <a:r>
+              <a:rPr lang="en-US" sz="2000" spc="-30" dirty="0">
+                <a:solidFill>
+                  <a:srgbClr val="F5F3F3"/>
+                </a:solidFill>
+                <a:latin typeface="Georgia Pro Condensed" panose="020B0604020202020204" charset="0"/>
+                <a:ea typeface="Helvetica World"/>
+                <a:cs typeface="Helvetica World"/>
+                <a:sym typeface="Helvetica World"/>
+              </a:rPr>
+              <a:t>, </a:t>
+            </a:r>
+            <a:r>
+              <a:rPr lang="en-US" sz="2000" spc="-30" dirty="0" err="1">
+                <a:solidFill>
+                  <a:srgbClr val="F5F3F3"/>
+                </a:solidFill>
+                <a:latin typeface="Georgia Pro Condensed" panose="020B0604020202020204" charset="0"/>
+                <a:ea typeface="Helvetica World"/>
+                <a:cs typeface="Helvetica World"/>
+                <a:sym typeface="Helvetica World"/>
+              </a:rPr>
+              <a:t>cargorobot</a:t>
+            </a:r>
+            <a:r>
+              <a:rPr lang="en-US" sz="2000" spc="-30" dirty="0">
+                <a:solidFill>
+                  <a:srgbClr val="F5F3F3"/>
+                </a:solidFill>
+                <a:latin typeface="Georgia Pro Condensed" panose="020B0604020202020204" charset="0"/>
+                <a:ea typeface="Helvetica World"/>
+                <a:cs typeface="Helvetica World"/>
+                <a:sym typeface="Helvetica World"/>
+              </a:rPr>
+              <a:t>,</a:t>
             </a:r>
           </a:p>
           <a:p>
@@ -4956,16 +5703,28 @@
               <a:buChar char="•"/>
             </a:pPr>
             <a:r>
-              <a:rPr lang="en-US" sz="2000" spc="-30">
-                <a:solidFill>
-                  <a:srgbClr val="F5F3F3"/>
-                </a:solidFill>
-                <a:latin typeface="Helvetica World"/>
+              <a:rPr lang="en-US" sz="2000" spc="-30" dirty="0" err="1">
+                <a:solidFill>
+                  <a:srgbClr val="F5F3F3"/>
+                </a:solidFill>
+                <a:latin typeface="Georgia Pro Condensed" panose="020B0604020202020204" charset="0"/>
                 <a:ea typeface="Helvetica World"/>
                 <a:cs typeface="Helvetica World"/>
                 <a:sym typeface="Helvetica World"/>
               </a:rPr>
-              <a:t>productservice;</a:t>
+              <a:t>productservice</a:t>
+            </a:r>
+            <a:r>
+              <a:rPr lang="en-US" sz="2000" spc="-30" dirty="0">
+                <a:solidFill>
+                  <a:srgbClr val="F5F3F3"/>
+                </a:solidFill>
+                <a:latin typeface="Georgia Pro Condensed" panose="020B0604020202020204" charset="0"/>
+                <a:ea typeface="Helvetica World"/>
+                <a:cs typeface="Helvetica World"/>
+                <a:sym typeface="Helvetica World"/>
+              </a:rPr>
+              <a:t>,</a:t>
             </a:r>
           </a:p>
           <a:p>
@@ -4977,16 +5736,28 @@
               <a:buChar char="•"/>
             </a:pPr>
             <a:r>
-              <a:rPr lang="en-US" sz="2000" spc="-30">
-                <a:solidFill>
-                  <a:srgbClr val="F5F3F3"/>
-                </a:solidFill>
-                <a:latin typeface="Helvetica World"/>
+              <a:rPr lang="en-US" sz="2000" spc="-30" dirty="0" err="1">
+                <a:solidFill>
+                  <a:srgbClr val="F5F3F3"/>
+                </a:solidFill>
+                <a:latin typeface="Georgia Pro Condensed" panose="020B0604020202020204" charset="0"/>
                 <a:ea typeface="Helvetica World"/>
                 <a:cs typeface="Helvetica World"/>
                 <a:sym typeface="Helvetica World"/>
               </a:rPr>
-              <a:t>cargoservice;</a:t>
+              <a:t>cargoservice</a:t>
+            </a:r>
+            <a:r>
+              <a:rPr lang="en-US" sz="2000" spc="-30" dirty="0">
+                <a:solidFill>
+                  <a:srgbClr val="F5F3F3"/>
+                </a:solidFill>
+                <a:latin typeface="Georgia Pro Condensed" panose="020B0604020202020204" charset="0"/>
+                <a:ea typeface="Helvetica World"/>
+                <a:cs typeface="Helvetica World"/>
+                <a:sym typeface="Helvetica World"/>
+              </a:rPr>
+              <a:t>.</a:t>
             </a:r>
           </a:p>
         </p:txBody>
@@ -5000,7 +5771,7 @@
         <p:spPr>
           <a:xfrm>
             <a:off x="4445067" y="7842250"/>
-            <a:ext cx="775335" cy="358775"/>
+            <a:ext cx="775335" cy="328680"/>
           </a:xfrm>
           <a:prstGeom prst="rect">
             <a:avLst/>
@@ -5025,7 +5796,7 @@
                 <a:solidFill>
                   <a:srgbClr val="F5F3F3"/>
                 </a:solidFill>
-                <a:latin typeface="Helvetica World"/>
+                <a:latin typeface="Georgia Pro Condensed" panose="020B0604020202020204" charset="0"/>
                 <a:ea typeface="Helvetica World"/>
                 <a:cs typeface="Helvetica World"/>
                 <a:sym typeface="Helvetica World"/>
@@ -5062,11 +5833,11 @@
               </a:lnSpc>
             </a:pPr>
             <a:r>
-              <a:rPr lang="en-US" sz="2000" spc="-30">
-                <a:solidFill>
-                  <a:srgbClr val="F5F3F3"/>
-                </a:solidFill>
-                <a:latin typeface="Helvetica World"/>
+              <a:rPr lang="en-US" sz="2000" spc="-30" dirty="0">
+                <a:solidFill>
+                  <a:srgbClr val="F5F3F3"/>
+                </a:solidFill>
+                <a:latin typeface="Georgia Pro Condensed" panose="020B0604020202020204" charset="0"/>
                 <a:ea typeface="Helvetica World"/>
                 <a:cs typeface="Helvetica World"/>
                 <a:sym typeface="Helvetica World"/>
@@ -5083,16 +5854,16 @@
               <a:buChar char="•"/>
             </a:pPr>
             <a:r>
-              <a:rPr lang="en-US" sz="2000" spc="-30">
-                <a:solidFill>
-                  <a:srgbClr val="F5F3F3"/>
-                </a:solidFill>
-                <a:latin typeface="Helvetica World"/>
+              <a:rPr lang="en-US" sz="2000" spc="-30" dirty="0">
+                <a:solidFill>
+                  <a:srgbClr val="F5F3F3"/>
+                </a:solidFill>
+                <a:latin typeface="Georgia Pro Condensed" panose="020B0604020202020204" charset="0"/>
                 <a:ea typeface="Helvetica World"/>
                 <a:cs typeface="Helvetica World"/>
                 <a:sym typeface="Helvetica World"/>
               </a:rPr>
-              <a:t>Sonar;</a:t>
+              <a:t>sonar,</a:t>
             </a:r>
           </a:p>
           <a:p>
@@ -5104,16 +5875,16 @@
               <a:buChar char="•"/>
             </a:pPr>
             <a:r>
-              <a:rPr lang="en-US" sz="2000" spc="-30">
-                <a:solidFill>
-                  <a:srgbClr val="F5F3F3"/>
-                </a:solidFill>
-                <a:latin typeface="Helvetica World"/>
+              <a:rPr lang="en-US" sz="2000" spc="-30" dirty="0">
+                <a:solidFill>
+                  <a:srgbClr val="F5F3F3"/>
+                </a:solidFill>
+                <a:latin typeface="Georgia Pro Condensed" panose="020B0604020202020204" charset="0"/>
                 <a:ea typeface="Helvetica World"/>
                 <a:cs typeface="Helvetica World"/>
                 <a:sym typeface="Helvetica World"/>
               </a:rPr>
-              <a:t>Led;</a:t>
+              <a:t>led.</a:t>
             </a:r>
           </a:p>
         </p:txBody>
@@ -5127,7 +5898,7 @@
         <p:spPr>
           <a:xfrm>
             <a:off x="8756332" y="7083466"/>
-            <a:ext cx="775335" cy="358775"/>
+            <a:ext cx="775335" cy="328680"/>
           </a:xfrm>
           <a:prstGeom prst="rect">
             <a:avLst/>
@@ -5149,7 +5920,7 @@
                 <a:solidFill>
                   <a:srgbClr val="F5F3F3"/>
                 </a:solidFill>
-                <a:latin typeface="Helvetica World"/>
+                <a:latin typeface="Georgia Pro Condensed" panose="020B0604020202020204" charset="0"/>
                 <a:ea typeface="Helvetica World"/>
                 <a:cs typeface="Helvetica World"/>
                 <a:sym typeface="Helvetica World"/>
@@ -5167,15 +5938,15 @@
         </p:nvSpPr>
         <p:spPr>
           <a:xfrm>
-            <a:off x="8928140" y="7842291"/>
-            <a:ext cx="431721" cy="358775"/>
+            <a:off x="8798422" y="7927121"/>
+            <a:ext cx="691154" cy="328680"/>
           </a:xfrm>
           <a:prstGeom prst="rect">
             <a:avLst/>
           </a:prstGeom>
         </p:spPr>
         <p:txBody>
-          <a:bodyPr lIns="0" tIns="0" rIns="0" bIns="0" rtlCol="0" anchor="t">
+          <a:bodyPr wrap="square" lIns="0" tIns="0" rIns="0" bIns="0" rtlCol="0" anchor="t">
             <a:spAutoFit/>
           </a:bodyPr>
           <a:lstStyle/>
@@ -5189,11 +5960,11 @@
               </a:spcBef>
             </a:pPr>
             <a:r>
-              <a:rPr lang="en-US" sz="2000" spc="-30">
-                <a:solidFill>
-                  <a:srgbClr val="F5F3F3"/>
-                </a:solidFill>
-                <a:latin typeface="Helvetica World"/>
+              <a:rPr lang="en-US" sz="2000" spc="-30" dirty="0">
+                <a:solidFill>
+                  <a:srgbClr val="F5F3F3"/>
+                </a:solidFill>
+                <a:latin typeface="Georgia Pro Condensed" panose="020B0604020202020204" charset="0"/>
                 <a:ea typeface="Helvetica World"/>
                 <a:cs typeface="Helvetica World"/>
                 <a:sym typeface="Helvetica World"/>
@@ -5360,7 +6131,7 @@
               </a:lnSpc>
             </a:pPr>
             <a:r>
-              <a:rPr lang="en-US" sz="5000" spc="-75">
+              <a:rPr lang="en-US" sz="5000" spc="-75" dirty="0" err="1">
                 <a:solidFill>
                   <a:srgbClr val="F5F3F3"/>
                 </a:solidFill>
@@ -5369,7 +6140,43 @@
                 <a:cs typeface="Georgia Pro Condensed"/>
                 <a:sym typeface="Georgia Pro Condensed"/>
               </a:rPr>
-              <a:t>Punti chiave:</a:t>
+              <a:t>Punti</a:t>
+            </a:r>
+            <a:r>
+              <a:rPr lang="en-US" sz="5000" spc="-75" dirty="0">
+                <a:solidFill>
+                  <a:srgbClr val="F5F3F3"/>
+                </a:solidFill>
+                <a:latin typeface="Georgia Pro Condensed"/>
+                <a:ea typeface="Georgia Pro Condensed"/>
+                <a:cs typeface="Georgia Pro Condensed"/>
+                <a:sym typeface="Georgia Pro Condensed"/>
+              </a:rPr>
+              <a:t> </a:t>
+            </a:r>
+            <a:r>
+              <a:rPr lang="en-US" sz="5000" spc="-75" dirty="0" err="1">
+                <a:solidFill>
+                  <a:srgbClr val="F5F3F3"/>
+                </a:solidFill>
+                <a:latin typeface="Georgia Pro Condensed"/>
+                <a:ea typeface="Georgia Pro Condensed"/>
+                <a:cs typeface="Georgia Pro Condensed"/>
+                <a:sym typeface="Georgia Pro Condensed"/>
+              </a:rPr>
+              <a:t>chiave</a:t>
+            </a:r>
+            <a:r>
+              <a:rPr lang="en-US" sz="5000" spc="-75" dirty="0">
+                <a:solidFill>
+                  <a:srgbClr val="F5F3F3"/>
+                </a:solidFill>
+                <a:latin typeface="Georgia Pro Condensed"/>
+                <a:ea typeface="Georgia Pro Condensed"/>
+                <a:cs typeface="Georgia Pro Condensed"/>
+                <a:sym typeface="Georgia Pro Condensed"/>
+              </a:rPr>
+              <a:t>:</a:t>
             </a:r>
           </a:p>
           <a:p>
@@ -5381,7 +6188,7 @@
               <a:buChar char="•"/>
             </a:pPr>
             <a:r>
-              <a:rPr lang="en-US" sz="3999" spc="-59">
+              <a:rPr lang="en-US" sz="3999" spc="-59" dirty="0" err="1">
                 <a:solidFill>
                   <a:srgbClr val="F5F3F3"/>
                 </a:solidFill>
@@ -5390,7 +6197,19 @@
                 <a:cs typeface="Georgia Pro Condensed"/>
                 <a:sym typeface="Georgia Pro Condensed"/>
               </a:rPr>
-              <a:t>Rappresentazione della hold;</a:t>
+              <a:t>rappresentazione</a:t>
+            </a:r>
+            <a:r>
+              <a:rPr lang="en-US" sz="3999" spc="-59" dirty="0">
+                <a:solidFill>
+                  <a:srgbClr val="F5F3F3"/>
+                </a:solidFill>
+                <a:latin typeface="Georgia Pro Condensed"/>
+                <a:ea typeface="Georgia Pro Condensed"/>
+                <a:cs typeface="Georgia Pro Condensed"/>
+                <a:sym typeface="Georgia Pro Condensed"/>
+              </a:rPr>
+              <a:t> della hold,</a:t>
             </a:r>
           </a:p>
           <a:p>
@@ -5402,7 +6221,7 @@
               <a:buChar char="•"/>
             </a:pPr>
             <a:r>
-              <a:rPr lang="en-US" sz="3999" spc="-59">
+              <a:rPr lang="en-US" sz="3999" spc="-59" dirty="0" err="1">
                 <a:solidFill>
                   <a:srgbClr val="F5F3F3"/>
                 </a:solidFill>
@@ -5411,7 +6230,43 @@
                 <a:cs typeface="Georgia Pro Condensed"/>
                 <a:sym typeface="Georgia Pro Condensed"/>
               </a:rPr>
-              <a:t>Movimento basicrobot;</a:t>
+              <a:t>movimento</a:t>
+            </a:r>
+            <a:r>
+              <a:rPr lang="en-US" sz="3999" spc="-59" dirty="0">
+                <a:solidFill>
+                  <a:srgbClr val="F5F3F3"/>
+                </a:solidFill>
+                <a:latin typeface="Georgia Pro Condensed"/>
+                <a:ea typeface="Georgia Pro Condensed"/>
+                <a:cs typeface="Georgia Pro Condensed"/>
+                <a:sym typeface="Georgia Pro Condensed"/>
+              </a:rPr>
+              <a:t> </a:t>
+            </a:r>
+            <a:r>
+              <a:rPr lang="en-US" sz="3999" spc="-59" dirty="0" err="1">
+                <a:solidFill>
+                  <a:srgbClr val="F5F3F3"/>
+                </a:solidFill>
+                <a:latin typeface="Georgia Pro Condensed"/>
+                <a:ea typeface="Georgia Pro Condensed"/>
+                <a:cs typeface="Georgia Pro Condensed"/>
+                <a:sym typeface="Georgia Pro Condensed"/>
+              </a:rPr>
+              <a:t>basicrobot</a:t>
+            </a:r>
+            <a:r>
+              <a:rPr lang="en-US" sz="3999" spc="-59" dirty="0">
+                <a:solidFill>
+                  <a:srgbClr val="F5F3F3"/>
+                </a:solidFill>
+                <a:latin typeface="Georgia Pro Condensed"/>
+                <a:ea typeface="Georgia Pro Condensed"/>
+                <a:cs typeface="Georgia Pro Condensed"/>
+                <a:sym typeface="Georgia Pro Condensed"/>
+              </a:rPr>
+              <a:t>,</a:t>
             </a:r>
           </a:p>
           <a:p>
@@ -5423,7 +6278,7 @@
               <a:buChar char="•"/>
             </a:pPr>
             <a:r>
-              <a:rPr lang="en-US" sz="3999" spc="-59">
+              <a:rPr lang="en-US" sz="3999" spc="-59" dirty="0" err="1">
                 <a:solidFill>
                   <a:srgbClr val="F5F3F3"/>
                 </a:solidFill>
@@ -5432,7 +6287,43 @@
                 <a:cs typeface="Georgia Pro Condensed"/>
                 <a:sym typeface="Georgia Pro Condensed"/>
               </a:rPr>
-              <a:t>Posizioni rilevanti;</a:t>
+              <a:t>posizioni</a:t>
+            </a:r>
+            <a:r>
+              <a:rPr lang="en-US" sz="3999" spc="-59" dirty="0">
+                <a:solidFill>
+                  <a:srgbClr val="F5F3F3"/>
+                </a:solidFill>
+                <a:latin typeface="Georgia Pro Condensed"/>
+                <a:ea typeface="Georgia Pro Condensed"/>
+                <a:cs typeface="Georgia Pro Condensed"/>
+                <a:sym typeface="Georgia Pro Condensed"/>
+              </a:rPr>
+              <a:t> </a:t>
+            </a:r>
+            <a:r>
+              <a:rPr lang="en-US" sz="3999" spc="-59" dirty="0" err="1">
+                <a:solidFill>
+                  <a:srgbClr val="F5F3F3"/>
+                </a:solidFill>
+                <a:latin typeface="Georgia Pro Condensed"/>
+                <a:ea typeface="Georgia Pro Condensed"/>
+                <a:cs typeface="Georgia Pro Condensed"/>
+                <a:sym typeface="Georgia Pro Condensed"/>
+              </a:rPr>
+              <a:t>rilevanti</a:t>
+            </a:r>
+            <a:r>
+              <a:rPr lang="en-US" sz="3999" spc="-59" dirty="0">
+                <a:solidFill>
+                  <a:srgbClr val="F5F3F3"/>
+                </a:solidFill>
+                <a:latin typeface="Georgia Pro Condensed"/>
+                <a:ea typeface="Georgia Pro Condensed"/>
+                <a:cs typeface="Georgia Pro Condensed"/>
+                <a:sym typeface="Georgia Pro Condensed"/>
+              </a:rPr>
+              <a:t>,</a:t>
             </a:r>
           </a:p>
           <a:p>
@@ -5444,7 +6335,7 @@
               <a:buChar char="•"/>
             </a:pPr>
             <a:r>
-              <a:rPr lang="en-US" sz="3999" spc="-59">
+              <a:rPr lang="en-US" sz="3999" spc="-59" dirty="0" err="1">
                 <a:solidFill>
                   <a:srgbClr val="F5F3F3"/>
                 </a:solidFill>
@@ -5453,7 +6344,43 @@
                 <a:cs typeface="Georgia Pro Condensed"/>
                 <a:sym typeface="Georgia Pro Condensed"/>
               </a:rPr>
-              <a:t>Productservice e gestione hold;</a:t>
+              <a:t>productservice</a:t>
+            </a:r>
+            <a:r>
+              <a:rPr lang="en-US" sz="3999" spc="-59" dirty="0">
+                <a:solidFill>
+                  <a:srgbClr val="F5F3F3"/>
+                </a:solidFill>
+                <a:latin typeface="Georgia Pro Condensed"/>
+                <a:ea typeface="Georgia Pro Condensed"/>
+                <a:cs typeface="Georgia Pro Condensed"/>
+                <a:sym typeface="Georgia Pro Condensed"/>
+              </a:rPr>
+              <a:t> e </a:t>
+            </a:r>
+            <a:r>
+              <a:rPr lang="en-US" sz="3999" spc="-59" dirty="0" err="1">
+                <a:solidFill>
+                  <a:srgbClr val="F5F3F3"/>
+                </a:solidFill>
+                <a:latin typeface="Georgia Pro Condensed"/>
+                <a:ea typeface="Georgia Pro Condensed"/>
+                <a:cs typeface="Georgia Pro Condensed"/>
+                <a:sym typeface="Georgia Pro Condensed"/>
+              </a:rPr>
+              <a:t>gestione</a:t>
+            </a:r>
+            <a:r>
+              <a:rPr lang="en-US" sz="3999" spc="-59" dirty="0">
+                <a:solidFill>
+                  <a:srgbClr val="F5F3F3"/>
+                </a:solidFill>
+                <a:latin typeface="Georgia Pro Condensed"/>
+                <a:ea typeface="Georgia Pro Condensed"/>
+                <a:cs typeface="Georgia Pro Condensed"/>
+                <a:sym typeface="Georgia Pro Condensed"/>
+              </a:rPr>
+              <a:t> hold,</a:t>
             </a:r>
           </a:p>
           <a:p>
@@ -5465,7 +6392,7 @@
               <a:buChar char="•"/>
             </a:pPr>
             <a:r>
-              <a:rPr lang="en-US" sz="3999" spc="-59">
+              <a:rPr lang="en-US" sz="3999" spc="-59" dirty="0">
                 <a:solidFill>
                   <a:srgbClr val="F5F3F3"/>
                 </a:solidFill>
@@ -5474,7 +6401,7 @@
                 <a:cs typeface="Georgia Pro Condensed"/>
                 <a:sym typeface="Georgia Pro Condensed"/>
               </a:rPr>
-              <a:t>Test;</a:t>
+              <a:t>test.</a:t>
             </a:r>
           </a:p>
           <a:p>
@@ -5483,7 +6410,7 @@
                 <a:spcPts val="5599"/>
               </a:lnSpc>
             </a:pPr>
-            <a:endParaRPr lang="en-US" sz="3999" spc="-59">
+            <a:endParaRPr lang="en-US" sz="3999" spc="-59" dirty="0">
               <a:solidFill>
                 <a:srgbClr val="F5F3F3"/>
               </a:solidFill>
@@ -5577,7 +6504,9 @@
           <a:bodyPr/>
           <a:lstStyle/>
           <a:p>
-            <a:endParaRPr lang="it-IT"/>
+            <a:endParaRPr lang="it-IT">
+              <a:latin typeface="Georgia Pro Condensed" panose="020B0604020202020204" charset="0"/>
+            </a:endParaRPr>
           </a:p>
         </p:txBody>
       </p:sp>
@@ -5590,7 +6519,7 @@
         <p:spPr>
           <a:xfrm>
             <a:off x="666750" y="809625"/>
-            <a:ext cx="6886575" cy="1069976"/>
+            <a:ext cx="6886575" cy="1025922"/>
           </a:xfrm>
           <a:prstGeom prst="rect">
             <a:avLst/>
@@ -5615,7 +6544,7 @@
                 <a:solidFill>
                   <a:srgbClr val="F5F3F3"/>
                 </a:solidFill>
-                <a:latin typeface="Georgia Pro Condensed"/>
+                <a:latin typeface="Georgia Pro Condensed" panose="020B0604020202020204" charset="0"/>
                 <a:ea typeface="Georgia Pro Condensed"/>
                 <a:cs typeface="Georgia Pro Condensed"/>
                 <a:sym typeface="Georgia Pro Condensed"/>
@@ -5656,7 +6585,7 @@
                 <a:solidFill>
                   <a:srgbClr val="F5F3F3"/>
                 </a:solidFill>
-                <a:latin typeface="Georgia Pro Condensed"/>
+                <a:latin typeface="Georgia Pro Condensed" panose="020B0604020202020204" charset="0"/>
                 <a:ea typeface="Georgia Pro Condensed"/>
                 <a:cs typeface="Georgia Pro Condensed"/>
                 <a:sym typeface="Georgia Pro Condensed"/>
@@ -5668,7 +6597,7 @@
                 <a:solidFill>
                   <a:srgbClr val="F5F3F3"/>
                 </a:solidFill>
-                <a:latin typeface="Georgia Pro Condensed"/>
+                <a:latin typeface="Georgia Pro Condensed" panose="020B0604020202020204" charset="0"/>
                 <a:ea typeface="Georgia Pro Condensed"/>
                 <a:cs typeface="Georgia Pro Condensed"/>
                 <a:sym typeface="Georgia Pro Condensed"/>
@@ -5680,7 +6609,7 @@
                 <a:solidFill>
                   <a:srgbClr val="F5F3F3"/>
                 </a:solidFill>
-                <a:latin typeface="Georgia Pro Condensed"/>
+                <a:latin typeface="Georgia Pro Condensed" panose="020B0604020202020204" charset="0"/>
                 <a:ea typeface="Georgia Pro Condensed"/>
                 <a:cs typeface="Georgia Pro Condensed"/>
                 <a:sym typeface="Georgia Pro Condensed"/>
@@ -5692,7 +6621,7 @@
                 <a:solidFill>
                   <a:srgbClr val="F5F3F3"/>
                 </a:solidFill>
-                <a:latin typeface="Georgia Pro Condensed"/>
+                <a:latin typeface="Georgia Pro Condensed" panose="020B0604020202020204" charset="0"/>
                 <a:ea typeface="Georgia Pro Condensed"/>
                 <a:cs typeface="Georgia Pro Condensed"/>
                 <a:sym typeface="Georgia Pro Condensed"/>
@@ -5713,24 +6642,24 @@
                 <a:solidFill>
                   <a:srgbClr val="F5F3F3"/>
                 </a:solidFill>
-                <a:latin typeface="Georgia Pro Condensed"/>
+                <a:latin typeface="Georgia Pro Condensed" panose="020B0604020202020204" charset="0"/>
                 <a:ea typeface="Georgia Pro Condensed"/>
                 <a:cs typeface="Georgia Pro Condensed"/>
                 <a:sym typeface="Georgia Pro Condensed"/>
               </a:rPr>
-              <a:t>Modellazione</a:t>
+              <a:t>modellazione</a:t>
             </a:r>
             <a:r>
               <a:rPr lang="en-US" sz="3999" spc="-59" dirty="0">
                 <a:solidFill>
                   <a:srgbClr val="F5F3F3"/>
                 </a:solidFill>
-                <a:latin typeface="Georgia Pro Condensed"/>
+                <a:latin typeface="Georgia Pro Condensed" panose="020B0604020202020204" charset="0"/>
                 <a:ea typeface="Georgia Pro Condensed"/>
                 <a:cs typeface="Georgia Pro Condensed"/>
                 <a:sym typeface="Georgia Pro Condensed"/>
               </a:rPr>
-              <a:t> Sensor;</a:t>
+              <a:t> Sensor,</a:t>
             </a:r>
           </a:p>
           <a:p>
@@ -5746,12 +6675,12 @@
                 <a:solidFill>
                   <a:srgbClr val="F5F3F3"/>
                 </a:solidFill>
-                <a:latin typeface="Georgia Pro Condensed"/>
+                <a:latin typeface="Georgia Pro Condensed" panose="020B0604020202020204" charset="0"/>
                 <a:ea typeface="Georgia Pro Condensed"/>
                 <a:cs typeface="Georgia Pro Condensed"/>
                 <a:sym typeface="Georgia Pro Condensed"/>
               </a:rPr>
-              <a:t>Sonar;</a:t>
+              <a:t>sonar,</a:t>
             </a:r>
           </a:p>
           <a:p>
@@ -5767,12 +6696,12 @@
                 <a:solidFill>
                   <a:srgbClr val="F5F3F3"/>
                 </a:solidFill>
-                <a:latin typeface="Georgia Pro Condensed"/>
+                <a:latin typeface="Georgia Pro Condensed" panose="020B0604020202020204" charset="0"/>
                 <a:ea typeface="Georgia Pro Condensed"/>
                 <a:cs typeface="Georgia Pro Condensed"/>
                 <a:sym typeface="Georgia Pro Condensed"/>
               </a:rPr>
-              <a:t>Led;</a:t>
+              <a:t>led,</a:t>
             </a:r>
           </a:p>
           <a:p>
@@ -5788,12 +6717,12 @@
                 <a:solidFill>
                   <a:srgbClr val="F5F3F3"/>
                 </a:solidFill>
-                <a:latin typeface="Georgia Pro Condensed"/>
+                <a:latin typeface="Georgia Pro Condensed" panose="020B0604020202020204" charset="0"/>
                 <a:ea typeface="Georgia Pro Condensed"/>
                 <a:cs typeface="Georgia Pro Condensed"/>
                 <a:sym typeface="Georgia Pro Condensed"/>
               </a:rPr>
-              <a:t>Test;</a:t>
+              <a:t>test,</a:t>
             </a:r>
           </a:p>
           <a:p>
@@ -5809,12 +6738,12 @@
                 <a:solidFill>
                   <a:srgbClr val="F5F3F3"/>
                 </a:solidFill>
-                <a:latin typeface="Georgia Pro Condensed"/>
+                <a:latin typeface="Georgia Pro Condensed" panose="020B0604020202020204" charset="0"/>
                 <a:ea typeface="Georgia Pro Condensed"/>
                 <a:cs typeface="Georgia Pro Condensed"/>
                 <a:sym typeface="Georgia Pro Condensed"/>
               </a:rPr>
-              <a:t>Deployment;</a:t>
+              <a:t>deployment.</a:t>
             </a:r>
           </a:p>
           <a:p>
@@ -5827,7 +6756,7 @@
               <a:solidFill>
                 <a:srgbClr val="F5F3F3"/>
               </a:solidFill>
-              <a:latin typeface="Georgia Pro Condensed"/>
+              <a:latin typeface="Georgia Pro Condensed" panose="020B0604020202020204" charset="0"/>
               <a:ea typeface="Georgia Pro Condensed"/>
               <a:cs typeface="Georgia Pro Condensed"/>
               <a:sym typeface="Georgia Pro Condensed"/>
@@ -5925,7 +6854,9 @@
             <a:bodyPr/>
             <a:lstStyle/>
             <a:p>
-              <a:endParaRPr lang="it-IT"/>
+              <a:endParaRPr lang="it-IT">
+                <a:latin typeface="Georgia Pro Condensed" panose="020B0604020202020204" charset="0"/>
+              </a:endParaRPr>
             </a:p>
           </p:txBody>
         </p:sp>
@@ -5953,7 +6884,9 @@
                   <a:spcPts val="2800"/>
                 </a:lnSpc>
               </a:pPr>
-              <a:endParaRPr/>
+              <a:endParaRPr>
+                <a:latin typeface="Georgia Pro Condensed" panose="020B0604020202020204" charset="0"/>
+              </a:endParaRPr>
             </a:p>
           </p:txBody>
         </p:sp>
@@ -6007,7 +6940,9 @@
           <a:bodyPr/>
           <a:lstStyle/>
           <a:p>
-            <a:endParaRPr lang="it-IT"/>
+            <a:endParaRPr lang="it-IT">
+              <a:latin typeface="Georgia Pro Condensed" panose="020B0604020202020204" charset="0"/>
+            </a:endParaRPr>
           </a:p>
         </p:txBody>
       </p:sp>
@@ -6020,7 +6955,7 @@
         <p:spPr>
           <a:xfrm>
             <a:off x="666750" y="809625"/>
-            <a:ext cx="6886575" cy="1069976"/>
+            <a:ext cx="6886575" cy="1025922"/>
           </a:xfrm>
           <a:prstGeom prst="rect">
             <a:avLst/>
@@ -6045,7 +6980,7 @@
                 <a:solidFill>
                   <a:srgbClr val="F5F3F3"/>
                 </a:solidFill>
-                <a:latin typeface="Georgia Pro Condensed"/>
+                <a:latin typeface="Georgia Pro Condensed" panose="020B0604020202020204" charset="0"/>
                 <a:ea typeface="Georgia Pro Condensed"/>
                 <a:cs typeface="Georgia Pro Condensed"/>
                 <a:sym typeface="Georgia Pro Condensed"/>
@@ -6082,16 +7017,52 @@
               </a:lnSpc>
             </a:pPr>
             <a:r>
-              <a:rPr lang="en-US" sz="5000" spc="-75">
-                <a:solidFill>
-                  <a:srgbClr val="F5F3F3"/>
-                </a:solidFill>
-                <a:latin typeface="Georgia Pro Condensed"/>
+              <a:rPr lang="en-US" sz="5000" spc="-75" dirty="0" err="1">
+                <a:solidFill>
+                  <a:srgbClr val="F5F3F3"/>
+                </a:solidFill>
+                <a:latin typeface="Georgia Pro Condensed" panose="020B0604020202020204" charset="0"/>
                 <a:ea typeface="Georgia Pro Condensed"/>
                 <a:cs typeface="Georgia Pro Condensed"/>
                 <a:sym typeface="Georgia Pro Condensed"/>
               </a:rPr>
-              <a:t>Punti chiave:</a:t>
+              <a:t>Punti</a:t>
+            </a:r>
+            <a:r>
+              <a:rPr lang="en-US" sz="5000" spc="-75" dirty="0">
+                <a:solidFill>
+                  <a:srgbClr val="F5F3F3"/>
+                </a:solidFill>
+                <a:latin typeface="Georgia Pro Condensed" panose="020B0604020202020204" charset="0"/>
+                <a:ea typeface="Georgia Pro Condensed"/>
+                <a:cs typeface="Georgia Pro Condensed"/>
+                <a:sym typeface="Georgia Pro Condensed"/>
+              </a:rPr>
+              <a:t> </a:t>
+            </a:r>
+            <a:r>
+              <a:rPr lang="en-US" sz="5000" spc="-75" dirty="0" err="1">
+                <a:solidFill>
+                  <a:srgbClr val="F5F3F3"/>
+                </a:solidFill>
+                <a:latin typeface="Georgia Pro Condensed" panose="020B0604020202020204" charset="0"/>
+                <a:ea typeface="Georgia Pro Condensed"/>
+                <a:cs typeface="Georgia Pro Condensed"/>
+                <a:sym typeface="Georgia Pro Condensed"/>
+              </a:rPr>
+              <a:t>chiave</a:t>
+            </a:r>
+            <a:r>
+              <a:rPr lang="en-US" sz="5000" spc="-75" dirty="0">
+                <a:solidFill>
+                  <a:srgbClr val="F5F3F3"/>
+                </a:solidFill>
+                <a:latin typeface="Georgia Pro Condensed" panose="020B0604020202020204" charset="0"/>
+                <a:ea typeface="Georgia Pro Condensed"/>
+                <a:cs typeface="Georgia Pro Condensed"/>
+                <a:sym typeface="Georgia Pro Condensed"/>
+              </a:rPr>
+              <a:t>:</a:t>
             </a:r>
           </a:p>
           <a:p>
@@ -6103,16 +7074,28 @@
               <a:buChar char="•"/>
             </a:pPr>
             <a:r>
-              <a:rPr lang="en-US" sz="3999" spc="-59">
-                <a:solidFill>
-                  <a:srgbClr val="F5F3F3"/>
-                </a:solidFill>
-                <a:latin typeface="Georgia Pro Condensed"/>
+              <a:rPr lang="en-US" sz="3999" spc="-59" dirty="0" err="1">
+                <a:solidFill>
+                  <a:srgbClr val="F5F3F3"/>
+                </a:solidFill>
+                <a:latin typeface="Georgia Pro Condensed" panose="020B0604020202020204" charset="0"/>
                 <a:ea typeface="Georgia Pro Condensed"/>
                 <a:cs typeface="Georgia Pro Condensed"/>
                 <a:sym typeface="Georgia Pro Condensed"/>
               </a:rPr>
-              <a:t>Modellazione GUI;</a:t>
+              <a:t>modellazione</a:t>
+            </a:r>
+            <a:r>
+              <a:rPr lang="en-US" sz="3999" spc="-59" dirty="0">
+                <a:solidFill>
+                  <a:srgbClr val="F5F3F3"/>
+                </a:solidFill>
+                <a:latin typeface="Georgia Pro Condensed" panose="020B0604020202020204" charset="0"/>
+                <a:ea typeface="Georgia Pro Condensed"/>
+                <a:cs typeface="Georgia Pro Condensed"/>
+                <a:sym typeface="Georgia Pro Condensed"/>
+              </a:rPr>
+              <a:t> GUI,</a:t>
             </a:r>
           </a:p>
           <a:p>
@@ -6124,16 +7107,52 @@
               <a:buChar char="•"/>
             </a:pPr>
             <a:r>
-              <a:rPr lang="en-US" sz="3999" spc="-59">
-                <a:solidFill>
-                  <a:srgbClr val="F5F3F3"/>
-                </a:solidFill>
-                <a:latin typeface="Georgia Pro Condensed"/>
+              <a:rPr lang="en-US" sz="3999" spc="-59" dirty="0" err="1">
+                <a:solidFill>
+                  <a:srgbClr val="F5F3F3"/>
+                </a:solidFill>
+                <a:latin typeface="Georgia Pro Condensed" panose="020B0604020202020204" charset="0"/>
                 <a:ea typeface="Georgia Pro Condensed"/>
                 <a:cs typeface="Georgia Pro Condensed"/>
                 <a:sym typeface="Georgia Pro Condensed"/>
               </a:rPr>
-              <a:t>Estrazione stato hold;</a:t>
+              <a:t>estrazione</a:t>
+            </a:r>
+            <a:r>
+              <a:rPr lang="en-US" sz="3999" spc="-59" dirty="0">
+                <a:solidFill>
+                  <a:srgbClr val="F5F3F3"/>
+                </a:solidFill>
+                <a:latin typeface="Georgia Pro Condensed" panose="020B0604020202020204" charset="0"/>
+                <a:ea typeface="Georgia Pro Condensed"/>
+                <a:cs typeface="Georgia Pro Condensed"/>
+                <a:sym typeface="Georgia Pro Condensed"/>
+              </a:rPr>
+              <a:t> </a:t>
+            </a:r>
+            <a:r>
+              <a:rPr lang="en-US" sz="3999" spc="-59" dirty="0" err="1">
+                <a:solidFill>
+                  <a:srgbClr val="F5F3F3"/>
+                </a:solidFill>
+                <a:latin typeface="Georgia Pro Condensed" panose="020B0604020202020204" charset="0"/>
+                <a:ea typeface="Georgia Pro Condensed"/>
+                <a:cs typeface="Georgia Pro Condensed"/>
+                <a:sym typeface="Georgia Pro Condensed"/>
+              </a:rPr>
+              <a:t>stato</a:t>
+            </a:r>
+            <a:r>
+              <a:rPr lang="en-US" sz="3999" spc="-59" dirty="0">
+                <a:solidFill>
+                  <a:srgbClr val="F5F3F3"/>
+                </a:solidFill>
+                <a:latin typeface="Georgia Pro Condensed" panose="020B0604020202020204" charset="0"/>
+                <a:ea typeface="Georgia Pro Condensed"/>
+                <a:cs typeface="Georgia Pro Condensed"/>
+                <a:sym typeface="Georgia Pro Condensed"/>
+              </a:rPr>
+              <a:t> hold,</a:t>
             </a:r>
           </a:p>
           <a:p>
@@ -6145,16 +7164,52 @@
               <a:buChar char="•"/>
             </a:pPr>
             <a:r>
-              <a:rPr lang="en-US" sz="3999" spc="-59">
-                <a:solidFill>
-                  <a:srgbClr val="F5F3F3"/>
-                </a:solidFill>
-                <a:latin typeface="Georgia Pro Condensed"/>
+              <a:rPr lang="en-US" sz="3999" spc="-59" dirty="0" err="1">
+                <a:solidFill>
+                  <a:srgbClr val="F5F3F3"/>
+                </a:solidFill>
+                <a:latin typeface="Georgia Pro Condensed" panose="020B0604020202020204" charset="0"/>
                 <a:ea typeface="Georgia Pro Condensed"/>
                 <a:cs typeface="Georgia Pro Condensed"/>
                 <a:sym typeface="Georgia Pro Condensed"/>
               </a:rPr>
-              <a:t>Visualizzazione stato hold;</a:t>
+              <a:t>visualizzazione</a:t>
+            </a:r>
+            <a:r>
+              <a:rPr lang="en-US" sz="3999" spc="-59" dirty="0">
+                <a:solidFill>
+                  <a:srgbClr val="F5F3F3"/>
+                </a:solidFill>
+                <a:latin typeface="Georgia Pro Condensed" panose="020B0604020202020204" charset="0"/>
+                <a:ea typeface="Georgia Pro Condensed"/>
+                <a:cs typeface="Georgia Pro Condensed"/>
+                <a:sym typeface="Georgia Pro Condensed"/>
+              </a:rPr>
+              <a:t> </a:t>
+            </a:r>
+            <a:r>
+              <a:rPr lang="en-US" sz="3999" spc="-59" dirty="0" err="1">
+                <a:solidFill>
+                  <a:srgbClr val="F5F3F3"/>
+                </a:solidFill>
+                <a:latin typeface="Georgia Pro Condensed" panose="020B0604020202020204" charset="0"/>
+                <a:ea typeface="Georgia Pro Condensed"/>
+                <a:cs typeface="Georgia Pro Condensed"/>
+                <a:sym typeface="Georgia Pro Condensed"/>
+              </a:rPr>
+              <a:t>stato</a:t>
+            </a:r>
+            <a:r>
+              <a:rPr lang="en-US" sz="3999" spc="-59" dirty="0">
+                <a:solidFill>
+                  <a:srgbClr val="F5F3F3"/>
+                </a:solidFill>
+                <a:latin typeface="Georgia Pro Condensed" panose="020B0604020202020204" charset="0"/>
+                <a:ea typeface="Georgia Pro Condensed"/>
+                <a:cs typeface="Georgia Pro Condensed"/>
+                <a:sym typeface="Georgia Pro Condensed"/>
+              </a:rPr>
+              <a:t> hold,</a:t>
             </a:r>
           </a:p>
           <a:p>
@@ -6166,16 +7221,16 @@
               <a:buChar char="•"/>
             </a:pPr>
             <a:r>
-              <a:rPr lang="en-US" sz="3999" spc="-59">
-                <a:solidFill>
-                  <a:srgbClr val="F5F3F3"/>
-                </a:solidFill>
-                <a:latin typeface="Georgia Pro Condensed"/>
+              <a:rPr lang="en-US" sz="3999" spc="-59" dirty="0">
+                <a:solidFill>
+                  <a:srgbClr val="F5F3F3"/>
+                </a:solidFill>
+                <a:latin typeface="Georgia Pro Condensed" panose="020B0604020202020204" charset="0"/>
                 <a:ea typeface="Georgia Pro Condensed"/>
                 <a:cs typeface="Georgia Pro Condensed"/>
                 <a:sym typeface="Georgia Pro Condensed"/>
               </a:rPr>
-              <a:t>Test;</a:t>
+              <a:t>test,</a:t>
             </a:r>
           </a:p>
           <a:p>
@@ -6187,16 +7242,16 @@
               <a:buChar char="•"/>
             </a:pPr>
             <a:r>
-              <a:rPr lang="en-US" sz="3999" spc="-59">
-                <a:solidFill>
-                  <a:srgbClr val="F5F3F3"/>
-                </a:solidFill>
-                <a:latin typeface="Georgia Pro Condensed"/>
+              <a:rPr lang="en-US" sz="3999" spc="-59" dirty="0">
+                <a:solidFill>
+                  <a:srgbClr val="F5F3F3"/>
+                </a:solidFill>
+                <a:latin typeface="Georgia Pro Condensed" panose="020B0604020202020204" charset="0"/>
                 <a:ea typeface="Georgia Pro Condensed"/>
                 <a:cs typeface="Georgia Pro Condensed"/>
                 <a:sym typeface="Georgia Pro Condensed"/>
               </a:rPr>
-              <a:t>Deployment;</a:t>
+              <a:t>deployment.</a:t>
             </a:r>
           </a:p>
           <a:p>
@@ -6205,11 +7260,11 @@
                 <a:spcPts val="5599"/>
               </a:lnSpc>
             </a:pPr>
-            <a:endParaRPr lang="en-US" sz="3999" spc="-59">
+            <a:endParaRPr lang="en-US" sz="3999" spc="-59" dirty="0">
               <a:solidFill>
                 <a:srgbClr val="F5F3F3"/>
               </a:solidFill>
-              <a:latin typeface="Georgia Pro Condensed"/>
+              <a:latin typeface="Georgia Pro Condensed" panose="020B0604020202020204" charset="0"/>
               <a:ea typeface="Georgia Pro Condensed"/>
               <a:cs typeface="Georgia Pro Condensed"/>
               <a:sym typeface="Georgia Pro Condensed"/>
@@ -6432,7 +7487,7 @@
               </a:lnSpc>
             </a:pPr>
             <a:r>
-              <a:rPr lang="en-US" sz="14956" spc="-523">
+              <a:rPr lang="en-US" sz="14956" spc="-523" dirty="0">
                 <a:solidFill>
                   <a:srgbClr val="F5F3F3"/>
                 </a:solidFill>

--- a/ISS25_Cargoservice.pptx
+++ b/ISS25_Cargoservice.pptx
@@ -3344,7 +3344,7 @@
         <p:spPr>
           <a:xfrm>
             <a:off x="1028700" y="4279821"/>
-            <a:ext cx="7845028" cy="1820545"/>
+            <a:ext cx="7845028" cy="2728824"/>
           </a:xfrm>
           <a:prstGeom prst="rect">
             <a:avLst/>
@@ -3371,7 +3371,7 @@
                 <a:cs typeface="Georgia Pro Condensed"/>
                 <a:sym typeface="Georgia Pro Condensed"/>
               </a:rPr>
-              <a:t>Ingneria</a:t>
+              <a:t>Ingegneria</a:t>
             </a:r>
             <a:r>
               <a:rPr lang="en-US" sz="5199" dirty="0">

--- a/ISS25_Cargoservice.pptx
+++ b/ISS25_Cargoservice.pptx
@@ -6899,8 +6899,8 @@
         </p:nvSpPr>
         <p:spPr>
           <a:xfrm>
-            <a:off x="6067662" y="690455"/>
-            <a:ext cx="11273532" cy="8906091"/>
+            <a:off x="7467600" y="1202477"/>
+            <a:ext cx="10025994" cy="7882045"/>
           </a:xfrm>
           <a:custGeom>
             <a:avLst/>
@@ -6999,7 +6999,7 @@
         <p:spPr>
           <a:xfrm>
             <a:off x="666750" y="2533650"/>
-            <a:ext cx="5400912" cy="5819775"/>
+            <a:ext cx="5400912" cy="2991332"/>
           </a:xfrm>
           <a:prstGeom prst="rect">
             <a:avLst/>
@@ -7083,7 +7083,7 @@
                 <a:cs typeface="Georgia Pro Condensed"/>
                 <a:sym typeface="Georgia Pro Condensed"/>
               </a:rPr>
-              <a:t>modellazione</a:t>
+              <a:t>visualizzazione</a:t>
             </a:r>
             <a:r>
               <a:rPr lang="en-US" sz="3999" spc="-59" dirty="0">
@@ -7095,17 +7095,8 @@
                 <a:cs typeface="Georgia Pro Condensed"/>
                 <a:sym typeface="Georgia Pro Condensed"/>
               </a:rPr>
-              <a:t> GUI,</a:t>
-            </a:r>
-          </a:p>
-          <a:p>
-            <a:pPr marL="863599" lvl="1" indent="-431800" algn="l">
-              <a:lnSpc>
-                <a:spcPts val="5599"/>
-              </a:lnSpc>
-              <a:buFont typeface="Arial"/>
-              <a:buChar char="•"/>
-            </a:pPr>
+              <a:t> </a:t>
+            </a:r>
             <a:r>
               <a:rPr lang="en-US" sz="3999" spc="-59" dirty="0" err="1">
                 <a:solidFill>
@@ -7116,7 +7107,7 @@
                 <a:cs typeface="Georgia Pro Condensed"/>
                 <a:sym typeface="Georgia Pro Condensed"/>
               </a:rPr>
-              <a:t>estrazione</a:t>
+              <a:t>stato</a:t>
             </a:r>
             <a:r>
               <a:rPr lang="en-US" sz="3999" spc="-59" dirty="0">
@@ -7128,130 +7119,7 @@
                 <a:cs typeface="Georgia Pro Condensed"/>
                 <a:sym typeface="Georgia Pro Condensed"/>
               </a:rPr>
-              <a:t> </a:t>
-            </a:r>
-            <a:r>
-              <a:rPr lang="en-US" sz="3999" spc="-59" dirty="0" err="1">
-                <a:solidFill>
-                  <a:srgbClr val="F5F3F3"/>
-                </a:solidFill>
-                <a:latin typeface="Georgia Pro Condensed" panose="020B0604020202020204" charset="0"/>
-                <a:ea typeface="Georgia Pro Condensed"/>
-                <a:cs typeface="Georgia Pro Condensed"/>
-                <a:sym typeface="Georgia Pro Condensed"/>
-              </a:rPr>
-              <a:t>stato</a:t>
-            </a:r>
-            <a:r>
-              <a:rPr lang="en-US" sz="3999" spc="-59" dirty="0">
-                <a:solidFill>
-                  <a:srgbClr val="F5F3F3"/>
-                </a:solidFill>
-                <a:latin typeface="Georgia Pro Condensed" panose="020B0604020202020204" charset="0"/>
-                <a:ea typeface="Georgia Pro Condensed"/>
-                <a:cs typeface="Georgia Pro Condensed"/>
-                <a:sym typeface="Georgia Pro Condensed"/>
-              </a:rPr>
-              <a:t> hold,</a:t>
-            </a:r>
-          </a:p>
-          <a:p>
-            <a:pPr marL="863599" lvl="1" indent="-431800" algn="l">
-              <a:lnSpc>
-                <a:spcPts val="5599"/>
-              </a:lnSpc>
-              <a:buFont typeface="Arial"/>
-              <a:buChar char="•"/>
-            </a:pPr>
-            <a:r>
-              <a:rPr lang="en-US" sz="3999" spc="-59" dirty="0" err="1">
-                <a:solidFill>
-                  <a:srgbClr val="F5F3F3"/>
-                </a:solidFill>
-                <a:latin typeface="Georgia Pro Condensed" panose="020B0604020202020204" charset="0"/>
-                <a:ea typeface="Georgia Pro Condensed"/>
-                <a:cs typeface="Georgia Pro Condensed"/>
-                <a:sym typeface="Georgia Pro Condensed"/>
-              </a:rPr>
-              <a:t>visualizzazione</a:t>
-            </a:r>
-            <a:r>
-              <a:rPr lang="en-US" sz="3999" spc="-59" dirty="0">
-                <a:solidFill>
-                  <a:srgbClr val="F5F3F3"/>
-                </a:solidFill>
-                <a:latin typeface="Georgia Pro Condensed" panose="020B0604020202020204" charset="0"/>
-                <a:ea typeface="Georgia Pro Condensed"/>
-                <a:cs typeface="Georgia Pro Condensed"/>
-                <a:sym typeface="Georgia Pro Condensed"/>
-              </a:rPr>
-              <a:t> </a:t>
-            </a:r>
-            <a:r>
-              <a:rPr lang="en-US" sz="3999" spc="-59" dirty="0" err="1">
-                <a:solidFill>
-                  <a:srgbClr val="F5F3F3"/>
-                </a:solidFill>
-                <a:latin typeface="Georgia Pro Condensed" panose="020B0604020202020204" charset="0"/>
-                <a:ea typeface="Georgia Pro Condensed"/>
-                <a:cs typeface="Georgia Pro Condensed"/>
-                <a:sym typeface="Georgia Pro Condensed"/>
-              </a:rPr>
-              <a:t>stato</a:t>
-            </a:r>
-            <a:r>
-              <a:rPr lang="en-US" sz="3999" spc="-59" dirty="0">
-                <a:solidFill>
-                  <a:srgbClr val="F5F3F3"/>
-                </a:solidFill>
-                <a:latin typeface="Georgia Pro Condensed" panose="020B0604020202020204" charset="0"/>
-                <a:ea typeface="Georgia Pro Condensed"/>
-                <a:cs typeface="Georgia Pro Condensed"/>
-                <a:sym typeface="Georgia Pro Condensed"/>
-              </a:rPr>
-              <a:t> hold,</a:t>
-            </a:r>
-          </a:p>
-          <a:p>
-            <a:pPr marL="863599" lvl="1" indent="-431800" algn="l">
-              <a:lnSpc>
-                <a:spcPts val="5599"/>
-              </a:lnSpc>
-              <a:buFont typeface="Arial"/>
-              <a:buChar char="•"/>
-            </a:pPr>
-            <a:r>
-              <a:rPr lang="en-US" sz="3999" spc="-59" dirty="0">
-                <a:solidFill>
-                  <a:srgbClr val="F5F3F3"/>
-                </a:solidFill>
-                <a:latin typeface="Georgia Pro Condensed" panose="020B0604020202020204" charset="0"/>
-                <a:ea typeface="Georgia Pro Condensed"/>
-                <a:cs typeface="Georgia Pro Condensed"/>
-                <a:sym typeface="Georgia Pro Condensed"/>
-              </a:rPr>
-              <a:t>test,</a:t>
-            </a:r>
-          </a:p>
-          <a:p>
-            <a:pPr marL="863599" lvl="1" indent="-431800" algn="l">
-              <a:lnSpc>
-                <a:spcPts val="5599"/>
-              </a:lnSpc>
-              <a:buFont typeface="Arial"/>
-              <a:buChar char="•"/>
-            </a:pPr>
-            <a:r>
-              <a:rPr lang="en-US" sz="3999" spc="-59" dirty="0">
-                <a:solidFill>
-                  <a:srgbClr val="F5F3F3"/>
-                </a:solidFill>
-                <a:latin typeface="Georgia Pro Condensed" panose="020B0604020202020204" charset="0"/>
-                <a:ea typeface="Georgia Pro Condensed"/>
-                <a:cs typeface="Georgia Pro Condensed"/>
-                <a:sym typeface="Georgia Pro Condensed"/>
-              </a:rPr>
-              <a:t>deployment.</a:t>
+              <a:t> hold.</a:t>
             </a:r>
           </a:p>
           <a:p>
@@ -7272,6 +7140,42 @@
           </a:p>
         </p:txBody>
       </p:sp>
+      <p:pic>
+        <p:nvPicPr>
+          <p:cNvPr id="9" name="Immagine 8" descr="Immagine che contiene testo, schermata, software, schermo&#10;&#10;Il contenuto generato dall'IA potrebbe non essere corretto.">
+            <a:extLst>
+              <a:ext uri="{FF2B5EF4-FFF2-40B4-BE49-F238E27FC236}">
+                <a16:creationId xmlns:a16="http://schemas.microsoft.com/office/drawing/2014/main" id="{E069F4AE-1B14-A7BB-EBA5-FF4507F50DAF}"/>
+              </a:ext>
+            </a:extLst>
+          </p:cNvPr>
+          <p:cNvPicPr>
+            <a:picLocks noChangeAspect="1"/>
+          </p:cNvPicPr>
+          <p:nvPr/>
+        </p:nvPicPr>
+        <p:blipFill>
+          <a:blip r:embed="rId3">
+            <a:extLst>
+              <a:ext uri="{28A0092B-C50C-407E-A947-70E740481C1C}">
+                <a14:useLocalDpi xmlns:a14="http://schemas.microsoft.com/office/drawing/2010/main" val="0"/>
+              </a:ext>
+            </a:extLst>
+          </a:blip>
+          <a:stretch>
+            <a:fillRect/>
+          </a:stretch>
+        </p:blipFill>
+        <p:spPr>
+          <a:xfrm>
+            <a:off x="602993" y="5333669"/>
+            <a:ext cx="6676973" cy="3776663"/>
+          </a:xfrm>
+          <a:prstGeom prst="rect">
+            <a:avLst/>
+          </a:prstGeom>
+        </p:spPr>
+      </p:pic>
     </p:spTree>
   </p:cSld>
   <p:clrMapOvr>
